--- a/cs501 Demo2.pptx
+++ b/cs501 Demo2.pptx
@@ -1,11 +1,11 @@
 
 <file path=ppt/presentation.xml><?xml version="1.0" encoding="utf-8"?>
-<p:presentation xmlns:a="http://schemas.openxmlformats.org/drawingml/2006/main" xmlns:r="http://schemas.openxmlformats.org/officeDocument/2006/relationships" xmlns:p="http://schemas.openxmlformats.org/presentationml/2006/main" saveSubsetFonts="1">
+<p:presentation xmlns:a="http://schemas.openxmlformats.org/drawingml/2006/main" xmlns:r="http://schemas.openxmlformats.org/officeDocument/2006/relationships" xmlns:p="http://schemas.openxmlformats.org/presentationml/2006/main">
   <p:sldMasterIdLst>
     <p:sldMasterId id="2147483648" r:id="rId1"/>
   </p:sldMasterIdLst>
   <p:notesMasterIdLst>
-    <p:notesMasterId r:id="rId15"/>
+    <p:notesMasterId r:id="rId16"/>
   </p:notesMasterIdLst>
   <p:sldIdLst>
     <p:sldId id="288" r:id="rId2"/>
@@ -13,14 +13,15 @@
     <p:sldId id="292" r:id="rId4"/>
     <p:sldId id="311" r:id="rId5"/>
     <p:sldId id="309" r:id="rId6"/>
-    <p:sldId id="301" r:id="rId7"/>
-    <p:sldId id="303" r:id="rId8"/>
-    <p:sldId id="299" r:id="rId9"/>
-    <p:sldId id="306" r:id="rId10"/>
-    <p:sldId id="263" r:id="rId11"/>
-    <p:sldId id="305" r:id="rId12"/>
-    <p:sldId id="293" r:id="rId13"/>
-    <p:sldId id="290" r:id="rId14"/>
+    <p:sldId id="258" r:id="rId7"/>
+    <p:sldId id="301" r:id="rId8"/>
+    <p:sldId id="303" r:id="rId9"/>
+    <p:sldId id="299" r:id="rId10"/>
+    <p:sldId id="306" r:id="rId11"/>
+    <p:sldId id="263" r:id="rId12"/>
+    <p:sldId id="305" r:id="rId13"/>
+    <p:sldId id="293" r:id="rId14"/>
+    <p:sldId id="290" r:id="rId15"/>
   </p:sldIdLst>
   <p:sldSz cx="12192000" cy="6858000"/>
   <p:notesSz cx="6858000" cy="9144000"/>
@@ -374,11 +375,6 @@
         </p:txBody>
       </p:sp>
     </p:spTree>
-    <p:extLst>
-      <p:ext uri="{BB962C8B-B14F-4D97-AF65-F5344CB8AC3E}">
-        <p14:creationId xmlns:p14="http://schemas.microsoft.com/office/powerpoint/2010/main" val="2012534390"/>
-      </p:ext>
-    </p:extLst>
   </p:cSld>
   <p:clrMap bg1="lt1" tx1="dk1" bg2="lt2" tx2="dk2" accent1="accent1" accent2="accent2" accent3="accent3" accent4="accent4" accent5="accent5" accent6="accent6" hlink="hlink" folHlink="folHlink"/>
   <p:notesStyle>
@@ -548,11 +544,6 @@
         </p:txBody>
       </p:sp>
     </p:spTree>
-    <p:extLst>
-      <p:ext uri="{BB962C8B-B14F-4D97-AF65-F5344CB8AC3E}">
-        <p14:creationId xmlns:p14="http://schemas.microsoft.com/office/powerpoint/2010/main" val="3781117044"/>
-      </p:ext>
-    </p:extLst>
   </p:cSld>
   <p:clrMapOvr>
     <a:masterClrMapping/>
@@ -561,6 +552,85 @@
 </file>
 
 <file path=ppt/notesSlides/notesSlide10.xml><?xml version="1.0" encoding="utf-8"?>
+<p:notes xmlns:a="http://schemas.openxmlformats.org/drawingml/2006/main" xmlns:r="http://schemas.openxmlformats.org/officeDocument/2006/relationships" xmlns:p="http://schemas.openxmlformats.org/presentationml/2006/main">
+  <p:cSld>
+    <p:spTree>
+      <p:nvGrpSpPr>
+        <p:cNvPr id="1" name=""/>
+        <p:cNvGrpSpPr/>
+        <p:nvPr/>
+      </p:nvGrpSpPr>
+      <p:grpSpPr>
+        <a:xfrm>
+          <a:off x="0" y="0"/>
+          <a:ext cx="0" cy="0"/>
+          <a:chOff x="0" y="0"/>
+          <a:chExt cx="0" cy="0"/>
+        </a:xfrm>
+      </p:grpSpPr>
+      <p:sp>
+        <p:nvSpPr>
+          <p:cNvPr id="2" name="幻灯片图像占位符 1"/>
+          <p:cNvSpPr>
+            <a:spLocks noGrp="1" noRot="1" noChangeAspect="1"/>
+          </p:cNvSpPr>
+          <p:nvPr>
+            <p:ph type="sldImg"/>
+          </p:nvPr>
+        </p:nvSpPr>
+        <p:spPr/>
+      </p:sp>
+      <p:sp>
+        <p:nvSpPr>
+          <p:cNvPr id="3" name="备注占位符 2"/>
+          <p:cNvSpPr>
+            <a:spLocks noGrp="1"/>
+          </p:cNvSpPr>
+          <p:nvPr>
+            <p:ph type="body" idx="1"/>
+          </p:nvPr>
+        </p:nvSpPr>
+        <p:spPr/>
+        <p:txBody>
+          <a:bodyPr/>
+          <a:lstStyle/>
+          <a:p>
+            <a:endParaRPr lang="zh-CN" altLang="en-US" dirty="0"/>
+          </a:p>
+        </p:txBody>
+      </p:sp>
+      <p:sp>
+        <p:nvSpPr>
+          <p:cNvPr id="4" name="灯片编号占位符 3"/>
+          <p:cNvSpPr>
+            <a:spLocks noGrp="1"/>
+          </p:cNvSpPr>
+          <p:nvPr>
+            <p:ph type="sldNum" sz="quarter" idx="5"/>
+          </p:nvPr>
+        </p:nvSpPr>
+        <p:spPr/>
+        <p:txBody>
+          <a:bodyPr/>
+          <a:lstStyle/>
+          <a:p>
+            <a:fld id="{6BB39CB8-6A4D-410E-AE32-A931C305A9B5}" type="slidenum">
+              <a:rPr lang="zh-CN" altLang="en-US" smtClean="0"/>
+              <a:t>10</a:t>
+            </a:fld>
+            <a:endParaRPr lang="zh-CN" altLang="en-US"/>
+          </a:p>
+        </p:txBody>
+      </p:sp>
+    </p:spTree>
+  </p:cSld>
+  <p:clrMapOvr>
+    <a:masterClrMapping/>
+  </p:clrMapOvr>
+</p:notes>
+</file>
+
+<file path=ppt/notesSlides/notesSlide11.xml><?xml version="1.0" encoding="utf-8"?>
 <p:notes xmlns:a="http://schemas.openxmlformats.org/drawingml/2006/main" xmlns:r="http://schemas.openxmlformats.org/officeDocument/2006/relationships" xmlns:p="http://schemas.openxmlformats.org/presentationml/2006/main" showMasterSp="0" showMasterPhAnim="0">
   <p:cSld>
     <p:spTree>
@@ -664,114 +734,6 @@
 </p:notes>
 </file>
 
-<file path=ppt/notesSlides/notesSlide11.xml><?xml version="1.0" encoding="utf-8"?>
-<p:notes xmlns:a="http://schemas.openxmlformats.org/drawingml/2006/main" xmlns:r="http://schemas.openxmlformats.org/officeDocument/2006/relationships" xmlns:p="http://schemas.openxmlformats.org/presentationml/2006/main">
-  <p:cSld>
-    <p:spTree>
-      <p:nvGrpSpPr>
-        <p:cNvPr id="1" name="">
-          <a:extLst>
-            <a:ext uri="{FF2B5EF4-FFF2-40B4-BE49-F238E27FC236}">
-              <a16:creationId xmlns:a16="http://schemas.microsoft.com/office/drawing/2014/main" id="{61E55E8F-716B-6CEB-67BC-A249DAE754BF}"/>
-            </a:ext>
-          </a:extLst>
-        </p:cNvPr>
-        <p:cNvGrpSpPr/>
-        <p:nvPr/>
-      </p:nvGrpSpPr>
-      <p:grpSpPr>
-        <a:xfrm>
-          <a:off x="0" y="0"/>
-          <a:ext cx="0" cy="0"/>
-          <a:chOff x="0" y="0"/>
-          <a:chExt cx="0" cy="0"/>
-        </a:xfrm>
-      </p:grpSpPr>
-      <p:sp>
-        <p:nvSpPr>
-          <p:cNvPr id="2" name="幻灯片图像占位符 1">
-            <a:extLst>
-              <a:ext uri="{FF2B5EF4-FFF2-40B4-BE49-F238E27FC236}">
-                <a16:creationId xmlns:a16="http://schemas.microsoft.com/office/drawing/2014/main" id="{4C0E0A38-FCA6-259E-660E-721AF968DB33}"/>
-              </a:ext>
-            </a:extLst>
-          </p:cNvPr>
-          <p:cNvSpPr>
-            <a:spLocks noGrp="1" noRot="1" noChangeAspect="1"/>
-          </p:cNvSpPr>
-          <p:nvPr>
-            <p:ph type="sldImg"/>
-          </p:nvPr>
-        </p:nvSpPr>
-        <p:spPr/>
-      </p:sp>
-      <p:sp>
-        <p:nvSpPr>
-          <p:cNvPr id="3" name="备注占位符 2">
-            <a:extLst>
-              <a:ext uri="{FF2B5EF4-FFF2-40B4-BE49-F238E27FC236}">
-                <a16:creationId xmlns:a16="http://schemas.microsoft.com/office/drawing/2014/main" id="{E4568BA0-56A1-179A-9274-EBFA9F0EC697}"/>
-              </a:ext>
-            </a:extLst>
-          </p:cNvPr>
-          <p:cNvSpPr>
-            <a:spLocks noGrp="1"/>
-          </p:cNvSpPr>
-          <p:nvPr>
-            <p:ph type="body" idx="1"/>
-          </p:nvPr>
-        </p:nvSpPr>
-        <p:spPr/>
-        <p:txBody>
-          <a:bodyPr/>
-          <a:lstStyle/>
-          <a:p>
-            <a:endParaRPr lang="zh-CN" altLang="en-US" dirty="0"/>
-          </a:p>
-        </p:txBody>
-      </p:sp>
-      <p:sp>
-        <p:nvSpPr>
-          <p:cNvPr id="4" name="灯片编号占位符 3">
-            <a:extLst>
-              <a:ext uri="{FF2B5EF4-FFF2-40B4-BE49-F238E27FC236}">
-                <a16:creationId xmlns:a16="http://schemas.microsoft.com/office/drawing/2014/main" id="{3A8A1FF2-AA78-759E-BC7D-848B2959D3A4}"/>
-              </a:ext>
-            </a:extLst>
-          </p:cNvPr>
-          <p:cNvSpPr>
-            <a:spLocks noGrp="1"/>
-          </p:cNvSpPr>
-          <p:nvPr>
-            <p:ph type="sldNum" sz="quarter" idx="5"/>
-          </p:nvPr>
-        </p:nvSpPr>
-        <p:spPr/>
-        <p:txBody>
-          <a:bodyPr/>
-          <a:lstStyle/>
-          <a:p>
-            <a:fld id="{6BB39CB8-6A4D-410E-AE32-A931C305A9B5}" type="slidenum">
-              <a:rPr lang="zh-CN" altLang="en-US" smtClean="0"/>
-              <a:t>11</a:t>
-            </a:fld>
-            <a:endParaRPr lang="zh-CN" altLang="en-US"/>
-          </a:p>
-        </p:txBody>
-      </p:sp>
-    </p:spTree>
-    <p:extLst>
-      <p:ext uri="{BB962C8B-B14F-4D97-AF65-F5344CB8AC3E}">
-        <p14:creationId xmlns:p14="http://schemas.microsoft.com/office/powerpoint/2010/main" val="2066251081"/>
-      </p:ext>
-    </p:extLst>
-  </p:cSld>
-  <p:clrMapOvr>
-    <a:masterClrMapping/>
-  </p:clrMapOvr>
-</p:notes>
-</file>
-
 <file path=ppt/notesSlides/notesSlide12.xml><?xml version="1.0" encoding="utf-8"?>
 <p:notes xmlns:a="http://schemas.openxmlformats.org/drawingml/2006/main" xmlns:r="http://schemas.openxmlformats.org/officeDocument/2006/relationships" xmlns:p="http://schemas.openxmlformats.org/presentationml/2006/main">
   <p:cSld>
@@ -844,11 +806,85 @@
         </p:txBody>
       </p:sp>
     </p:spTree>
-    <p:extLst>
-      <p:ext uri="{BB962C8B-B14F-4D97-AF65-F5344CB8AC3E}">
-        <p14:creationId xmlns:p14="http://schemas.microsoft.com/office/powerpoint/2010/main" val="1381385758"/>
-      </p:ext>
-    </p:extLst>
+  </p:cSld>
+  <p:clrMapOvr>
+    <a:masterClrMapping/>
+  </p:clrMapOvr>
+</p:notes>
+</file>
+
+<file path=ppt/notesSlides/notesSlide13.xml><?xml version="1.0" encoding="utf-8"?>
+<p:notes xmlns:a="http://schemas.openxmlformats.org/drawingml/2006/main" xmlns:r="http://schemas.openxmlformats.org/officeDocument/2006/relationships" xmlns:p="http://schemas.openxmlformats.org/presentationml/2006/main">
+  <p:cSld>
+    <p:spTree>
+      <p:nvGrpSpPr>
+        <p:cNvPr id="1" name=""/>
+        <p:cNvGrpSpPr/>
+        <p:nvPr/>
+      </p:nvGrpSpPr>
+      <p:grpSpPr>
+        <a:xfrm>
+          <a:off x="0" y="0"/>
+          <a:ext cx="0" cy="0"/>
+          <a:chOff x="0" y="0"/>
+          <a:chExt cx="0" cy="0"/>
+        </a:xfrm>
+      </p:grpSpPr>
+      <p:sp>
+        <p:nvSpPr>
+          <p:cNvPr id="2" name="幻灯片图像占位符 1"/>
+          <p:cNvSpPr>
+            <a:spLocks noGrp="1" noRot="1" noChangeAspect="1"/>
+          </p:cNvSpPr>
+          <p:nvPr>
+            <p:ph type="sldImg"/>
+          </p:nvPr>
+        </p:nvSpPr>
+        <p:spPr/>
+      </p:sp>
+      <p:sp>
+        <p:nvSpPr>
+          <p:cNvPr id="3" name="备注占位符 2"/>
+          <p:cNvSpPr>
+            <a:spLocks noGrp="1"/>
+          </p:cNvSpPr>
+          <p:nvPr>
+            <p:ph type="body" idx="1"/>
+          </p:nvPr>
+        </p:nvSpPr>
+        <p:spPr/>
+        <p:txBody>
+          <a:bodyPr/>
+          <a:lstStyle/>
+          <a:p>
+            <a:endParaRPr lang="zh-CN" altLang="en-US" dirty="0"/>
+          </a:p>
+        </p:txBody>
+      </p:sp>
+      <p:sp>
+        <p:nvSpPr>
+          <p:cNvPr id="4" name="灯片编号占位符 3"/>
+          <p:cNvSpPr>
+            <a:spLocks noGrp="1"/>
+          </p:cNvSpPr>
+          <p:nvPr>
+            <p:ph type="sldNum" sz="quarter" idx="5"/>
+          </p:nvPr>
+        </p:nvSpPr>
+        <p:spPr/>
+        <p:txBody>
+          <a:bodyPr/>
+          <a:lstStyle/>
+          <a:p>
+            <a:fld id="{6BB39CB8-6A4D-410E-AE32-A931C305A9B5}" type="slidenum">
+              <a:rPr lang="zh-CN" altLang="en-US" smtClean="0"/>
+              <a:t>13</a:t>
+            </a:fld>
+            <a:endParaRPr lang="zh-CN" altLang="en-US"/>
+          </a:p>
+        </p:txBody>
+      </p:sp>
+    </p:spTree>
   </p:cSld>
   <p:clrMapOvr>
     <a:masterClrMapping/>
@@ -861,13 +897,7 @@
   <p:cSld>
     <p:spTree>
       <p:nvGrpSpPr>
-        <p:cNvPr id="1" name="">
-          <a:extLst>
-            <a:ext uri="{FF2B5EF4-FFF2-40B4-BE49-F238E27FC236}">
-              <a16:creationId xmlns:a16="http://schemas.microsoft.com/office/drawing/2014/main" id="{017B0874-5C1D-76F4-25C3-6037E7A19EED}"/>
-            </a:ext>
-          </a:extLst>
-        </p:cNvPr>
+        <p:cNvPr id="1" name=""/>
         <p:cNvGrpSpPr/>
         <p:nvPr/>
       </p:nvGrpSpPr>
@@ -881,13 +911,7 @@
       </p:grpSpPr>
       <p:sp>
         <p:nvSpPr>
-          <p:cNvPr id="2" name="幻灯片图像占位符 1">
-            <a:extLst>
-              <a:ext uri="{FF2B5EF4-FFF2-40B4-BE49-F238E27FC236}">
-                <a16:creationId xmlns:a16="http://schemas.microsoft.com/office/drawing/2014/main" id="{19E6E8D1-FF1B-516D-E173-27E6877363EE}"/>
-              </a:ext>
-            </a:extLst>
-          </p:cNvPr>
+          <p:cNvPr id="2" name="幻灯片图像占位符 1"/>
           <p:cNvSpPr>
             <a:spLocks noGrp="1" noRot="1" noChangeAspect="1"/>
           </p:cNvSpPr>
@@ -899,13 +923,7 @@
       </p:sp>
       <p:sp>
         <p:nvSpPr>
-          <p:cNvPr id="3" name="备注占位符 2">
-            <a:extLst>
-              <a:ext uri="{FF2B5EF4-FFF2-40B4-BE49-F238E27FC236}">
-                <a16:creationId xmlns:a16="http://schemas.microsoft.com/office/drawing/2014/main" id="{47C6337D-49B2-C3FF-C270-716FDBA5C443}"/>
-              </a:ext>
-            </a:extLst>
-          </p:cNvPr>
+          <p:cNvPr id="3" name="备注占位符 2"/>
           <p:cNvSpPr>
             <a:spLocks noGrp="1"/>
           </p:cNvSpPr>
@@ -924,13 +942,7 @@
       </p:sp>
       <p:sp>
         <p:nvSpPr>
-          <p:cNvPr id="4" name="灯片编号占位符 3">
-            <a:extLst>
-              <a:ext uri="{FF2B5EF4-FFF2-40B4-BE49-F238E27FC236}">
-                <a16:creationId xmlns:a16="http://schemas.microsoft.com/office/drawing/2014/main" id="{0EA4809E-1C75-EFB3-F3E8-A8BBFF4C6F93}"/>
-              </a:ext>
-            </a:extLst>
-          </p:cNvPr>
+          <p:cNvPr id="4" name="灯片编号占位符 3"/>
           <p:cNvSpPr>
             <a:spLocks noGrp="1"/>
           </p:cNvSpPr>
@@ -952,11 +964,6 @@
         </p:txBody>
       </p:sp>
     </p:spTree>
-    <p:extLst>
-      <p:ext uri="{BB962C8B-B14F-4D97-AF65-F5344CB8AC3E}">
-        <p14:creationId xmlns:p14="http://schemas.microsoft.com/office/powerpoint/2010/main" val="2909118242"/>
-      </p:ext>
-    </p:extLst>
   </p:cSld>
   <p:clrMapOvr>
     <a:masterClrMapping/>
@@ -1036,11 +1043,6 @@
         </p:txBody>
       </p:sp>
     </p:spTree>
-    <p:extLst>
-      <p:ext uri="{BB962C8B-B14F-4D97-AF65-F5344CB8AC3E}">
-        <p14:creationId xmlns:p14="http://schemas.microsoft.com/office/powerpoint/2010/main" val="1263661312"/>
-      </p:ext>
-    </p:extLst>
   </p:cSld>
   <p:clrMapOvr>
     <a:masterClrMapping/>
@@ -1053,13 +1055,7 @@
   <p:cSld>
     <p:spTree>
       <p:nvGrpSpPr>
-        <p:cNvPr id="1" name="">
-          <a:extLst>
-            <a:ext uri="{FF2B5EF4-FFF2-40B4-BE49-F238E27FC236}">
-              <a16:creationId xmlns:a16="http://schemas.microsoft.com/office/drawing/2014/main" id="{43AAC39D-81F8-492C-3599-1A1A4522D9D9}"/>
-            </a:ext>
-          </a:extLst>
-        </p:cNvPr>
+        <p:cNvPr id="1" name=""/>
         <p:cNvGrpSpPr/>
         <p:nvPr/>
       </p:nvGrpSpPr>
@@ -1073,13 +1069,7 @@
       </p:grpSpPr>
       <p:sp>
         <p:nvSpPr>
-          <p:cNvPr id="2" name="幻灯片图像占位符 1">
-            <a:extLst>
-              <a:ext uri="{FF2B5EF4-FFF2-40B4-BE49-F238E27FC236}">
-                <a16:creationId xmlns:a16="http://schemas.microsoft.com/office/drawing/2014/main" id="{410F10C6-FB1F-BBD0-A036-78BAB747196E}"/>
-              </a:ext>
-            </a:extLst>
-          </p:cNvPr>
+          <p:cNvPr id="2" name="幻灯片图像占位符 1"/>
           <p:cNvSpPr>
             <a:spLocks noGrp="1" noRot="1" noChangeAspect="1"/>
           </p:cNvSpPr>
@@ -1091,13 +1081,7 @@
       </p:sp>
       <p:sp>
         <p:nvSpPr>
-          <p:cNvPr id="3" name="备注占位符 2">
-            <a:extLst>
-              <a:ext uri="{FF2B5EF4-FFF2-40B4-BE49-F238E27FC236}">
-                <a16:creationId xmlns:a16="http://schemas.microsoft.com/office/drawing/2014/main" id="{01CE542A-3A7A-2BD4-621F-E2A17C4E72C1}"/>
-              </a:ext>
-            </a:extLst>
-          </p:cNvPr>
+          <p:cNvPr id="3" name="备注占位符 2"/>
           <p:cNvSpPr>
             <a:spLocks noGrp="1"/>
           </p:cNvSpPr>
@@ -1116,13 +1100,7 @@
       </p:sp>
       <p:sp>
         <p:nvSpPr>
-          <p:cNvPr id="4" name="灯片编号占位符 3">
-            <a:extLst>
-              <a:ext uri="{FF2B5EF4-FFF2-40B4-BE49-F238E27FC236}">
-                <a16:creationId xmlns:a16="http://schemas.microsoft.com/office/drawing/2014/main" id="{75FA0677-33C5-1ADE-DBE0-D367B5CFABD0}"/>
-              </a:ext>
-            </a:extLst>
-          </p:cNvPr>
+          <p:cNvPr id="4" name="灯片编号占位符 3"/>
           <p:cNvSpPr>
             <a:spLocks noGrp="1"/>
           </p:cNvSpPr>
@@ -1144,11 +1122,6 @@
         </p:txBody>
       </p:sp>
     </p:spTree>
-    <p:extLst>
-      <p:ext uri="{BB962C8B-B14F-4D97-AF65-F5344CB8AC3E}">
-        <p14:creationId xmlns:p14="http://schemas.microsoft.com/office/powerpoint/2010/main" val="3681649488"/>
-      </p:ext>
-    </p:extLst>
   </p:cSld>
   <p:clrMapOvr>
     <a:masterClrMapping/>
@@ -1161,13 +1134,7 @@
   <p:cSld>
     <p:spTree>
       <p:nvGrpSpPr>
-        <p:cNvPr id="1" name="">
-          <a:extLst>
-            <a:ext uri="{FF2B5EF4-FFF2-40B4-BE49-F238E27FC236}">
-              <a16:creationId xmlns:a16="http://schemas.microsoft.com/office/drawing/2014/main" id="{BCEEB114-969D-4EB4-4BDE-F8B076E2DDE0}"/>
-            </a:ext>
-          </a:extLst>
-        </p:cNvPr>
+        <p:cNvPr id="1" name=""/>
         <p:cNvGrpSpPr/>
         <p:nvPr/>
       </p:nvGrpSpPr>
@@ -1181,13 +1148,7 @@
       </p:grpSpPr>
       <p:sp>
         <p:nvSpPr>
-          <p:cNvPr id="2" name="幻灯片图像占位符 1">
-            <a:extLst>
-              <a:ext uri="{FF2B5EF4-FFF2-40B4-BE49-F238E27FC236}">
-                <a16:creationId xmlns:a16="http://schemas.microsoft.com/office/drawing/2014/main" id="{C708BEBC-A176-1DEB-D217-1DC538C5767B}"/>
-              </a:ext>
-            </a:extLst>
-          </p:cNvPr>
+          <p:cNvPr id="2" name="幻灯片图像占位符 1"/>
           <p:cNvSpPr>
             <a:spLocks noGrp="1" noRot="1" noChangeAspect="1"/>
           </p:cNvSpPr>
@@ -1199,13 +1160,7 @@
       </p:sp>
       <p:sp>
         <p:nvSpPr>
-          <p:cNvPr id="3" name="备注占位符 2">
-            <a:extLst>
-              <a:ext uri="{FF2B5EF4-FFF2-40B4-BE49-F238E27FC236}">
-                <a16:creationId xmlns:a16="http://schemas.microsoft.com/office/drawing/2014/main" id="{E21DB0F9-F2D3-DEE9-7878-4840FA26C1FE}"/>
-              </a:ext>
-            </a:extLst>
-          </p:cNvPr>
+          <p:cNvPr id="3" name="备注占位符 2"/>
           <p:cNvSpPr>
             <a:spLocks noGrp="1"/>
           </p:cNvSpPr>
@@ -1224,13 +1179,7 @@
       </p:sp>
       <p:sp>
         <p:nvSpPr>
-          <p:cNvPr id="4" name="灯片编号占位符 3">
-            <a:extLst>
-              <a:ext uri="{FF2B5EF4-FFF2-40B4-BE49-F238E27FC236}">
-                <a16:creationId xmlns:a16="http://schemas.microsoft.com/office/drawing/2014/main" id="{B885267E-2305-37C3-8FB5-4021068FAE8C}"/>
-              </a:ext>
-            </a:extLst>
-          </p:cNvPr>
+          <p:cNvPr id="4" name="灯片编号占位符 3"/>
           <p:cNvSpPr>
             <a:spLocks noGrp="1"/>
           </p:cNvSpPr>
@@ -1252,11 +1201,6 @@
         </p:txBody>
       </p:sp>
     </p:spTree>
-    <p:extLst>
-      <p:ext uri="{BB962C8B-B14F-4D97-AF65-F5344CB8AC3E}">
-        <p14:creationId xmlns:p14="http://schemas.microsoft.com/office/powerpoint/2010/main" val="368069487"/>
-      </p:ext>
-    </p:extLst>
   </p:cSld>
   <p:clrMapOvr>
     <a:masterClrMapping/>
@@ -1265,17 +1209,11 @@
 </file>
 
 <file path=ppt/notesSlides/notesSlide6.xml><?xml version="1.0" encoding="utf-8"?>
-<p:notes xmlns:a="http://schemas.openxmlformats.org/drawingml/2006/main" xmlns:r="http://schemas.openxmlformats.org/officeDocument/2006/relationships" xmlns:p="http://schemas.openxmlformats.org/presentationml/2006/main">
+<p:notes xmlns:a="http://schemas.openxmlformats.org/drawingml/2006/main" xmlns:r="http://schemas.openxmlformats.org/officeDocument/2006/relationships" xmlns:p="http://schemas.openxmlformats.org/presentationml/2006/main" showMasterSp="0" showMasterPhAnim="0">
   <p:cSld>
     <p:spTree>
       <p:nvGrpSpPr>
-        <p:cNvPr id="1" name="">
-          <a:extLst>
-            <a:ext uri="{FF2B5EF4-FFF2-40B4-BE49-F238E27FC236}">
-              <a16:creationId xmlns:a16="http://schemas.microsoft.com/office/drawing/2014/main" id="{26790F17-B326-5BC2-248C-0A3EF9CFE0F5}"/>
-            </a:ext>
-          </a:extLst>
-        </p:cNvPr>
+        <p:cNvPr id="1" name="Shape 68"/>
         <p:cNvGrpSpPr/>
         <p:nvPr/>
       </p:nvGrpSpPr>
@@ -1289,82 +1227,84 @@
       </p:grpSpPr>
       <p:sp>
         <p:nvSpPr>
-          <p:cNvPr id="2" name="幻灯片图像占位符 1">
-            <a:extLst>
-              <a:ext uri="{FF2B5EF4-FFF2-40B4-BE49-F238E27FC236}">
-                <a16:creationId xmlns:a16="http://schemas.microsoft.com/office/drawing/2014/main" id="{A1AE27D3-E0BE-B231-F8FD-D96C19A52319}"/>
-              </a:ext>
-            </a:extLst>
-          </p:cNvPr>
+          <p:cNvPr id="69" name="Google Shape;69;g3ac9d22de03_0_20:notes"/>
           <p:cNvSpPr>
             <a:spLocks noGrp="1" noRot="1" noChangeAspect="1"/>
           </p:cNvSpPr>
           <p:nvPr>
-            <p:ph type="sldImg"/>
+            <p:ph type="sldImg" idx="2"/>
           </p:nvPr>
         </p:nvSpPr>
-        <p:spPr/>
-      </p:sp>
-      <p:sp>
-        <p:nvSpPr>
-          <p:cNvPr id="3" name="备注占位符 2">
-            <a:extLst>
-              <a:ext uri="{FF2B5EF4-FFF2-40B4-BE49-F238E27FC236}">
-                <a16:creationId xmlns:a16="http://schemas.microsoft.com/office/drawing/2014/main" id="{E9EC4BE3-A089-ABD0-750C-89541D41AFCC}"/>
-              </a:ext>
-            </a:extLst>
-          </p:cNvPr>
-          <p:cNvSpPr>
+        <p:spPr>
+          <a:xfrm>
+            <a:off x="381000" y="685800"/>
+            <a:ext cx="6096000" cy="3429000"/>
+          </a:xfrm>
+          <a:custGeom>
+            <a:avLst/>
+            <a:gdLst/>
+            <a:ahLst/>
+            <a:cxnLst/>
+            <a:rect l="l" t="t" r="r" b="b"/>
+            <a:pathLst>
+              <a:path w="120000" h="120000" extrusionOk="0">
+                <a:moveTo>
+                  <a:pt x="0" y="0"/>
+                </a:moveTo>
+                <a:lnTo>
+                  <a:pt x="120000" y="0"/>
+                </a:lnTo>
+                <a:lnTo>
+                  <a:pt x="120000" y="120000"/>
+                </a:lnTo>
+                <a:lnTo>
+                  <a:pt x="0" y="120000"/>
+                </a:lnTo>
+                <a:close/>
+              </a:path>
+            </a:pathLst>
+          </a:custGeom>
+        </p:spPr>
+      </p:sp>
+      <p:sp>
+        <p:nvSpPr>
+          <p:cNvPr id="70" name="Google Shape;70;g3ac9d22de03_0_20:notes"/>
+          <p:cNvSpPr txBox="1">
             <a:spLocks noGrp="1"/>
           </p:cNvSpPr>
           <p:nvPr>
             <p:ph type="body" idx="1"/>
           </p:nvPr>
         </p:nvSpPr>
-        <p:spPr/>
-        <p:txBody>
-          <a:bodyPr/>
-          <a:lstStyle/>
-          <a:p>
-            <a:endParaRPr lang="zh-CN" altLang="en-US" dirty="0"/>
-          </a:p>
-        </p:txBody>
-      </p:sp>
-      <p:sp>
-        <p:nvSpPr>
-          <p:cNvPr id="4" name="灯片编号占位符 3">
-            <a:extLst>
-              <a:ext uri="{FF2B5EF4-FFF2-40B4-BE49-F238E27FC236}">
-                <a16:creationId xmlns:a16="http://schemas.microsoft.com/office/drawing/2014/main" id="{44D78CCC-907C-3603-3ACF-6172BE5BEE70}"/>
-              </a:ext>
-            </a:extLst>
-          </p:cNvPr>
-          <p:cNvSpPr>
-            <a:spLocks noGrp="1"/>
-          </p:cNvSpPr>
-          <p:nvPr>
-            <p:ph type="sldNum" sz="quarter" idx="5"/>
-          </p:nvPr>
-        </p:nvSpPr>
-        <p:spPr/>
-        <p:txBody>
-          <a:bodyPr/>
-          <a:lstStyle/>
-          <a:p>
-            <a:fld id="{6BB39CB8-6A4D-410E-AE32-A931C305A9B5}" type="slidenum">
-              <a:rPr lang="zh-CN" altLang="en-US" smtClean="0"/>
-              <a:t>6</a:t>
-            </a:fld>
-            <a:endParaRPr lang="zh-CN" altLang="en-US"/>
+        <p:spPr>
+          <a:xfrm>
+            <a:off x="685800" y="4343400"/>
+            <a:ext cx="5486400" cy="4114800"/>
+          </a:xfrm>
+          <a:prstGeom prst="rect">
+            <a:avLst/>
+          </a:prstGeom>
+        </p:spPr>
+        <p:txBody>
+          <a:bodyPr spcFirstLastPara="1" wrap="square" lIns="91425" tIns="91425" rIns="91425" bIns="91425" anchor="t" anchorCtr="0">
+            <a:noAutofit/>
+          </a:bodyPr>
+          <a:lstStyle/>
+          <a:p>
+            <a:pPr marL="0" lvl="0" indent="0" algn="l" rtl="0">
+              <a:spcBef>
+                <a:spcPts val="0"/>
+              </a:spcBef>
+              <a:spcAft>
+                <a:spcPts val="0"/>
+              </a:spcAft>
+              <a:buNone/>
+            </a:pPr>
+            <a:endParaRPr/>
           </a:p>
         </p:txBody>
       </p:sp>
     </p:spTree>
-    <p:extLst>
-      <p:ext uri="{BB962C8B-B14F-4D97-AF65-F5344CB8AC3E}">
-        <p14:creationId xmlns:p14="http://schemas.microsoft.com/office/powerpoint/2010/main" val="1668110265"/>
-      </p:ext>
-    </p:extLst>
   </p:cSld>
   <p:clrMapOvr>
     <a:masterClrMapping/>
@@ -1377,13 +1317,7 @@
   <p:cSld>
     <p:spTree>
       <p:nvGrpSpPr>
-        <p:cNvPr id="1" name="">
-          <a:extLst>
-            <a:ext uri="{FF2B5EF4-FFF2-40B4-BE49-F238E27FC236}">
-              <a16:creationId xmlns:a16="http://schemas.microsoft.com/office/drawing/2014/main" id="{6A8657A3-4643-AB26-7018-C6B5DCB67AD0}"/>
-            </a:ext>
-          </a:extLst>
-        </p:cNvPr>
+        <p:cNvPr id="1" name=""/>
         <p:cNvGrpSpPr/>
         <p:nvPr/>
       </p:nvGrpSpPr>
@@ -1397,13 +1331,7 @@
       </p:grpSpPr>
       <p:sp>
         <p:nvSpPr>
-          <p:cNvPr id="2" name="幻灯片图像占位符 1">
-            <a:extLst>
-              <a:ext uri="{FF2B5EF4-FFF2-40B4-BE49-F238E27FC236}">
-                <a16:creationId xmlns:a16="http://schemas.microsoft.com/office/drawing/2014/main" id="{7CDA34CF-1345-0E4E-9855-D8F045435621}"/>
-              </a:ext>
-            </a:extLst>
-          </p:cNvPr>
+          <p:cNvPr id="2" name="幻灯片图像占位符 1"/>
           <p:cNvSpPr>
             <a:spLocks noGrp="1" noRot="1" noChangeAspect="1"/>
           </p:cNvSpPr>
@@ -1415,13 +1343,7 @@
       </p:sp>
       <p:sp>
         <p:nvSpPr>
-          <p:cNvPr id="3" name="备注占位符 2">
-            <a:extLst>
-              <a:ext uri="{FF2B5EF4-FFF2-40B4-BE49-F238E27FC236}">
-                <a16:creationId xmlns:a16="http://schemas.microsoft.com/office/drawing/2014/main" id="{C17CBDE5-9AFA-C2EA-C149-72C358843588}"/>
-              </a:ext>
-            </a:extLst>
-          </p:cNvPr>
+          <p:cNvPr id="3" name="备注占位符 2"/>
           <p:cNvSpPr>
             <a:spLocks noGrp="1"/>
           </p:cNvSpPr>
@@ -1440,13 +1362,7 @@
       </p:sp>
       <p:sp>
         <p:nvSpPr>
-          <p:cNvPr id="4" name="灯片编号占位符 3">
-            <a:extLst>
-              <a:ext uri="{FF2B5EF4-FFF2-40B4-BE49-F238E27FC236}">
-                <a16:creationId xmlns:a16="http://schemas.microsoft.com/office/drawing/2014/main" id="{58959E28-4FB1-9FCC-E65E-73668224AB3A}"/>
-              </a:ext>
-            </a:extLst>
-          </p:cNvPr>
+          <p:cNvPr id="4" name="灯片编号占位符 3"/>
           <p:cNvSpPr>
             <a:spLocks noGrp="1"/>
           </p:cNvSpPr>
@@ -1468,11 +1384,6 @@
         </p:txBody>
       </p:sp>
     </p:spTree>
-    <p:extLst>
-      <p:ext uri="{BB962C8B-B14F-4D97-AF65-F5344CB8AC3E}">
-        <p14:creationId xmlns:p14="http://schemas.microsoft.com/office/powerpoint/2010/main" val="2123350169"/>
-      </p:ext>
-    </p:extLst>
   </p:cSld>
   <p:clrMapOvr>
     <a:masterClrMapping/>
@@ -1485,13 +1396,7 @@
   <p:cSld>
     <p:spTree>
       <p:nvGrpSpPr>
-        <p:cNvPr id="1" name="">
-          <a:extLst>
-            <a:ext uri="{FF2B5EF4-FFF2-40B4-BE49-F238E27FC236}">
-              <a16:creationId xmlns:a16="http://schemas.microsoft.com/office/drawing/2014/main" id="{FB37F025-68E9-53B6-A152-F697012A764F}"/>
-            </a:ext>
-          </a:extLst>
-        </p:cNvPr>
+        <p:cNvPr id="1" name=""/>
         <p:cNvGrpSpPr/>
         <p:nvPr/>
       </p:nvGrpSpPr>
@@ -1505,13 +1410,7 @@
       </p:grpSpPr>
       <p:sp>
         <p:nvSpPr>
-          <p:cNvPr id="2" name="幻灯片图像占位符 1">
-            <a:extLst>
-              <a:ext uri="{FF2B5EF4-FFF2-40B4-BE49-F238E27FC236}">
-                <a16:creationId xmlns:a16="http://schemas.microsoft.com/office/drawing/2014/main" id="{A0113B30-37B7-A777-E2C4-DF6092FF3F60}"/>
-              </a:ext>
-            </a:extLst>
-          </p:cNvPr>
+          <p:cNvPr id="2" name="幻灯片图像占位符 1"/>
           <p:cNvSpPr>
             <a:spLocks noGrp="1" noRot="1" noChangeAspect="1"/>
           </p:cNvSpPr>
@@ -1523,13 +1422,7 @@
       </p:sp>
       <p:sp>
         <p:nvSpPr>
-          <p:cNvPr id="3" name="备注占位符 2">
-            <a:extLst>
-              <a:ext uri="{FF2B5EF4-FFF2-40B4-BE49-F238E27FC236}">
-                <a16:creationId xmlns:a16="http://schemas.microsoft.com/office/drawing/2014/main" id="{FC425396-7018-E6A5-915D-8959ABDD2EEF}"/>
-              </a:ext>
-            </a:extLst>
-          </p:cNvPr>
+          <p:cNvPr id="3" name="备注占位符 2"/>
           <p:cNvSpPr>
             <a:spLocks noGrp="1"/>
           </p:cNvSpPr>
@@ -1548,13 +1441,7 @@
       </p:sp>
       <p:sp>
         <p:nvSpPr>
-          <p:cNvPr id="4" name="灯片编号占位符 3">
-            <a:extLst>
-              <a:ext uri="{FF2B5EF4-FFF2-40B4-BE49-F238E27FC236}">
-                <a16:creationId xmlns:a16="http://schemas.microsoft.com/office/drawing/2014/main" id="{430430E2-ABCD-1E04-A71F-D8C3FC7E6E3C}"/>
-              </a:ext>
-            </a:extLst>
-          </p:cNvPr>
+          <p:cNvPr id="4" name="灯片编号占位符 3"/>
           <p:cNvSpPr>
             <a:spLocks noGrp="1"/>
           </p:cNvSpPr>
@@ -1576,11 +1463,6 @@
         </p:txBody>
       </p:sp>
     </p:spTree>
-    <p:extLst>
-      <p:ext uri="{BB962C8B-B14F-4D97-AF65-F5344CB8AC3E}">
-        <p14:creationId xmlns:p14="http://schemas.microsoft.com/office/powerpoint/2010/main" val="3742939569"/>
-      </p:ext>
-    </p:extLst>
   </p:cSld>
   <p:clrMapOvr>
     <a:masterClrMapping/>
@@ -1593,13 +1475,7 @@
   <p:cSld>
     <p:spTree>
       <p:nvGrpSpPr>
-        <p:cNvPr id="1" name="">
-          <a:extLst>
-            <a:ext uri="{FF2B5EF4-FFF2-40B4-BE49-F238E27FC236}">
-              <a16:creationId xmlns:a16="http://schemas.microsoft.com/office/drawing/2014/main" id="{39618AFE-A396-0A93-5420-B594AACBA184}"/>
-            </a:ext>
-          </a:extLst>
-        </p:cNvPr>
+        <p:cNvPr id="1" name=""/>
         <p:cNvGrpSpPr/>
         <p:nvPr/>
       </p:nvGrpSpPr>
@@ -1613,13 +1489,7 @@
       </p:grpSpPr>
       <p:sp>
         <p:nvSpPr>
-          <p:cNvPr id="2" name="幻灯片图像占位符 1">
-            <a:extLst>
-              <a:ext uri="{FF2B5EF4-FFF2-40B4-BE49-F238E27FC236}">
-                <a16:creationId xmlns:a16="http://schemas.microsoft.com/office/drawing/2014/main" id="{CEC5D169-43C8-78D3-6CD2-5FB32384FA95}"/>
-              </a:ext>
-            </a:extLst>
-          </p:cNvPr>
+          <p:cNvPr id="2" name="幻灯片图像占位符 1"/>
           <p:cNvSpPr>
             <a:spLocks noGrp="1" noRot="1" noChangeAspect="1"/>
           </p:cNvSpPr>
@@ -1631,13 +1501,7 @@
       </p:sp>
       <p:sp>
         <p:nvSpPr>
-          <p:cNvPr id="3" name="备注占位符 2">
-            <a:extLst>
-              <a:ext uri="{FF2B5EF4-FFF2-40B4-BE49-F238E27FC236}">
-                <a16:creationId xmlns:a16="http://schemas.microsoft.com/office/drawing/2014/main" id="{ECED175F-EEDD-2D30-1458-CAB9953E8BC2}"/>
-              </a:ext>
-            </a:extLst>
-          </p:cNvPr>
+          <p:cNvPr id="3" name="备注占位符 2"/>
           <p:cNvSpPr>
             <a:spLocks noGrp="1"/>
           </p:cNvSpPr>
@@ -1656,13 +1520,7 @@
       </p:sp>
       <p:sp>
         <p:nvSpPr>
-          <p:cNvPr id="4" name="灯片编号占位符 3">
-            <a:extLst>
-              <a:ext uri="{FF2B5EF4-FFF2-40B4-BE49-F238E27FC236}">
-                <a16:creationId xmlns:a16="http://schemas.microsoft.com/office/drawing/2014/main" id="{13EAA54E-E070-7BBC-8B68-F32FF7B6A2D1}"/>
-              </a:ext>
-            </a:extLst>
-          </p:cNvPr>
+          <p:cNvPr id="4" name="灯片编号占位符 3"/>
           <p:cNvSpPr>
             <a:spLocks noGrp="1"/>
           </p:cNvSpPr>
@@ -1684,11 +1542,6 @@
         </p:txBody>
       </p:sp>
     </p:spTree>
-    <p:extLst>
-      <p:ext uri="{BB962C8B-B14F-4D97-AF65-F5344CB8AC3E}">
-        <p14:creationId xmlns:p14="http://schemas.microsoft.com/office/powerpoint/2010/main" val="2614184616"/>
-      </p:ext>
-    </p:extLst>
   </p:cSld>
   <p:clrMapOvr>
     <a:masterClrMapping/>
@@ -1715,13 +1568,7 @@
       </p:grpSpPr>
       <p:sp>
         <p:nvSpPr>
-          <p:cNvPr id="2" name="标题 1">
-            <a:extLst>
-              <a:ext uri="{FF2B5EF4-FFF2-40B4-BE49-F238E27FC236}">
-                <a16:creationId xmlns:a16="http://schemas.microsoft.com/office/drawing/2014/main" id="{5B3C614A-4F87-6E69-D153-A0361F2B6600}"/>
-              </a:ext>
-            </a:extLst>
-          </p:cNvPr>
+          <p:cNvPr id="2" name="标题 1"/>
           <p:cNvSpPr>
             <a:spLocks noGrp="1"/>
           </p:cNvSpPr>
@@ -1752,13 +1599,7 @@
       </p:sp>
       <p:sp>
         <p:nvSpPr>
-          <p:cNvPr id="3" name="副标题 2">
-            <a:extLst>
-              <a:ext uri="{FF2B5EF4-FFF2-40B4-BE49-F238E27FC236}">
-                <a16:creationId xmlns:a16="http://schemas.microsoft.com/office/drawing/2014/main" id="{B5D49AC3-5D6F-0524-EBE9-EC826E033896}"/>
-              </a:ext>
-            </a:extLst>
-          </p:cNvPr>
+          <p:cNvPr id="3" name="副标题 2"/>
           <p:cNvSpPr>
             <a:spLocks noGrp="1"/>
           </p:cNvSpPr>
@@ -1822,13 +1663,7 @@
       </p:sp>
       <p:sp>
         <p:nvSpPr>
-          <p:cNvPr id="4" name="日期占位符 3">
-            <a:extLst>
-              <a:ext uri="{FF2B5EF4-FFF2-40B4-BE49-F238E27FC236}">
-                <a16:creationId xmlns:a16="http://schemas.microsoft.com/office/drawing/2014/main" id="{45E82DF0-DF9F-1AF0-258A-521084F60647}"/>
-              </a:ext>
-            </a:extLst>
-          </p:cNvPr>
+          <p:cNvPr id="4" name="日期占位符 3"/>
           <p:cNvSpPr>
             <a:spLocks noGrp="1"/>
           </p:cNvSpPr>
@@ -1851,13 +1686,7 @@
       </p:sp>
       <p:sp>
         <p:nvSpPr>
-          <p:cNvPr id="5" name="页脚占位符 4">
-            <a:extLst>
-              <a:ext uri="{FF2B5EF4-FFF2-40B4-BE49-F238E27FC236}">
-                <a16:creationId xmlns:a16="http://schemas.microsoft.com/office/drawing/2014/main" id="{19A91E4E-3510-4950-837A-30160B218C02}"/>
-              </a:ext>
-            </a:extLst>
-          </p:cNvPr>
+          <p:cNvPr id="5" name="页脚占位符 4"/>
           <p:cNvSpPr>
             <a:spLocks noGrp="1"/>
           </p:cNvSpPr>
@@ -1876,13 +1705,7 @@
       </p:sp>
       <p:sp>
         <p:nvSpPr>
-          <p:cNvPr id="6" name="灯片编号占位符 5">
-            <a:extLst>
-              <a:ext uri="{FF2B5EF4-FFF2-40B4-BE49-F238E27FC236}">
-                <a16:creationId xmlns:a16="http://schemas.microsoft.com/office/drawing/2014/main" id="{37D7058C-DD54-7ECE-6B7C-669D4E40B66F}"/>
-              </a:ext>
-            </a:extLst>
-          </p:cNvPr>
+          <p:cNvPr id="6" name="灯片编号占位符 5"/>
           <p:cNvSpPr>
             <a:spLocks noGrp="1"/>
           </p:cNvSpPr>
@@ -1904,11 +1727,6 @@
         </p:txBody>
       </p:sp>
     </p:spTree>
-    <p:extLst>
-      <p:ext uri="{BB962C8B-B14F-4D97-AF65-F5344CB8AC3E}">
-        <p14:creationId xmlns:p14="http://schemas.microsoft.com/office/powerpoint/2010/main" val="3835475225"/>
-      </p:ext>
-    </p:extLst>
   </p:cSld>
   <p:clrMapOvr>
     <a:masterClrMapping/>
@@ -1935,13 +1753,7 @@
       </p:grpSpPr>
       <p:sp>
         <p:nvSpPr>
-          <p:cNvPr id="2" name="标题 1">
-            <a:extLst>
-              <a:ext uri="{FF2B5EF4-FFF2-40B4-BE49-F238E27FC236}">
-                <a16:creationId xmlns:a16="http://schemas.microsoft.com/office/drawing/2014/main" id="{9A3C320D-663B-0518-5070-9178A2E2D1C0}"/>
-              </a:ext>
-            </a:extLst>
-          </p:cNvPr>
+          <p:cNvPr id="2" name="标题 1"/>
           <p:cNvSpPr>
             <a:spLocks noGrp="1"/>
           </p:cNvSpPr>
@@ -1963,13 +1775,7 @@
       </p:sp>
       <p:sp>
         <p:nvSpPr>
-          <p:cNvPr id="3" name="竖排文字占位符 2">
-            <a:extLst>
-              <a:ext uri="{FF2B5EF4-FFF2-40B4-BE49-F238E27FC236}">
-                <a16:creationId xmlns:a16="http://schemas.microsoft.com/office/drawing/2014/main" id="{6D0FB65A-6DFE-8F2B-52CF-F94D4168C193}"/>
-              </a:ext>
-            </a:extLst>
-          </p:cNvPr>
+          <p:cNvPr id="3" name="竖排文字占位符 2"/>
           <p:cNvSpPr>
             <a:spLocks noGrp="1"/>
           </p:cNvSpPr>
@@ -2020,13 +1826,7 @@
       </p:sp>
       <p:sp>
         <p:nvSpPr>
-          <p:cNvPr id="4" name="日期占位符 3">
-            <a:extLst>
-              <a:ext uri="{FF2B5EF4-FFF2-40B4-BE49-F238E27FC236}">
-                <a16:creationId xmlns:a16="http://schemas.microsoft.com/office/drawing/2014/main" id="{49225B84-97D6-536D-A6EA-EA4F72D2D3DC}"/>
-              </a:ext>
-            </a:extLst>
-          </p:cNvPr>
+          <p:cNvPr id="4" name="日期占位符 3"/>
           <p:cNvSpPr>
             <a:spLocks noGrp="1"/>
           </p:cNvSpPr>
@@ -2049,13 +1849,7 @@
       </p:sp>
       <p:sp>
         <p:nvSpPr>
-          <p:cNvPr id="5" name="页脚占位符 4">
-            <a:extLst>
-              <a:ext uri="{FF2B5EF4-FFF2-40B4-BE49-F238E27FC236}">
-                <a16:creationId xmlns:a16="http://schemas.microsoft.com/office/drawing/2014/main" id="{EE8B4600-D9F0-421C-CF8C-898728CC8BF1}"/>
-              </a:ext>
-            </a:extLst>
-          </p:cNvPr>
+          <p:cNvPr id="5" name="页脚占位符 4"/>
           <p:cNvSpPr>
             <a:spLocks noGrp="1"/>
           </p:cNvSpPr>
@@ -2074,13 +1868,7 @@
       </p:sp>
       <p:sp>
         <p:nvSpPr>
-          <p:cNvPr id="6" name="灯片编号占位符 5">
-            <a:extLst>
-              <a:ext uri="{FF2B5EF4-FFF2-40B4-BE49-F238E27FC236}">
-                <a16:creationId xmlns:a16="http://schemas.microsoft.com/office/drawing/2014/main" id="{2005D945-9E31-1B64-DDC6-9EA6653A79DB}"/>
-              </a:ext>
-            </a:extLst>
-          </p:cNvPr>
+          <p:cNvPr id="6" name="灯片编号占位符 5"/>
           <p:cNvSpPr>
             <a:spLocks noGrp="1"/>
           </p:cNvSpPr>
@@ -2102,11 +1890,6 @@
         </p:txBody>
       </p:sp>
     </p:spTree>
-    <p:extLst>
-      <p:ext uri="{BB962C8B-B14F-4D97-AF65-F5344CB8AC3E}">
-        <p14:creationId xmlns:p14="http://schemas.microsoft.com/office/powerpoint/2010/main" val="3567409752"/>
-      </p:ext>
-    </p:extLst>
   </p:cSld>
   <p:clrMapOvr>
     <a:masterClrMapping/>
@@ -2133,13 +1916,7 @@
       </p:grpSpPr>
       <p:sp>
         <p:nvSpPr>
-          <p:cNvPr id="2" name="竖排标题 1">
-            <a:extLst>
-              <a:ext uri="{FF2B5EF4-FFF2-40B4-BE49-F238E27FC236}">
-                <a16:creationId xmlns:a16="http://schemas.microsoft.com/office/drawing/2014/main" id="{0FA04D36-8765-4F22-6EEB-D39841BA07CE}"/>
-              </a:ext>
-            </a:extLst>
-          </p:cNvPr>
+          <p:cNvPr id="2" name="竖排标题 1"/>
           <p:cNvSpPr>
             <a:spLocks noGrp="1"/>
           </p:cNvSpPr>
@@ -2166,13 +1943,7 @@
       </p:sp>
       <p:sp>
         <p:nvSpPr>
-          <p:cNvPr id="3" name="竖排文字占位符 2">
-            <a:extLst>
-              <a:ext uri="{FF2B5EF4-FFF2-40B4-BE49-F238E27FC236}">
-                <a16:creationId xmlns:a16="http://schemas.microsoft.com/office/drawing/2014/main" id="{17CCAFD0-5EBB-C3C5-E968-0EBB8DABA979}"/>
-              </a:ext>
-            </a:extLst>
-          </p:cNvPr>
+          <p:cNvPr id="3" name="竖排文字占位符 2"/>
           <p:cNvSpPr>
             <a:spLocks noGrp="1"/>
           </p:cNvSpPr>
@@ -2228,13 +1999,7 @@
       </p:sp>
       <p:sp>
         <p:nvSpPr>
-          <p:cNvPr id="4" name="日期占位符 3">
-            <a:extLst>
-              <a:ext uri="{FF2B5EF4-FFF2-40B4-BE49-F238E27FC236}">
-                <a16:creationId xmlns:a16="http://schemas.microsoft.com/office/drawing/2014/main" id="{5783A667-1E44-446F-315F-51D077C17648}"/>
-              </a:ext>
-            </a:extLst>
-          </p:cNvPr>
+          <p:cNvPr id="4" name="日期占位符 3"/>
           <p:cNvSpPr>
             <a:spLocks noGrp="1"/>
           </p:cNvSpPr>
@@ -2257,13 +2022,7 @@
       </p:sp>
       <p:sp>
         <p:nvSpPr>
-          <p:cNvPr id="5" name="页脚占位符 4">
-            <a:extLst>
-              <a:ext uri="{FF2B5EF4-FFF2-40B4-BE49-F238E27FC236}">
-                <a16:creationId xmlns:a16="http://schemas.microsoft.com/office/drawing/2014/main" id="{FC842247-EB7F-F0B8-0469-B9E711CFC782}"/>
-              </a:ext>
-            </a:extLst>
-          </p:cNvPr>
+          <p:cNvPr id="5" name="页脚占位符 4"/>
           <p:cNvSpPr>
             <a:spLocks noGrp="1"/>
           </p:cNvSpPr>
@@ -2282,13 +2041,7 @@
       </p:sp>
       <p:sp>
         <p:nvSpPr>
-          <p:cNvPr id="6" name="灯片编号占位符 5">
-            <a:extLst>
-              <a:ext uri="{FF2B5EF4-FFF2-40B4-BE49-F238E27FC236}">
-                <a16:creationId xmlns:a16="http://schemas.microsoft.com/office/drawing/2014/main" id="{D3A447AE-8E2A-3C6C-E09B-C509B7C0FE1A}"/>
-              </a:ext>
-            </a:extLst>
-          </p:cNvPr>
+          <p:cNvPr id="6" name="灯片编号占位符 5"/>
           <p:cNvSpPr>
             <a:spLocks noGrp="1"/>
           </p:cNvSpPr>
@@ -2310,11 +2063,6 @@
         </p:txBody>
       </p:sp>
     </p:spTree>
-    <p:extLst>
-      <p:ext uri="{BB962C8B-B14F-4D97-AF65-F5344CB8AC3E}">
-        <p14:creationId xmlns:p14="http://schemas.microsoft.com/office/powerpoint/2010/main" val="3497754180"/>
-      </p:ext>
-    </p:extLst>
   </p:cSld>
   <p:clrMapOvr>
     <a:masterClrMapping/>
@@ -2492,7 +2240,7 @@
             <a:normAutofit/>
           </a:bodyPr>
           <a:lstStyle>
-            <a:lvl1pPr marL="609585" lvl="0" indent="-457189">
+            <a:lvl1pPr marL="609600" lvl="0" indent="-457200">
               <a:spcBef>
                 <a:spcPts val="0"/>
               </a:spcBef>
@@ -2503,7 +2251,7 @@
               <a:buChar char="●"/>
               <a:defRPr/>
             </a:lvl1pPr>
-            <a:lvl2pPr marL="1219170" lvl="1" indent="-423323">
+            <a:lvl2pPr marL="1219200" lvl="1" indent="-423545">
               <a:spcBef>
                 <a:spcPts val="0"/>
               </a:spcBef>
@@ -2514,7 +2262,7 @@
               <a:buChar char="○"/>
               <a:defRPr/>
             </a:lvl2pPr>
-            <a:lvl3pPr marL="1828754" lvl="2" indent="-423323">
+            <a:lvl3pPr marL="1828800" lvl="2" indent="-423545">
               <a:spcBef>
                 <a:spcPts val="0"/>
               </a:spcBef>
@@ -2525,7 +2273,7 @@
               <a:buChar char="■"/>
               <a:defRPr/>
             </a:lvl3pPr>
-            <a:lvl4pPr marL="2438339" lvl="3" indent="-423323">
+            <a:lvl4pPr marL="2438400" lvl="3" indent="-423545">
               <a:spcBef>
                 <a:spcPts val="0"/>
               </a:spcBef>
@@ -2536,7 +2284,7 @@
               <a:buChar char="●"/>
               <a:defRPr/>
             </a:lvl4pPr>
-            <a:lvl5pPr marL="3047924" lvl="4" indent="-423323">
+            <a:lvl5pPr marL="3048000" lvl="4" indent="-423545">
               <a:spcBef>
                 <a:spcPts val="0"/>
               </a:spcBef>
@@ -2547,7 +2295,7 @@
               <a:buChar char="○"/>
               <a:defRPr/>
             </a:lvl5pPr>
-            <a:lvl6pPr marL="3657509" lvl="5" indent="-423323">
+            <a:lvl6pPr marL="3657600" lvl="5" indent="-423545">
               <a:spcBef>
                 <a:spcPts val="0"/>
               </a:spcBef>
@@ -2558,7 +2306,7 @@
               <a:buChar char="■"/>
               <a:defRPr/>
             </a:lvl6pPr>
-            <a:lvl7pPr marL="4267093" lvl="6" indent="-423323">
+            <a:lvl7pPr marL="4267200" lvl="6" indent="-423545">
               <a:spcBef>
                 <a:spcPts val="0"/>
               </a:spcBef>
@@ -2569,7 +2317,7 @@
               <a:buChar char="●"/>
               <a:defRPr/>
             </a:lvl7pPr>
-            <a:lvl8pPr marL="4876678" lvl="7" indent="-423323">
+            <a:lvl8pPr marL="4876800" lvl="7" indent="-423545">
               <a:spcBef>
                 <a:spcPts val="0"/>
               </a:spcBef>
@@ -2580,7 +2328,7 @@
               <a:buChar char="○"/>
               <a:defRPr/>
             </a:lvl8pPr>
-            <a:lvl9pPr marL="5486263" lvl="8" indent="-423323">
+            <a:lvl9pPr marL="5486400" lvl="8" indent="-423545">
               <a:spcBef>
                 <a:spcPts val="0"/>
               </a:spcBef>
@@ -2660,20 +2408,14 @@
           </a:lstStyle>
           <a:p>
             <a:fld id="{00000000-1234-1234-1234-123412341234}" type="slidenum">
-              <a:rPr lang="en" smtClean="0"/>
-              <a:pPr/>
+              <a:rPr lang="en-GB" smtClean="0"/>
               <a:t>‹#›</a:t>
             </a:fld>
-            <a:endParaRPr lang="en"/>
+            <a:endParaRPr lang="en-GB"/>
           </a:p>
         </p:txBody>
       </p:sp>
     </p:spTree>
-    <p:extLst>
-      <p:ext uri="{BB962C8B-B14F-4D97-AF65-F5344CB8AC3E}">
-        <p14:creationId xmlns:p14="http://schemas.microsoft.com/office/powerpoint/2010/main" val="3863319149"/>
-      </p:ext>
-    </p:extLst>
   </p:cSld>
   <p:clrMapOvr>
     <a:masterClrMapping/>
@@ -2700,13 +2442,7 @@
       </p:grpSpPr>
       <p:sp>
         <p:nvSpPr>
-          <p:cNvPr id="2" name="标题 1">
-            <a:extLst>
-              <a:ext uri="{FF2B5EF4-FFF2-40B4-BE49-F238E27FC236}">
-                <a16:creationId xmlns:a16="http://schemas.microsoft.com/office/drawing/2014/main" id="{55E78994-1DC8-93B9-AE60-4B5913971FE9}"/>
-              </a:ext>
-            </a:extLst>
-          </p:cNvPr>
+          <p:cNvPr id="2" name="标题 1"/>
           <p:cNvSpPr>
             <a:spLocks noGrp="1"/>
           </p:cNvSpPr>
@@ -2728,13 +2464,7 @@
       </p:sp>
       <p:sp>
         <p:nvSpPr>
-          <p:cNvPr id="3" name="内容占位符 2">
-            <a:extLst>
-              <a:ext uri="{FF2B5EF4-FFF2-40B4-BE49-F238E27FC236}">
-                <a16:creationId xmlns:a16="http://schemas.microsoft.com/office/drawing/2014/main" id="{6119843D-C39E-77A6-DC00-4626CD5CA6AE}"/>
-              </a:ext>
-            </a:extLst>
-          </p:cNvPr>
+          <p:cNvPr id="3" name="内容占位符 2"/>
           <p:cNvSpPr>
             <a:spLocks noGrp="1"/>
           </p:cNvSpPr>
@@ -2785,13 +2515,7 @@
       </p:sp>
       <p:sp>
         <p:nvSpPr>
-          <p:cNvPr id="4" name="日期占位符 3">
-            <a:extLst>
-              <a:ext uri="{FF2B5EF4-FFF2-40B4-BE49-F238E27FC236}">
-                <a16:creationId xmlns:a16="http://schemas.microsoft.com/office/drawing/2014/main" id="{04D52775-8115-0756-2F84-1FA5609A44A6}"/>
-              </a:ext>
-            </a:extLst>
-          </p:cNvPr>
+          <p:cNvPr id="4" name="日期占位符 3"/>
           <p:cNvSpPr>
             <a:spLocks noGrp="1"/>
           </p:cNvSpPr>
@@ -2814,13 +2538,7 @@
       </p:sp>
       <p:sp>
         <p:nvSpPr>
-          <p:cNvPr id="5" name="页脚占位符 4">
-            <a:extLst>
-              <a:ext uri="{FF2B5EF4-FFF2-40B4-BE49-F238E27FC236}">
-                <a16:creationId xmlns:a16="http://schemas.microsoft.com/office/drawing/2014/main" id="{F04C70C2-B473-59F9-9953-10E3186BA579}"/>
-              </a:ext>
-            </a:extLst>
-          </p:cNvPr>
+          <p:cNvPr id="5" name="页脚占位符 4"/>
           <p:cNvSpPr>
             <a:spLocks noGrp="1"/>
           </p:cNvSpPr>
@@ -2839,13 +2557,7 @@
       </p:sp>
       <p:sp>
         <p:nvSpPr>
-          <p:cNvPr id="6" name="灯片编号占位符 5">
-            <a:extLst>
-              <a:ext uri="{FF2B5EF4-FFF2-40B4-BE49-F238E27FC236}">
-                <a16:creationId xmlns:a16="http://schemas.microsoft.com/office/drawing/2014/main" id="{CFAB8D9E-9024-937A-7E2F-2D772F687A94}"/>
-              </a:ext>
-            </a:extLst>
-          </p:cNvPr>
+          <p:cNvPr id="6" name="灯片编号占位符 5"/>
           <p:cNvSpPr>
             <a:spLocks noGrp="1"/>
           </p:cNvSpPr>
@@ -2867,11 +2579,6 @@
         </p:txBody>
       </p:sp>
     </p:spTree>
-    <p:extLst>
-      <p:ext uri="{BB962C8B-B14F-4D97-AF65-F5344CB8AC3E}">
-        <p14:creationId xmlns:p14="http://schemas.microsoft.com/office/powerpoint/2010/main" val="1122305696"/>
-      </p:ext>
-    </p:extLst>
   </p:cSld>
   <p:clrMapOvr>
     <a:masterClrMapping/>
@@ -2898,13 +2605,7 @@
       </p:grpSpPr>
       <p:sp>
         <p:nvSpPr>
-          <p:cNvPr id="2" name="标题 1">
-            <a:extLst>
-              <a:ext uri="{FF2B5EF4-FFF2-40B4-BE49-F238E27FC236}">
-                <a16:creationId xmlns:a16="http://schemas.microsoft.com/office/drawing/2014/main" id="{EA9D7DAA-740D-3CE0-5AEA-ECE884C4277D}"/>
-              </a:ext>
-            </a:extLst>
-          </p:cNvPr>
+          <p:cNvPr id="2" name="标题 1"/>
           <p:cNvSpPr>
             <a:spLocks noGrp="1"/>
           </p:cNvSpPr>
@@ -2935,13 +2636,7 @@
       </p:sp>
       <p:sp>
         <p:nvSpPr>
-          <p:cNvPr id="3" name="文本占位符 2">
-            <a:extLst>
-              <a:ext uri="{FF2B5EF4-FFF2-40B4-BE49-F238E27FC236}">
-                <a16:creationId xmlns:a16="http://schemas.microsoft.com/office/drawing/2014/main" id="{96B5C1AD-9032-C7B4-BEB7-0BA757D1A2F3}"/>
-              </a:ext>
-            </a:extLst>
-          </p:cNvPr>
+          <p:cNvPr id="3" name="文本占位符 2"/>
           <p:cNvSpPr>
             <a:spLocks noGrp="1"/>
           </p:cNvSpPr>
@@ -3060,13 +2755,7 @@
       </p:sp>
       <p:sp>
         <p:nvSpPr>
-          <p:cNvPr id="4" name="日期占位符 3">
-            <a:extLst>
-              <a:ext uri="{FF2B5EF4-FFF2-40B4-BE49-F238E27FC236}">
-                <a16:creationId xmlns:a16="http://schemas.microsoft.com/office/drawing/2014/main" id="{DD81FE28-D549-121D-8863-77B003327734}"/>
-              </a:ext>
-            </a:extLst>
-          </p:cNvPr>
+          <p:cNvPr id="4" name="日期占位符 3"/>
           <p:cNvSpPr>
             <a:spLocks noGrp="1"/>
           </p:cNvSpPr>
@@ -3089,13 +2778,7 @@
       </p:sp>
       <p:sp>
         <p:nvSpPr>
-          <p:cNvPr id="5" name="页脚占位符 4">
-            <a:extLst>
-              <a:ext uri="{FF2B5EF4-FFF2-40B4-BE49-F238E27FC236}">
-                <a16:creationId xmlns:a16="http://schemas.microsoft.com/office/drawing/2014/main" id="{A9D60577-E59E-C5C5-EC62-F014F5112F6E}"/>
-              </a:ext>
-            </a:extLst>
-          </p:cNvPr>
+          <p:cNvPr id="5" name="页脚占位符 4"/>
           <p:cNvSpPr>
             <a:spLocks noGrp="1"/>
           </p:cNvSpPr>
@@ -3114,13 +2797,7 @@
       </p:sp>
       <p:sp>
         <p:nvSpPr>
-          <p:cNvPr id="6" name="灯片编号占位符 5">
-            <a:extLst>
-              <a:ext uri="{FF2B5EF4-FFF2-40B4-BE49-F238E27FC236}">
-                <a16:creationId xmlns:a16="http://schemas.microsoft.com/office/drawing/2014/main" id="{2D50559F-AA7B-6F87-89D6-C4F4A72CD356}"/>
-              </a:ext>
-            </a:extLst>
-          </p:cNvPr>
+          <p:cNvPr id="6" name="灯片编号占位符 5"/>
           <p:cNvSpPr>
             <a:spLocks noGrp="1"/>
           </p:cNvSpPr>
@@ -3142,11 +2819,6 @@
         </p:txBody>
       </p:sp>
     </p:spTree>
-    <p:extLst>
-      <p:ext uri="{BB962C8B-B14F-4D97-AF65-F5344CB8AC3E}">
-        <p14:creationId xmlns:p14="http://schemas.microsoft.com/office/powerpoint/2010/main" val="2345041472"/>
-      </p:ext>
-    </p:extLst>
   </p:cSld>
   <p:clrMapOvr>
     <a:masterClrMapping/>
@@ -3173,13 +2845,7 @@
       </p:grpSpPr>
       <p:sp>
         <p:nvSpPr>
-          <p:cNvPr id="2" name="标题 1">
-            <a:extLst>
-              <a:ext uri="{FF2B5EF4-FFF2-40B4-BE49-F238E27FC236}">
-                <a16:creationId xmlns:a16="http://schemas.microsoft.com/office/drawing/2014/main" id="{B175F95D-2670-593B-6BF3-B6CA06827AA5}"/>
-              </a:ext>
-            </a:extLst>
-          </p:cNvPr>
+          <p:cNvPr id="2" name="标题 1"/>
           <p:cNvSpPr>
             <a:spLocks noGrp="1"/>
           </p:cNvSpPr>
@@ -3201,13 +2867,7 @@
       </p:sp>
       <p:sp>
         <p:nvSpPr>
-          <p:cNvPr id="3" name="内容占位符 2">
-            <a:extLst>
-              <a:ext uri="{FF2B5EF4-FFF2-40B4-BE49-F238E27FC236}">
-                <a16:creationId xmlns:a16="http://schemas.microsoft.com/office/drawing/2014/main" id="{A18059E3-BC5F-A93C-52FE-C415575F2141}"/>
-              </a:ext>
-            </a:extLst>
-          </p:cNvPr>
+          <p:cNvPr id="3" name="内容占位符 2"/>
           <p:cNvSpPr>
             <a:spLocks noGrp="1"/>
           </p:cNvSpPr>
@@ -3263,13 +2923,7 @@
       </p:sp>
       <p:sp>
         <p:nvSpPr>
-          <p:cNvPr id="4" name="内容占位符 3">
-            <a:extLst>
-              <a:ext uri="{FF2B5EF4-FFF2-40B4-BE49-F238E27FC236}">
-                <a16:creationId xmlns:a16="http://schemas.microsoft.com/office/drawing/2014/main" id="{82CB84A9-80A9-A6AE-DAEB-ABA96AF8A108}"/>
-              </a:ext>
-            </a:extLst>
-          </p:cNvPr>
+          <p:cNvPr id="4" name="内容占位符 3"/>
           <p:cNvSpPr>
             <a:spLocks noGrp="1"/>
           </p:cNvSpPr>
@@ -3325,13 +2979,7 @@
       </p:sp>
       <p:sp>
         <p:nvSpPr>
-          <p:cNvPr id="5" name="日期占位符 4">
-            <a:extLst>
-              <a:ext uri="{FF2B5EF4-FFF2-40B4-BE49-F238E27FC236}">
-                <a16:creationId xmlns:a16="http://schemas.microsoft.com/office/drawing/2014/main" id="{59B30774-0513-FAD1-0F2D-F13951823E3A}"/>
-              </a:ext>
-            </a:extLst>
-          </p:cNvPr>
+          <p:cNvPr id="5" name="日期占位符 4"/>
           <p:cNvSpPr>
             <a:spLocks noGrp="1"/>
           </p:cNvSpPr>
@@ -3354,13 +3002,7 @@
       </p:sp>
       <p:sp>
         <p:nvSpPr>
-          <p:cNvPr id="6" name="页脚占位符 5">
-            <a:extLst>
-              <a:ext uri="{FF2B5EF4-FFF2-40B4-BE49-F238E27FC236}">
-                <a16:creationId xmlns:a16="http://schemas.microsoft.com/office/drawing/2014/main" id="{4211388C-5C4C-51E1-EBAB-6D584B69D949}"/>
-              </a:ext>
-            </a:extLst>
-          </p:cNvPr>
+          <p:cNvPr id="6" name="页脚占位符 5"/>
           <p:cNvSpPr>
             <a:spLocks noGrp="1"/>
           </p:cNvSpPr>
@@ -3379,13 +3021,7 @@
       </p:sp>
       <p:sp>
         <p:nvSpPr>
-          <p:cNvPr id="7" name="灯片编号占位符 6">
-            <a:extLst>
-              <a:ext uri="{FF2B5EF4-FFF2-40B4-BE49-F238E27FC236}">
-                <a16:creationId xmlns:a16="http://schemas.microsoft.com/office/drawing/2014/main" id="{4F26EFF1-B7E5-E4A8-313B-9B93A672696E}"/>
-              </a:ext>
-            </a:extLst>
-          </p:cNvPr>
+          <p:cNvPr id="7" name="灯片编号占位符 6"/>
           <p:cNvSpPr>
             <a:spLocks noGrp="1"/>
           </p:cNvSpPr>
@@ -3407,11 +3043,6 @@
         </p:txBody>
       </p:sp>
     </p:spTree>
-    <p:extLst>
-      <p:ext uri="{BB962C8B-B14F-4D97-AF65-F5344CB8AC3E}">
-        <p14:creationId xmlns:p14="http://schemas.microsoft.com/office/powerpoint/2010/main" val="1364607391"/>
-      </p:ext>
-    </p:extLst>
   </p:cSld>
   <p:clrMapOvr>
     <a:masterClrMapping/>
@@ -3438,13 +3069,7 @@
       </p:grpSpPr>
       <p:sp>
         <p:nvSpPr>
-          <p:cNvPr id="2" name="标题 1">
-            <a:extLst>
-              <a:ext uri="{FF2B5EF4-FFF2-40B4-BE49-F238E27FC236}">
-                <a16:creationId xmlns:a16="http://schemas.microsoft.com/office/drawing/2014/main" id="{8725CBEC-FEA4-AE33-E663-B1619D3843EB}"/>
-              </a:ext>
-            </a:extLst>
-          </p:cNvPr>
+          <p:cNvPr id="2" name="标题 1"/>
           <p:cNvSpPr>
             <a:spLocks noGrp="1"/>
           </p:cNvSpPr>
@@ -3471,13 +3096,7 @@
       </p:sp>
       <p:sp>
         <p:nvSpPr>
-          <p:cNvPr id="3" name="文本占位符 2">
-            <a:extLst>
-              <a:ext uri="{FF2B5EF4-FFF2-40B4-BE49-F238E27FC236}">
-                <a16:creationId xmlns:a16="http://schemas.microsoft.com/office/drawing/2014/main" id="{585791C5-2EAB-E490-2776-741A069E20AC}"/>
-              </a:ext>
-            </a:extLst>
-          </p:cNvPr>
+          <p:cNvPr id="3" name="文本占位符 2"/>
           <p:cNvSpPr>
             <a:spLocks noGrp="1"/>
           </p:cNvSpPr>
@@ -3542,13 +3161,7 @@
       </p:sp>
       <p:sp>
         <p:nvSpPr>
-          <p:cNvPr id="4" name="内容占位符 3">
-            <a:extLst>
-              <a:ext uri="{FF2B5EF4-FFF2-40B4-BE49-F238E27FC236}">
-                <a16:creationId xmlns:a16="http://schemas.microsoft.com/office/drawing/2014/main" id="{CD5CAB28-E6E9-A54E-EC3E-EC8ED28A26F1}"/>
-              </a:ext>
-            </a:extLst>
-          </p:cNvPr>
+          <p:cNvPr id="4" name="内容占位符 3"/>
           <p:cNvSpPr>
             <a:spLocks noGrp="1"/>
           </p:cNvSpPr>
@@ -3604,13 +3217,7 @@
       </p:sp>
       <p:sp>
         <p:nvSpPr>
-          <p:cNvPr id="5" name="文本占位符 4">
-            <a:extLst>
-              <a:ext uri="{FF2B5EF4-FFF2-40B4-BE49-F238E27FC236}">
-                <a16:creationId xmlns:a16="http://schemas.microsoft.com/office/drawing/2014/main" id="{33BF99B5-7BE7-802B-C840-1A0FF13A5FA4}"/>
-              </a:ext>
-            </a:extLst>
-          </p:cNvPr>
+          <p:cNvPr id="5" name="文本占位符 4"/>
           <p:cNvSpPr>
             <a:spLocks noGrp="1"/>
           </p:cNvSpPr>
@@ -3675,13 +3282,7 @@
       </p:sp>
       <p:sp>
         <p:nvSpPr>
-          <p:cNvPr id="6" name="内容占位符 5">
-            <a:extLst>
-              <a:ext uri="{FF2B5EF4-FFF2-40B4-BE49-F238E27FC236}">
-                <a16:creationId xmlns:a16="http://schemas.microsoft.com/office/drawing/2014/main" id="{D17128B7-63D1-0095-8EC8-A76FE4D69103}"/>
-              </a:ext>
-            </a:extLst>
-          </p:cNvPr>
+          <p:cNvPr id="6" name="内容占位符 5"/>
           <p:cNvSpPr>
             <a:spLocks noGrp="1"/>
           </p:cNvSpPr>
@@ -3737,13 +3338,7 @@
       </p:sp>
       <p:sp>
         <p:nvSpPr>
-          <p:cNvPr id="7" name="日期占位符 6">
-            <a:extLst>
-              <a:ext uri="{FF2B5EF4-FFF2-40B4-BE49-F238E27FC236}">
-                <a16:creationId xmlns:a16="http://schemas.microsoft.com/office/drawing/2014/main" id="{BD62913B-3631-EDEC-7BED-F6F3B18353E8}"/>
-              </a:ext>
-            </a:extLst>
-          </p:cNvPr>
+          <p:cNvPr id="7" name="日期占位符 6"/>
           <p:cNvSpPr>
             <a:spLocks noGrp="1"/>
           </p:cNvSpPr>
@@ -3766,13 +3361,7 @@
       </p:sp>
       <p:sp>
         <p:nvSpPr>
-          <p:cNvPr id="8" name="页脚占位符 7">
-            <a:extLst>
-              <a:ext uri="{FF2B5EF4-FFF2-40B4-BE49-F238E27FC236}">
-                <a16:creationId xmlns:a16="http://schemas.microsoft.com/office/drawing/2014/main" id="{6B757BAC-FCB0-9764-236F-BD951DE22B05}"/>
-              </a:ext>
-            </a:extLst>
-          </p:cNvPr>
+          <p:cNvPr id="8" name="页脚占位符 7"/>
           <p:cNvSpPr>
             <a:spLocks noGrp="1"/>
           </p:cNvSpPr>
@@ -3791,13 +3380,7 @@
       </p:sp>
       <p:sp>
         <p:nvSpPr>
-          <p:cNvPr id="9" name="灯片编号占位符 8">
-            <a:extLst>
-              <a:ext uri="{FF2B5EF4-FFF2-40B4-BE49-F238E27FC236}">
-                <a16:creationId xmlns:a16="http://schemas.microsoft.com/office/drawing/2014/main" id="{582537C5-7E1C-117D-052B-270F8DFCC9B1}"/>
-              </a:ext>
-            </a:extLst>
-          </p:cNvPr>
+          <p:cNvPr id="9" name="灯片编号占位符 8"/>
           <p:cNvSpPr>
             <a:spLocks noGrp="1"/>
           </p:cNvSpPr>
@@ -3819,11 +3402,6 @@
         </p:txBody>
       </p:sp>
     </p:spTree>
-    <p:extLst>
-      <p:ext uri="{BB962C8B-B14F-4D97-AF65-F5344CB8AC3E}">
-        <p14:creationId xmlns:p14="http://schemas.microsoft.com/office/powerpoint/2010/main" val="2839074138"/>
-      </p:ext>
-    </p:extLst>
   </p:cSld>
   <p:clrMapOvr>
     <a:masterClrMapping/>
@@ -3850,13 +3428,7 @@
       </p:grpSpPr>
       <p:sp>
         <p:nvSpPr>
-          <p:cNvPr id="2" name="标题 1">
-            <a:extLst>
-              <a:ext uri="{FF2B5EF4-FFF2-40B4-BE49-F238E27FC236}">
-                <a16:creationId xmlns:a16="http://schemas.microsoft.com/office/drawing/2014/main" id="{5AB420AF-E789-F116-B208-8601D478CC19}"/>
-              </a:ext>
-            </a:extLst>
-          </p:cNvPr>
+          <p:cNvPr id="2" name="标题 1"/>
           <p:cNvSpPr>
             <a:spLocks noGrp="1"/>
           </p:cNvSpPr>
@@ -3878,13 +3450,7 @@
       </p:sp>
       <p:sp>
         <p:nvSpPr>
-          <p:cNvPr id="3" name="日期占位符 2">
-            <a:extLst>
-              <a:ext uri="{FF2B5EF4-FFF2-40B4-BE49-F238E27FC236}">
-                <a16:creationId xmlns:a16="http://schemas.microsoft.com/office/drawing/2014/main" id="{E9AB308A-FE1E-BABC-49B0-2529697C552E}"/>
-              </a:ext>
-            </a:extLst>
-          </p:cNvPr>
+          <p:cNvPr id="3" name="日期占位符 2"/>
           <p:cNvSpPr>
             <a:spLocks noGrp="1"/>
           </p:cNvSpPr>
@@ -3907,13 +3473,7 @@
       </p:sp>
       <p:sp>
         <p:nvSpPr>
-          <p:cNvPr id="4" name="页脚占位符 3">
-            <a:extLst>
-              <a:ext uri="{FF2B5EF4-FFF2-40B4-BE49-F238E27FC236}">
-                <a16:creationId xmlns:a16="http://schemas.microsoft.com/office/drawing/2014/main" id="{82E859C8-2B97-DD2D-6380-A19ABEB29E07}"/>
-              </a:ext>
-            </a:extLst>
-          </p:cNvPr>
+          <p:cNvPr id="4" name="页脚占位符 3"/>
           <p:cNvSpPr>
             <a:spLocks noGrp="1"/>
           </p:cNvSpPr>
@@ -3932,13 +3492,7 @@
       </p:sp>
       <p:sp>
         <p:nvSpPr>
-          <p:cNvPr id="5" name="灯片编号占位符 4">
-            <a:extLst>
-              <a:ext uri="{FF2B5EF4-FFF2-40B4-BE49-F238E27FC236}">
-                <a16:creationId xmlns:a16="http://schemas.microsoft.com/office/drawing/2014/main" id="{39B4A2FE-DEB4-DD6F-5644-EF5CA44F4872}"/>
-              </a:ext>
-            </a:extLst>
-          </p:cNvPr>
+          <p:cNvPr id="5" name="灯片编号占位符 4"/>
           <p:cNvSpPr>
             <a:spLocks noGrp="1"/>
           </p:cNvSpPr>
@@ -3960,11 +3514,6 @@
         </p:txBody>
       </p:sp>
     </p:spTree>
-    <p:extLst>
-      <p:ext uri="{BB962C8B-B14F-4D97-AF65-F5344CB8AC3E}">
-        <p14:creationId xmlns:p14="http://schemas.microsoft.com/office/powerpoint/2010/main" val="3533386103"/>
-      </p:ext>
-    </p:extLst>
   </p:cSld>
   <p:clrMapOvr>
     <a:masterClrMapping/>
@@ -3991,13 +3540,7 @@
       </p:grpSpPr>
       <p:sp>
         <p:nvSpPr>
-          <p:cNvPr id="2" name="日期占位符 1">
-            <a:extLst>
-              <a:ext uri="{FF2B5EF4-FFF2-40B4-BE49-F238E27FC236}">
-                <a16:creationId xmlns:a16="http://schemas.microsoft.com/office/drawing/2014/main" id="{64341D51-0262-FA7A-96FE-A9127483A035}"/>
-              </a:ext>
-            </a:extLst>
-          </p:cNvPr>
+          <p:cNvPr id="2" name="日期占位符 1"/>
           <p:cNvSpPr>
             <a:spLocks noGrp="1"/>
           </p:cNvSpPr>
@@ -4020,13 +3563,7 @@
       </p:sp>
       <p:sp>
         <p:nvSpPr>
-          <p:cNvPr id="3" name="页脚占位符 2">
-            <a:extLst>
-              <a:ext uri="{FF2B5EF4-FFF2-40B4-BE49-F238E27FC236}">
-                <a16:creationId xmlns:a16="http://schemas.microsoft.com/office/drawing/2014/main" id="{9BB1601F-752D-B59A-6963-B51FD487E3F2}"/>
-              </a:ext>
-            </a:extLst>
-          </p:cNvPr>
+          <p:cNvPr id="3" name="页脚占位符 2"/>
           <p:cNvSpPr>
             <a:spLocks noGrp="1"/>
           </p:cNvSpPr>
@@ -4045,13 +3582,7 @@
       </p:sp>
       <p:sp>
         <p:nvSpPr>
-          <p:cNvPr id="4" name="灯片编号占位符 3">
-            <a:extLst>
-              <a:ext uri="{FF2B5EF4-FFF2-40B4-BE49-F238E27FC236}">
-                <a16:creationId xmlns:a16="http://schemas.microsoft.com/office/drawing/2014/main" id="{D5EA3D3C-6508-D4F8-CABC-06E218A82115}"/>
-              </a:ext>
-            </a:extLst>
-          </p:cNvPr>
+          <p:cNvPr id="4" name="灯片编号占位符 3"/>
           <p:cNvSpPr>
             <a:spLocks noGrp="1"/>
           </p:cNvSpPr>
@@ -4073,11 +3604,6 @@
         </p:txBody>
       </p:sp>
     </p:spTree>
-    <p:extLst>
-      <p:ext uri="{BB962C8B-B14F-4D97-AF65-F5344CB8AC3E}">
-        <p14:creationId xmlns:p14="http://schemas.microsoft.com/office/powerpoint/2010/main" val="3903216130"/>
-      </p:ext>
-    </p:extLst>
   </p:cSld>
   <p:clrMapOvr>
     <a:masterClrMapping/>
@@ -4104,13 +3630,7 @@
       </p:grpSpPr>
       <p:sp>
         <p:nvSpPr>
-          <p:cNvPr id="2" name="标题 1">
-            <a:extLst>
-              <a:ext uri="{FF2B5EF4-FFF2-40B4-BE49-F238E27FC236}">
-                <a16:creationId xmlns:a16="http://schemas.microsoft.com/office/drawing/2014/main" id="{935F5223-7F0F-AA3C-7D42-4979618683AB}"/>
-              </a:ext>
-            </a:extLst>
-          </p:cNvPr>
+          <p:cNvPr id="2" name="标题 1"/>
           <p:cNvSpPr>
             <a:spLocks noGrp="1"/>
           </p:cNvSpPr>
@@ -4141,13 +3661,7 @@
       </p:sp>
       <p:sp>
         <p:nvSpPr>
-          <p:cNvPr id="3" name="内容占位符 2">
-            <a:extLst>
-              <a:ext uri="{FF2B5EF4-FFF2-40B4-BE49-F238E27FC236}">
-                <a16:creationId xmlns:a16="http://schemas.microsoft.com/office/drawing/2014/main" id="{D1042412-EFA1-FC52-5440-A2E071718A4B}"/>
-              </a:ext>
-            </a:extLst>
-          </p:cNvPr>
+          <p:cNvPr id="3" name="内容占位符 2"/>
           <p:cNvSpPr>
             <a:spLocks noGrp="1"/>
           </p:cNvSpPr>
@@ -4231,13 +3745,7 @@
       </p:sp>
       <p:sp>
         <p:nvSpPr>
-          <p:cNvPr id="4" name="文本占位符 3">
-            <a:extLst>
-              <a:ext uri="{FF2B5EF4-FFF2-40B4-BE49-F238E27FC236}">
-                <a16:creationId xmlns:a16="http://schemas.microsoft.com/office/drawing/2014/main" id="{A62A5CA2-569D-1AA7-B47F-FF243E440E7A}"/>
-              </a:ext>
-            </a:extLst>
-          </p:cNvPr>
+          <p:cNvPr id="4" name="文本占位符 3"/>
           <p:cNvSpPr>
             <a:spLocks noGrp="1"/>
           </p:cNvSpPr>
@@ -4302,13 +3810,7 @@
       </p:sp>
       <p:sp>
         <p:nvSpPr>
-          <p:cNvPr id="5" name="日期占位符 4">
-            <a:extLst>
-              <a:ext uri="{FF2B5EF4-FFF2-40B4-BE49-F238E27FC236}">
-                <a16:creationId xmlns:a16="http://schemas.microsoft.com/office/drawing/2014/main" id="{D370D8B0-61D8-8F78-5D05-179BFA994D1B}"/>
-              </a:ext>
-            </a:extLst>
-          </p:cNvPr>
+          <p:cNvPr id="5" name="日期占位符 4"/>
           <p:cNvSpPr>
             <a:spLocks noGrp="1"/>
           </p:cNvSpPr>
@@ -4331,13 +3833,7 @@
       </p:sp>
       <p:sp>
         <p:nvSpPr>
-          <p:cNvPr id="6" name="页脚占位符 5">
-            <a:extLst>
-              <a:ext uri="{FF2B5EF4-FFF2-40B4-BE49-F238E27FC236}">
-                <a16:creationId xmlns:a16="http://schemas.microsoft.com/office/drawing/2014/main" id="{005E12E0-B0AE-B75C-B4D7-44645010D716}"/>
-              </a:ext>
-            </a:extLst>
-          </p:cNvPr>
+          <p:cNvPr id="6" name="页脚占位符 5"/>
           <p:cNvSpPr>
             <a:spLocks noGrp="1"/>
           </p:cNvSpPr>
@@ -4356,13 +3852,7 @@
       </p:sp>
       <p:sp>
         <p:nvSpPr>
-          <p:cNvPr id="7" name="灯片编号占位符 6">
-            <a:extLst>
-              <a:ext uri="{FF2B5EF4-FFF2-40B4-BE49-F238E27FC236}">
-                <a16:creationId xmlns:a16="http://schemas.microsoft.com/office/drawing/2014/main" id="{DF4C4296-2886-A2D2-FA1B-F0A333D6BF6D}"/>
-              </a:ext>
-            </a:extLst>
-          </p:cNvPr>
+          <p:cNvPr id="7" name="灯片编号占位符 6"/>
           <p:cNvSpPr>
             <a:spLocks noGrp="1"/>
           </p:cNvSpPr>
@@ -4384,11 +3874,6 @@
         </p:txBody>
       </p:sp>
     </p:spTree>
-    <p:extLst>
-      <p:ext uri="{BB962C8B-B14F-4D97-AF65-F5344CB8AC3E}">
-        <p14:creationId xmlns:p14="http://schemas.microsoft.com/office/powerpoint/2010/main" val="2437299705"/>
-      </p:ext>
-    </p:extLst>
   </p:cSld>
   <p:clrMapOvr>
     <a:masterClrMapping/>
@@ -4415,13 +3900,7 @@
       </p:grpSpPr>
       <p:sp>
         <p:nvSpPr>
-          <p:cNvPr id="2" name="标题 1">
-            <a:extLst>
-              <a:ext uri="{FF2B5EF4-FFF2-40B4-BE49-F238E27FC236}">
-                <a16:creationId xmlns:a16="http://schemas.microsoft.com/office/drawing/2014/main" id="{27D9597E-A54C-D426-7810-0DA3C7313628}"/>
-              </a:ext>
-            </a:extLst>
-          </p:cNvPr>
+          <p:cNvPr id="2" name="标题 1"/>
           <p:cNvSpPr>
             <a:spLocks noGrp="1"/>
           </p:cNvSpPr>
@@ -4452,13 +3931,7 @@
       </p:sp>
       <p:sp>
         <p:nvSpPr>
-          <p:cNvPr id="3" name="图片占位符 2">
-            <a:extLst>
-              <a:ext uri="{FF2B5EF4-FFF2-40B4-BE49-F238E27FC236}">
-                <a16:creationId xmlns:a16="http://schemas.microsoft.com/office/drawing/2014/main" id="{E909BA71-E933-28EC-EE11-6C6B370D2A4D}"/>
-              </a:ext>
-            </a:extLst>
-          </p:cNvPr>
+          <p:cNvPr id="3" name="图片占位符 2"/>
           <p:cNvSpPr>
             <a:spLocks noGrp="1"/>
           </p:cNvSpPr>
@@ -4519,13 +3992,7 @@
       </p:sp>
       <p:sp>
         <p:nvSpPr>
-          <p:cNvPr id="4" name="文本占位符 3">
-            <a:extLst>
-              <a:ext uri="{FF2B5EF4-FFF2-40B4-BE49-F238E27FC236}">
-                <a16:creationId xmlns:a16="http://schemas.microsoft.com/office/drawing/2014/main" id="{6E5DC8C5-7C78-B08A-E7DB-FA756B2350FC}"/>
-              </a:ext>
-            </a:extLst>
-          </p:cNvPr>
+          <p:cNvPr id="4" name="文本占位符 3"/>
           <p:cNvSpPr>
             <a:spLocks noGrp="1"/>
           </p:cNvSpPr>
@@ -4590,13 +4057,7 @@
       </p:sp>
       <p:sp>
         <p:nvSpPr>
-          <p:cNvPr id="5" name="日期占位符 4">
-            <a:extLst>
-              <a:ext uri="{FF2B5EF4-FFF2-40B4-BE49-F238E27FC236}">
-                <a16:creationId xmlns:a16="http://schemas.microsoft.com/office/drawing/2014/main" id="{D036FB89-51B5-201D-A6E6-87EA1BDC13DF}"/>
-              </a:ext>
-            </a:extLst>
-          </p:cNvPr>
+          <p:cNvPr id="5" name="日期占位符 4"/>
           <p:cNvSpPr>
             <a:spLocks noGrp="1"/>
           </p:cNvSpPr>
@@ -4619,13 +4080,7 @@
       </p:sp>
       <p:sp>
         <p:nvSpPr>
-          <p:cNvPr id="6" name="页脚占位符 5">
-            <a:extLst>
-              <a:ext uri="{FF2B5EF4-FFF2-40B4-BE49-F238E27FC236}">
-                <a16:creationId xmlns:a16="http://schemas.microsoft.com/office/drawing/2014/main" id="{978F2EA3-ABAC-57B1-7E62-1F15DE3F6725}"/>
-              </a:ext>
-            </a:extLst>
-          </p:cNvPr>
+          <p:cNvPr id="6" name="页脚占位符 5"/>
           <p:cNvSpPr>
             <a:spLocks noGrp="1"/>
           </p:cNvSpPr>
@@ -4644,13 +4099,7 @@
       </p:sp>
       <p:sp>
         <p:nvSpPr>
-          <p:cNvPr id="7" name="灯片编号占位符 6">
-            <a:extLst>
-              <a:ext uri="{FF2B5EF4-FFF2-40B4-BE49-F238E27FC236}">
-                <a16:creationId xmlns:a16="http://schemas.microsoft.com/office/drawing/2014/main" id="{1E78E8E0-BC82-6545-BD76-9E1EBF649F96}"/>
-              </a:ext>
-            </a:extLst>
-          </p:cNvPr>
+          <p:cNvPr id="7" name="灯片编号占位符 6"/>
           <p:cNvSpPr>
             <a:spLocks noGrp="1"/>
           </p:cNvSpPr>
@@ -4672,11 +4121,6 @@
         </p:txBody>
       </p:sp>
     </p:spTree>
-    <p:extLst>
-      <p:ext uri="{BB962C8B-B14F-4D97-AF65-F5344CB8AC3E}">
-        <p14:creationId xmlns:p14="http://schemas.microsoft.com/office/powerpoint/2010/main" val="617532103"/>
-      </p:ext>
-    </p:extLst>
   </p:cSld>
   <p:clrMapOvr>
     <a:masterClrMapping/>
@@ -4708,13 +4152,7 @@
       </p:grpSpPr>
       <p:sp>
         <p:nvSpPr>
-          <p:cNvPr id="2" name="标题占位符 1">
-            <a:extLst>
-              <a:ext uri="{FF2B5EF4-FFF2-40B4-BE49-F238E27FC236}">
-                <a16:creationId xmlns:a16="http://schemas.microsoft.com/office/drawing/2014/main" id="{C8784677-64E7-DBAA-8C2D-F3206D10FCA3}"/>
-              </a:ext>
-            </a:extLst>
-          </p:cNvPr>
+          <p:cNvPr id="2" name="标题占位符 1"/>
           <p:cNvSpPr>
             <a:spLocks noGrp="1"/>
           </p:cNvSpPr>
@@ -4746,13 +4184,7 @@
       </p:sp>
       <p:sp>
         <p:nvSpPr>
-          <p:cNvPr id="3" name="文本占位符 2">
-            <a:extLst>
-              <a:ext uri="{FF2B5EF4-FFF2-40B4-BE49-F238E27FC236}">
-                <a16:creationId xmlns:a16="http://schemas.microsoft.com/office/drawing/2014/main" id="{5E787585-2445-37D7-C34A-73EF62E5577F}"/>
-              </a:ext>
-            </a:extLst>
-          </p:cNvPr>
+          <p:cNvPr id="3" name="文本占位符 2"/>
           <p:cNvSpPr>
             <a:spLocks noGrp="1"/>
           </p:cNvSpPr>
@@ -4813,13 +4245,7 @@
       </p:sp>
       <p:sp>
         <p:nvSpPr>
-          <p:cNvPr id="4" name="日期占位符 3">
-            <a:extLst>
-              <a:ext uri="{FF2B5EF4-FFF2-40B4-BE49-F238E27FC236}">
-                <a16:creationId xmlns:a16="http://schemas.microsoft.com/office/drawing/2014/main" id="{917DA445-2050-E2BD-79A7-01DECF9CE0EF}"/>
-              </a:ext>
-            </a:extLst>
-          </p:cNvPr>
+          <p:cNvPr id="4" name="日期占位符 3"/>
           <p:cNvSpPr>
             <a:spLocks noGrp="1"/>
           </p:cNvSpPr>
@@ -4860,13 +4286,7 @@
       </p:sp>
       <p:sp>
         <p:nvSpPr>
-          <p:cNvPr id="5" name="页脚占位符 4">
-            <a:extLst>
-              <a:ext uri="{FF2B5EF4-FFF2-40B4-BE49-F238E27FC236}">
-                <a16:creationId xmlns:a16="http://schemas.microsoft.com/office/drawing/2014/main" id="{73D0B8FE-9DC3-5F24-A509-29049B5372AD}"/>
-              </a:ext>
-            </a:extLst>
-          </p:cNvPr>
+          <p:cNvPr id="5" name="页脚占位符 4"/>
           <p:cNvSpPr>
             <a:spLocks noGrp="1"/>
           </p:cNvSpPr>
@@ -4903,13 +4323,7 @@
       </p:sp>
       <p:sp>
         <p:nvSpPr>
-          <p:cNvPr id="6" name="灯片编号占位符 5">
-            <a:extLst>
-              <a:ext uri="{FF2B5EF4-FFF2-40B4-BE49-F238E27FC236}">
-                <a16:creationId xmlns:a16="http://schemas.microsoft.com/office/drawing/2014/main" id="{E79CE9D4-74DC-87CE-A9A5-1E9967C1E36E}"/>
-              </a:ext>
-            </a:extLst>
-          </p:cNvPr>
+          <p:cNvPr id="6" name="灯片编号占位符 5"/>
           <p:cNvSpPr>
             <a:spLocks noGrp="1"/>
           </p:cNvSpPr>
@@ -4949,11 +4363,6 @@
         </p:txBody>
       </p:sp>
     </p:spTree>
-    <p:extLst>
-      <p:ext uri="{BB962C8B-B14F-4D97-AF65-F5344CB8AC3E}">
-        <p14:creationId xmlns:p14="http://schemas.microsoft.com/office/powerpoint/2010/main" val="2007736079"/>
-      </p:ext>
-    </p:extLst>
   </p:cSld>
   <p:clrMap bg1="lt1" tx1="dk1" bg2="lt2" tx2="dk2" accent1="accent1" accent2="accent2" accent3="accent3" accent4="accent4" accent5="accent5" accent6="accent6" hlink="hlink" folHlink="folHlink"/>
   <p:sldLayoutIdLst>
@@ -4968,7 +4377,7 @@
     <p:sldLayoutId id="2147483657" r:id="rId9"/>
     <p:sldLayoutId id="2147483658" r:id="rId10"/>
     <p:sldLayoutId id="2147483659" r:id="rId11"/>
-    <p:sldLayoutId id="2147483661" r:id="rId12"/>
+    <p:sldLayoutId id="2147483660" r:id="rId12"/>
   </p:sldLayoutIdLst>
   <p:txStyles>
     <p:titleStyle>
@@ -5258,13 +4667,7 @@
   <p:cSld>
     <p:spTree>
       <p:nvGrpSpPr>
-        <p:cNvPr id="1" name="">
-          <a:extLst>
-            <a:ext uri="{FF2B5EF4-FFF2-40B4-BE49-F238E27FC236}">
-              <a16:creationId xmlns:a16="http://schemas.microsoft.com/office/drawing/2014/main" id="{3394C638-6660-1663-F23F-42630C27FBBA}"/>
-            </a:ext>
-          </a:extLst>
-        </p:cNvPr>
+        <p:cNvPr id="1" name=""/>
         <p:cNvGrpSpPr/>
         <p:nvPr/>
       </p:nvGrpSpPr>
@@ -5278,28 +4681,18 @@
       </p:grpSpPr>
       <p:pic>
         <p:nvPicPr>
-          <p:cNvPr id="30" name="图片 29">
-            <a:extLst>
-              <a:ext uri="{FF2B5EF4-FFF2-40B4-BE49-F238E27FC236}">
-                <a16:creationId xmlns:a16="http://schemas.microsoft.com/office/drawing/2014/main" id="{64E102B9-2EB2-F8F7-5A4C-7100BD9E9BBF}"/>
-              </a:ext>
-            </a:extLst>
-          </p:cNvPr>
+          <p:cNvPr id="30" name="图片 29"/>
           <p:cNvPicPr>
             <a:picLocks noChangeAspect="1"/>
           </p:cNvPicPr>
           <p:nvPr/>
         </p:nvPicPr>
         <p:blipFill rotWithShape="1">
-          <a:blip r:embed="rId3" cstate="screen">
-            <a:extLst>
-              <a:ext uri="{28A0092B-C50C-407E-A947-70E740481C1C}">
-                <a14:useLocalDpi xmlns:a14="http://schemas.microsoft.com/office/drawing/2010/main"/>
-              </a:ext>
-            </a:extLst>
-          </a:blip>
+          <a:blip r:embed="rId3" cstate="screen"/>
           <a:srcRect/>
-          <a:stretch/>
+          <a:stretch>
+            <a:fillRect/>
+          </a:stretch>
         </p:blipFill>
         <p:spPr>
           <a:xfrm>
@@ -5313,13 +4706,7 @@
       </p:pic>
       <p:sp>
         <p:nvSpPr>
-          <p:cNvPr id="6" name="文本框 5">
-            <a:extLst>
-              <a:ext uri="{FF2B5EF4-FFF2-40B4-BE49-F238E27FC236}">
-                <a16:creationId xmlns:a16="http://schemas.microsoft.com/office/drawing/2014/main" id="{B13D7B23-81C2-2327-38C9-EF7D07323790}"/>
-              </a:ext>
-            </a:extLst>
-          </p:cNvPr>
+          <p:cNvPr id="6" name="文本框 5"/>
           <p:cNvSpPr txBox="1"/>
           <p:nvPr/>
         </p:nvSpPr>
@@ -5396,13 +4783,7 @@
       </p:sp>
       <p:sp>
         <p:nvSpPr>
-          <p:cNvPr id="7" name="文本框 6">
-            <a:extLst>
-              <a:ext uri="{FF2B5EF4-FFF2-40B4-BE49-F238E27FC236}">
-                <a16:creationId xmlns:a16="http://schemas.microsoft.com/office/drawing/2014/main" id="{BC01FD4A-E061-4B7E-4E37-1D2B9CE2C4E0}"/>
-              </a:ext>
-            </a:extLst>
-          </p:cNvPr>
+          <p:cNvPr id="7" name="文本框 6"/>
           <p:cNvSpPr txBox="1"/>
           <p:nvPr/>
         </p:nvSpPr>
@@ -5449,13 +4830,7 @@
       </p:sp>
       <p:sp>
         <p:nvSpPr>
-          <p:cNvPr id="8" name="矩形 7">
-            <a:extLst>
-              <a:ext uri="{FF2B5EF4-FFF2-40B4-BE49-F238E27FC236}">
-                <a16:creationId xmlns:a16="http://schemas.microsoft.com/office/drawing/2014/main" id="{EB453457-EF86-37F9-7370-35566CCA65BB}"/>
-              </a:ext>
-            </a:extLst>
-          </p:cNvPr>
+          <p:cNvPr id="8" name="矩形 7"/>
           <p:cNvSpPr/>
           <p:nvPr/>
         </p:nvSpPr>
@@ -5543,11 +4918,6 @@
         </p:txBody>
       </p:sp>
     </p:spTree>
-    <p:extLst>
-      <p:ext uri="{BB962C8B-B14F-4D97-AF65-F5344CB8AC3E}">
-        <p14:creationId xmlns:p14="http://schemas.microsoft.com/office/powerpoint/2010/main" val="3426660401"/>
-      </p:ext>
-    </p:extLst>
   </p:cSld>
   <p:clrMapOvr>
     <a:masterClrMapping/>
@@ -5556,6 +4926,248 @@
 </file>
 
 <file path=ppt/slides/slide10.xml><?xml version="1.0" encoding="utf-8"?>
+<p:sld xmlns:a="http://schemas.openxmlformats.org/drawingml/2006/main" xmlns:r="http://schemas.openxmlformats.org/officeDocument/2006/relationships" xmlns:p="http://schemas.openxmlformats.org/presentationml/2006/main">
+  <p:cSld>
+    <p:spTree>
+      <p:nvGrpSpPr>
+        <p:cNvPr id="1" name=""/>
+        <p:cNvGrpSpPr/>
+        <p:nvPr/>
+      </p:nvGrpSpPr>
+      <p:grpSpPr>
+        <a:xfrm>
+          <a:off x="0" y="0"/>
+          <a:ext cx="0" cy="0"/>
+          <a:chOff x="0" y="0"/>
+          <a:chExt cx="0" cy="0"/>
+        </a:xfrm>
+      </p:grpSpPr>
+      <p:pic>
+        <p:nvPicPr>
+          <p:cNvPr id="30" name="图片 29"/>
+          <p:cNvPicPr>
+            <a:picLocks noChangeAspect="1"/>
+          </p:cNvPicPr>
+          <p:nvPr/>
+        </p:nvPicPr>
+        <p:blipFill rotWithShape="1">
+          <a:blip r:embed="rId3" cstate="screen"/>
+          <a:srcRect/>
+          <a:stretch>
+            <a:fillRect/>
+          </a:stretch>
+        </p:blipFill>
+        <p:spPr>
+          <a:xfrm>
+            <a:off x="0" y="0"/>
+            <a:ext cx="12192000" cy="6858000"/>
+          </a:xfrm>
+          <a:prstGeom prst="rect">
+            <a:avLst/>
+          </a:prstGeom>
+        </p:spPr>
+      </p:pic>
+      <p:sp>
+        <p:nvSpPr>
+          <p:cNvPr id="27" name="文本框 26"/>
+          <p:cNvSpPr txBox="1"/>
+          <p:nvPr/>
+        </p:nvSpPr>
+        <p:spPr>
+          <a:xfrm>
+            <a:off x="716089" y="397243"/>
+            <a:ext cx="9932861" cy="523220"/>
+          </a:xfrm>
+          <a:prstGeom prst="rect">
+            <a:avLst/>
+          </a:prstGeom>
+          <a:noFill/>
+        </p:spPr>
+        <p:txBody>
+          <a:bodyPr wrap="square" rtlCol="0">
+            <a:spAutoFit/>
+          </a:bodyPr>
+          <a:lstStyle/>
+          <a:p>
+            <a:r>
+              <a:rPr lang="en-US" altLang="zh-CN" sz="2800" b="1" dirty="0"/>
+              <a:t>Testing &amp; debugging</a:t>
+            </a:r>
+          </a:p>
+        </p:txBody>
+      </p:sp>
+      <p:sp>
+        <p:nvSpPr>
+          <p:cNvPr id="5" name="文本框 4"/>
+          <p:cNvSpPr txBox="1"/>
+          <p:nvPr/>
+        </p:nvSpPr>
+        <p:spPr>
+          <a:xfrm>
+            <a:off x="6511193" y="1270533"/>
+            <a:ext cx="5604029" cy="4246245"/>
+          </a:xfrm>
+          <a:prstGeom prst="rect">
+            <a:avLst/>
+          </a:prstGeom>
+          <a:noFill/>
+        </p:spPr>
+        <p:txBody>
+          <a:bodyPr wrap="square">
+            <a:spAutoFit/>
+          </a:bodyPr>
+          <a:lstStyle/>
+          <a:p>
+            <a:pPr marL="285750" indent="-285750">
+              <a:lnSpc>
+                <a:spcPct val="150000"/>
+              </a:lnSpc>
+              <a:buFont typeface="Arial" panose="020B0604020202020204" pitchFamily="34" charset="0"/>
+              <a:buChar char="•"/>
+            </a:pPr>
+            <a:r>
+              <a:rPr lang="en-US" altLang="zh-CN" sz="1800" dirty="0">
+                <a:solidFill>
+                  <a:schemeClr val="dk2"/>
+                </a:solidFill>
+              </a:rPr>
+              <a:t>Then I used the </a:t>
+            </a:r>
+            <a:r>
+              <a:rPr lang="en-US" altLang="zh-CN" sz="1800" dirty="0" err="1">
+                <a:solidFill>
+                  <a:schemeClr val="dk2"/>
+                </a:solidFill>
+              </a:rPr>
+              <a:t>RapidAPI</a:t>
+            </a:r>
+            <a:r>
+              <a:rPr lang="en-US" altLang="zh-CN" sz="1800" dirty="0">
+                <a:solidFill>
+                  <a:schemeClr val="dk2"/>
+                </a:solidFill>
+              </a:rPr>
+              <a:t> console and Postman to manually test each endpoint to confirm that the backend was parsing and returning fields correctly.</a:t>
+            </a:r>
+          </a:p>
+          <a:p>
+            <a:pPr marL="285750" indent="-285750">
+              <a:lnSpc>
+                <a:spcPct val="150000"/>
+              </a:lnSpc>
+              <a:buFont typeface="Arial" panose="020B0604020202020204" pitchFamily="34" charset="0"/>
+              <a:buChar char="•"/>
+            </a:pPr>
+            <a:endParaRPr lang="en-US" altLang="zh-CN" dirty="0">
+              <a:solidFill>
+                <a:schemeClr val="dk2"/>
+              </a:solidFill>
+            </a:endParaRPr>
+          </a:p>
+          <a:p>
+            <a:pPr>
+              <a:lnSpc>
+                <a:spcPct val="150000"/>
+              </a:lnSpc>
+            </a:pPr>
+            <a:endParaRPr lang="en-US" altLang="zh-CN" sz="1800" dirty="0">
+              <a:solidFill>
+                <a:schemeClr val="dk2"/>
+              </a:solidFill>
+            </a:endParaRPr>
+          </a:p>
+          <a:p>
+            <a:pPr>
+              <a:lnSpc>
+                <a:spcPct val="150000"/>
+              </a:lnSpc>
+            </a:pPr>
+            <a:r>
+              <a:rPr lang="en-US" altLang="zh-CN" sz="1800" b="1" dirty="0">
+                <a:solidFill>
+                  <a:schemeClr val="dk2"/>
+                </a:solidFill>
+              </a:rPr>
+              <a:t>Conclusion: </a:t>
+            </a:r>
+          </a:p>
+          <a:p>
+            <a:pPr marL="342900" indent="-342900">
+              <a:lnSpc>
+                <a:spcPct val="150000"/>
+              </a:lnSpc>
+              <a:buAutoNum type="arabicPeriod"/>
+            </a:pPr>
+            <a:r>
+              <a:rPr lang="en-US" altLang="zh-CN" sz="1800" dirty="0">
+                <a:solidFill>
+                  <a:schemeClr val="dk2"/>
+                </a:solidFill>
+              </a:rPr>
+              <a:t>HTTP status code 429: API has reached the free request limit and the service stops responding; </a:t>
+            </a:r>
+          </a:p>
+          <a:p>
+            <a:pPr marL="342900" indent="-342900">
+              <a:lnSpc>
+                <a:spcPct val="150000"/>
+              </a:lnSpc>
+              <a:buAutoNum type="arabicPeriod"/>
+            </a:pPr>
+            <a:r>
+              <a:rPr lang="en-US" altLang="zh-CN" dirty="0">
+                <a:solidFill>
+                  <a:schemeClr val="dk2"/>
+                </a:solidFill>
+              </a:rPr>
+              <a:t>Timeout error: T</a:t>
+            </a:r>
+            <a:r>
+              <a:rPr lang="en-US" altLang="zh-CN" sz="1800" dirty="0">
+                <a:solidFill>
+                  <a:schemeClr val="dk2"/>
+                </a:solidFill>
+              </a:rPr>
+              <a:t>he API is too slow, in which case we should consider removing the timeout limit.</a:t>
+            </a:r>
+          </a:p>
+        </p:txBody>
+      </p:sp>
+      <p:pic>
+        <p:nvPicPr>
+          <p:cNvPr id="2" name="Google Shape;135;p18"/>
+          <p:cNvPicPr preferRelativeResize="0"/>
+          <p:nvPr/>
+        </p:nvPicPr>
+        <p:blipFill>
+          <a:blip r:embed="rId4"/>
+          <a:stretch>
+            <a:fillRect/>
+          </a:stretch>
+        </p:blipFill>
+        <p:spPr>
+          <a:xfrm>
+            <a:off x="410701" y="1442263"/>
+            <a:ext cx="5604029" cy="3553319"/>
+          </a:xfrm>
+          <a:prstGeom prst="rect">
+            <a:avLst/>
+          </a:prstGeom>
+          <a:noFill/>
+          <a:ln>
+            <a:noFill/>
+          </a:ln>
+        </p:spPr>
+      </p:pic>
+    </p:spTree>
+  </p:cSld>
+  <p:clrMapOvr>
+    <a:masterClrMapping/>
+  </p:clrMapOvr>
+</p:sld>
+</file>
+
+<file path=ppt/slides/slide11.xml><?xml version="1.0" encoding="utf-8"?>
 <p:sld xmlns:a="http://schemas.openxmlformats.org/drawingml/2006/main" xmlns:r="http://schemas.openxmlformats.org/officeDocument/2006/relationships" xmlns:p="http://schemas.openxmlformats.org/presentationml/2006/main">
   <p:cSld>
     <p:spTree>
@@ -5574,28 +5186,18 @@
       </p:grpSpPr>
       <p:pic>
         <p:nvPicPr>
-          <p:cNvPr id="2" name="图片 1">
-            <a:extLst>
-              <a:ext uri="{FF2B5EF4-FFF2-40B4-BE49-F238E27FC236}">
-                <a16:creationId xmlns:a16="http://schemas.microsoft.com/office/drawing/2014/main" id="{395C6DD7-DD9D-1055-81E9-54C26791FE17}"/>
-              </a:ext>
-            </a:extLst>
-          </p:cNvPr>
+          <p:cNvPr id="2" name="图片 1"/>
           <p:cNvPicPr>
             <a:picLocks noChangeAspect="1"/>
           </p:cNvPicPr>
           <p:nvPr/>
         </p:nvPicPr>
         <p:blipFill rotWithShape="1">
-          <a:blip r:embed="rId3" cstate="screen">
-            <a:extLst>
-              <a:ext uri="{28A0092B-C50C-407E-A947-70E740481C1C}">
-                <a14:useLocalDpi xmlns:a14="http://schemas.microsoft.com/office/drawing/2010/main"/>
-              </a:ext>
-            </a:extLst>
-          </a:blip>
+          <a:blip r:embed="rId3" cstate="screen"/>
           <a:srcRect/>
-          <a:stretch/>
+          <a:stretch>
+            <a:fillRect/>
+          </a:stretch>
         </p:blipFill>
         <p:spPr>
           <a:xfrm>
@@ -5614,9 +5216,7 @@
           <p:nvPr/>
         </p:nvPicPr>
         <p:blipFill>
-          <a:blip r:embed="rId4">
-            <a:alphaModFix/>
-          </a:blip>
+          <a:blip r:embed="rId4"/>
           <a:stretch>
             <a:fillRect/>
           </a:stretch>
@@ -5664,7 +5264,7 @@
               <a:buNone/>
             </a:pPr>
             <a:r>
-              <a:rPr lang="en" sz="2000" dirty="0"/>
+              <a:rPr lang="en-GB" sz="2000" dirty="0"/>
               <a:t>Database: AWS-aurora (MySQL)</a:t>
             </a:r>
             <a:endParaRPr sz="2000" dirty="0"/>
@@ -5673,13 +5273,7 @@
       </p:sp>
       <p:sp>
         <p:nvSpPr>
-          <p:cNvPr id="3" name="文本框 2">
-            <a:extLst>
-              <a:ext uri="{FF2B5EF4-FFF2-40B4-BE49-F238E27FC236}">
-                <a16:creationId xmlns:a16="http://schemas.microsoft.com/office/drawing/2014/main" id="{EEE7D4AB-8809-D152-8D16-579944B51AB7}"/>
-              </a:ext>
-            </a:extLst>
-          </p:cNvPr>
+          <p:cNvPr id="3" name="文本框 2"/>
           <p:cNvSpPr txBox="1"/>
           <p:nvPr/>
         </p:nvSpPr>
@@ -5714,18 +5308,12 @@
 </p:sld>
 </file>
 
-<file path=ppt/slides/slide11.xml><?xml version="1.0" encoding="utf-8"?>
+<file path=ppt/slides/slide12.xml><?xml version="1.0" encoding="utf-8"?>
 <p:sld xmlns:a="http://schemas.openxmlformats.org/drawingml/2006/main" xmlns:r="http://schemas.openxmlformats.org/officeDocument/2006/relationships" xmlns:p="http://schemas.openxmlformats.org/presentationml/2006/main">
   <p:cSld>
     <p:spTree>
       <p:nvGrpSpPr>
-        <p:cNvPr id="1" name="">
-          <a:extLst>
-            <a:ext uri="{FF2B5EF4-FFF2-40B4-BE49-F238E27FC236}">
-              <a16:creationId xmlns:a16="http://schemas.microsoft.com/office/drawing/2014/main" id="{9723C2B7-40F0-65C4-DF5D-D6AC5220F21E}"/>
-            </a:ext>
-          </a:extLst>
-        </p:cNvPr>
+        <p:cNvPr id="1" name=""/>
         <p:cNvGrpSpPr/>
         <p:nvPr/>
       </p:nvGrpSpPr>
@@ -5739,13 +5327,7 @@
       </p:grpSpPr>
       <p:pic>
         <p:nvPicPr>
-          <p:cNvPr id="30" name="图片 29">
-            <a:extLst>
-              <a:ext uri="{FF2B5EF4-FFF2-40B4-BE49-F238E27FC236}">
-                <a16:creationId xmlns:a16="http://schemas.microsoft.com/office/drawing/2014/main" id="{06CDCF79-FDC3-192B-31EA-F6EDF64F5818}"/>
-              </a:ext>
-            </a:extLst>
-          </p:cNvPr>
+          <p:cNvPr id="30" name="图片 29"/>
           <p:cNvPicPr>
             <a:picLocks noChangeAspect="1"/>
           </p:cNvPicPr>
@@ -5754,14 +5336,11 @@
         <p:blipFill rotWithShape="1">
           <a:blip r:embed="rId3" cstate="screen">
             <a:alphaModFix amt="50000"/>
-            <a:extLst>
-              <a:ext uri="{28A0092B-C50C-407E-A947-70E740481C1C}">
-                <a14:useLocalDpi xmlns:a14="http://schemas.microsoft.com/office/drawing/2010/main"/>
-              </a:ext>
-            </a:extLst>
           </a:blip>
           <a:srcRect/>
-          <a:stretch/>
+          <a:stretch>
+            <a:fillRect/>
+          </a:stretch>
         </p:blipFill>
         <p:spPr>
           <a:xfrm>
@@ -5775,13 +5354,7 @@
       </p:pic>
       <p:sp>
         <p:nvSpPr>
-          <p:cNvPr id="4" name="文本框 3">
-            <a:extLst>
-              <a:ext uri="{FF2B5EF4-FFF2-40B4-BE49-F238E27FC236}">
-                <a16:creationId xmlns:a16="http://schemas.microsoft.com/office/drawing/2014/main" id="{16CF3143-7B21-D997-2C46-ADD2FA0746FF}"/>
-              </a:ext>
-            </a:extLst>
-          </p:cNvPr>
+          <p:cNvPr id="4" name="文本框 3"/>
           <p:cNvSpPr txBox="1"/>
           <p:nvPr/>
         </p:nvSpPr>
@@ -5811,16 +5384,8 @@
       </p:sp>
       <p:sp>
         <p:nvSpPr>
-          <p:cNvPr id="5" name="内容占位符 2">
-            <a:extLst>
-              <a:ext uri="{FF2B5EF4-FFF2-40B4-BE49-F238E27FC236}">
-                <a16:creationId xmlns:a16="http://schemas.microsoft.com/office/drawing/2014/main" id="{5E744FE0-8B4C-AF05-538E-D0D476CEF491}"/>
-              </a:ext>
-            </a:extLst>
-          </p:cNvPr>
-          <p:cNvSpPr txBox="1">
-            <a:spLocks/>
-          </p:cNvSpPr>
+          <p:cNvPr id="5" name="内容占位符 2"/>
+          <p:cNvSpPr txBox="1"/>
           <p:nvPr/>
         </p:nvSpPr>
         <p:spPr>
@@ -6089,11 +5654,6 @@
         </p:txBody>
       </p:sp>
     </p:spTree>
-    <p:extLst>
-      <p:ext uri="{BB962C8B-B14F-4D97-AF65-F5344CB8AC3E}">
-        <p14:creationId xmlns:p14="http://schemas.microsoft.com/office/powerpoint/2010/main" val="1162089190"/>
-      </p:ext>
-    </p:extLst>
   </p:cSld>
   <p:clrMapOvr>
     <a:masterClrMapping/>
@@ -6101,18 +5661,12 @@
 </p:sld>
 </file>
 
-<file path=ppt/slides/slide12.xml><?xml version="1.0" encoding="utf-8"?>
+<file path=ppt/slides/slide13.xml><?xml version="1.0" encoding="utf-8"?>
 <p:sld xmlns:a="http://schemas.openxmlformats.org/drawingml/2006/main" xmlns:r="http://schemas.openxmlformats.org/officeDocument/2006/relationships" xmlns:p="http://schemas.openxmlformats.org/presentationml/2006/main">
   <p:cSld>
     <p:spTree>
       <p:nvGrpSpPr>
-        <p:cNvPr id="1" name="">
-          <a:extLst>
-            <a:ext uri="{FF2B5EF4-FFF2-40B4-BE49-F238E27FC236}">
-              <a16:creationId xmlns:a16="http://schemas.microsoft.com/office/drawing/2014/main" id="{58CAF377-ADB0-2E3F-2EAB-2A889545DB44}"/>
-            </a:ext>
-          </a:extLst>
-        </p:cNvPr>
+        <p:cNvPr id="1" name=""/>
         <p:cNvGrpSpPr/>
         <p:nvPr/>
       </p:nvGrpSpPr>
@@ -6126,13 +5680,7 @@
       </p:grpSpPr>
       <p:pic>
         <p:nvPicPr>
-          <p:cNvPr id="30" name="图片 29">
-            <a:extLst>
-              <a:ext uri="{FF2B5EF4-FFF2-40B4-BE49-F238E27FC236}">
-                <a16:creationId xmlns:a16="http://schemas.microsoft.com/office/drawing/2014/main" id="{DA807BF2-2F74-0D1F-9CFF-C5CE02496BC3}"/>
-              </a:ext>
-            </a:extLst>
-          </p:cNvPr>
+          <p:cNvPr id="30" name="图片 29"/>
           <p:cNvPicPr>
             <a:picLocks noChangeAspect="1"/>
           </p:cNvPicPr>
@@ -6141,14 +5689,11 @@
         <p:blipFill rotWithShape="1">
           <a:blip r:embed="rId3" cstate="screen">
             <a:alphaModFix amt="50000"/>
-            <a:extLst>
-              <a:ext uri="{28A0092B-C50C-407E-A947-70E740481C1C}">
-                <a14:useLocalDpi xmlns:a14="http://schemas.microsoft.com/office/drawing/2010/main"/>
-              </a:ext>
-            </a:extLst>
           </a:blip>
           <a:srcRect/>
-          <a:stretch/>
+          <a:stretch>
+            <a:fillRect/>
+          </a:stretch>
         </p:blipFill>
         <p:spPr>
           <a:xfrm>
@@ -6162,16 +5707,8 @@
       </p:pic>
       <p:sp>
         <p:nvSpPr>
-          <p:cNvPr id="5" name="内容占位符 2">
-            <a:extLst>
-              <a:ext uri="{FF2B5EF4-FFF2-40B4-BE49-F238E27FC236}">
-                <a16:creationId xmlns:a16="http://schemas.microsoft.com/office/drawing/2014/main" id="{830E8F0F-E7C6-1CCD-D45B-820D25AE24D3}"/>
-              </a:ext>
-            </a:extLst>
-          </p:cNvPr>
-          <p:cNvSpPr txBox="1">
-            <a:spLocks/>
-          </p:cNvSpPr>
+          <p:cNvPr id="5" name="内容占位符 2"/>
+          <p:cNvSpPr txBox="1"/>
           <p:nvPr/>
         </p:nvSpPr>
         <p:spPr>
@@ -6443,6 +5980,58 @@
               <a:rPr lang="en-US" altLang="zh-CN" sz="1600" noProof="1">
                 <a:latin typeface="+mn-ea"/>
               </a:rPr>
+              <a:t>Richer admin workflows</a:t>
+            </a:r>
+            <a:r>
+              <a:rPr lang="en-US" altLang="zh-CN" sz="1600">
+                <a:latin typeface="+mn-ea"/>
+                <a:sym typeface="+mn-ea"/>
+              </a:rPr>
+              <a:t> ✅ </a:t>
+            </a:r>
+            <a:endParaRPr lang="en-US" altLang="zh-CN" sz="1600" noProof="1">
+              <a:latin typeface="+mn-ea"/>
+            </a:endParaRPr>
+          </a:p>
+          <a:p>
+            <a:pPr>
+              <a:lnSpc>
+                <a:spcPct val="100000"/>
+              </a:lnSpc>
+              <a:spcAft>
+                <a:spcPts val="1200"/>
+              </a:spcAft>
+            </a:pPr>
+            <a:r>
+              <a:rPr lang="en-US" altLang="zh-CN" sz="1600" noProof="1">
+                <a:latin typeface="+mn-ea"/>
+              </a:rPr>
+              <a:t>Wishlist support for our app</a:t>
+            </a:r>
+            <a:r>
+              <a:rPr lang="en-US" altLang="zh-CN" sz="1600">
+                <a:latin typeface="+mn-ea"/>
+                <a:sym typeface="+mn-ea"/>
+              </a:rPr>
+              <a:t> ✅ </a:t>
+            </a:r>
+            <a:endParaRPr lang="en-US" altLang="zh-CN" sz="1600" noProof="1">
+              <a:latin typeface="+mn-ea"/>
+            </a:endParaRPr>
+          </a:p>
+          <a:p>
+            <a:pPr>
+              <a:lnSpc>
+                <a:spcPct val="100000"/>
+              </a:lnSpc>
+              <a:spcAft>
+                <a:spcPts val="1200"/>
+              </a:spcAft>
+            </a:pPr>
+            <a:r>
+              <a:rPr lang="en-US" altLang="zh-CN" sz="1600" noProof="1">
+                <a:latin typeface="+mn-ea"/>
+              </a:rPr>
               <a:t>Sensor (microphone) : ✅</a:t>
             </a:r>
           </a:p>
@@ -6509,7 +6098,33 @@
               </a:rPr>
               <a:t> AI recommendation : ❌</a:t>
             </a:r>
-          </a:p>
+            <a:endParaRPr lang="en-US" altLang="zh-CN" sz="1800" noProof="1">
+              <a:latin typeface="+mn-ea"/>
+            </a:endParaRPr>
+          </a:p>
+        </p:txBody>
+      </p:sp>
+      <p:sp>
+        <p:nvSpPr>
+          <p:cNvPr id="2" name="文本框 1"/>
+          <p:cNvSpPr txBox="1"/>
+          <p:nvPr/>
+        </p:nvSpPr>
+        <p:spPr>
+          <a:xfrm>
+            <a:off x="6182995" y="1496695"/>
+            <a:ext cx="4557395" cy="1660525"/>
+          </a:xfrm>
+          <a:prstGeom prst="rect">
+            <a:avLst/>
+          </a:prstGeom>
+          <a:noFill/>
+        </p:spPr>
+        <p:txBody>
+          <a:bodyPr wrap="square" rtlCol="0">
+            <a:spAutoFit/>
+          </a:bodyPr>
+          <a:lstStyle/>
           <a:p>
             <a:pPr marL="0" indent="0">
               <a:lnSpc>
@@ -6521,29 +6136,36 @@
               <a:buNone/>
             </a:pPr>
             <a:r>
-              <a:rPr lang="zh-CN" altLang="en-US" sz="2400" b="1" dirty="0">
+              <a:rPr lang="zh-CN" altLang="en-US" b="1" dirty="0">
                 <a:latin typeface="+mn-ea"/>
+                <a:sym typeface="+mn-ea"/>
               </a:rPr>
               <a:t>Stretch </a:t>
             </a:r>
             <a:r>
-              <a:rPr lang="en-US" altLang="zh-CN" sz="2400" b="1" dirty="0">
+              <a:rPr lang="en-US" altLang="zh-CN" b="1" dirty="0">
                 <a:latin typeface="+mn-ea"/>
+                <a:sym typeface="+mn-ea"/>
               </a:rPr>
               <a:t>g</a:t>
             </a:r>
             <a:r>
-              <a:rPr lang="zh-CN" altLang="en-US" sz="2400" b="1" dirty="0">
+              <a:rPr lang="zh-CN" altLang="en-US" b="1" dirty="0">
                 <a:latin typeface="+mn-ea"/>
+                <a:sym typeface="+mn-ea"/>
               </a:rPr>
               <a:t>oals </a:t>
             </a:r>
             <a:r>
-              <a:rPr lang="en-US" altLang="zh-CN" sz="2400" b="1" dirty="0">
+              <a:rPr lang="en-US" altLang="zh-CN" b="1" dirty="0">
                 <a:latin typeface="+mn-ea"/>
+                <a:sym typeface="+mn-ea"/>
               </a:rPr>
               <a:t>adjustment</a:t>
             </a:r>
+            <a:endParaRPr lang="en-US" altLang="zh-CN" b="1" dirty="0">
+              <a:latin typeface="+mn-ea"/>
+            </a:endParaRPr>
           </a:p>
           <a:p>
             <a:pPr>
@@ -6555,18 +6177,20 @@
               </a:spcAft>
             </a:pPr>
             <a:r>
-              <a:rPr lang="zh-CN" altLang="en-US" sz="1800" dirty="0">
+              <a:rPr lang="zh-CN" altLang="en-US" dirty="0">
                 <a:latin typeface="+mn-ea"/>
+                <a:sym typeface="+mn-ea"/>
               </a:rPr>
               <a:t>Social Sharing: </a:t>
             </a:r>
             <a:r>
-              <a:rPr lang="en-US" altLang="zh-CN" sz="1800" noProof="1">
+              <a:rPr lang="en-US" altLang="zh-CN" dirty="0">
                 <a:latin typeface="+mn-ea"/>
+                <a:sym typeface="+mn-ea"/>
               </a:rPr>
               <a:t>In progress…</a:t>
             </a:r>
-            <a:endParaRPr lang="zh-CN" altLang="en-US" sz="1800" dirty="0">
+            <a:endParaRPr lang="zh-CN" altLang="en-US" dirty="0">
               <a:latin typeface="+mn-ea"/>
             </a:endParaRPr>
           </a:p>
@@ -6580,26 +6204,29 @@
               </a:spcAft>
             </a:pPr>
             <a:r>
-              <a:rPr lang="zh-CN" altLang="en-US" sz="1800" dirty="0">
+              <a:rPr lang="zh-CN" altLang="en-US" dirty="0">
                 <a:latin typeface="+mn-ea"/>
+                <a:sym typeface="+mn-ea"/>
               </a:rPr>
               <a:t>Smart Coupon Integration:</a:t>
             </a:r>
             <a:r>
-              <a:rPr lang="en-US" altLang="zh-CN" sz="1800" noProof="1">
+              <a:rPr lang="en-US" altLang="zh-CN" dirty="0">
                 <a:latin typeface="+mn-ea"/>
+                <a:sym typeface="+mn-ea"/>
               </a:rPr>
               <a:t> ❌</a:t>
             </a:r>
+            <a:endParaRPr lang="en-US" altLang="zh-CN" noProof="1">
+              <a:latin typeface="+mn-ea"/>
+            </a:endParaRPr>
+          </a:p>
+          <a:p>
+            <a:endParaRPr lang="zh-CN" altLang="en-US" dirty="0"/>
           </a:p>
         </p:txBody>
       </p:sp>
     </p:spTree>
-    <p:extLst>
-      <p:ext uri="{BB962C8B-B14F-4D97-AF65-F5344CB8AC3E}">
-        <p14:creationId xmlns:p14="http://schemas.microsoft.com/office/powerpoint/2010/main" val="2350941191"/>
-      </p:ext>
-    </p:extLst>
   </p:cSld>
   <p:clrMapOvr>
     <a:masterClrMapping/>
@@ -6607,18 +6234,12 @@
 </p:sld>
 </file>
 
-<file path=ppt/slides/slide13.xml><?xml version="1.0" encoding="utf-8"?>
+<file path=ppt/slides/slide14.xml><?xml version="1.0" encoding="utf-8"?>
 <p:sld xmlns:a="http://schemas.openxmlformats.org/drawingml/2006/main" xmlns:r="http://schemas.openxmlformats.org/officeDocument/2006/relationships" xmlns:p="http://schemas.openxmlformats.org/presentationml/2006/main">
   <p:cSld>
     <p:spTree>
       <p:nvGrpSpPr>
-        <p:cNvPr id="1" name="">
-          <a:extLst>
-            <a:ext uri="{FF2B5EF4-FFF2-40B4-BE49-F238E27FC236}">
-              <a16:creationId xmlns:a16="http://schemas.microsoft.com/office/drawing/2014/main" id="{C968C4EC-6B63-F158-ADB6-79282A9F309D}"/>
-            </a:ext>
-          </a:extLst>
-        </p:cNvPr>
+        <p:cNvPr id="1" name=""/>
         <p:cNvGrpSpPr/>
         <p:nvPr/>
       </p:nvGrpSpPr>
@@ -6632,28 +6253,18 @@
       </p:grpSpPr>
       <p:pic>
         <p:nvPicPr>
-          <p:cNvPr id="30" name="图片 29">
-            <a:extLst>
-              <a:ext uri="{FF2B5EF4-FFF2-40B4-BE49-F238E27FC236}">
-                <a16:creationId xmlns:a16="http://schemas.microsoft.com/office/drawing/2014/main" id="{9DC1E423-2870-0F14-FAEF-D528A116A157}"/>
-              </a:ext>
-            </a:extLst>
-          </p:cNvPr>
+          <p:cNvPr id="30" name="图片 29"/>
           <p:cNvPicPr>
             <a:picLocks noChangeAspect="1"/>
           </p:cNvPicPr>
           <p:nvPr/>
         </p:nvPicPr>
         <p:blipFill rotWithShape="1">
-          <a:blip r:embed="rId2" cstate="screen">
-            <a:extLst>
-              <a:ext uri="{28A0092B-C50C-407E-A947-70E740481C1C}">
-                <a14:useLocalDpi xmlns:a14="http://schemas.microsoft.com/office/drawing/2010/main"/>
-              </a:ext>
-            </a:extLst>
-          </a:blip>
+          <a:blip r:embed="rId2" cstate="screen"/>
           <a:srcRect/>
-          <a:stretch/>
+          <a:stretch>
+            <a:fillRect/>
+          </a:stretch>
         </p:blipFill>
         <p:spPr>
           <a:xfrm>
@@ -6667,13 +6278,7 @@
       </p:pic>
       <p:sp>
         <p:nvSpPr>
-          <p:cNvPr id="6" name="文本框 5">
-            <a:extLst>
-              <a:ext uri="{FF2B5EF4-FFF2-40B4-BE49-F238E27FC236}">
-                <a16:creationId xmlns:a16="http://schemas.microsoft.com/office/drawing/2014/main" id="{6E485C98-6051-1B3A-8453-60BD0F092E45}"/>
-              </a:ext>
-            </a:extLst>
-          </p:cNvPr>
+          <p:cNvPr id="6" name="文本框 5"/>
           <p:cNvSpPr txBox="1"/>
           <p:nvPr/>
         </p:nvSpPr>
@@ -6710,11 +6315,6 @@
         </p:txBody>
       </p:sp>
     </p:spTree>
-    <p:extLst>
-      <p:ext uri="{BB962C8B-B14F-4D97-AF65-F5344CB8AC3E}">
-        <p14:creationId xmlns:p14="http://schemas.microsoft.com/office/powerpoint/2010/main" val="1143286937"/>
-      </p:ext>
-    </p:extLst>
   </p:cSld>
   <p:clrMapOvr>
     <a:masterClrMapping/>
@@ -6727,13 +6327,7 @@
   <p:cSld>
     <p:spTree>
       <p:nvGrpSpPr>
-        <p:cNvPr id="1" name="">
-          <a:extLst>
-            <a:ext uri="{FF2B5EF4-FFF2-40B4-BE49-F238E27FC236}">
-              <a16:creationId xmlns:a16="http://schemas.microsoft.com/office/drawing/2014/main" id="{79CB3823-608D-3CA3-D3EE-DDB9A50B6A3F}"/>
-            </a:ext>
-          </a:extLst>
-        </p:cNvPr>
+        <p:cNvPr id="1" name=""/>
         <p:cNvGrpSpPr/>
         <p:nvPr/>
       </p:nvGrpSpPr>
@@ -6747,28 +6341,18 @@
       </p:grpSpPr>
       <p:pic>
         <p:nvPicPr>
-          <p:cNvPr id="30" name="图片 29">
-            <a:extLst>
-              <a:ext uri="{FF2B5EF4-FFF2-40B4-BE49-F238E27FC236}">
-                <a16:creationId xmlns:a16="http://schemas.microsoft.com/office/drawing/2014/main" id="{F543A9A7-D48B-F2A5-8D21-C32352028DCA}"/>
-              </a:ext>
-            </a:extLst>
-          </p:cNvPr>
+          <p:cNvPr id="30" name="图片 29"/>
           <p:cNvPicPr>
             <a:picLocks noChangeAspect="1"/>
           </p:cNvPicPr>
           <p:nvPr/>
         </p:nvPicPr>
         <p:blipFill rotWithShape="1">
-          <a:blip r:embed="rId3" cstate="screen">
-            <a:extLst>
-              <a:ext uri="{28A0092B-C50C-407E-A947-70E740481C1C}">
-                <a14:useLocalDpi xmlns:a14="http://schemas.microsoft.com/office/drawing/2010/main"/>
-              </a:ext>
-            </a:extLst>
-          </a:blip>
+          <a:blip r:embed="rId3" cstate="screen"/>
           <a:srcRect/>
-          <a:stretch/>
+          <a:stretch>
+            <a:fillRect/>
+          </a:stretch>
         </p:blipFill>
         <p:spPr>
           <a:xfrm>
@@ -6782,13 +6366,7 @@
       </p:pic>
       <p:sp>
         <p:nvSpPr>
-          <p:cNvPr id="27" name="文本框 26">
-            <a:extLst>
-              <a:ext uri="{FF2B5EF4-FFF2-40B4-BE49-F238E27FC236}">
-                <a16:creationId xmlns:a16="http://schemas.microsoft.com/office/drawing/2014/main" id="{BFF48819-60E6-C72B-5BB3-F21DB0856CAD}"/>
-              </a:ext>
-            </a:extLst>
-          </p:cNvPr>
+          <p:cNvPr id="27" name="文本框 26"/>
           <p:cNvSpPr txBox="1"/>
           <p:nvPr/>
         </p:nvSpPr>
@@ -6816,11 +6394,6 @@
         </p:txBody>
       </p:sp>
     </p:spTree>
-    <p:extLst>
-      <p:ext uri="{BB962C8B-B14F-4D97-AF65-F5344CB8AC3E}">
-        <p14:creationId xmlns:p14="http://schemas.microsoft.com/office/powerpoint/2010/main" val="150370209"/>
-      </p:ext>
-    </p:extLst>
   </p:cSld>
   <p:clrMapOvr>
     <a:masterClrMapping/>
@@ -6833,13 +6406,7 @@
   <p:cSld>
     <p:spTree>
       <p:nvGrpSpPr>
-        <p:cNvPr id="1" name="">
-          <a:extLst>
-            <a:ext uri="{FF2B5EF4-FFF2-40B4-BE49-F238E27FC236}">
-              <a16:creationId xmlns:a16="http://schemas.microsoft.com/office/drawing/2014/main" id="{6B1FD64E-F9CD-AA59-1563-A7F494A8F236}"/>
-            </a:ext>
-          </a:extLst>
-        </p:cNvPr>
+        <p:cNvPr id="1" name=""/>
         <p:cNvGrpSpPr/>
         <p:nvPr/>
       </p:nvGrpSpPr>
@@ -6853,28 +6420,18 @@
       </p:grpSpPr>
       <p:pic>
         <p:nvPicPr>
-          <p:cNvPr id="30" name="图片 29">
-            <a:extLst>
-              <a:ext uri="{FF2B5EF4-FFF2-40B4-BE49-F238E27FC236}">
-                <a16:creationId xmlns:a16="http://schemas.microsoft.com/office/drawing/2014/main" id="{F248665A-6C3D-160D-6107-34024F786A09}"/>
-              </a:ext>
-            </a:extLst>
-          </p:cNvPr>
+          <p:cNvPr id="30" name="图片 29"/>
           <p:cNvPicPr>
             <a:picLocks noChangeAspect="1"/>
           </p:cNvPicPr>
           <p:nvPr/>
         </p:nvPicPr>
         <p:blipFill rotWithShape="1">
-          <a:blip r:embed="rId3" cstate="screen">
-            <a:extLst>
-              <a:ext uri="{28A0092B-C50C-407E-A947-70E740481C1C}">
-                <a14:useLocalDpi xmlns:a14="http://schemas.microsoft.com/office/drawing/2010/main"/>
-              </a:ext>
-            </a:extLst>
-          </a:blip>
+          <a:blip r:embed="rId3" cstate="screen"/>
           <a:srcRect/>
-          <a:stretch/>
+          <a:stretch>
+            <a:fillRect/>
+          </a:stretch>
         </p:blipFill>
         <p:spPr>
           <a:xfrm>
@@ -6888,13 +6445,7 @@
       </p:pic>
       <p:sp>
         <p:nvSpPr>
-          <p:cNvPr id="27" name="文本框 26">
-            <a:extLst>
-              <a:ext uri="{FF2B5EF4-FFF2-40B4-BE49-F238E27FC236}">
-                <a16:creationId xmlns:a16="http://schemas.microsoft.com/office/drawing/2014/main" id="{29B8FE83-7172-EBEF-ABB8-400BB29AFE73}"/>
-              </a:ext>
-            </a:extLst>
-          </p:cNvPr>
+          <p:cNvPr id="27" name="文本框 26"/>
           <p:cNvSpPr txBox="1"/>
           <p:nvPr/>
         </p:nvSpPr>
@@ -6923,13 +6474,7 @@
       </p:sp>
       <p:sp>
         <p:nvSpPr>
-          <p:cNvPr id="4" name="Google Shape;61;p14">
-            <a:extLst>
-              <a:ext uri="{FF2B5EF4-FFF2-40B4-BE49-F238E27FC236}">
-                <a16:creationId xmlns:a16="http://schemas.microsoft.com/office/drawing/2014/main" id="{43C2E92C-A035-CB97-90D7-A80BAF641F87}"/>
-              </a:ext>
-            </a:extLst>
-          </p:cNvPr>
+          <p:cNvPr id="4" name="Google Shape;61;p14"/>
           <p:cNvSpPr/>
           <p:nvPr/>
         </p:nvSpPr>
@@ -6964,7 +6509,7 @@
           <a:p>
             <a:pPr algn="ctr"/>
             <a:r>
-              <a:rPr lang="en" sz="2400"/>
+              <a:rPr lang="en-GB" sz="2400"/>
               <a:t>Sensor</a:t>
             </a:r>
             <a:endParaRPr sz="2400"/>
@@ -6973,13 +6518,7 @@
       </p:sp>
       <p:sp>
         <p:nvSpPr>
-          <p:cNvPr id="5" name="Google Shape;62;p14">
-            <a:extLst>
-              <a:ext uri="{FF2B5EF4-FFF2-40B4-BE49-F238E27FC236}">
-                <a16:creationId xmlns:a16="http://schemas.microsoft.com/office/drawing/2014/main" id="{35E19F14-32B4-783D-E622-3727ACD5763C}"/>
-              </a:ext>
-            </a:extLst>
-          </p:cNvPr>
+          <p:cNvPr id="5" name="Google Shape;62;p14"/>
           <p:cNvSpPr/>
           <p:nvPr/>
         </p:nvSpPr>
@@ -7014,7 +6553,7 @@
           <a:p>
             <a:pPr algn="ctr"/>
             <a:r>
-              <a:rPr lang="en" sz="2400"/>
+              <a:rPr lang="en-GB" sz="2400"/>
               <a:t>External API</a:t>
             </a:r>
             <a:endParaRPr sz="2400"/>
@@ -7023,13 +6562,7 @@
       </p:sp>
       <p:sp>
         <p:nvSpPr>
-          <p:cNvPr id="6" name="Google Shape;63;p14">
-            <a:extLst>
-              <a:ext uri="{FF2B5EF4-FFF2-40B4-BE49-F238E27FC236}">
-                <a16:creationId xmlns:a16="http://schemas.microsoft.com/office/drawing/2014/main" id="{3DA9DA36-AC28-DF6A-9788-297EC771D371}"/>
-              </a:ext>
-            </a:extLst>
-          </p:cNvPr>
+          <p:cNvPr id="6" name="Google Shape;63;p14"/>
           <p:cNvSpPr/>
           <p:nvPr/>
         </p:nvSpPr>
@@ -7064,7 +6597,7 @@
           <a:p>
             <a:pPr algn="ctr"/>
             <a:r>
-              <a:rPr lang="en" sz="2400"/>
+              <a:rPr lang="en-GB" sz="2400"/>
               <a:t>Database</a:t>
             </a:r>
             <a:endParaRPr sz="2400"/>
@@ -7073,13 +6606,7 @@
       </p:sp>
       <p:sp>
         <p:nvSpPr>
-          <p:cNvPr id="7" name="Google Shape;64;p14">
-            <a:extLst>
-              <a:ext uri="{FF2B5EF4-FFF2-40B4-BE49-F238E27FC236}">
-                <a16:creationId xmlns:a16="http://schemas.microsoft.com/office/drawing/2014/main" id="{0D0ADF25-107C-9475-615D-686A0776D3F7}"/>
-              </a:ext>
-            </a:extLst>
-          </p:cNvPr>
+          <p:cNvPr id="7" name="Google Shape;64;p14"/>
           <p:cNvSpPr/>
           <p:nvPr/>
         </p:nvSpPr>
@@ -7114,7 +6641,7 @@
           <a:p>
             <a:pPr algn="ctr"/>
             <a:r>
-              <a:rPr lang="en" sz="2400"/>
+              <a:rPr lang="en-GB" sz="2400"/>
               <a:t>UI and backends to each part</a:t>
             </a:r>
             <a:endParaRPr sz="2400"/>
@@ -7123,13 +6650,7 @@
       </p:sp>
       <p:sp>
         <p:nvSpPr>
-          <p:cNvPr id="8" name="Google Shape;65;p14">
-            <a:extLst>
-              <a:ext uri="{FF2B5EF4-FFF2-40B4-BE49-F238E27FC236}">
-                <a16:creationId xmlns:a16="http://schemas.microsoft.com/office/drawing/2014/main" id="{1EDEE94D-1313-03EB-F1DC-FFE716D30955}"/>
-              </a:ext>
-            </a:extLst>
-          </p:cNvPr>
+          <p:cNvPr id="8" name="Google Shape;65;p14"/>
           <p:cNvSpPr/>
           <p:nvPr/>
         </p:nvSpPr>
@@ -7162,7 +6683,7 @@
           <a:p>
             <a:pPr algn="ctr"/>
             <a:r>
-              <a:rPr lang="en" sz="1600"/>
+              <a:rPr lang="en-GB" sz="1600"/>
               <a:t>Leyan Chen</a:t>
             </a:r>
             <a:endParaRPr sz="1600"/>
@@ -7171,13 +6692,7 @@
       </p:sp>
       <p:sp>
         <p:nvSpPr>
-          <p:cNvPr id="9" name="Google Shape;66;p14">
-            <a:extLst>
-              <a:ext uri="{FF2B5EF4-FFF2-40B4-BE49-F238E27FC236}">
-                <a16:creationId xmlns:a16="http://schemas.microsoft.com/office/drawing/2014/main" id="{2D019D4B-234F-D9F7-FABB-F3E5485133E7}"/>
-              </a:ext>
-            </a:extLst>
-          </p:cNvPr>
+          <p:cNvPr id="9" name="Google Shape;66;p14"/>
           <p:cNvSpPr/>
           <p:nvPr/>
         </p:nvSpPr>
@@ -7210,7 +6725,7 @@
           <a:p>
             <a:pPr algn="ctr"/>
             <a:r>
-              <a:rPr lang="en" sz="1600"/>
+              <a:rPr lang="en-GB" sz="1600"/>
               <a:t>Yijia Chen</a:t>
             </a:r>
             <a:endParaRPr sz="1600"/>
@@ -7219,13 +6734,7 @@
       </p:sp>
       <p:sp>
         <p:nvSpPr>
-          <p:cNvPr id="10" name="Google Shape;67;p14">
-            <a:extLst>
-              <a:ext uri="{FF2B5EF4-FFF2-40B4-BE49-F238E27FC236}">
-                <a16:creationId xmlns:a16="http://schemas.microsoft.com/office/drawing/2014/main" id="{A256F2FA-FF13-042D-F6EB-5AB407D3D592}"/>
-              </a:ext>
-            </a:extLst>
-          </p:cNvPr>
+          <p:cNvPr id="10" name="Google Shape;67;p14"/>
           <p:cNvSpPr/>
           <p:nvPr/>
         </p:nvSpPr>
@@ -7258,7 +6767,7 @@
           <a:p>
             <a:pPr algn="ctr"/>
             <a:r>
-              <a:rPr lang="en" sz="1600"/>
+              <a:rPr lang="en-GB" sz="1600"/>
               <a:t>Juling Fan</a:t>
             </a:r>
             <a:endParaRPr sz="1600"/>
@@ -7266,11 +6775,6 @@
         </p:txBody>
       </p:sp>
     </p:spTree>
-    <p:extLst>
-      <p:ext uri="{BB962C8B-B14F-4D97-AF65-F5344CB8AC3E}">
-        <p14:creationId xmlns:p14="http://schemas.microsoft.com/office/powerpoint/2010/main" val="4189860276"/>
-      </p:ext>
-    </p:extLst>
   </p:cSld>
   <p:clrMapOvr>
     <a:masterClrMapping/>
@@ -7283,13 +6787,7 @@
   <p:cSld>
     <p:spTree>
       <p:nvGrpSpPr>
-        <p:cNvPr id="1" name="">
-          <a:extLst>
-            <a:ext uri="{FF2B5EF4-FFF2-40B4-BE49-F238E27FC236}">
-              <a16:creationId xmlns:a16="http://schemas.microsoft.com/office/drawing/2014/main" id="{CC0793E7-3B37-5B69-B80F-8FA47490719B}"/>
-            </a:ext>
-          </a:extLst>
-        </p:cNvPr>
+        <p:cNvPr id="1" name=""/>
         <p:cNvGrpSpPr/>
         <p:nvPr/>
       </p:nvGrpSpPr>
@@ -7303,28 +6801,18 @@
       </p:grpSpPr>
       <p:pic>
         <p:nvPicPr>
-          <p:cNvPr id="30" name="图片 29">
-            <a:extLst>
-              <a:ext uri="{FF2B5EF4-FFF2-40B4-BE49-F238E27FC236}">
-                <a16:creationId xmlns:a16="http://schemas.microsoft.com/office/drawing/2014/main" id="{9586278A-FC6C-57A9-1BDB-54A2C45CB1F3}"/>
-              </a:ext>
-            </a:extLst>
-          </p:cNvPr>
+          <p:cNvPr id="30" name="图片 29"/>
           <p:cNvPicPr>
             <a:picLocks noChangeAspect="1"/>
           </p:cNvPicPr>
           <p:nvPr/>
         </p:nvPicPr>
         <p:blipFill rotWithShape="1">
-          <a:blip r:embed="rId3" cstate="screen">
-            <a:extLst>
-              <a:ext uri="{28A0092B-C50C-407E-A947-70E740481C1C}">
-                <a14:useLocalDpi xmlns:a14="http://schemas.microsoft.com/office/drawing/2010/main"/>
-              </a:ext>
-            </a:extLst>
-          </a:blip>
+          <a:blip r:embed="rId3" cstate="screen"/>
           <a:srcRect/>
-          <a:stretch/>
+          <a:stretch>
+            <a:fillRect/>
+          </a:stretch>
         </p:blipFill>
         <p:spPr>
           <a:xfrm>
@@ -7338,13 +6826,7 @@
       </p:pic>
       <p:sp>
         <p:nvSpPr>
-          <p:cNvPr id="27" name="文本框 26">
-            <a:extLst>
-              <a:ext uri="{FF2B5EF4-FFF2-40B4-BE49-F238E27FC236}">
-                <a16:creationId xmlns:a16="http://schemas.microsoft.com/office/drawing/2014/main" id="{2601857E-059F-FC42-1623-6CC79C87C348}"/>
-              </a:ext>
-            </a:extLst>
-          </p:cNvPr>
+          <p:cNvPr id="27" name="文本框 26"/>
           <p:cNvSpPr txBox="1"/>
           <p:nvPr/>
         </p:nvSpPr>
@@ -7373,13 +6855,7 @@
       </p:sp>
       <p:pic>
         <p:nvPicPr>
-          <p:cNvPr id="5" name="图片 4">
-            <a:extLst>
-              <a:ext uri="{FF2B5EF4-FFF2-40B4-BE49-F238E27FC236}">
-                <a16:creationId xmlns:a16="http://schemas.microsoft.com/office/drawing/2014/main" id="{6B81FC0C-12E2-F909-70CB-FCBD7BD504F4}"/>
-              </a:ext>
-            </a:extLst>
-          </p:cNvPr>
+          <p:cNvPr id="5" name="图片 4"/>
           <p:cNvPicPr>
             <a:picLocks noChangeAspect="1"/>
           </p:cNvPicPr>
@@ -7403,13 +6879,7 @@
       </p:pic>
       <p:pic>
         <p:nvPicPr>
-          <p:cNvPr id="7" name="图片 6">
-            <a:extLst>
-              <a:ext uri="{FF2B5EF4-FFF2-40B4-BE49-F238E27FC236}">
-                <a16:creationId xmlns:a16="http://schemas.microsoft.com/office/drawing/2014/main" id="{1B645324-457B-1177-F3C8-045C2987880F}"/>
-              </a:ext>
-            </a:extLst>
-          </p:cNvPr>
+          <p:cNvPr id="7" name="图片 6"/>
           <p:cNvPicPr>
             <a:picLocks noChangeAspect="1"/>
           </p:cNvPicPr>
@@ -7434,13 +6904,7 @@
       </p:pic>
       <p:pic>
         <p:nvPicPr>
-          <p:cNvPr id="10" name="图片 9">
-            <a:extLst>
-              <a:ext uri="{FF2B5EF4-FFF2-40B4-BE49-F238E27FC236}">
-                <a16:creationId xmlns:a16="http://schemas.microsoft.com/office/drawing/2014/main" id="{483B183B-4C7E-4864-2280-9D740C476958}"/>
-              </a:ext>
-            </a:extLst>
-          </p:cNvPr>
+          <p:cNvPr id="10" name="图片 9"/>
           <p:cNvPicPr>
             <a:picLocks noChangeAspect="1"/>
           </p:cNvPicPr>
@@ -7464,11 +6928,6 @@
         </p:spPr>
       </p:pic>
     </p:spTree>
-    <p:extLst>
-      <p:ext uri="{BB962C8B-B14F-4D97-AF65-F5344CB8AC3E}">
-        <p14:creationId xmlns:p14="http://schemas.microsoft.com/office/powerpoint/2010/main" val="791159765"/>
-      </p:ext>
-    </p:extLst>
   </p:cSld>
   <p:clrMapOvr>
     <a:masterClrMapping/>
@@ -7481,13 +6940,7 @@
   <p:cSld>
     <p:spTree>
       <p:nvGrpSpPr>
-        <p:cNvPr id="1" name="">
-          <a:extLst>
-            <a:ext uri="{FF2B5EF4-FFF2-40B4-BE49-F238E27FC236}">
-              <a16:creationId xmlns:a16="http://schemas.microsoft.com/office/drawing/2014/main" id="{EB5EDE53-AE06-E9A6-33AC-F230D92124BB}"/>
-            </a:ext>
-          </a:extLst>
-        </p:cNvPr>
+        <p:cNvPr id="1" name=""/>
         <p:cNvGrpSpPr/>
         <p:nvPr/>
       </p:nvGrpSpPr>
@@ -7501,28 +6954,18 @@
       </p:grpSpPr>
       <p:pic>
         <p:nvPicPr>
-          <p:cNvPr id="30" name="图片 29">
-            <a:extLst>
-              <a:ext uri="{FF2B5EF4-FFF2-40B4-BE49-F238E27FC236}">
-                <a16:creationId xmlns:a16="http://schemas.microsoft.com/office/drawing/2014/main" id="{E2BF4FDA-ACE5-9608-07B5-33D922DD5FCD}"/>
-              </a:ext>
-            </a:extLst>
-          </p:cNvPr>
+          <p:cNvPr id="30" name="图片 29"/>
           <p:cNvPicPr>
             <a:picLocks noChangeAspect="1"/>
           </p:cNvPicPr>
           <p:nvPr/>
         </p:nvPicPr>
         <p:blipFill rotWithShape="1">
-          <a:blip r:embed="rId3" cstate="screen">
-            <a:extLst>
-              <a:ext uri="{28A0092B-C50C-407E-A947-70E740481C1C}">
-                <a14:useLocalDpi xmlns:a14="http://schemas.microsoft.com/office/drawing/2010/main"/>
-              </a:ext>
-            </a:extLst>
-          </a:blip>
+          <a:blip r:embed="rId3" cstate="screen"/>
           <a:srcRect/>
-          <a:stretch/>
+          <a:stretch>
+            <a:fillRect/>
+          </a:stretch>
         </p:blipFill>
         <p:spPr>
           <a:xfrm>
@@ -7536,13 +6979,7 @@
       </p:pic>
       <p:sp>
         <p:nvSpPr>
-          <p:cNvPr id="2" name="文本框 1">
-            <a:extLst>
-              <a:ext uri="{FF2B5EF4-FFF2-40B4-BE49-F238E27FC236}">
-                <a16:creationId xmlns:a16="http://schemas.microsoft.com/office/drawing/2014/main" id="{7D76A364-7A4F-5642-4C12-E48204CF1BF8}"/>
-              </a:ext>
-            </a:extLst>
-          </p:cNvPr>
+          <p:cNvPr id="2" name="文本框 1"/>
           <p:cNvSpPr txBox="1"/>
           <p:nvPr/>
         </p:nvSpPr>
@@ -7571,13 +7008,7 @@
       </p:sp>
       <p:sp>
         <p:nvSpPr>
-          <p:cNvPr id="4" name="Google Shape;61;p14">
-            <a:extLst>
-              <a:ext uri="{FF2B5EF4-FFF2-40B4-BE49-F238E27FC236}">
-                <a16:creationId xmlns:a16="http://schemas.microsoft.com/office/drawing/2014/main" id="{D7DF6E84-10F7-CF5A-50CD-1AB3D3C6A423}"/>
-              </a:ext>
-            </a:extLst>
-          </p:cNvPr>
+          <p:cNvPr id="4" name="Google Shape;61;p14"/>
           <p:cNvSpPr/>
           <p:nvPr/>
         </p:nvSpPr>
@@ -7620,13 +7051,7 @@
       </p:sp>
       <p:cxnSp>
         <p:nvCxnSpPr>
-          <p:cNvPr id="6" name="直接箭头连接符 5">
-            <a:extLst>
-              <a:ext uri="{FF2B5EF4-FFF2-40B4-BE49-F238E27FC236}">
-                <a16:creationId xmlns:a16="http://schemas.microsoft.com/office/drawing/2014/main" id="{84E39C13-07EF-9731-BD11-C65B4BC21DE7}"/>
-              </a:ext>
-            </a:extLst>
-          </p:cNvPr>
+          <p:cNvPr id="6" name="直接箭头连接符 5"/>
           <p:cNvCxnSpPr/>
           <p:nvPr/>
         </p:nvCxnSpPr>
@@ -7659,13 +7084,7 @@
       </p:cxnSp>
       <p:sp>
         <p:nvSpPr>
-          <p:cNvPr id="7" name="Google Shape;61;p14">
-            <a:extLst>
-              <a:ext uri="{FF2B5EF4-FFF2-40B4-BE49-F238E27FC236}">
-                <a16:creationId xmlns:a16="http://schemas.microsoft.com/office/drawing/2014/main" id="{9618AC75-DBC2-1C8C-460C-4E6B3A05F910}"/>
-              </a:ext>
-            </a:extLst>
-          </p:cNvPr>
+          <p:cNvPr id="7" name="Google Shape;61;p14"/>
           <p:cNvSpPr/>
           <p:nvPr/>
         </p:nvSpPr>
@@ -7708,13 +7127,7 @@
       </p:sp>
       <p:cxnSp>
         <p:nvCxnSpPr>
-          <p:cNvPr id="8" name="直接箭头连接符 7">
-            <a:extLst>
-              <a:ext uri="{FF2B5EF4-FFF2-40B4-BE49-F238E27FC236}">
-                <a16:creationId xmlns:a16="http://schemas.microsoft.com/office/drawing/2014/main" id="{36F43E99-B2A5-DD74-5B40-D5F075B72AA5}"/>
-              </a:ext>
-            </a:extLst>
-          </p:cNvPr>
+          <p:cNvPr id="8" name="直接箭头连接符 7"/>
           <p:cNvCxnSpPr/>
           <p:nvPr/>
         </p:nvCxnSpPr>
@@ -7747,13 +7160,7 @@
       </p:cxnSp>
       <p:sp>
         <p:nvSpPr>
-          <p:cNvPr id="9" name="文本框 8">
-            <a:extLst>
-              <a:ext uri="{FF2B5EF4-FFF2-40B4-BE49-F238E27FC236}">
-                <a16:creationId xmlns:a16="http://schemas.microsoft.com/office/drawing/2014/main" id="{34E659BD-2312-7F1A-CB44-4D78ECAB7397}"/>
-              </a:ext>
-            </a:extLst>
-          </p:cNvPr>
+          <p:cNvPr id="9" name="文本框 8"/>
           <p:cNvSpPr txBox="1"/>
           <p:nvPr/>
         </p:nvSpPr>
@@ -7783,13 +7190,7 @@
       </p:sp>
       <p:sp>
         <p:nvSpPr>
-          <p:cNvPr id="10" name="Google Shape;61;p14">
-            <a:extLst>
-              <a:ext uri="{FF2B5EF4-FFF2-40B4-BE49-F238E27FC236}">
-                <a16:creationId xmlns:a16="http://schemas.microsoft.com/office/drawing/2014/main" id="{9539A14D-5347-1DCD-22A7-8CA5FCB10F85}"/>
-              </a:ext>
-            </a:extLst>
-          </p:cNvPr>
+          <p:cNvPr id="10" name="Google Shape;61;p14"/>
           <p:cNvSpPr/>
           <p:nvPr/>
         </p:nvSpPr>
@@ -7848,13 +7249,7 @@
       </p:sp>
       <p:cxnSp>
         <p:nvCxnSpPr>
-          <p:cNvPr id="11" name="直接箭头连接符 10">
-            <a:extLst>
-              <a:ext uri="{FF2B5EF4-FFF2-40B4-BE49-F238E27FC236}">
-                <a16:creationId xmlns:a16="http://schemas.microsoft.com/office/drawing/2014/main" id="{A4A556D9-94DE-158E-EC8D-BAF116D2B57A}"/>
-              </a:ext>
-            </a:extLst>
-          </p:cNvPr>
+          <p:cNvPr id="11" name="直接箭头连接符 10"/>
           <p:cNvCxnSpPr/>
           <p:nvPr/>
         </p:nvCxnSpPr>
@@ -7887,13 +7282,7 @@
       </p:cxnSp>
       <p:sp>
         <p:nvSpPr>
-          <p:cNvPr id="12" name="Google Shape;61;p14">
-            <a:extLst>
-              <a:ext uri="{FF2B5EF4-FFF2-40B4-BE49-F238E27FC236}">
-                <a16:creationId xmlns:a16="http://schemas.microsoft.com/office/drawing/2014/main" id="{D3B39273-693D-3D78-9415-4315B3A4AC32}"/>
-              </a:ext>
-            </a:extLst>
-          </p:cNvPr>
+          <p:cNvPr id="12" name="Google Shape;61;p14"/>
           <p:cNvSpPr/>
           <p:nvPr/>
         </p:nvSpPr>
@@ -7944,13 +7333,7 @@
       </p:sp>
       <p:cxnSp>
         <p:nvCxnSpPr>
-          <p:cNvPr id="13" name="直接箭头连接符 12">
-            <a:extLst>
-              <a:ext uri="{FF2B5EF4-FFF2-40B4-BE49-F238E27FC236}">
-                <a16:creationId xmlns:a16="http://schemas.microsoft.com/office/drawing/2014/main" id="{1A3A4105-CD95-E68B-DADA-7DA24EC95764}"/>
-              </a:ext>
-            </a:extLst>
-          </p:cNvPr>
+          <p:cNvPr id="13" name="直接箭头连接符 12"/>
           <p:cNvCxnSpPr/>
           <p:nvPr/>
         </p:nvCxnSpPr>
@@ -7983,13 +7366,7 @@
       </p:cxnSp>
       <p:sp>
         <p:nvSpPr>
-          <p:cNvPr id="14" name="Google Shape;61;p14">
-            <a:extLst>
-              <a:ext uri="{FF2B5EF4-FFF2-40B4-BE49-F238E27FC236}">
-                <a16:creationId xmlns:a16="http://schemas.microsoft.com/office/drawing/2014/main" id="{B9F28497-D09F-F0FF-9E12-AFD0BB01D378}"/>
-              </a:ext>
-            </a:extLst>
-          </p:cNvPr>
+          <p:cNvPr id="14" name="Google Shape;61;p14"/>
           <p:cNvSpPr/>
           <p:nvPr/>
         </p:nvSpPr>
@@ -8048,13 +7425,7 @@
       </p:sp>
       <p:cxnSp>
         <p:nvCxnSpPr>
-          <p:cNvPr id="15" name="直接箭头连接符 14">
-            <a:extLst>
-              <a:ext uri="{FF2B5EF4-FFF2-40B4-BE49-F238E27FC236}">
-                <a16:creationId xmlns:a16="http://schemas.microsoft.com/office/drawing/2014/main" id="{7D06AC6F-7C2F-AE14-AC2D-83CB2E7E2E83}"/>
-              </a:ext>
-            </a:extLst>
-          </p:cNvPr>
+          <p:cNvPr id="15" name="直接箭头连接符 14"/>
           <p:cNvCxnSpPr/>
           <p:nvPr/>
         </p:nvCxnSpPr>
@@ -8087,13 +7458,7 @@
       </p:cxnSp>
       <p:sp>
         <p:nvSpPr>
-          <p:cNvPr id="18" name="Google Shape;61;p14">
-            <a:extLst>
-              <a:ext uri="{FF2B5EF4-FFF2-40B4-BE49-F238E27FC236}">
-                <a16:creationId xmlns:a16="http://schemas.microsoft.com/office/drawing/2014/main" id="{51882D4B-6462-6251-A2F4-163328FC9169}"/>
-              </a:ext>
-            </a:extLst>
-          </p:cNvPr>
+          <p:cNvPr id="18" name="Google Shape;61;p14"/>
           <p:cNvSpPr/>
           <p:nvPr/>
         </p:nvSpPr>
@@ -8135,11 +7500,6 @@
         </p:txBody>
       </p:sp>
     </p:spTree>
-    <p:extLst>
-      <p:ext uri="{BB962C8B-B14F-4D97-AF65-F5344CB8AC3E}">
-        <p14:creationId xmlns:p14="http://schemas.microsoft.com/office/powerpoint/2010/main" val="1450528416"/>
-      </p:ext>
-    </p:extLst>
   </p:cSld>
   <p:clrMapOvr>
     <a:masterClrMapping/>
@@ -8152,13 +7512,7 @@
   <p:cSld>
     <p:spTree>
       <p:nvGrpSpPr>
-        <p:cNvPr id="1" name="">
-          <a:extLst>
-            <a:ext uri="{FF2B5EF4-FFF2-40B4-BE49-F238E27FC236}">
-              <a16:creationId xmlns:a16="http://schemas.microsoft.com/office/drawing/2014/main" id="{3784FCEE-382B-0CBE-6AF9-22D895CF72F4}"/>
-            </a:ext>
-          </a:extLst>
-        </p:cNvPr>
+        <p:cNvPr id="1" name="Shape 71"/>
         <p:cNvGrpSpPr/>
         <p:nvPr/>
       </p:nvGrpSpPr>
@@ -8172,10 +7526,10 @@
       </p:grpSpPr>
       <p:pic>
         <p:nvPicPr>
-          <p:cNvPr id="30" name="图片 29">
+          <p:cNvPr id="2" name="图片 1">
             <a:extLst>
               <a:ext uri="{FF2B5EF4-FFF2-40B4-BE49-F238E27FC236}">
-                <a16:creationId xmlns:a16="http://schemas.microsoft.com/office/drawing/2014/main" id="{E841FF5A-55E0-7595-0AEC-705F840241D9}"/>
+                <a16:creationId xmlns:a16="http://schemas.microsoft.com/office/drawing/2014/main" id="{5A64DCFE-568F-4DE9-88DF-12A54073641C}"/>
               </a:ext>
             </a:extLst>
           </p:cNvPr>
@@ -8185,15 +7539,11 @@
           <p:nvPr/>
         </p:nvPicPr>
         <p:blipFill rotWithShape="1">
-          <a:blip r:embed="rId3" cstate="screen">
-            <a:extLst>
-              <a:ext uri="{28A0092B-C50C-407E-A947-70E740481C1C}">
-                <a14:useLocalDpi xmlns:a14="http://schemas.microsoft.com/office/drawing/2010/main"/>
-              </a:ext>
-            </a:extLst>
-          </a:blip>
+          <a:blip r:embed="rId3" cstate="screen"/>
           <a:srcRect/>
-          <a:stretch/>
+          <a:stretch>
+            <a:fillRect/>
+          </a:stretch>
         </p:blipFill>
         <p:spPr>
           <a:xfrm>
@@ -8207,10 +7557,1367 @@
       </p:pic>
       <p:sp>
         <p:nvSpPr>
-          <p:cNvPr id="27" name="文本框 26">
+          <p:cNvPr id="72" name="Google Shape;72;p15"/>
+          <p:cNvSpPr/>
+          <p:nvPr/>
+        </p:nvSpPr>
+        <p:spPr>
+          <a:xfrm>
+            <a:off x="415600" y="1226633"/>
+            <a:ext cx="1993200" cy="2763200"/>
+          </a:xfrm>
+          <a:prstGeom prst="roundRect">
+            <a:avLst>
+              <a:gd name="adj" fmla="val 16667"/>
+            </a:avLst>
+          </a:prstGeom>
+          <a:solidFill>
+            <a:srgbClr val="D9EAD3"/>
+          </a:solidFill>
+          <a:ln w="9525" cap="flat" cmpd="sng">
+            <a:solidFill>
+              <a:schemeClr val="dk2"/>
+            </a:solidFill>
+            <a:prstDash val="dot"/>
+            <a:round/>
+            <a:headEnd type="none" w="sm" len="sm"/>
+            <a:tailEnd type="none" w="sm" len="sm"/>
+          </a:ln>
+        </p:spPr>
+        <p:txBody>
+          <a:bodyPr spcFirstLastPara="1" wrap="square" lIns="121900" tIns="121900" rIns="121900" bIns="121900" anchor="ctr" anchorCtr="0">
+            <a:noAutofit/>
+          </a:bodyPr>
+          <a:lstStyle/>
+          <a:p>
+            <a:pPr algn="ctr"/>
+            <a:endParaRPr sz="2400"/>
+          </a:p>
+        </p:txBody>
+      </p:sp>
+      <p:sp>
+        <p:nvSpPr>
+          <p:cNvPr id="73" name="Google Shape;73;p15"/>
+          <p:cNvSpPr/>
+          <p:nvPr/>
+        </p:nvSpPr>
+        <p:spPr>
+          <a:xfrm>
+            <a:off x="4036000" y="1226633"/>
+            <a:ext cx="1993200" cy="2763200"/>
+          </a:xfrm>
+          <a:prstGeom prst="roundRect">
+            <a:avLst>
+              <a:gd name="adj" fmla="val 16667"/>
+            </a:avLst>
+          </a:prstGeom>
+          <a:solidFill>
+            <a:srgbClr val="D9EAD3"/>
+          </a:solidFill>
+          <a:ln w="9525" cap="flat" cmpd="sng">
+            <a:solidFill>
+              <a:schemeClr val="dk2"/>
+            </a:solidFill>
+            <a:prstDash val="dot"/>
+            <a:round/>
+            <a:headEnd type="none" w="sm" len="sm"/>
+            <a:tailEnd type="none" w="sm" len="sm"/>
+          </a:ln>
+        </p:spPr>
+        <p:txBody>
+          <a:bodyPr spcFirstLastPara="1" wrap="square" lIns="121900" tIns="121900" rIns="121900" bIns="121900" anchor="ctr" anchorCtr="0">
+            <a:noAutofit/>
+          </a:bodyPr>
+          <a:lstStyle/>
+          <a:p>
+            <a:pPr algn="ctr"/>
+            <a:endParaRPr sz="2400"/>
+          </a:p>
+        </p:txBody>
+      </p:sp>
+      <p:sp>
+        <p:nvSpPr>
+          <p:cNvPr id="74" name="Google Shape;74;p15"/>
+          <p:cNvSpPr/>
+          <p:nvPr/>
+        </p:nvSpPr>
+        <p:spPr>
+          <a:xfrm rot="-5400000">
+            <a:off x="8178200" y="3061800"/>
+            <a:ext cx="2136800" cy="2885600"/>
+          </a:xfrm>
+          <a:prstGeom prst="snip2SameRect">
+            <a:avLst>
+              <a:gd name="adj1" fmla="val 30293"/>
+              <a:gd name="adj2" fmla="val 0"/>
+            </a:avLst>
+          </a:prstGeom>
+          <a:solidFill>
+            <a:srgbClr val="D9EAD3"/>
+          </a:solidFill>
+          <a:ln w="9525" cap="flat" cmpd="sng">
+            <a:solidFill>
+              <a:schemeClr val="dk2"/>
+            </a:solidFill>
+            <a:prstDash val="dot"/>
+            <a:round/>
+            <a:headEnd type="none" w="sm" len="sm"/>
+            <a:tailEnd type="none" w="sm" len="sm"/>
+          </a:ln>
+        </p:spPr>
+        <p:txBody>
+          <a:bodyPr spcFirstLastPara="1" wrap="square" lIns="121900" tIns="121900" rIns="121900" bIns="121900" anchor="ctr" anchorCtr="0">
+            <a:noAutofit/>
+          </a:bodyPr>
+          <a:lstStyle/>
+          <a:p>
+            <a:pPr algn="ctr"/>
+            <a:endParaRPr sz="2400"/>
+          </a:p>
+        </p:txBody>
+      </p:sp>
+      <p:sp>
+        <p:nvSpPr>
+          <p:cNvPr id="76" name="Google Shape;76;p15"/>
+          <p:cNvSpPr/>
+          <p:nvPr/>
+        </p:nvSpPr>
+        <p:spPr>
+          <a:xfrm>
+            <a:off x="722633" y="1609100"/>
+            <a:ext cx="1544400" cy="763600"/>
+          </a:xfrm>
+          <a:prstGeom prst="rect">
+            <a:avLst/>
+          </a:prstGeom>
+          <a:solidFill>
+            <a:schemeClr val="lt2"/>
+          </a:solidFill>
+          <a:ln w="9525" cap="flat" cmpd="sng">
+            <a:solidFill>
+              <a:schemeClr val="dk2"/>
+            </a:solidFill>
+            <a:prstDash val="solid"/>
+            <a:round/>
+            <a:headEnd type="none" w="sm" len="sm"/>
+            <a:tailEnd type="none" w="sm" len="sm"/>
+          </a:ln>
+        </p:spPr>
+        <p:txBody>
+          <a:bodyPr spcFirstLastPara="1" wrap="square" lIns="121900" tIns="121900" rIns="121900" bIns="121900" anchor="ctr" anchorCtr="0">
+            <a:noAutofit/>
+          </a:bodyPr>
+          <a:lstStyle/>
+          <a:p>
+            <a:pPr algn="ctr"/>
+            <a:r>
+              <a:rPr lang="en" sz="1600"/>
+              <a:t>HomeScreen</a:t>
+            </a:r>
+            <a:endParaRPr sz="1600"/>
+          </a:p>
+        </p:txBody>
+      </p:sp>
+      <p:sp>
+        <p:nvSpPr>
+          <p:cNvPr id="77" name="Google Shape;77;p15"/>
+          <p:cNvSpPr/>
+          <p:nvPr/>
+        </p:nvSpPr>
+        <p:spPr>
+          <a:xfrm>
+            <a:off x="4260400" y="1609100"/>
+            <a:ext cx="1544400" cy="763600"/>
+          </a:xfrm>
+          <a:prstGeom prst="rect">
+            <a:avLst/>
+          </a:prstGeom>
+          <a:solidFill>
+            <a:schemeClr val="lt2"/>
+          </a:solidFill>
+          <a:ln w="9525" cap="flat" cmpd="sng">
+            <a:solidFill>
+              <a:schemeClr val="dk2"/>
+            </a:solidFill>
+            <a:prstDash val="solid"/>
+            <a:round/>
+            <a:headEnd type="none" w="sm" len="sm"/>
+            <a:tailEnd type="none" w="sm" len="sm"/>
+          </a:ln>
+        </p:spPr>
+        <p:txBody>
+          <a:bodyPr spcFirstLastPara="1" wrap="square" lIns="121900" tIns="121900" rIns="121900" bIns="121900" anchor="ctr" anchorCtr="0">
+            <a:noAutofit/>
+          </a:bodyPr>
+          <a:lstStyle/>
+          <a:p>
+            <a:pPr algn="ctr"/>
+            <a:r>
+              <a:rPr lang="en" sz="1600"/>
+              <a:t>DealScreen</a:t>
+            </a:r>
+            <a:endParaRPr sz="1600"/>
+          </a:p>
+        </p:txBody>
+      </p:sp>
+      <p:sp>
+        <p:nvSpPr>
+          <p:cNvPr id="78" name="Google Shape;78;p15"/>
+          <p:cNvSpPr/>
+          <p:nvPr/>
+        </p:nvSpPr>
+        <p:spPr>
+          <a:xfrm>
+            <a:off x="7798167" y="1609100"/>
+            <a:ext cx="1818400" cy="763600"/>
+          </a:xfrm>
+          <a:prstGeom prst="rect">
+            <a:avLst/>
+          </a:prstGeom>
+          <a:solidFill>
+            <a:schemeClr val="lt2"/>
+          </a:solidFill>
+          <a:ln w="9525" cap="flat" cmpd="sng">
+            <a:solidFill>
+              <a:schemeClr val="dk2"/>
+            </a:solidFill>
+            <a:prstDash val="solid"/>
+            <a:round/>
+            <a:headEnd type="none" w="sm" len="sm"/>
+            <a:tailEnd type="none" w="sm" len="sm"/>
+          </a:ln>
+        </p:spPr>
+        <p:txBody>
+          <a:bodyPr spcFirstLastPara="1" wrap="square" lIns="121900" tIns="121900" rIns="121900" bIns="121900" anchor="ctr" anchorCtr="0">
+            <a:noAutofit/>
+          </a:bodyPr>
+          <a:lstStyle/>
+          <a:p>
+            <a:pPr algn="ctr"/>
+            <a:r>
+              <a:rPr lang="en" sz="1600"/>
+              <a:t>ProductScreen</a:t>
+            </a:r>
+            <a:endParaRPr sz="1600"/>
+          </a:p>
+        </p:txBody>
+      </p:sp>
+      <p:sp>
+        <p:nvSpPr>
+          <p:cNvPr id="79" name="Google Shape;79;p15"/>
+          <p:cNvSpPr/>
+          <p:nvPr/>
+        </p:nvSpPr>
+        <p:spPr>
+          <a:xfrm>
+            <a:off x="2900167" y="4221100"/>
+            <a:ext cx="1818400" cy="763600"/>
+          </a:xfrm>
+          <a:prstGeom prst="rect">
+            <a:avLst/>
+          </a:prstGeom>
+          <a:solidFill>
+            <a:schemeClr val="lt2"/>
+          </a:solidFill>
+          <a:ln w="9525" cap="flat" cmpd="sng">
+            <a:solidFill>
+              <a:schemeClr val="dk2"/>
+            </a:solidFill>
+            <a:prstDash val="solid"/>
+            <a:round/>
+            <a:headEnd type="none" w="sm" len="sm"/>
+            <a:tailEnd type="none" w="sm" len="sm"/>
+          </a:ln>
+        </p:spPr>
+        <p:txBody>
+          <a:bodyPr spcFirstLastPara="1" wrap="square" lIns="121900" tIns="121900" rIns="121900" bIns="121900" anchor="ctr" anchorCtr="0">
+            <a:noAutofit/>
+          </a:bodyPr>
+          <a:lstStyle/>
+          <a:p>
+            <a:pPr algn="ctr"/>
+            <a:r>
+              <a:rPr lang="en" sz="1600"/>
+              <a:t>WishlistScreen</a:t>
+            </a:r>
+            <a:endParaRPr sz="1600"/>
+          </a:p>
+        </p:txBody>
+      </p:sp>
+      <p:sp>
+        <p:nvSpPr>
+          <p:cNvPr id="80" name="Google Shape;80;p15"/>
+          <p:cNvSpPr/>
+          <p:nvPr/>
+        </p:nvSpPr>
+        <p:spPr>
+          <a:xfrm>
+            <a:off x="5979767" y="4221100"/>
+            <a:ext cx="1818400" cy="763600"/>
+          </a:xfrm>
+          <a:prstGeom prst="rect">
+            <a:avLst/>
+          </a:prstGeom>
+          <a:solidFill>
+            <a:schemeClr val="lt2"/>
+          </a:solidFill>
+          <a:ln w="9525" cap="flat" cmpd="sng">
+            <a:solidFill>
+              <a:schemeClr val="dk2"/>
+            </a:solidFill>
+            <a:prstDash val="solid"/>
+            <a:round/>
+            <a:headEnd type="none" w="sm" len="sm"/>
+            <a:tailEnd type="none" w="sm" len="sm"/>
+          </a:ln>
+        </p:spPr>
+        <p:txBody>
+          <a:bodyPr spcFirstLastPara="1" wrap="square" lIns="121900" tIns="121900" rIns="121900" bIns="121900" anchor="ctr" anchorCtr="0">
+            <a:noAutofit/>
+          </a:bodyPr>
+          <a:lstStyle/>
+          <a:p>
+            <a:pPr algn="ctr"/>
+            <a:r>
+              <a:rPr lang="en" sz="1600"/>
+              <a:t>ProfileScreen</a:t>
+            </a:r>
+            <a:endParaRPr sz="1600"/>
+          </a:p>
+        </p:txBody>
+      </p:sp>
+      <p:sp>
+        <p:nvSpPr>
+          <p:cNvPr id="81" name="Google Shape;81;p15"/>
+          <p:cNvSpPr/>
+          <p:nvPr/>
+        </p:nvSpPr>
+        <p:spPr>
+          <a:xfrm>
+            <a:off x="8931833" y="3556500"/>
+            <a:ext cx="972400" cy="469600"/>
+          </a:xfrm>
+          <a:prstGeom prst="rect">
+            <a:avLst/>
+          </a:prstGeom>
+          <a:solidFill>
+            <a:srgbClr val="FCE5CD"/>
+          </a:solidFill>
+          <a:ln w="9525" cap="flat" cmpd="sng">
+            <a:solidFill>
+              <a:schemeClr val="accent4"/>
+            </a:solidFill>
+            <a:prstDash val="solid"/>
+            <a:round/>
+            <a:headEnd type="none" w="sm" len="sm"/>
+            <a:tailEnd type="none" w="sm" len="sm"/>
+          </a:ln>
+        </p:spPr>
+        <p:txBody>
+          <a:bodyPr spcFirstLastPara="1" wrap="square" lIns="121900" tIns="121900" rIns="121900" bIns="121900" anchor="ctr" anchorCtr="0">
+            <a:noAutofit/>
+          </a:bodyPr>
+          <a:lstStyle/>
+          <a:p>
+            <a:pPr algn="ctr"/>
+            <a:r>
+              <a:rPr lang="en" sz="1600"/>
+              <a:t>Setting</a:t>
+            </a:r>
+            <a:endParaRPr sz="1600"/>
+          </a:p>
+        </p:txBody>
+      </p:sp>
+      <p:sp>
+        <p:nvSpPr>
+          <p:cNvPr id="82" name="Google Shape;82;p15"/>
+          <p:cNvSpPr/>
+          <p:nvPr/>
+        </p:nvSpPr>
+        <p:spPr>
+          <a:xfrm>
+            <a:off x="8931833" y="4269800"/>
+            <a:ext cx="972400" cy="469600"/>
+          </a:xfrm>
+          <a:prstGeom prst="rect">
+            <a:avLst/>
+          </a:prstGeom>
+          <a:solidFill>
+            <a:srgbClr val="FCE5CD"/>
+          </a:solidFill>
+          <a:ln w="9525" cap="flat" cmpd="sng">
+            <a:solidFill>
+              <a:schemeClr val="accent4"/>
+            </a:solidFill>
+            <a:prstDash val="solid"/>
+            <a:round/>
+            <a:headEnd type="none" w="sm" len="sm"/>
+            <a:tailEnd type="none" w="sm" len="sm"/>
+          </a:ln>
+        </p:spPr>
+        <p:txBody>
+          <a:bodyPr spcFirstLastPara="1" wrap="square" lIns="121900" tIns="121900" rIns="121900" bIns="121900" anchor="ctr" anchorCtr="0">
+            <a:noAutofit/>
+          </a:bodyPr>
+          <a:lstStyle/>
+          <a:p>
+            <a:pPr algn="ctr"/>
+            <a:r>
+              <a:rPr lang="en" sz="1600"/>
+              <a:t>History</a:t>
+            </a:r>
+            <a:endParaRPr sz="1600"/>
+          </a:p>
+        </p:txBody>
+      </p:sp>
+      <p:sp>
+        <p:nvSpPr>
+          <p:cNvPr id="83" name="Google Shape;83;p15"/>
+          <p:cNvSpPr/>
+          <p:nvPr/>
+        </p:nvSpPr>
+        <p:spPr>
+          <a:xfrm>
+            <a:off x="5696667" y="5778100"/>
+            <a:ext cx="972400" cy="469600"/>
+          </a:xfrm>
+          <a:prstGeom prst="rect">
+            <a:avLst/>
+          </a:prstGeom>
+          <a:solidFill>
+            <a:srgbClr val="FCE5CD"/>
+          </a:solidFill>
+          <a:ln w="9525" cap="flat" cmpd="sng">
+            <a:solidFill>
+              <a:schemeClr val="accent4"/>
+            </a:solidFill>
+            <a:prstDash val="solid"/>
+            <a:round/>
+            <a:headEnd type="none" w="sm" len="sm"/>
+            <a:tailEnd type="none" w="sm" len="sm"/>
+          </a:ln>
+        </p:spPr>
+        <p:txBody>
+          <a:bodyPr spcFirstLastPara="1" wrap="square" lIns="121900" tIns="121900" rIns="121900" bIns="121900" anchor="ctr" anchorCtr="0">
+            <a:noAutofit/>
+          </a:bodyPr>
+          <a:lstStyle/>
+          <a:p>
+            <a:pPr algn="ctr"/>
+            <a:r>
+              <a:rPr lang="en" sz="1600"/>
+              <a:t>Log in</a:t>
+            </a:r>
+            <a:endParaRPr sz="1600"/>
+          </a:p>
+        </p:txBody>
+      </p:sp>
+      <p:sp>
+        <p:nvSpPr>
+          <p:cNvPr id="84" name="Google Shape;84;p15"/>
+          <p:cNvSpPr/>
+          <p:nvPr/>
+        </p:nvSpPr>
+        <p:spPr>
+          <a:xfrm>
+            <a:off x="7359333" y="5778100"/>
+            <a:ext cx="972400" cy="469600"/>
+          </a:xfrm>
+          <a:prstGeom prst="rect">
+            <a:avLst/>
+          </a:prstGeom>
+          <a:solidFill>
+            <a:srgbClr val="FCE5CD"/>
+          </a:solidFill>
+          <a:ln w="9525" cap="flat" cmpd="sng">
+            <a:solidFill>
+              <a:schemeClr val="accent4"/>
+            </a:solidFill>
+            <a:prstDash val="solid"/>
+            <a:round/>
+            <a:headEnd type="none" w="sm" len="sm"/>
+            <a:tailEnd type="none" w="sm" len="sm"/>
+          </a:ln>
+        </p:spPr>
+        <p:txBody>
+          <a:bodyPr spcFirstLastPara="1" wrap="square" lIns="121900" tIns="121900" rIns="121900" bIns="121900" anchor="ctr" anchorCtr="0">
+            <a:noAutofit/>
+          </a:bodyPr>
+          <a:lstStyle/>
+          <a:p>
+            <a:pPr algn="ctr"/>
+            <a:r>
+              <a:rPr lang="en" sz="1600"/>
+              <a:t>Sign up</a:t>
+            </a:r>
+            <a:endParaRPr sz="1600"/>
+          </a:p>
+        </p:txBody>
+      </p:sp>
+      <p:sp>
+        <p:nvSpPr>
+          <p:cNvPr id="85" name="Google Shape;85;p15"/>
+          <p:cNvSpPr/>
+          <p:nvPr/>
+        </p:nvSpPr>
+        <p:spPr>
+          <a:xfrm>
+            <a:off x="8931833" y="4983100"/>
+            <a:ext cx="972400" cy="469600"/>
+          </a:xfrm>
+          <a:prstGeom prst="rect">
+            <a:avLst/>
+          </a:prstGeom>
+          <a:solidFill>
+            <a:srgbClr val="FCE5CD"/>
+          </a:solidFill>
+          <a:ln w="9525" cap="flat" cmpd="sng">
+            <a:solidFill>
+              <a:schemeClr val="accent4"/>
+            </a:solidFill>
+            <a:prstDash val="solid"/>
+            <a:round/>
+            <a:headEnd type="none" w="sm" len="sm"/>
+            <a:tailEnd type="none" w="sm" len="sm"/>
+          </a:ln>
+        </p:spPr>
+        <p:txBody>
+          <a:bodyPr spcFirstLastPara="1" wrap="square" lIns="121900" tIns="121900" rIns="121900" bIns="121900" anchor="ctr" anchorCtr="0">
+            <a:noAutofit/>
+          </a:bodyPr>
+          <a:lstStyle/>
+          <a:p>
+            <a:pPr algn="ctr"/>
+            <a:r>
+              <a:rPr lang="en" sz="1600"/>
+              <a:t>Edit</a:t>
+            </a:r>
+            <a:endParaRPr sz="1600"/>
+          </a:p>
+        </p:txBody>
+      </p:sp>
+      <p:cxnSp>
+        <p:nvCxnSpPr>
+          <p:cNvPr id="86" name="Google Shape;86;p15"/>
+          <p:cNvCxnSpPr>
+            <a:stCxn id="76" idx="3"/>
+            <a:endCxn id="77" idx="1"/>
+          </p:cNvCxnSpPr>
+          <p:nvPr/>
+        </p:nvCxnSpPr>
+        <p:spPr>
+          <a:xfrm>
+            <a:off x="2267033" y="1990900"/>
+            <a:ext cx="1993200" cy="0"/>
+          </a:xfrm>
+          <a:prstGeom prst="straightConnector1">
+            <a:avLst/>
+          </a:prstGeom>
+          <a:noFill/>
+          <a:ln w="9525" cap="flat" cmpd="sng">
+            <a:solidFill>
+              <a:schemeClr val="dk2"/>
+            </a:solidFill>
+            <a:prstDash val="solid"/>
+            <a:round/>
+            <a:headEnd type="triangle" w="med" len="med"/>
+            <a:tailEnd type="triangle" w="med" len="med"/>
+          </a:ln>
+        </p:spPr>
+      </p:cxnSp>
+      <p:cxnSp>
+        <p:nvCxnSpPr>
+          <p:cNvPr id="87" name="Google Shape;87;p15"/>
+          <p:cNvCxnSpPr>
+            <a:stCxn id="77" idx="3"/>
+            <a:endCxn id="78" idx="1"/>
+          </p:cNvCxnSpPr>
+          <p:nvPr/>
+        </p:nvCxnSpPr>
+        <p:spPr>
+          <a:xfrm>
+            <a:off x="5804800" y="1990900"/>
+            <a:ext cx="1993200" cy="0"/>
+          </a:xfrm>
+          <a:prstGeom prst="straightConnector1">
+            <a:avLst/>
+          </a:prstGeom>
+          <a:noFill/>
+          <a:ln w="9525" cap="flat" cmpd="sng">
+            <a:solidFill>
+              <a:schemeClr val="dk2"/>
+            </a:solidFill>
+            <a:prstDash val="solid"/>
+            <a:round/>
+            <a:headEnd type="triangle" w="med" len="med"/>
+            <a:tailEnd type="triangle" w="med" len="med"/>
+          </a:ln>
+        </p:spPr>
+      </p:cxnSp>
+      <p:cxnSp>
+        <p:nvCxnSpPr>
+          <p:cNvPr id="88" name="Google Shape;88;p15"/>
+          <p:cNvCxnSpPr>
+            <a:endCxn id="80" idx="1"/>
+          </p:cNvCxnSpPr>
+          <p:nvPr/>
+        </p:nvCxnSpPr>
+        <p:spPr>
+          <a:xfrm rot="10800000" flipH="1">
+            <a:off x="4718567" y="4602900"/>
+            <a:ext cx="1261200" cy="30400"/>
+          </a:xfrm>
+          <a:prstGeom prst="straightConnector1">
+            <a:avLst/>
+          </a:prstGeom>
+          <a:noFill/>
+          <a:ln w="9525" cap="flat" cmpd="sng">
+            <a:solidFill>
+              <a:schemeClr val="dk2"/>
+            </a:solidFill>
+            <a:prstDash val="solid"/>
+            <a:round/>
+            <a:headEnd type="triangle" w="med" len="med"/>
+            <a:tailEnd type="none" w="med" len="med"/>
+          </a:ln>
+        </p:spPr>
+      </p:cxnSp>
+      <p:cxnSp>
+        <p:nvCxnSpPr>
+          <p:cNvPr id="89" name="Google Shape;89;p15"/>
+          <p:cNvCxnSpPr>
+            <a:endCxn id="80" idx="2"/>
+          </p:cNvCxnSpPr>
+          <p:nvPr/>
+        </p:nvCxnSpPr>
+        <p:spPr>
+          <a:xfrm rot="10800000" flipH="1">
+            <a:off x="6206167" y="4984700"/>
+            <a:ext cx="682800" cy="782400"/>
+          </a:xfrm>
+          <a:prstGeom prst="straightConnector1">
+            <a:avLst/>
+          </a:prstGeom>
+          <a:noFill/>
+          <a:ln w="9525" cap="flat" cmpd="sng">
+            <a:solidFill>
+              <a:schemeClr val="dk2"/>
+            </a:solidFill>
+            <a:prstDash val="solid"/>
+            <a:round/>
+            <a:headEnd type="none" w="med" len="med"/>
+            <a:tailEnd type="triangle" w="med" len="med"/>
+          </a:ln>
+        </p:spPr>
+      </p:cxnSp>
+      <p:cxnSp>
+        <p:nvCxnSpPr>
+          <p:cNvPr id="90" name="Google Shape;90;p15"/>
+          <p:cNvCxnSpPr>
+            <a:endCxn id="84" idx="1"/>
+          </p:cNvCxnSpPr>
+          <p:nvPr/>
+        </p:nvCxnSpPr>
+        <p:spPr>
+          <a:xfrm rot="10800000" flipH="1">
+            <a:off x="6702133" y="6012900"/>
+            <a:ext cx="657200" cy="9200"/>
+          </a:xfrm>
+          <a:prstGeom prst="straightConnector1">
+            <a:avLst/>
+          </a:prstGeom>
+          <a:noFill/>
+          <a:ln w="9525" cap="flat" cmpd="sng">
+            <a:solidFill>
+              <a:schemeClr val="dk2"/>
+            </a:solidFill>
+            <a:prstDash val="solid"/>
+            <a:round/>
+            <a:headEnd type="none" w="med" len="med"/>
+            <a:tailEnd type="triangle" w="med" len="med"/>
+          </a:ln>
+        </p:spPr>
+      </p:cxnSp>
+      <p:cxnSp>
+        <p:nvCxnSpPr>
+          <p:cNvPr id="91" name="Google Shape;91;p15"/>
+          <p:cNvCxnSpPr>
+            <a:endCxn id="80" idx="2"/>
+          </p:cNvCxnSpPr>
+          <p:nvPr/>
+        </p:nvCxnSpPr>
+        <p:spPr>
+          <a:xfrm rot="10800000">
+            <a:off x="6888967" y="4984700"/>
+            <a:ext cx="975200" cy="796400"/>
+          </a:xfrm>
+          <a:prstGeom prst="straightConnector1">
+            <a:avLst/>
+          </a:prstGeom>
+          <a:noFill/>
+          <a:ln w="9525" cap="flat" cmpd="sng">
+            <a:solidFill>
+              <a:schemeClr val="dk2"/>
+            </a:solidFill>
+            <a:prstDash val="solid"/>
+            <a:round/>
+            <a:headEnd type="none" w="med" len="med"/>
+            <a:tailEnd type="triangle" w="med" len="med"/>
+          </a:ln>
+        </p:spPr>
+      </p:cxnSp>
+      <p:sp>
+        <p:nvSpPr>
+          <p:cNvPr id="92" name="Google Shape;92;p15"/>
+          <p:cNvSpPr txBox="1"/>
+          <p:nvPr/>
+        </p:nvSpPr>
+        <p:spPr>
+          <a:xfrm>
+            <a:off x="2455117" y="2139567"/>
+            <a:ext cx="1617200" cy="492402"/>
+          </a:xfrm>
+          <a:prstGeom prst="rect">
+            <a:avLst/>
+          </a:prstGeom>
+          <a:noFill/>
+          <a:ln>
+            <a:noFill/>
+          </a:ln>
+        </p:spPr>
+        <p:txBody>
+          <a:bodyPr spcFirstLastPara="1" wrap="square" lIns="121900" tIns="121900" rIns="121900" bIns="121900" anchor="t" anchorCtr="0">
+            <a:spAutoFit/>
+          </a:bodyPr>
+          <a:lstStyle/>
+          <a:p>
+            <a:r>
+              <a:rPr lang="en" sz="1600">
+                <a:solidFill>
+                  <a:schemeClr val="dk2"/>
+                </a:solidFill>
+              </a:rPr>
+              <a:t>Back to home</a:t>
+            </a:r>
+            <a:endParaRPr sz="1600">
+              <a:solidFill>
+                <a:schemeClr val="dk2"/>
+              </a:solidFill>
+            </a:endParaRPr>
+          </a:p>
+        </p:txBody>
+      </p:sp>
+      <p:sp>
+        <p:nvSpPr>
+          <p:cNvPr id="93" name="Google Shape;93;p15"/>
+          <p:cNvSpPr txBox="1"/>
+          <p:nvPr/>
+        </p:nvSpPr>
+        <p:spPr>
+          <a:xfrm>
+            <a:off x="6171282" y="2088000"/>
+            <a:ext cx="1617200" cy="492402"/>
+          </a:xfrm>
+          <a:prstGeom prst="rect">
+            <a:avLst/>
+          </a:prstGeom>
+          <a:noFill/>
+          <a:ln>
+            <a:noFill/>
+          </a:ln>
+        </p:spPr>
+        <p:txBody>
+          <a:bodyPr spcFirstLastPara="1" wrap="square" lIns="121900" tIns="121900" rIns="121900" bIns="121900" anchor="t" anchorCtr="0">
+            <a:spAutoFit/>
+          </a:bodyPr>
+          <a:lstStyle/>
+          <a:p>
+            <a:r>
+              <a:rPr lang="en" sz="1600" dirty="0">
+                <a:solidFill>
+                  <a:schemeClr val="dk2"/>
+                </a:solidFill>
+              </a:rPr>
+              <a:t>Back to Deals</a:t>
+            </a:r>
+            <a:endParaRPr sz="1600" dirty="0">
+              <a:solidFill>
+                <a:schemeClr val="dk2"/>
+              </a:solidFill>
+            </a:endParaRPr>
+          </a:p>
+        </p:txBody>
+      </p:sp>
+      <p:sp>
+        <p:nvSpPr>
+          <p:cNvPr id="94" name="Google Shape;94;p15"/>
+          <p:cNvSpPr txBox="1"/>
+          <p:nvPr/>
+        </p:nvSpPr>
+        <p:spPr>
+          <a:xfrm>
+            <a:off x="2455100" y="1349833"/>
+            <a:ext cx="1617200" cy="492402"/>
+          </a:xfrm>
+          <a:prstGeom prst="rect">
+            <a:avLst/>
+          </a:prstGeom>
+          <a:noFill/>
+          <a:ln>
+            <a:noFill/>
+          </a:ln>
+        </p:spPr>
+        <p:txBody>
+          <a:bodyPr spcFirstLastPara="1" wrap="square" lIns="121900" tIns="121900" rIns="121900" bIns="121900" anchor="t" anchorCtr="0">
+            <a:spAutoFit/>
+          </a:bodyPr>
+          <a:lstStyle/>
+          <a:p>
+            <a:r>
+              <a:rPr lang="en" sz="1600">
+                <a:solidFill>
+                  <a:schemeClr val="dk2"/>
+                </a:solidFill>
+              </a:rPr>
+              <a:t>Go to search</a:t>
+            </a:r>
+            <a:endParaRPr sz="1600">
+              <a:solidFill>
+                <a:schemeClr val="dk2"/>
+              </a:solidFill>
+            </a:endParaRPr>
+          </a:p>
+        </p:txBody>
+      </p:sp>
+      <p:sp>
+        <p:nvSpPr>
+          <p:cNvPr id="95" name="Google Shape;95;p15"/>
+          <p:cNvSpPr txBox="1"/>
+          <p:nvPr/>
+        </p:nvSpPr>
+        <p:spPr>
+          <a:xfrm>
+            <a:off x="6335400" y="1226633"/>
+            <a:ext cx="1617200" cy="738623"/>
+          </a:xfrm>
+          <a:prstGeom prst="rect">
+            <a:avLst/>
+          </a:prstGeom>
+          <a:noFill/>
+          <a:ln>
+            <a:noFill/>
+          </a:ln>
+        </p:spPr>
+        <p:txBody>
+          <a:bodyPr spcFirstLastPara="1" wrap="square" lIns="121900" tIns="121900" rIns="121900" bIns="121900" anchor="t" anchorCtr="0">
+            <a:spAutoFit/>
+          </a:bodyPr>
+          <a:lstStyle/>
+          <a:p>
+            <a:r>
+              <a:rPr lang="en" sz="1600">
+                <a:solidFill>
+                  <a:schemeClr val="dk2"/>
+                </a:solidFill>
+              </a:rPr>
+              <a:t>View one product</a:t>
+            </a:r>
+            <a:endParaRPr sz="1600">
+              <a:solidFill>
+                <a:schemeClr val="dk2"/>
+              </a:solidFill>
+            </a:endParaRPr>
+          </a:p>
+        </p:txBody>
+      </p:sp>
+      <p:sp>
+        <p:nvSpPr>
+          <p:cNvPr id="96" name="Google Shape;96;p15"/>
+          <p:cNvSpPr/>
+          <p:nvPr/>
+        </p:nvSpPr>
+        <p:spPr>
+          <a:xfrm>
+            <a:off x="4260400" y="2456633"/>
+            <a:ext cx="1544400" cy="664800"/>
+          </a:xfrm>
+          <a:prstGeom prst="roundRect">
+            <a:avLst>
+              <a:gd name="adj" fmla="val 41615"/>
+            </a:avLst>
+          </a:prstGeom>
+          <a:solidFill>
+            <a:srgbClr val="CFE2F3"/>
+          </a:solidFill>
+          <a:ln w="9525" cap="flat" cmpd="sng">
+            <a:solidFill>
+              <a:schemeClr val="dk2"/>
+            </a:solidFill>
+            <a:prstDash val="dot"/>
+            <a:round/>
+            <a:headEnd type="none" w="sm" len="sm"/>
+            <a:tailEnd type="none" w="sm" len="sm"/>
+          </a:ln>
+        </p:spPr>
+        <p:txBody>
+          <a:bodyPr spcFirstLastPara="1" wrap="square" lIns="121900" tIns="121900" rIns="121900" bIns="121900" anchor="ctr" anchorCtr="0">
+            <a:noAutofit/>
+          </a:bodyPr>
+          <a:lstStyle/>
+          <a:p>
+            <a:pPr algn="ctr"/>
+            <a:r>
+              <a:rPr lang="en" sz="1467"/>
+              <a:t>sort</a:t>
+            </a:r>
+            <a:endParaRPr sz="1467"/>
+          </a:p>
+        </p:txBody>
+      </p:sp>
+      <p:sp>
+        <p:nvSpPr>
+          <p:cNvPr id="97" name="Google Shape;97;p15"/>
+          <p:cNvSpPr/>
+          <p:nvPr/>
+        </p:nvSpPr>
+        <p:spPr>
+          <a:xfrm>
+            <a:off x="722667" y="2552733"/>
+            <a:ext cx="1544400" cy="664800"/>
+          </a:xfrm>
+          <a:prstGeom prst="roundRect">
+            <a:avLst>
+              <a:gd name="adj" fmla="val 41615"/>
+            </a:avLst>
+          </a:prstGeom>
+          <a:solidFill>
+            <a:srgbClr val="CFE2F3"/>
+          </a:solidFill>
+          <a:ln w="9525" cap="flat" cmpd="sng">
+            <a:solidFill>
+              <a:schemeClr val="dk2"/>
+            </a:solidFill>
+            <a:prstDash val="dot"/>
+            <a:round/>
+            <a:headEnd type="none" w="sm" len="sm"/>
+            <a:tailEnd type="none" w="sm" len="sm"/>
+          </a:ln>
+        </p:spPr>
+        <p:txBody>
+          <a:bodyPr spcFirstLastPara="1" wrap="square" lIns="121900" tIns="121900" rIns="121900" bIns="121900" anchor="ctr" anchorCtr="0">
+            <a:noAutofit/>
+          </a:bodyPr>
+          <a:lstStyle/>
+          <a:p>
+            <a:pPr algn="ctr"/>
+            <a:r>
+              <a:rPr lang="en" sz="1467"/>
+              <a:t>category</a:t>
+            </a:r>
+            <a:endParaRPr sz="1467"/>
+          </a:p>
+        </p:txBody>
+      </p:sp>
+      <p:sp>
+        <p:nvSpPr>
+          <p:cNvPr id="98" name="Google Shape;98;p15"/>
+          <p:cNvSpPr/>
+          <p:nvPr/>
+        </p:nvSpPr>
+        <p:spPr>
+          <a:xfrm>
+            <a:off x="722633" y="3289417"/>
+            <a:ext cx="1544400" cy="664800"/>
+          </a:xfrm>
+          <a:prstGeom prst="roundRect">
+            <a:avLst>
+              <a:gd name="adj" fmla="val 41615"/>
+            </a:avLst>
+          </a:prstGeom>
+          <a:solidFill>
+            <a:srgbClr val="CFE2F3"/>
+          </a:solidFill>
+          <a:ln w="9525" cap="flat" cmpd="sng">
+            <a:solidFill>
+              <a:schemeClr val="dk2"/>
+            </a:solidFill>
+            <a:prstDash val="dot"/>
+            <a:round/>
+            <a:headEnd type="none" w="sm" len="sm"/>
+            <a:tailEnd type="none" w="sm" len="sm"/>
+          </a:ln>
+        </p:spPr>
+        <p:txBody>
+          <a:bodyPr spcFirstLastPara="1" wrap="square" lIns="121900" tIns="121900" rIns="121900" bIns="121900" anchor="ctr" anchorCtr="0">
+            <a:noAutofit/>
+          </a:bodyPr>
+          <a:lstStyle/>
+          <a:p>
+            <a:pPr algn="ctr"/>
+            <a:r>
+              <a:rPr lang="en" sz="1200" dirty="0"/>
+              <a:t>recommendation</a:t>
+            </a:r>
+            <a:endParaRPr sz="1200" dirty="0"/>
+          </a:p>
+        </p:txBody>
+      </p:sp>
+      <p:sp>
+        <p:nvSpPr>
+          <p:cNvPr id="99" name="Google Shape;99;p15"/>
+          <p:cNvSpPr txBox="1"/>
+          <p:nvPr/>
+        </p:nvSpPr>
+        <p:spPr>
+          <a:xfrm>
+            <a:off x="1346100" y="4026101"/>
+            <a:ext cx="1261200" cy="492402"/>
+          </a:xfrm>
+          <a:prstGeom prst="rect">
+            <a:avLst/>
+          </a:prstGeom>
+          <a:noFill/>
+          <a:ln>
+            <a:noFill/>
+          </a:ln>
+        </p:spPr>
+        <p:txBody>
+          <a:bodyPr spcFirstLastPara="1" wrap="square" lIns="121900" tIns="121900" rIns="121900" bIns="121900" anchor="t" anchorCtr="0">
+            <a:spAutoFit/>
+          </a:bodyPr>
+          <a:lstStyle/>
+          <a:p>
+            <a:r>
+              <a:rPr lang="en" sz="1600">
+                <a:solidFill>
+                  <a:schemeClr val="dk2"/>
+                </a:solidFill>
+              </a:rPr>
+              <a:t>View List</a:t>
+            </a:r>
+            <a:endParaRPr sz="1600">
+              <a:solidFill>
+                <a:schemeClr val="dk2"/>
+              </a:solidFill>
+            </a:endParaRPr>
+          </a:p>
+        </p:txBody>
+      </p:sp>
+      <p:cxnSp>
+        <p:nvCxnSpPr>
+          <p:cNvPr id="100" name="Google Shape;100;p15"/>
+          <p:cNvCxnSpPr>
+            <a:stCxn id="79" idx="1"/>
+            <a:endCxn id="76" idx="2"/>
+          </p:cNvCxnSpPr>
+          <p:nvPr/>
+        </p:nvCxnSpPr>
+        <p:spPr>
+          <a:xfrm rot="10800000">
+            <a:off x="1494967" y="2372900"/>
+            <a:ext cx="1405200" cy="2230000"/>
+          </a:xfrm>
+          <a:prstGeom prst="straightConnector1">
+            <a:avLst/>
+          </a:prstGeom>
+          <a:noFill/>
+          <a:ln w="9525" cap="flat" cmpd="sng">
+            <a:solidFill>
+              <a:schemeClr val="dk2"/>
+            </a:solidFill>
+            <a:prstDash val="solid"/>
+            <a:round/>
+            <a:headEnd type="triangle" w="med" len="med"/>
+            <a:tailEnd type="none" w="med" len="med"/>
+          </a:ln>
+        </p:spPr>
+      </p:cxnSp>
+      <p:sp>
+        <p:nvSpPr>
+          <p:cNvPr id="101" name="Google Shape;101;p15"/>
+          <p:cNvSpPr/>
+          <p:nvPr/>
+        </p:nvSpPr>
+        <p:spPr>
+          <a:xfrm rot="-5400000">
+            <a:off x="9470333" y="1068900"/>
+            <a:ext cx="2136800" cy="1844000"/>
+          </a:xfrm>
+          <a:prstGeom prst="snip2SameRect">
+            <a:avLst>
+              <a:gd name="adj1" fmla="val 39539"/>
+              <a:gd name="adj2" fmla="val 0"/>
+            </a:avLst>
+          </a:prstGeom>
+          <a:solidFill>
+            <a:srgbClr val="D9EAD3"/>
+          </a:solidFill>
+          <a:ln w="9525" cap="flat" cmpd="sng">
+            <a:solidFill>
+              <a:schemeClr val="dk2"/>
+            </a:solidFill>
+            <a:prstDash val="dot"/>
+            <a:round/>
+            <a:headEnd type="none" w="sm" len="sm"/>
+            <a:tailEnd type="none" w="sm" len="sm"/>
+          </a:ln>
+        </p:spPr>
+        <p:txBody>
+          <a:bodyPr spcFirstLastPara="1" wrap="square" lIns="121900" tIns="121900" rIns="121900" bIns="121900" anchor="ctr" anchorCtr="0">
+            <a:noAutofit/>
+          </a:bodyPr>
+          <a:lstStyle/>
+          <a:p>
+            <a:pPr algn="ctr"/>
+            <a:endParaRPr sz="2400"/>
+          </a:p>
+        </p:txBody>
+      </p:sp>
+      <p:sp>
+        <p:nvSpPr>
+          <p:cNvPr id="102" name="Google Shape;102;p15"/>
+          <p:cNvSpPr/>
+          <p:nvPr/>
+        </p:nvSpPr>
+        <p:spPr>
+          <a:xfrm>
+            <a:off x="10328500" y="1139500"/>
+            <a:ext cx="1040400" cy="469600"/>
+          </a:xfrm>
+          <a:prstGeom prst="rect">
+            <a:avLst/>
+          </a:prstGeom>
+          <a:solidFill>
+            <a:srgbClr val="FCE5CD"/>
+          </a:solidFill>
+          <a:ln w="9525" cap="flat" cmpd="sng">
+            <a:solidFill>
+              <a:schemeClr val="accent4"/>
+            </a:solidFill>
+            <a:prstDash val="solid"/>
+            <a:round/>
+            <a:headEnd type="none" w="sm" len="sm"/>
+            <a:tailEnd type="none" w="sm" len="sm"/>
+          </a:ln>
+        </p:spPr>
+        <p:txBody>
+          <a:bodyPr spcFirstLastPara="1" wrap="square" lIns="121900" tIns="121900" rIns="121900" bIns="121900" anchor="ctr" anchorCtr="0">
+            <a:noAutofit/>
+          </a:bodyPr>
+          <a:lstStyle/>
+          <a:p>
+            <a:pPr algn="ctr"/>
+            <a:r>
+              <a:rPr lang="en" sz="1600"/>
+              <a:t>Price chart</a:t>
+            </a:r>
+            <a:endParaRPr sz="1600"/>
+          </a:p>
+        </p:txBody>
+      </p:sp>
+      <p:sp>
+        <p:nvSpPr>
+          <p:cNvPr id="103" name="Google Shape;103;p15"/>
+          <p:cNvSpPr/>
+          <p:nvPr/>
+        </p:nvSpPr>
+        <p:spPr>
+          <a:xfrm>
+            <a:off x="10328500" y="2337000"/>
+            <a:ext cx="1040400" cy="469600"/>
+          </a:xfrm>
+          <a:prstGeom prst="rect">
+            <a:avLst/>
+          </a:prstGeom>
+          <a:solidFill>
+            <a:srgbClr val="FCE5CD"/>
+          </a:solidFill>
+          <a:ln w="9525" cap="flat" cmpd="sng">
+            <a:solidFill>
+              <a:schemeClr val="accent4"/>
+            </a:solidFill>
+            <a:prstDash val="solid"/>
+            <a:round/>
+            <a:headEnd type="none" w="sm" len="sm"/>
+            <a:tailEnd type="none" w="sm" len="sm"/>
+          </a:ln>
+        </p:spPr>
+        <p:txBody>
+          <a:bodyPr spcFirstLastPara="1" wrap="square" lIns="121900" tIns="121900" rIns="121900" bIns="121900" anchor="ctr" anchorCtr="0">
+            <a:noAutofit/>
+          </a:bodyPr>
+          <a:lstStyle/>
+          <a:p>
+            <a:pPr algn="ctr"/>
+            <a:r>
+              <a:rPr lang="en" sz="1600"/>
+              <a:t>Platform link</a:t>
+            </a:r>
+            <a:endParaRPr sz="1600"/>
+          </a:p>
+        </p:txBody>
+      </p:sp>
+      <p:sp>
+        <p:nvSpPr>
+          <p:cNvPr id="104" name="Google Shape;104;p15"/>
+          <p:cNvSpPr/>
+          <p:nvPr/>
+        </p:nvSpPr>
+        <p:spPr>
+          <a:xfrm>
+            <a:off x="4260400" y="3235133"/>
+            <a:ext cx="1544400" cy="664800"/>
+          </a:xfrm>
+          <a:prstGeom prst="roundRect">
+            <a:avLst>
+              <a:gd name="adj" fmla="val 41615"/>
+            </a:avLst>
+          </a:prstGeom>
+          <a:solidFill>
+            <a:srgbClr val="CFE2F3"/>
+          </a:solidFill>
+          <a:ln w="9525" cap="flat" cmpd="sng">
+            <a:solidFill>
+              <a:schemeClr val="dk2"/>
+            </a:solidFill>
+            <a:prstDash val="dot"/>
+            <a:round/>
+            <a:headEnd type="none" w="sm" len="sm"/>
+            <a:tailEnd type="none" w="sm" len="sm"/>
+          </a:ln>
+        </p:spPr>
+        <p:txBody>
+          <a:bodyPr spcFirstLastPara="1" wrap="square" lIns="121900" tIns="121900" rIns="121900" bIns="121900" anchor="ctr" anchorCtr="0">
+            <a:noAutofit/>
+          </a:bodyPr>
+          <a:lstStyle/>
+          <a:p>
+            <a:pPr algn="ctr"/>
+            <a:r>
+              <a:rPr lang="en" sz="1467"/>
+              <a:t>filter</a:t>
+            </a:r>
+            <a:endParaRPr sz="1467"/>
+          </a:p>
+        </p:txBody>
+      </p:sp>
+      <p:cxnSp>
+        <p:nvCxnSpPr>
+          <p:cNvPr id="105" name="Google Shape;105;p15"/>
+          <p:cNvCxnSpPr>
+            <a:stCxn id="79" idx="0"/>
+            <a:endCxn id="77" idx="2"/>
+          </p:cNvCxnSpPr>
+          <p:nvPr/>
+        </p:nvCxnSpPr>
+        <p:spPr>
+          <a:xfrm rot="10800000" flipH="1">
+            <a:off x="3809367" y="2372700"/>
+            <a:ext cx="1223200" cy="1848400"/>
+          </a:xfrm>
+          <a:prstGeom prst="straightConnector1">
+            <a:avLst/>
+          </a:prstGeom>
+          <a:noFill/>
+          <a:ln w="9525" cap="flat" cmpd="sng">
+            <a:solidFill>
+              <a:schemeClr val="dk2"/>
+            </a:solidFill>
+            <a:prstDash val="solid"/>
+            <a:round/>
+            <a:headEnd type="triangle" w="med" len="med"/>
+            <a:tailEnd type="none" w="med" len="med"/>
+          </a:ln>
+        </p:spPr>
+      </p:cxnSp>
+      <p:sp>
+        <p:nvSpPr>
+          <p:cNvPr id="106" name="Google Shape;106;p15"/>
+          <p:cNvSpPr txBox="1"/>
+          <p:nvPr/>
+        </p:nvSpPr>
+        <p:spPr>
+          <a:xfrm>
+            <a:off x="4739167" y="4518501"/>
+            <a:ext cx="1220000" cy="492402"/>
+          </a:xfrm>
+          <a:prstGeom prst="rect">
+            <a:avLst/>
+          </a:prstGeom>
+          <a:noFill/>
+          <a:ln>
+            <a:noFill/>
+          </a:ln>
+        </p:spPr>
+        <p:txBody>
+          <a:bodyPr spcFirstLastPara="1" wrap="square" lIns="121900" tIns="121900" rIns="121900" bIns="121900" anchor="t" anchorCtr="0">
+            <a:spAutoFit/>
+          </a:bodyPr>
+          <a:lstStyle/>
+          <a:p>
+            <a:r>
+              <a:rPr lang="en" sz="1600">
+                <a:solidFill>
+                  <a:schemeClr val="dk2"/>
+                </a:solidFill>
+              </a:rPr>
+              <a:t>View list</a:t>
+            </a:r>
+            <a:endParaRPr sz="1600">
+              <a:solidFill>
+                <a:schemeClr val="dk2"/>
+              </a:solidFill>
+            </a:endParaRPr>
+          </a:p>
+        </p:txBody>
+      </p:sp>
+      <p:sp>
+        <p:nvSpPr>
+          <p:cNvPr id="107" name="Google Shape;107;p15"/>
+          <p:cNvSpPr txBox="1"/>
+          <p:nvPr/>
+        </p:nvSpPr>
+        <p:spPr>
+          <a:xfrm>
+            <a:off x="3151999" y="3322418"/>
+            <a:ext cx="1220000" cy="492402"/>
+          </a:xfrm>
+          <a:prstGeom prst="rect">
+            <a:avLst/>
+          </a:prstGeom>
+          <a:noFill/>
+          <a:ln>
+            <a:noFill/>
+          </a:ln>
+        </p:spPr>
+        <p:txBody>
+          <a:bodyPr spcFirstLastPara="1" wrap="square" lIns="121900" tIns="121900" rIns="121900" bIns="121900" anchor="t" anchorCtr="0">
+            <a:spAutoFit/>
+          </a:bodyPr>
+          <a:lstStyle/>
+          <a:p>
+            <a:r>
+              <a:rPr lang="en" sz="1600" dirty="0">
+                <a:solidFill>
+                  <a:schemeClr val="dk2"/>
+                </a:solidFill>
+              </a:rPr>
+              <a:t>View list</a:t>
+            </a:r>
+            <a:endParaRPr sz="1600" dirty="0">
+              <a:solidFill>
+                <a:schemeClr val="dk2"/>
+              </a:solidFill>
+            </a:endParaRPr>
+          </a:p>
+        </p:txBody>
+      </p:sp>
+      <p:sp>
+        <p:nvSpPr>
+          <p:cNvPr id="3" name="文本框 2">
             <a:extLst>
               <a:ext uri="{FF2B5EF4-FFF2-40B4-BE49-F238E27FC236}">
-                <a16:creationId xmlns:a16="http://schemas.microsoft.com/office/drawing/2014/main" id="{FAE7825E-5D70-EFED-7AB7-BF3050E2609C}"/>
+                <a16:creationId xmlns:a16="http://schemas.microsoft.com/office/drawing/2014/main" id="{AD6D873A-2AA7-9C4A-C98E-ABEFA7AB24D7}"/>
               </a:ext>
             </a:extLst>
           </p:cNvPr>
@@ -8220,7 +8927,7 @@
         <p:spPr>
           <a:xfrm>
             <a:off x="716089" y="397243"/>
-            <a:ext cx="3214561" cy="523220"/>
+            <a:ext cx="5858882" cy="523220"/>
           </a:xfrm>
           <a:prstGeom prst="rect">
             <a:avLst/>
@@ -8235,255 +8942,91 @@
           <a:p>
             <a:r>
               <a:rPr lang="en-US" altLang="zh-CN" sz="2800" b="1" dirty="0"/>
-              <a:t>Sensor</a:t>
-            </a:r>
-          </a:p>
-        </p:txBody>
-      </p:sp>
-      <p:sp>
-        <p:nvSpPr>
-          <p:cNvPr id="3" name="文本框 2">
-            <a:extLst>
-              <a:ext uri="{FF2B5EF4-FFF2-40B4-BE49-F238E27FC236}">
-                <a16:creationId xmlns:a16="http://schemas.microsoft.com/office/drawing/2014/main" id="{9DCC6B40-30A7-B8A4-7453-FCA350117361}"/>
-              </a:ext>
-            </a:extLst>
-          </p:cNvPr>
-          <p:cNvSpPr txBox="1"/>
-          <p:nvPr/>
-        </p:nvSpPr>
-        <p:spPr>
-          <a:xfrm>
-            <a:off x="783402" y="1026909"/>
-            <a:ext cx="8575751" cy="2862322"/>
-          </a:xfrm>
-          <a:prstGeom prst="rect">
-            <a:avLst/>
-          </a:prstGeom>
-          <a:noFill/>
-        </p:spPr>
-        <p:txBody>
-          <a:bodyPr wrap="square">
-            <a:spAutoFit/>
-          </a:bodyPr>
-          <a:lstStyle/>
-          <a:p>
-            <a:pPr marL="285750" indent="-285750">
-              <a:buFont typeface="Arial" panose="020B0604020202020204" pitchFamily="34" charset="0"/>
-              <a:buChar char="•"/>
-            </a:pPr>
-            <a:r>
-              <a:rPr lang="en-US" altLang="zh-CN" dirty="0"/>
-              <a:t>Implemented with Android </a:t>
-            </a:r>
-            <a:r>
-              <a:rPr lang="en-US" altLang="zh-CN" dirty="0" err="1"/>
-              <a:t>RecognizerIntent</a:t>
-            </a:r>
-            <a:r>
-              <a:rPr lang="en-US" altLang="zh-CN" dirty="0"/>
-              <a:t> + </a:t>
-            </a:r>
-            <a:r>
-              <a:rPr lang="en-US" altLang="zh-CN" dirty="0" err="1"/>
-              <a:t>ActivityResultLauncher</a:t>
-            </a:r>
-            <a:endParaRPr lang="en-US" altLang="zh-CN" dirty="0"/>
-          </a:p>
-          <a:p>
-            <a:pPr marL="285750" indent="-285750">
-              <a:buFont typeface="Arial" panose="020B0604020202020204" pitchFamily="34" charset="0"/>
-              <a:buChar char="•"/>
-            </a:pPr>
-            <a:r>
-              <a:rPr lang="en-US" altLang="zh-CN" dirty="0"/>
-              <a:t>Result stored in </a:t>
-            </a:r>
-            <a:r>
-              <a:rPr lang="en-US" altLang="zh-CN" dirty="0" err="1"/>
-              <a:t>HomeViewModel</a:t>
-            </a:r>
-            <a:r>
-              <a:rPr lang="en-US" altLang="zh-CN" dirty="0"/>
-              <a:t> (</a:t>
-            </a:r>
-            <a:r>
-              <a:rPr lang="en-US" altLang="zh-CN" dirty="0" err="1"/>
-              <a:t>applyVoiceResult</a:t>
-            </a:r>
-            <a:r>
-              <a:rPr lang="en-US" altLang="zh-CN" dirty="0"/>
-              <a:t>)</a:t>
-            </a:r>
-          </a:p>
-          <a:p>
-            <a:pPr marL="285750" indent="-285750">
-              <a:buFont typeface="Arial" panose="020B0604020202020204" pitchFamily="34" charset="0"/>
-              <a:buChar char="•"/>
-            </a:pPr>
-            <a:r>
-              <a:rPr lang="en-US" altLang="zh-CN" dirty="0"/>
-              <a:t>Handles errors and crashes:</a:t>
-            </a:r>
-          </a:p>
-          <a:p>
-            <a:pPr marL="742950" lvl="1" indent="-285750">
-              <a:buFont typeface="Arial" panose="020B0604020202020204" pitchFamily="34" charset="0"/>
-              <a:buChar char="•"/>
-            </a:pPr>
-            <a:r>
-              <a:rPr lang="en-US" altLang="zh-CN" dirty="0"/>
-              <a:t>Device without speech recognition</a:t>
-            </a:r>
-          </a:p>
-          <a:p>
-            <a:pPr marL="742950" lvl="1" indent="-285750">
-              <a:buFont typeface="Arial" panose="020B0604020202020204" pitchFamily="34" charset="0"/>
-              <a:buChar char="•"/>
-            </a:pPr>
-            <a:r>
-              <a:rPr lang="en-US" altLang="zh-CN" dirty="0"/>
-              <a:t>Empty voice result</a:t>
-            </a:r>
-          </a:p>
-          <a:p>
-            <a:pPr marL="742950" lvl="1" indent="-285750">
-              <a:buFont typeface="Arial" panose="020B0604020202020204" pitchFamily="34" charset="0"/>
-              <a:buChar char="•"/>
-            </a:pPr>
-            <a:r>
-              <a:rPr lang="en-US" altLang="zh-CN" dirty="0"/>
-              <a:t>Recognition canceled or failed</a:t>
-            </a:r>
-          </a:p>
-          <a:p>
-            <a:pPr marL="285750" indent="-285750">
-              <a:buFont typeface="Arial" panose="020B0604020202020204" pitchFamily="34" charset="0"/>
-              <a:buChar char="•"/>
-            </a:pPr>
-            <a:r>
-              <a:rPr lang="en-US" altLang="zh-CN" dirty="0"/>
-              <a:t>Testing / Debugging:</a:t>
-            </a:r>
-          </a:p>
-          <a:p>
-            <a:pPr marL="742950" lvl="1" indent="-285750">
-              <a:buFont typeface="Arial" panose="020B0604020202020204" pitchFamily="34" charset="0"/>
-              <a:buChar char="•"/>
-            </a:pPr>
-            <a:r>
-              <a:rPr lang="en-US" altLang="zh-CN" dirty="0"/>
-              <a:t>Checked normal flow, empty input, cancel, and unsupported device</a:t>
-            </a:r>
-          </a:p>
-          <a:p>
-            <a:pPr marL="742950" lvl="1" indent="-285750">
-              <a:buFont typeface="Arial" panose="020B0604020202020204" pitchFamily="34" charset="0"/>
-              <a:buChar char="•"/>
-            </a:pPr>
-            <a:r>
-              <a:rPr lang="en-US" altLang="zh-CN" dirty="0"/>
-              <a:t>Error messages displayed via </a:t>
-            </a:r>
-            <a:r>
-              <a:rPr lang="en-US" altLang="zh-CN" dirty="0" err="1"/>
-              <a:t>voiceError</a:t>
-            </a:r>
-            <a:r>
-              <a:rPr lang="en-US" altLang="zh-CN" dirty="0"/>
-              <a:t> </a:t>
-            </a:r>
-            <a:r>
-              <a:rPr lang="en-US" altLang="zh-CN" dirty="0" err="1"/>
-              <a:t>StateFlow</a:t>
-            </a:r>
-            <a:endParaRPr lang="en-US" altLang="zh-CN" dirty="0"/>
-          </a:p>
-          <a:p>
-            <a:endParaRPr lang="en-US" altLang="zh-CN" dirty="0"/>
-          </a:p>
-        </p:txBody>
-      </p:sp>
-      <p:pic>
-        <p:nvPicPr>
-          <p:cNvPr id="5" name="图片 4">
-            <a:extLst>
-              <a:ext uri="{FF2B5EF4-FFF2-40B4-BE49-F238E27FC236}">
-                <a16:creationId xmlns:a16="http://schemas.microsoft.com/office/drawing/2014/main" id="{9F9D500F-B447-A632-F6DC-4DA2BCEEBBA5}"/>
-              </a:ext>
-            </a:extLst>
-          </p:cNvPr>
-          <p:cNvPicPr>
-            <a:picLocks noChangeAspect="1"/>
-          </p:cNvPicPr>
-          <p:nvPr/>
-        </p:nvPicPr>
-        <p:blipFill>
-          <a:blip r:embed="rId4"/>
-          <a:stretch>
-            <a:fillRect/>
-          </a:stretch>
-        </p:blipFill>
-        <p:spPr>
-          <a:xfrm>
-            <a:off x="1954306" y="3774931"/>
-            <a:ext cx="2971800" cy="2581275"/>
-          </a:xfrm>
-          <a:prstGeom prst="rect">
-            <a:avLst/>
-          </a:prstGeom>
-          <a:ln>
-            <a:solidFill>
-              <a:schemeClr val="tx1"/>
-            </a:solidFill>
-          </a:ln>
-        </p:spPr>
-      </p:pic>
-      <p:pic>
-        <p:nvPicPr>
-          <p:cNvPr id="7" name="图片 6">
-            <a:extLst>
-              <a:ext uri="{FF2B5EF4-FFF2-40B4-BE49-F238E27FC236}">
-                <a16:creationId xmlns:a16="http://schemas.microsoft.com/office/drawing/2014/main" id="{4A010886-7B67-95B1-258C-6778B2147A38}"/>
-              </a:ext>
-            </a:extLst>
-          </p:cNvPr>
-          <p:cNvPicPr>
-            <a:picLocks noChangeAspect="1"/>
-          </p:cNvPicPr>
-          <p:nvPr/>
-        </p:nvPicPr>
-        <p:blipFill>
-          <a:blip r:embed="rId5"/>
-          <a:stretch>
-            <a:fillRect/>
-          </a:stretch>
-        </p:blipFill>
-        <p:spPr>
-          <a:xfrm>
-            <a:off x="7269816" y="3889231"/>
-            <a:ext cx="2943225" cy="2466975"/>
-          </a:xfrm>
-          <a:prstGeom prst="rect">
-            <a:avLst/>
-          </a:prstGeom>
-          <a:ln>
-            <a:solidFill>
-              <a:schemeClr val="tx1"/>
-            </a:solidFill>
-          </a:ln>
-        </p:spPr>
-      </p:pic>
+              <a:t>Navigate flow</a:t>
+            </a:r>
+          </a:p>
+        </p:txBody>
+      </p:sp>
     </p:spTree>
-    <p:extLst>
-      <p:ext uri="{BB962C8B-B14F-4D97-AF65-F5344CB8AC3E}">
-        <p14:creationId xmlns:p14="http://schemas.microsoft.com/office/powerpoint/2010/main" val="3425778068"/>
-      </p:ext>
-    </p:extLst>
   </p:cSld>
   <p:clrMapOvr>
     <a:masterClrMapping/>
   </p:clrMapOvr>
+  <p:timing>
+    <p:tnLst>
+      <p:par>
+        <p:cTn id="1" dur="indefinite" restart="never" nodeType="tmRoot">
+          <p:childTnLst>
+            <p:seq concurrent="1" nextAc="seek">
+              <p:cTn id="2" dur="indefinite" nodeType="mainSeq">
+                <p:childTnLst>
+                  <p:par>
+                    <p:cTn id="3" fill="hold">
+                      <p:stCondLst>
+                        <p:cond delay="indefinite"/>
+                      </p:stCondLst>
+                      <p:childTnLst>
+                        <p:par>
+                          <p:cTn id="4" fill="hold">
+                            <p:stCondLst>
+                              <p:cond delay="0"/>
+                            </p:stCondLst>
+                            <p:childTnLst>
+                              <p:par>
+                                <p:cTn id="5" presetID="1" presetClass="entr" presetSubtype="0" fill="hold" nodeType="clickEffect">
+                                  <p:stCondLst>
+                                    <p:cond delay="0"/>
+                                  </p:stCondLst>
+                                  <p:childTnLst>
+                                    <p:set>
+                                      <p:cBhvr>
+                                        <p:cTn id="6" dur="1" fill="hold">
+                                          <p:stCondLst>
+                                            <p:cond delay="0"/>
+                                          </p:stCondLst>
+                                        </p:cTn>
+                                        <p:tgtEl>
+                                          <p:spTgt spid="74"/>
+                                        </p:tgtEl>
+                                        <p:attrNameLst>
+                                          <p:attrName>style.visibility</p:attrName>
+                                        </p:attrNameLst>
+                                      </p:cBhvr>
+                                      <p:to>
+                                        <p:strVal val="visible"/>
+                                      </p:to>
+                                    </p:set>
+                                  </p:childTnLst>
+                                </p:cTn>
+                              </p:par>
+                            </p:childTnLst>
+                          </p:cTn>
+                        </p:par>
+                      </p:childTnLst>
+                    </p:cTn>
+                  </p:par>
+                </p:childTnLst>
+              </p:cTn>
+              <p:prevCondLst>
+                <p:cond evt="onPrev" delay="0">
+                  <p:tgtEl>
+                    <p:sldTgt/>
+                  </p:tgtEl>
+                </p:cond>
+              </p:prevCondLst>
+              <p:nextCondLst>
+                <p:cond evt="onNext" delay="0">
+                  <p:tgtEl>
+                    <p:sldTgt/>
+                  </p:tgtEl>
+                </p:cond>
+              </p:nextCondLst>
+            </p:seq>
+          </p:childTnLst>
+        </p:cTn>
+      </p:par>
+    </p:tnLst>
+  </p:timing>
 </p:sld>
 </file>
 
@@ -8492,13 +9035,7 @@
   <p:cSld>
     <p:spTree>
       <p:nvGrpSpPr>
-        <p:cNvPr id="1" name="">
-          <a:extLst>
-            <a:ext uri="{FF2B5EF4-FFF2-40B4-BE49-F238E27FC236}">
-              <a16:creationId xmlns:a16="http://schemas.microsoft.com/office/drawing/2014/main" id="{53D38778-0BD8-C408-D4F9-CCFFB7FB3DA9}"/>
-            </a:ext>
-          </a:extLst>
-        </p:cNvPr>
+        <p:cNvPr id="1" name=""/>
         <p:cNvGrpSpPr/>
         <p:nvPr/>
       </p:nvGrpSpPr>
@@ -8512,28 +9049,18 @@
       </p:grpSpPr>
       <p:pic>
         <p:nvPicPr>
-          <p:cNvPr id="30" name="图片 29">
-            <a:extLst>
-              <a:ext uri="{FF2B5EF4-FFF2-40B4-BE49-F238E27FC236}">
-                <a16:creationId xmlns:a16="http://schemas.microsoft.com/office/drawing/2014/main" id="{6417DA6B-9405-8C72-BC24-F87F66591537}"/>
-              </a:ext>
-            </a:extLst>
-          </p:cNvPr>
+          <p:cNvPr id="30" name="图片 29"/>
           <p:cNvPicPr>
             <a:picLocks noChangeAspect="1"/>
           </p:cNvPicPr>
           <p:nvPr/>
         </p:nvPicPr>
         <p:blipFill rotWithShape="1">
-          <a:blip r:embed="rId3" cstate="screen">
-            <a:extLst>
-              <a:ext uri="{28A0092B-C50C-407E-A947-70E740481C1C}">
-                <a14:useLocalDpi xmlns:a14="http://schemas.microsoft.com/office/drawing/2010/main"/>
-              </a:ext>
-            </a:extLst>
-          </a:blip>
+          <a:blip r:embed="rId3" cstate="screen"/>
           <a:srcRect/>
-          <a:stretch/>
+          <a:stretch>
+            <a:fillRect/>
+          </a:stretch>
         </p:blipFill>
         <p:spPr>
           <a:xfrm>
@@ -8547,20 +9074,14 @@
       </p:pic>
       <p:sp>
         <p:nvSpPr>
-          <p:cNvPr id="27" name="文本框 26">
-            <a:extLst>
-              <a:ext uri="{FF2B5EF4-FFF2-40B4-BE49-F238E27FC236}">
-                <a16:creationId xmlns:a16="http://schemas.microsoft.com/office/drawing/2014/main" id="{3BFEB7CC-C629-70A8-E735-E70C92D2C010}"/>
-              </a:ext>
-            </a:extLst>
-          </p:cNvPr>
+          <p:cNvPr id="27" name="文本框 26"/>
           <p:cNvSpPr txBox="1"/>
           <p:nvPr/>
         </p:nvSpPr>
         <p:spPr>
           <a:xfrm>
-            <a:off x="953956" y="507042"/>
-            <a:ext cx="3214561" cy="646331"/>
+            <a:off x="716089" y="397243"/>
+            <a:ext cx="3214561" cy="523220"/>
           </a:xfrm>
           <a:prstGeom prst="rect">
             <a:avLst/>
@@ -8574,6 +9095,301 @@
           <a:lstStyle/>
           <a:p>
             <a:r>
+              <a:rPr lang="en-US" altLang="zh-CN" sz="2800" b="1" dirty="0"/>
+              <a:t>Sensor</a:t>
+            </a:r>
+          </a:p>
+        </p:txBody>
+      </p:sp>
+      <p:sp>
+        <p:nvSpPr>
+          <p:cNvPr id="3" name="文本框 2"/>
+          <p:cNvSpPr txBox="1"/>
+          <p:nvPr/>
+        </p:nvSpPr>
+        <p:spPr>
+          <a:xfrm>
+            <a:off x="783402" y="1026909"/>
+            <a:ext cx="8575751" cy="2862322"/>
+          </a:xfrm>
+          <a:prstGeom prst="rect">
+            <a:avLst/>
+          </a:prstGeom>
+          <a:noFill/>
+        </p:spPr>
+        <p:txBody>
+          <a:bodyPr wrap="square">
+            <a:spAutoFit/>
+          </a:bodyPr>
+          <a:lstStyle/>
+          <a:p>
+            <a:pPr marL="285750" indent="-285750">
+              <a:buFont typeface="Arial" panose="020B0604020202020204" pitchFamily="34" charset="0"/>
+              <a:buChar char="•"/>
+            </a:pPr>
+            <a:r>
+              <a:rPr lang="en-US" altLang="zh-CN" dirty="0"/>
+              <a:t>Implemented with Android </a:t>
+            </a:r>
+            <a:r>
+              <a:rPr lang="en-US" altLang="zh-CN" dirty="0" err="1"/>
+              <a:t>RecognizerIntent</a:t>
+            </a:r>
+            <a:r>
+              <a:rPr lang="en-US" altLang="zh-CN" dirty="0"/>
+              <a:t> + </a:t>
+            </a:r>
+            <a:r>
+              <a:rPr lang="en-US" altLang="zh-CN" dirty="0" err="1"/>
+              <a:t>ActivityResultLauncher</a:t>
+            </a:r>
+            <a:endParaRPr lang="en-US" altLang="zh-CN" dirty="0"/>
+          </a:p>
+          <a:p>
+            <a:pPr marL="285750" indent="-285750">
+              <a:buFont typeface="Arial" panose="020B0604020202020204" pitchFamily="34" charset="0"/>
+              <a:buChar char="•"/>
+            </a:pPr>
+            <a:r>
+              <a:rPr lang="en-US" altLang="zh-CN" dirty="0"/>
+              <a:t>Result stored in </a:t>
+            </a:r>
+            <a:r>
+              <a:rPr lang="en-US" altLang="zh-CN" dirty="0" err="1"/>
+              <a:t>HomeViewModel</a:t>
+            </a:r>
+            <a:r>
+              <a:rPr lang="en-US" altLang="zh-CN" dirty="0"/>
+              <a:t> (</a:t>
+            </a:r>
+            <a:r>
+              <a:rPr lang="en-US" altLang="zh-CN" dirty="0" err="1"/>
+              <a:t>applyVoiceResult</a:t>
+            </a:r>
+            <a:r>
+              <a:rPr lang="en-US" altLang="zh-CN" dirty="0"/>
+              <a:t>)</a:t>
+            </a:r>
+          </a:p>
+          <a:p>
+            <a:pPr marL="285750" indent="-285750">
+              <a:buFont typeface="Arial" panose="020B0604020202020204" pitchFamily="34" charset="0"/>
+              <a:buChar char="•"/>
+            </a:pPr>
+            <a:r>
+              <a:rPr lang="en-US" altLang="zh-CN" dirty="0"/>
+              <a:t>Handles errors and crashes:</a:t>
+            </a:r>
+          </a:p>
+          <a:p>
+            <a:pPr marL="742950" lvl="1" indent="-285750">
+              <a:buFont typeface="Arial" panose="020B0604020202020204" pitchFamily="34" charset="0"/>
+              <a:buChar char="•"/>
+            </a:pPr>
+            <a:r>
+              <a:rPr lang="en-US" altLang="zh-CN" dirty="0"/>
+              <a:t>Device without speech recognition</a:t>
+            </a:r>
+          </a:p>
+          <a:p>
+            <a:pPr marL="742950" lvl="1" indent="-285750">
+              <a:buFont typeface="Arial" panose="020B0604020202020204" pitchFamily="34" charset="0"/>
+              <a:buChar char="•"/>
+            </a:pPr>
+            <a:r>
+              <a:rPr lang="en-US" altLang="zh-CN" dirty="0"/>
+              <a:t>Empty voice result</a:t>
+            </a:r>
+          </a:p>
+          <a:p>
+            <a:pPr marL="742950" lvl="1" indent="-285750">
+              <a:buFont typeface="Arial" panose="020B0604020202020204" pitchFamily="34" charset="0"/>
+              <a:buChar char="•"/>
+            </a:pPr>
+            <a:r>
+              <a:rPr lang="en-US" altLang="zh-CN" dirty="0"/>
+              <a:t>Recognition canceled or failed</a:t>
+            </a:r>
+          </a:p>
+          <a:p>
+            <a:pPr marL="285750" indent="-285750">
+              <a:buFont typeface="Arial" panose="020B0604020202020204" pitchFamily="34" charset="0"/>
+              <a:buChar char="•"/>
+            </a:pPr>
+            <a:r>
+              <a:rPr lang="en-US" altLang="zh-CN" dirty="0"/>
+              <a:t>Testing / Debugging:</a:t>
+            </a:r>
+          </a:p>
+          <a:p>
+            <a:pPr marL="742950" lvl="1" indent="-285750">
+              <a:buFont typeface="Arial" panose="020B0604020202020204" pitchFamily="34" charset="0"/>
+              <a:buChar char="•"/>
+            </a:pPr>
+            <a:r>
+              <a:rPr lang="en-US" altLang="zh-CN" dirty="0"/>
+              <a:t>Checked normal flow, empty input, cancel, and unsupported device</a:t>
+            </a:r>
+          </a:p>
+          <a:p>
+            <a:pPr marL="742950" lvl="1" indent="-285750">
+              <a:buFont typeface="Arial" panose="020B0604020202020204" pitchFamily="34" charset="0"/>
+              <a:buChar char="•"/>
+            </a:pPr>
+            <a:r>
+              <a:rPr lang="en-US" altLang="zh-CN" dirty="0"/>
+              <a:t>Error messages displayed via </a:t>
+            </a:r>
+            <a:r>
+              <a:rPr lang="en-US" altLang="zh-CN" dirty="0" err="1"/>
+              <a:t>voiceError</a:t>
+            </a:r>
+            <a:r>
+              <a:rPr lang="en-US" altLang="zh-CN" dirty="0"/>
+              <a:t> </a:t>
+            </a:r>
+            <a:r>
+              <a:rPr lang="en-US" altLang="zh-CN" dirty="0" err="1"/>
+              <a:t>StateFlow</a:t>
+            </a:r>
+            <a:endParaRPr lang="en-US" altLang="zh-CN" dirty="0"/>
+          </a:p>
+          <a:p>
+            <a:endParaRPr lang="en-US" altLang="zh-CN" dirty="0"/>
+          </a:p>
+        </p:txBody>
+      </p:sp>
+      <p:pic>
+        <p:nvPicPr>
+          <p:cNvPr id="5" name="图片 4"/>
+          <p:cNvPicPr>
+            <a:picLocks noChangeAspect="1"/>
+          </p:cNvPicPr>
+          <p:nvPr/>
+        </p:nvPicPr>
+        <p:blipFill>
+          <a:blip r:embed="rId4"/>
+          <a:stretch>
+            <a:fillRect/>
+          </a:stretch>
+        </p:blipFill>
+        <p:spPr>
+          <a:xfrm>
+            <a:off x="1954306" y="3774931"/>
+            <a:ext cx="2971800" cy="2581275"/>
+          </a:xfrm>
+          <a:prstGeom prst="rect">
+            <a:avLst/>
+          </a:prstGeom>
+          <a:ln>
+            <a:solidFill>
+              <a:schemeClr val="tx1"/>
+            </a:solidFill>
+          </a:ln>
+        </p:spPr>
+      </p:pic>
+      <p:pic>
+        <p:nvPicPr>
+          <p:cNvPr id="7" name="图片 6"/>
+          <p:cNvPicPr>
+            <a:picLocks noChangeAspect="1"/>
+          </p:cNvPicPr>
+          <p:nvPr/>
+        </p:nvPicPr>
+        <p:blipFill>
+          <a:blip r:embed="rId5"/>
+          <a:stretch>
+            <a:fillRect/>
+          </a:stretch>
+        </p:blipFill>
+        <p:spPr>
+          <a:xfrm>
+            <a:off x="7269816" y="3889231"/>
+            <a:ext cx="2943225" cy="2466975"/>
+          </a:xfrm>
+          <a:prstGeom prst="rect">
+            <a:avLst/>
+          </a:prstGeom>
+          <a:ln>
+            <a:solidFill>
+              <a:schemeClr val="tx1"/>
+            </a:solidFill>
+          </a:ln>
+        </p:spPr>
+      </p:pic>
+    </p:spTree>
+  </p:cSld>
+  <p:clrMapOvr>
+    <a:masterClrMapping/>
+  </p:clrMapOvr>
+</p:sld>
+</file>
+
+<file path=ppt/slides/slide8.xml><?xml version="1.0" encoding="utf-8"?>
+<p:sld xmlns:a="http://schemas.openxmlformats.org/drawingml/2006/main" xmlns:r="http://schemas.openxmlformats.org/officeDocument/2006/relationships" xmlns:p="http://schemas.openxmlformats.org/presentationml/2006/main">
+  <p:cSld>
+    <p:spTree>
+      <p:nvGrpSpPr>
+        <p:cNvPr id="1" name=""/>
+        <p:cNvGrpSpPr/>
+        <p:nvPr/>
+      </p:nvGrpSpPr>
+      <p:grpSpPr>
+        <a:xfrm>
+          <a:off x="0" y="0"/>
+          <a:ext cx="0" cy="0"/>
+          <a:chOff x="0" y="0"/>
+          <a:chExt cx="0" cy="0"/>
+        </a:xfrm>
+      </p:grpSpPr>
+      <p:pic>
+        <p:nvPicPr>
+          <p:cNvPr id="30" name="图片 29"/>
+          <p:cNvPicPr>
+            <a:picLocks noChangeAspect="1"/>
+          </p:cNvPicPr>
+          <p:nvPr/>
+        </p:nvPicPr>
+        <p:blipFill rotWithShape="1">
+          <a:blip r:embed="rId3" cstate="screen"/>
+          <a:srcRect/>
+          <a:stretch>
+            <a:fillRect/>
+          </a:stretch>
+        </p:blipFill>
+        <p:spPr>
+          <a:xfrm>
+            <a:off x="0" y="0"/>
+            <a:ext cx="12192000" cy="6858000"/>
+          </a:xfrm>
+          <a:prstGeom prst="rect">
+            <a:avLst/>
+          </a:prstGeom>
+        </p:spPr>
+      </p:pic>
+      <p:sp>
+        <p:nvSpPr>
+          <p:cNvPr id="27" name="文本框 26"/>
+          <p:cNvSpPr txBox="1"/>
+          <p:nvPr/>
+        </p:nvSpPr>
+        <p:spPr>
+          <a:xfrm>
+            <a:off x="953956" y="507042"/>
+            <a:ext cx="3214561" cy="646331"/>
+          </a:xfrm>
+          <a:prstGeom prst="rect">
+            <a:avLst/>
+          </a:prstGeom>
+          <a:noFill/>
+        </p:spPr>
+        <p:txBody>
+          <a:bodyPr wrap="square" rtlCol="0">
+            <a:spAutoFit/>
+          </a:bodyPr>
+          <a:lstStyle/>
+          <a:p>
+            <a:r>
               <a:rPr lang="en-US" altLang="zh-CN" sz="3600" b="1" dirty="0"/>
               <a:t>API</a:t>
             </a:r>
@@ -8582,13 +9398,7 @@
       </p:sp>
       <p:sp>
         <p:nvSpPr>
-          <p:cNvPr id="3" name="Google Shape;111;p16">
-            <a:extLst>
-              <a:ext uri="{FF2B5EF4-FFF2-40B4-BE49-F238E27FC236}">
-                <a16:creationId xmlns:a16="http://schemas.microsoft.com/office/drawing/2014/main" id="{D4F031A1-8176-0003-3E03-A7761DE75165}"/>
-              </a:ext>
-            </a:extLst>
-          </p:cNvPr>
+          <p:cNvPr id="3" name="Google Shape;111;p16"/>
           <p:cNvSpPr/>
           <p:nvPr/>
         </p:nvSpPr>
@@ -8644,15 +9454,15 @@
               <a:buClr>
                 <a:srgbClr val="000000"/>
               </a:buClr>
-              <a:buFont typeface="Arial"/>
+              <a:buFont typeface="Arial" panose="020B0604020202020204"/>
               <a:defRPr sz="1400" b="0" i="0" u="none" strike="noStrike" cap="none">
                 <a:solidFill>
                   <a:srgbClr val="000000"/>
                 </a:solidFill>
-                <a:latin typeface="Arial"/>
-                <a:ea typeface="Arial"/>
-                <a:cs typeface="Arial"/>
-                <a:sym typeface="Arial"/>
+                <a:latin typeface="Arial" panose="020B0604020202020204"/>
+                <a:ea typeface="Arial" panose="020B0604020202020204"/>
+                <a:cs typeface="Arial" panose="020B0604020202020204"/>
+                <a:sym typeface="Arial" panose="020B0604020202020204"/>
               </a:defRPr>
             </a:lvl1pPr>
             <a:lvl2pPr marR="0" lvl="1" algn="l" rtl="0">
@@ -8668,15 +9478,15 @@
               <a:buClr>
                 <a:srgbClr val="000000"/>
               </a:buClr>
-              <a:buFont typeface="Arial"/>
+              <a:buFont typeface="Arial" panose="020B0604020202020204"/>
               <a:defRPr sz="1400" b="0" i="0" u="none" strike="noStrike" cap="none">
                 <a:solidFill>
                   <a:srgbClr val="000000"/>
                 </a:solidFill>
-                <a:latin typeface="Arial"/>
-                <a:ea typeface="Arial"/>
-                <a:cs typeface="Arial"/>
-                <a:sym typeface="Arial"/>
+                <a:latin typeface="Arial" panose="020B0604020202020204"/>
+                <a:ea typeface="Arial" panose="020B0604020202020204"/>
+                <a:cs typeface="Arial" panose="020B0604020202020204"/>
+                <a:sym typeface="Arial" panose="020B0604020202020204"/>
               </a:defRPr>
             </a:lvl2pPr>
             <a:lvl3pPr marR="0" lvl="2" algn="l" rtl="0">
@@ -8692,15 +9502,15 @@
               <a:buClr>
                 <a:srgbClr val="000000"/>
               </a:buClr>
-              <a:buFont typeface="Arial"/>
+              <a:buFont typeface="Arial" panose="020B0604020202020204"/>
               <a:defRPr sz="1400" b="0" i="0" u="none" strike="noStrike" cap="none">
                 <a:solidFill>
                   <a:srgbClr val="000000"/>
                 </a:solidFill>
-                <a:latin typeface="Arial"/>
-                <a:ea typeface="Arial"/>
-                <a:cs typeface="Arial"/>
-                <a:sym typeface="Arial"/>
+                <a:latin typeface="Arial" panose="020B0604020202020204"/>
+                <a:ea typeface="Arial" panose="020B0604020202020204"/>
+                <a:cs typeface="Arial" panose="020B0604020202020204"/>
+                <a:sym typeface="Arial" panose="020B0604020202020204"/>
               </a:defRPr>
             </a:lvl3pPr>
             <a:lvl4pPr marR="0" lvl="3" algn="l" rtl="0">
@@ -8716,15 +9526,15 @@
               <a:buClr>
                 <a:srgbClr val="000000"/>
               </a:buClr>
-              <a:buFont typeface="Arial"/>
+              <a:buFont typeface="Arial" panose="020B0604020202020204"/>
               <a:defRPr sz="1400" b="0" i="0" u="none" strike="noStrike" cap="none">
                 <a:solidFill>
                   <a:srgbClr val="000000"/>
                 </a:solidFill>
-                <a:latin typeface="Arial"/>
-                <a:ea typeface="Arial"/>
-                <a:cs typeface="Arial"/>
-                <a:sym typeface="Arial"/>
+                <a:latin typeface="Arial" panose="020B0604020202020204"/>
+                <a:ea typeface="Arial" panose="020B0604020202020204"/>
+                <a:cs typeface="Arial" panose="020B0604020202020204"/>
+                <a:sym typeface="Arial" panose="020B0604020202020204"/>
               </a:defRPr>
             </a:lvl4pPr>
             <a:lvl5pPr marR="0" lvl="4" algn="l" rtl="0">
@@ -8740,15 +9550,15 @@
               <a:buClr>
                 <a:srgbClr val="000000"/>
               </a:buClr>
-              <a:buFont typeface="Arial"/>
+              <a:buFont typeface="Arial" panose="020B0604020202020204"/>
               <a:defRPr sz="1400" b="0" i="0" u="none" strike="noStrike" cap="none">
                 <a:solidFill>
                   <a:srgbClr val="000000"/>
                 </a:solidFill>
-                <a:latin typeface="Arial"/>
-                <a:ea typeface="Arial"/>
-                <a:cs typeface="Arial"/>
-                <a:sym typeface="Arial"/>
+                <a:latin typeface="Arial" panose="020B0604020202020204"/>
+                <a:ea typeface="Arial" panose="020B0604020202020204"/>
+                <a:cs typeface="Arial" panose="020B0604020202020204"/>
+                <a:sym typeface="Arial" panose="020B0604020202020204"/>
               </a:defRPr>
             </a:lvl5pPr>
             <a:lvl6pPr marR="0" lvl="5" algn="l" rtl="0">
@@ -8764,15 +9574,15 @@
               <a:buClr>
                 <a:srgbClr val="000000"/>
               </a:buClr>
-              <a:buFont typeface="Arial"/>
+              <a:buFont typeface="Arial" panose="020B0604020202020204"/>
               <a:defRPr sz="1400" b="0" i="0" u="none" strike="noStrike" cap="none">
                 <a:solidFill>
                   <a:srgbClr val="000000"/>
                 </a:solidFill>
-                <a:latin typeface="Arial"/>
-                <a:ea typeface="Arial"/>
-                <a:cs typeface="Arial"/>
-                <a:sym typeface="Arial"/>
+                <a:latin typeface="Arial" panose="020B0604020202020204"/>
+                <a:ea typeface="Arial" panose="020B0604020202020204"/>
+                <a:cs typeface="Arial" panose="020B0604020202020204"/>
+                <a:sym typeface="Arial" panose="020B0604020202020204"/>
               </a:defRPr>
             </a:lvl6pPr>
             <a:lvl7pPr marR="0" lvl="6" algn="l" rtl="0">
@@ -8788,15 +9598,15 @@
               <a:buClr>
                 <a:srgbClr val="000000"/>
               </a:buClr>
-              <a:buFont typeface="Arial"/>
+              <a:buFont typeface="Arial" panose="020B0604020202020204"/>
               <a:defRPr sz="1400" b="0" i="0" u="none" strike="noStrike" cap="none">
                 <a:solidFill>
                   <a:srgbClr val="000000"/>
                 </a:solidFill>
-                <a:latin typeface="Arial"/>
-                <a:ea typeface="Arial"/>
-                <a:cs typeface="Arial"/>
-                <a:sym typeface="Arial"/>
+                <a:latin typeface="Arial" panose="020B0604020202020204"/>
+                <a:ea typeface="Arial" panose="020B0604020202020204"/>
+                <a:cs typeface="Arial" panose="020B0604020202020204"/>
+                <a:sym typeface="Arial" panose="020B0604020202020204"/>
               </a:defRPr>
             </a:lvl7pPr>
             <a:lvl8pPr marR="0" lvl="7" algn="l" rtl="0">
@@ -8812,15 +9622,15 @@
               <a:buClr>
                 <a:srgbClr val="000000"/>
               </a:buClr>
-              <a:buFont typeface="Arial"/>
+              <a:buFont typeface="Arial" panose="020B0604020202020204"/>
               <a:defRPr sz="1400" b="0" i="0" u="none" strike="noStrike" cap="none">
                 <a:solidFill>
                   <a:srgbClr val="000000"/>
                 </a:solidFill>
-                <a:latin typeface="Arial"/>
-                <a:ea typeface="Arial"/>
-                <a:cs typeface="Arial"/>
-                <a:sym typeface="Arial"/>
+                <a:latin typeface="Arial" panose="020B0604020202020204"/>
+                <a:ea typeface="Arial" panose="020B0604020202020204"/>
+                <a:cs typeface="Arial" panose="020B0604020202020204"/>
+                <a:sym typeface="Arial" panose="020B0604020202020204"/>
               </a:defRPr>
             </a:lvl8pPr>
             <a:lvl9pPr marR="0" lvl="8" algn="l" rtl="0">
@@ -8836,15 +9646,15 @@
               <a:buClr>
                 <a:srgbClr val="000000"/>
               </a:buClr>
-              <a:buFont typeface="Arial"/>
+              <a:buFont typeface="Arial" panose="020B0604020202020204"/>
               <a:defRPr sz="1400" b="0" i="0" u="none" strike="noStrike" cap="none">
                 <a:solidFill>
                   <a:srgbClr val="000000"/>
                 </a:solidFill>
-                <a:latin typeface="Arial"/>
-                <a:ea typeface="Arial"/>
-                <a:cs typeface="Arial"/>
-                <a:sym typeface="Arial"/>
+                <a:latin typeface="Arial" panose="020B0604020202020204"/>
+                <a:ea typeface="Arial" panose="020B0604020202020204"/>
+                <a:cs typeface="Arial" panose="020B0604020202020204"/>
+                <a:sym typeface="Arial" panose="020B0604020202020204"/>
               </a:defRPr>
             </a:lvl9pPr>
           </a:lstStyle>
@@ -8859,7 +9669,7 @@
               <a:buNone/>
             </a:pPr>
             <a:r>
-              <a:rPr lang="en" sz="1700" dirty="0"/>
+              <a:rPr lang="en-GB" sz="1700" dirty="0"/>
               <a:t>User Management</a:t>
             </a:r>
             <a:endParaRPr sz="1700" dirty="0"/>
@@ -8868,13 +9678,7 @@
       </p:sp>
       <p:sp>
         <p:nvSpPr>
-          <p:cNvPr id="4" name="Google Shape;112;p16">
-            <a:extLst>
-              <a:ext uri="{FF2B5EF4-FFF2-40B4-BE49-F238E27FC236}">
-                <a16:creationId xmlns:a16="http://schemas.microsoft.com/office/drawing/2014/main" id="{3292778F-CE02-A188-9A9D-458530D2D97E}"/>
-              </a:ext>
-            </a:extLst>
-          </p:cNvPr>
+          <p:cNvPr id="4" name="Google Shape;112;p16"/>
           <p:cNvSpPr/>
           <p:nvPr/>
         </p:nvSpPr>
@@ -8930,15 +9734,15 @@
               <a:buClr>
                 <a:srgbClr val="000000"/>
               </a:buClr>
-              <a:buFont typeface="Arial"/>
+              <a:buFont typeface="Arial" panose="020B0604020202020204"/>
               <a:defRPr sz="1400" b="0" i="0" u="none" strike="noStrike" cap="none">
                 <a:solidFill>
                   <a:srgbClr val="000000"/>
                 </a:solidFill>
-                <a:latin typeface="Arial"/>
-                <a:ea typeface="Arial"/>
-                <a:cs typeface="Arial"/>
-                <a:sym typeface="Arial"/>
+                <a:latin typeface="Arial" panose="020B0604020202020204"/>
+                <a:ea typeface="Arial" panose="020B0604020202020204"/>
+                <a:cs typeface="Arial" panose="020B0604020202020204"/>
+                <a:sym typeface="Arial" panose="020B0604020202020204"/>
               </a:defRPr>
             </a:lvl1pPr>
             <a:lvl2pPr marR="0" lvl="1" algn="l" rtl="0">
@@ -8954,15 +9758,15 @@
               <a:buClr>
                 <a:srgbClr val="000000"/>
               </a:buClr>
-              <a:buFont typeface="Arial"/>
+              <a:buFont typeface="Arial" panose="020B0604020202020204"/>
               <a:defRPr sz="1400" b="0" i="0" u="none" strike="noStrike" cap="none">
                 <a:solidFill>
                   <a:srgbClr val="000000"/>
                 </a:solidFill>
-                <a:latin typeface="Arial"/>
-                <a:ea typeface="Arial"/>
-                <a:cs typeface="Arial"/>
-                <a:sym typeface="Arial"/>
+                <a:latin typeface="Arial" panose="020B0604020202020204"/>
+                <a:ea typeface="Arial" panose="020B0604020202020204"/>
+                <a:cs typeface="Arial" panose="020B0604020202020204"/>
+                <a:sym typeface="Arial" panose="020B0604020202020204"/>
               </a:defRPr>
             </a:lvl2pPr>
             <a:lvl3pPr marR="0" lvl="2" algn="l" rtl="0">
@@ -8978,15 +9782,15 @@
               <a:buClr>
                 <a:srgbClr val="000000"/>
               </a:buClr>
-              <a:buFont typeface="Arial"/>
+              <a:buFont typeface="Arial" panose="020B0604020202020204"/>
               <a:defRPr sz="1400" b="0" i="0" u="none" strike="noStrike" cap="none">
                 <a:solidFill>
                   <a:srgbClr val="000000"/>
                 </a:solidFill>
-                <a:latin typeface="Arial"/>
-                <a:ea typeface="Arial"/>
-                <a:cs typeface="Arial"/>
-                <a:sym typeface="Arial"/>
+                <a:latin typeface="Arial" panose="020B0604020202020204"/>
+                <a:ea typeface="Arial" panose="020B0604020202020204"/>
+                <a:cs typeface="Arial" panose="020B0604020202020204"/>
+                <a:sym typeface="Arial" panose="020B0604020202020204"/>
               </a:defRPr>
             </a:lvl3pPr>
             <a:lvl4pPr marR="0" lvl="3" algn="l" rtl="0">
@@ -9002,15 +9806,15 @@
               <a:buClr>
                 <a:srgbClr val="000000"/>
               </a:buClr>
-              <a:buFont typeface="Arial"/>
+              <a:buFont typeface="Arial" panose="020B0604020202020204"/>
               <a:defRPr sz="1400" b="0" i="0" u="none" strike="noStrike" cap="none">
                 <a:solidFill>
                   <a:srgbClr val="000000"/>
                 </a:solidFill>
-                <a:latin typeface="Arial"/>
-                <a:ea typeface="Arial"/>
-                <a:cs typeface="Arial"/>
-                <a:sym typeface="Arial"/>
+                <a:latin typeface="Arial" panose="020B0604020202020204"/>
+                <a:ea typeface="Arial" panose="020B0604020202020204"/>
+                <a:cs typeface="Arial" panose="020B0604020202020204"/>
+                <a:sym typeface="Arial" panose="020B0604020202020204"/>
               </a:defRPr>
             </a:lvl4pPr>
             <a:lvl5pPr marR="0" lvl="4" algn="l" rtl="0">
@@ -9026,15 +9830,15 @@
               <a:buClr>
                 <a:srgbClr val="000000"/>
               </a:buClr>
-              <a:buFont typeface="Arial"/>
+              <a:buFont typeface="Arial" panose="020B0604020202020204"/>
               <a:defRPr sz="1400" b="0" i="0" u="none" strike="noStrike" cap="none">
                 <a:solidFill>
                   <a:srgbClr val="000000"/>
                 </a:solidFill>
-                <a:latin typeface="Arial"/>
-                <a:ea typeface="Arial"/>
-                <a:cs typeface="Arial"/>
-                <a:sym typeface="Arial"/>
+                <a:latin typeface="Arial" panose="020B0604020202020204"/>
+                <a:ea typeface="Arial" panose="020B0604020202020204"/>
+                <a:cs typeface="Arial" panose="020B0604020202020204"/>
+                <a:sym typeface="Arial" panose="020B0604020202020204"/>
               </a:defRPr>
             </a:lvl5pPr>
             <a:lvl6pPr marR="0" lvl="5" algn="l" rtl="0">
@@ -9050,15 +9854,15 @@
               <a:buClr>
                 <a:srgbClr val="000000"/>
               </a:buClr>
-              <a:buFont typeface="Arial"/>
+              <a:buFont typeface="Arial" panose="020B0604020202020204"/>
               <a:defRPr sz="1400" b="0" i="0" u="none" strike="noStrike" cap="none">
                 <a:solidFill>
                   <a:srgbClr val="000000"/>
                 </a:solidFill>
-                <a:latin typeface="Arial"/>
-                <a:ea typeface="Arial"/>
-                <a:cs typeface="Arial"/>
-                <a:sym typeface="Arial"/>
+                <a:latin typeface="Arial" panose="020B0604020202020204"/>
+                <a:ea typeface="Arial" panose="020B0604020202020204"/>
+                <a:cs typeface="Arial" panose="020B0604020202020204"/>
+                <a:sym typeface="Arial" panose="020B0604020202020204"/>
               </a:defRPr>
             </a:lvl6pPr>
             <a:lvl7pPr marR="0" lvl="6" algn="l" rtl="0">
@@ -9074,15 +9878,15 @@
               <a:buClr>
                 <a:srgbClr val="000000"/>
               </a:buClr>
-              <a:buFont typeface="Arial"/>
+              <a:buFont typeface="Arial" panose="020B0604020202020204"/>
               <a:defRPr sz="1400" b="0" i="0" u="none" strike="noStrike" cap="none">
                 <a:solidFill>
                   <a:srgbClr val="000000"/>
                 </a:solidFill>
-                <a:latin typeface="Arial"/>
-                <a:ea typeface="Arial"/>
-                <a:cs typeface="Arial"/>
-                <a:sym typeface="Arial"/>
+                <a:latin typeface="Arial" panose="020B0604020202020204"/>
+                <a:ea typeface="Arial" panose="020B0604020202020204"/>
+                <a:cs typeface="Arial" panose="020B0604020202020204"/>
+                <a:sym typeface="Arial" panose="020B0604020202020204"/>
               </a:defRPr>
             </a:lvl7pPr>
             <a:lvl8pPr marR="0" lvl="7" algn="l" rtl="0">
@@ -9098,15 +9902,15 @@
               <a:buClr>
                 <a:srgbClr val="000000"/>
               </a:buClr>
-              <a:buFont typeface="Arial"/>
+              <a:buFont typeface="Arial" panose="020B0604020202020204"/>
               <a:defRPr sz="1400" b="0" i="0" u="none" strike="noStrike" cap="none">
                 <a:solidFill>
                   <a:srgbClr val="000000"/>
                 </a:solidFill>
-                <a:latin typeface="Arial"/>
-                <a:ea typeface="Arial"/>
-                <a:cs typeface="Arial"/>
-                <a:sym typeface="Arial"/>
+                <a:latin typeface="Arial" panose="020B0604020202020204"/>
+                <a:ea typeface="Arial" panose="020B0604020202020204"/>
+                <a:cs typeface="Arial" panose="020B0604020202020204"/>
+                <a:sym typeface="Arial" panose="020B0604020202020204"/>
               </a:defRPr>
             </a:lvl8pPr>
             <a:lvl9pPr marR="0" lvl="8" algn="l" rtl="0">
@@ -9122,15 +9926,15 @@
               <a:buClr>
                 <a:srgbClr val="000000"/>
               </a:buClr>
-              <a:buFont typeface="Arial"/>
+              <a:buFont typeface="Arial" panose="020B0604020202020204"/>
               <a:defRPr sz="1400" b="0" i="0" u="none" strike="noStrike" cap="none">
                 <a:solidFill>
                   <a:srgbClr val="000000"/>
                 </a:solidFill>
-                <a:latin typeface="Arial"/>
-                <a:ea typeface="Arial"/>
-                <a:cs typeface="Arial"/>
-                <a:sym typeface="Arial"/>
+                <a:latin typeface="Arial" panose="020B0604020202020204"/>
+                <a:ea typeface="Arial" panose="020B0604020202020204"/>
+                <a:cs typeface="Arial" panose="020B0604020202020204"/>
+                <a:sym typeface="Arial" panose="020B0604020202020204"/>
               </a:defRPr>
             </a:lvl9pPr>
           </a:lstStyle>
@@ -9145,7 +9949,7 @@
               <a:buNone/>
             </a:pPr>
             <a:r>
-              <a:rPr lang="en" sz="1700"/>
+              <a:rPr lang="en-GB" sz="1700"/>
               <a:t>Price &amp; history APIs</a:t>
             </a:r>
             <a:endParaRPr sz="1700"/>
@@ -9154,13 +9958,7 @@
       </p:sp>
       <p:sp>
         <p:nvSpPr>
-          <p:cNvPr id="5" name="Google Shape;113;p16">
-            <a:extLst>
-              <a:ext uri="{FF2B5EF4-FFF2-40B4-BE49-F238E27FC236}">
-                <a16:creationId xmlns:a16="http://schemas.microsoft.com/office/drawing/2014/main" id="{BE75A616-BF35-FE7B-6C77-27220F5F4F0F}"/>
-              </a:ext>
-            </a:extLst>
-          </p:cNvPr>
+          <p:cNvPr id="5" name="Google Shape;113;p16"/>
           <p:cNvSpPr/>
           <p:nvPr/>
         </p:nvSpPr>
@@ -9216,15 +10014,15 @@
               <a:buClr>
                 <a:srgbClr val="000000"/>
               </a:buClr>
-              <a:buFont typeface="Arial"/>
+              <a:buFont typeface="Arial" panose="020B0604020202020204"/>
               <a:defRPr sz="1400" b="0" i="0" u="none" strike="noStrike" cap="none">
                 <a:solidFill>
                   <a:srgbClr val="000000"/>
                 </a:solidFill>
-                <a:latin typeface="Arial"/>
-                <a:ea typeface="Arial"/>
-                <a:cs typeface="Arial"/>
-                <a:sym typeface="Arial"/>
+                <a:latin typeface="Arial" panose="020B0604020202020204"/>
+                <a:ea typeface="Arial" panose="020B0604020202020204"/>
+                <a:cs typeface="Arial" panose="020B0604020202020204"/>
+                <a:sym typeface="Arial" panose="020B0604020202020204"/>
               </a:defRPr>
             </a:lvl1pPr>
             <a:lvl2pPr marR="0" lvl="1" algn="l" rtl="0">
@@ -9240,15 +10038,15 @@
               <a:buClr>
                 <a:srgbClr val="000000"/>
               </a:buClr>
-              <a:buFont typeface="Arial"/>
+              <a:buFont typeface="Arial" panose="020B0604020202020204"/>
               <a:defRPr sz="1400" b="0" i="0" u="none" strike="noStrike" cap="none">
                 <a:solidFill>
                   <a:srgbClr val="000000"/>
                 </a:solidFill>
-                <a:latin typeface="Arial"/>
-                <a:ea typeface="Arial"/>
-                <a:cs typeface="Arial"/>
-                <a:sym typeface="Arial"/>
+                <a:latin typeface="Arial" panose="020B0604020202020204"/>
+                <a:ea typeface="Arial" panose="020B0604020202020204"/>
+                <a:cs typeface="Arial" panose="020B0604020202020204"/>
+                <a:sym typeface="Arial" panose="020B0604020202020204"/>
               </a:defRPr>
             </a:lvl2pPr>
             <a:lvl3pPr marR="0" lvl="2" algn="l" rtl="0">
@@ -9264,15 +10062,15 @@
               <a:buClr>
                 <a:srgbClr val="000000"/>
               </a:buClr>
-              <a:buFont typeface="Arial"/>
+              <a:buFont typeface="Arial" panose="020B0604020202020204"/>
               <a:defRPr sz="1400" b="0" i="0" u="none" strike="noStrike" cap="none">
                 <a:solidFill>
                   <a:srgbClr val="000000"/>
                 </a:solidFill>
-                <a:latin typeface="Arial"/>
-                <a:ea typeface="Arial"/>
-                <a:cs typeface="Arial"/>
-                <a:sym typeface="Arial"/>
+                <a:latin typeface="Arial" panose="020B0604020202020204"/>
+                <a:ea typeface="Arial" panose="020B0604020202020204"/>
+                <a:cs typeface="Arial" panose="020B0604020202020204"/>
+                <a:sym typeface="Arial" panose="020B0604020202020204"/>
               </a:defRPr>
             </a:lvl3pPr>
             <a:lvl4pPr marR="0" lvl="3" algn="l" rtl="0">
@@ -9288,15 +10086,15 @@
               <a:buClr>
                 <a:srgbClr val="000000"/>
               </a:buClr>
-              <a:buFont typeface="Arial"/>
+              <a:buFont typeface="Arial" panose="020B0604020202020204"/>
               <a:defRPr sz="1400" b="0" i="0" u="none" strike="noStrike" cap="none">
                 <a:solidFill>
                   <a:srgbClr val="000000"/>
                 </a:solidFill>
-                <a:latin typeface="Arial"/>
-                <a:ea typeface="Arial"/>
-                <a:cs typeface="Arial"/>
-                <a:sym typeface="Arial"/>
+                <a:latin typeface="Arial" panose="020B0604020202020204"/>
+                <a:ea typeface="Arial" panose="020B0604020202020204"/>
+                <a:cs typeface="Arial" panose="020B0604020202020204"/>
+                <a:sym typeface="Arial" panose="020B0604020202020204"/>
               </a:defRPr>
             </a:lvl4pPr>
             <a:lvl5pPr marR="0" lvl="4" algn="l" rtl="0">
@@ -9312,15 +10110,15 @@
               <a:buClr>
                 <a:srgbClr val="000000"/>
               </a:buClr>
-              <a:buFont typeface="Arial"/>
+              <a:buFont typeface="Arial" panose="020B0604020202020204"/>
               <a:defRPr sz="1400" b="0" i="0" u="none" strike="noStrike" cap="none">
                 <a:solidFill>
                   <a:srgbClr val="000000"/>
                 </a:solidFill>
-                <a:latin typeface="Arial"/>
-                <a:ea typeface="Arial"/>
-                <a:cs typeface="Arial"/>
-                <a:sym typeface="Arial"/>
+                <a:latin typeface="Arial" panose="020B0604020202020204"/>
+                <a:ea typeface="Arial" panose="020B0604020202020204"/>
+                <a:cs typeface="Arial" panose="020B0604020202020204"/>
+                <a:sym typeface="Arial" panose="020B0604020202020204"/>
               </a:defRPr>
             </a:lvl5pPr>
             <a:lvl6pPr marR="0" lvl="5" algn="l" rtl="0">
@@ -9336,15 +10134,15 @@
               <a:buClr>
                 <a:srgbClr val="000000"/>
               </a:buClr>
-              <a:buFont typeface="Arial"/>
+              <a:buFont typeface="Arial" panose="020B0604020202020204"/>
               <a:defRPr sz="1400" b="0" i="0" u="none" strike="noStrike" cap="none">
                 <a:solidFill>
                   <a:srgbClr val="000000"/>
                 </a:solidFill>
-                <a:latin typeface="Arial"/>
-                <a:ea typeface="Arial"/>
-                <a:cs typeface="Arial"/>
-                <a:sym typeface="Arial"/>
+                <a:latin typeface="Arial" panose="020B0604020202020204"/>
+                <a:ea typeface="Arial" panose="020B0604020202020204"/>
+                <a:cs typeface="Arial" panose="020B0604020202020204"/>
+                <a:sym typeface="Arial" panose="020B0604020202020204"/>
               </a:defRPr>
             </a:lvl6pPr>
             <a:lvl7pPr marR="0" lvl="6" algn="l" rtl="0">
@@ -9360,15 +10158,15 @@
               <a:buClr>
                 <a:srgbClr val="000000"/>
               </a:buClr>
-              <a:buFont typeface="Arial"/>
+              <a:buFont typeface="Arial" panose="020B0604020202020204"/>
               <a:defRPr sz="1400" b="0" i="0" u="none" strike="noStrike" cap="none">
                 <a:solidFill>
                   <a:srgbClr val="000000"/>
                 </a:solidFill>
-                <a:latin typeface="Arial"/>
-                <a:ea typeface="Arial"/>
-                <a:cs typeface="Arial"/>
-                <a:sym typeface="Arial"/>
+                <a:latin typeface="Arial" panose="020B0604020202020204"/>
+                <a:ea typeface="Arial" panose="020B0604020202020204"/>
+                <a:cs typeface="Arial" panose="020B0604020202020204"/>
+                <a:sym typeface="Arial" panose="020B0604020202020204"/>
               </a:defRPr>
             </a:lvl7pPr>
             <a:lvl8pPr marR="0" lvl="7" algn="l" rtl="0">
@@ -9384,15 +10182,15 @@
               <a:buClr>
                 <a:srgbClr val="000000"/>
               </a:buClr>
-              <a:buFont typeface="Arial"/>
+              <a:buFont typeface="Arial" panose="020B0604020202020204"/>
               <a:defRPr sz="1400" b="0" i="0" u="none" strike="noStrike" cap="none">
                 <a:solidFill>
                   <a:srgbClr val="000000"/>
                 </a:solidFill>
-                <a:latin typeface="Arial"/>
-                <a:ea typeface="Arial"/>
-                <a:cs typeface="Arial"/>
-                <a:sym typeface="Arial"/>
+                <a:latin typeface="Arial" panose="020B0604020202020204"/>
+                <a:ea typeface="Arial" panose="020B0604020202020204"/>
+                <a:cs typeface="Arial" panose="020B0604020202020204"/>
+                <a:sym typeface="Arial" panose="020B0604020202020204"/>
               </a:defRPr>
             </a:lvl8pPr>
             <a:lvl9pPr marR="0" lvl="8" algn="l" rtl="0">
@@ -9408,15 +10206,15 @@
               <a:buClr>
                 <a:srgbClr val="000000"/>
               </a:buClr>
-              <a:buFont typeface="Arial"/>
+              <a:buFont typeface="Arial" panose="020B0604020202020204"/>
               <a:defRPr sz="1400" b="0" i="0" u="none" strike="noStrike" cap="none">
                 <a:solidFill>
                   <a:srgbClr val="000000"/>
                 </a:solidFill>
-                <a:latin typeface="Arial"/>
-                <a:ea typeface="Arial"/>
-                <a:cs typeface="Arial"/>
-                <a:sym typeface="Arial"/>
+                <a:latin typeface="Arial" panose="020B0604020202020204"/>
+                <a:ea typeface="Arial" panose="020B0604020202020204"/>
+                <a:cs typeface="Arial" panose="020B0604020202020204"/>
+                <a:sym typeface="Arial" panose="020B0604020202020204"/>
               </a:defRPr>
             </a:lvl9pPr>
           </a:lstStyle>
@@ -9431,7 +10229,7 @@
               <a:buNone/>
             </a:pPr>
             <a:r>
-              <a:rPr lang="en" sz="1700"/>
+              <a:rPr lang="en-GB" sz="1700"/>
               <a:t>Product management</a:t>
             </a:r>
             <a:endParaRPr sz="1700"/>
@@ -9440,13 +10238,7 @@
       </p:sp>
       <p:sp>
         <p:nvSpPr>
-          <p:cNvPr id="6" name="Google Shape;114;p16">
-            <a:extLst>
-              <a:ext uri="{FF2B5EF4-FFF2-40B4-BE49-F238E27FC236}">
-                <a16:creationId xmlns:a16="http://schemas.microsoft.com/office/drawing/2014/main" id="{D64FAC6B-050C-8150-A28A-932CEBC03AAA}"/>
-              </a:ext>
-            </a:extLst>
-          </p:cNvPr>
+          <p:cNvPr id="6" name="Google Shape;114;p16"/>
           <p:cNvSpPr/>
           <p:nvPr/>
         </p:nvSpPr>
@@ -9502,15 +10294,15 @@
               <a:buClr>
                 <a:srgbClr val="000000"/>
               </a:buClr>
-              <a:buFont typeface="Arial"/>
+              <a:buFont typeface="Arial" panose="020B0604020202020204"/>
               <a:defRPr sz="1400" b="0" i="0" u="none" strike="noStrike" cap="none">
                 <a:solidFill>
                   <a:srgbClr val="000000"/>
                 </a:solidFill>
-                <a:latin typeface="Arial"/>
-                <a:ea typeface="Arial"/>
-                <a:cs typeface="Arial"/>
-                <a:sym typeface="Arial"/>
+                <a:latin typeface="Arial" panose="020B0604020202020204"/>
+                <a:ea typeface="Arial" panose="020B0604020202020204"/>
+                <a:cs typeface="Arial" panose="020B0604020202020204"/>
+                <a:sym typeface="Arial" panose="020B0604020202020204"/>
               </a:defRPr>
             </a:lvl1pPr>
             <a:lvl2pPr marR="0" lvl="1" algn="l" rtl="0">
@@ -9526,15 +10318,15 @@
               <a:buClr>
                 <a:srgbClr val="000000"/>
               </a:buClr>
-              <a:buFont typeface="Arial"/>
+              <a:buFont typeface="Arial" panose="020B0604020202020204"/>
               <a:defRPr sz="1400" b="0" i="0" u="none" strike="noStrike" cap="none">
                 <a:solidFill>
                   <a:srgbClr val="000000"/>
                 </a:solidFill>
-                <a:latin typeface="Arial"/>
-                <a:ea typeface="Arial"/>
-                <a:cs typeface="Arial"/>
-                <a:sym typeface="Arial"/>
+                <a:latin typeface="Arial" panose="020B0604020202020204"/>
+                <a:ea typeface="Arial" panose="020B0604020202020204"/>
+                <a:cs typeface="Arial" panose="020B0604020202020204"/>
+                <a:sym typeface="Arial" panose="020B0604020202020204"/>
               </a:defRPr>
             </a:lvl2pPr>
             <a:lvl3pPr marR="0" lvl="2" algn="l" rtl="0">
@@ -9550,15 +10342,15 @@
               <a:buClr>
                 <a:srgbClr val="000000"/>
               </a:buClr>
-              <a:buFont typeface="Arial"/>
+              <a:buFont typeface="Arial" panose="020B0604020202020204"/>
               <a:defRPr sz="1400" b="0" i="0" u="none" strike="noStrike" cap="none">
                 <a:solidFill>
                   <a:srgbClr val="000000"/>
                 </a:solidFill>
-                <a:latin typeface="Arial"/>
-                <a:ea typeface="Arial"/>
-                <a:cs typeface="Arial"/>
-                <a:sym typeface="Arial"/>
+                <a:latin typeface="Arial" panose="020B0604020202020204"/>
+                <a:ea typeface="Arial" panose="020B0604020202020204"/>
+                <a:cs typeface="Arial" panose="020B0604020202020204"/>
+                <a:sym typeface="Arial" panose="020B0604020202020204"/>
               </a:defRPr>
             </a:lvl3pPr>
             <a:lvl4pPr marR="0" lvl="3" algn="l" rtl="0">
@@ -9574,15 +10366,15 @@
               <a:buClr>
                 <a:srgbClr val="000000"/>
               </a:buClr>
-              <a:buFont typeface="Arial"/>
+              <a:buFont typeface="Arial" panose="020B0604020202020204"/>
               <a:defRPr sz="1400" b="0" i="0" u="none" strike="noStrike" cap="none">
                 <a:solidFill>
                   <a:srgbClr val="000000"/>
                 </a:solidFill>
-                <a:latin typeface="Arial"/>
-                <a:ea typeface="Arial"/>
-                <a:cs typeface="Arial"/>
-                <a:sym typeface="Arial"/>
+                <a:latin typeface="Arial" panose="020B0604020202020204"/>
+                <a:ea typeface="Arial" panose="020B0604020202020204"/>
+                <a:cs typeface="Arial" panose="020B0604020202020204"/>
+                <a:sym typeface="Arial" panose="020B0604020202020204"/>
               </a:defRPr>
             </a:lvl4pPr>
             <a:lvl5pPr marR="0" lvl="4" algn="l" rtl="0">
@@ -9598,15 +10390,15 @@
               <a:buClr>
                 <a:srgbClr val="000000"/>
               </a:buClr>
-              <a:buFont typeface="Arial"/>
+              <a:buFont typeface="Arial" panose="020B0604020202020204"/>
               <a:defRPr sz="1400" b="0" i="0" u="none" strike="noStrike" cap="none">
                 <a:solidFill>
                   <a:srgbClr val="000000"/>
                 </a:solidFill>
-                <a:latin typeface="Arial"/>
-                <a:ea typeface="Arial"/>
-                <a:cs typeface="Arial"/>
-                <a:sym typeface="Arial"/>
+                <a:latin typeface="Arial" panose="020B0604020202020204"/>
+                <a:ea typeface="Arial" panose="020B0604020202020204"/>
+                <a:cs typeface="Arial" panose="020B0604020202020204"/>
+                <a:sym typeface="Arial" panose="020B0604020202020204"/>
               </a:defRPr>
             </a:lvl5pPr>
             <a:lvl6pPr marR="0" lvl="5" algn="l" rtl="0">
@@ -9622,15 +10414,15 @@
               <a:buClr>
                 <a:srgbClr val="000000"/>
               </a:buClr>
-              <a:buFont typeface="Arial"/>
+              <a:buFont typeface="Arial" panose="020B0604020202020204"/>
               <a:defRPr sz="1400" b="0" i="0" u="none" strike="noStrike" cap="none">
                 <a:solidFill>
                   <a:srgbClr val="000000"/>
                 </a:solidFill>
-                <a:latin typeface="Arial"/>
-                <a:ea typeface="Arial"/>
-                <a:cs typeface="Arial"/>
-                <a:sym typeface="Arial"/>
+                <a:latin typeface="Arial" panose="020B0604020202020204"/>
+                <a:ea typeface="Arial" panose="020B0604020202020204"/>
+                <a:cs typeface="Arial" panose="020B0604020202020204"/>
+                <a:sym typeface="Arial" panose="020B0604020202020204"/>
               </a:defRPr>
             </a:lvl6pPr>
             <a:lvl7pPr marR="0" lvl="6" algn="l" rtl="0">
@@ -9646,15 +10438,15 @@
               <a:buClr>
                 <a:srgbClr val="000000"/>
               </a:buClr>
-              <a:buFont typeface="Arial"/>
+              <a:buFont typeface="Arial" panose="020B0604020202020204"/>
               <a:defRPr sz="1400" b="0" i="0" u="none" strike="noStrike" cap="none">
                 <a:solidFill>
                   <a:srgbClr val="000000"/>
                 </a:solidFill>
-                <a:latin typeface="Arial"/>
-                <a:ea typeface="Arial"/>
-                <a:cs typeface="Arial"/>
-                <a:sym typeface="Arial"/>
+                <a:latin typeface="Arial" panose="020B0604020202020204"/>
+                <a:ea typeface="Arial" panose="020B0604020202020204"/>
+                <a:cs typeface="Arial" panose="020B0604020202020204"/>
+                <a:sym typeface="Arial" panose="020B0604020202020204"/>
               </a:defRPr>
             </a:lvl7pPr>
             <a:lvl8pPr marR="0" lvl="7" algn="l" rtl="0">
@@ -9670,15 +10462,15 @@
               <a:buClr>
                 <a:srgbClr val="000000"/>
               </a:buClr>
-              <a:buFont typeface="Arial"/>
+              <a:buFont typeface="Arial" panose="020B0604020202020204"/>
               <a:defRPr sz="1400" b="0" i="0" u="none" strike="noStrike" cap="none">
                 <a:solidFill>
                   <a:srgbClr val="000000"/>
                 </a:solidFill>
-                <a:latin typeface="Arial"/>
-                <a:ea typeface="Arial"/>
-                <a:cs typeface="Arial"/>
-                <a:sym typeface="Arial"/>
+                <a:latin typeface="Arial" panose="020B0604020202020204"/>
+                <a:ea typeface="Arial" panose="020B0604020202020204"/>
+                <a:cs typeface="Arial" panose="020B0604020202020204"/>
+                <a:sym typeface="Arial" panose="020B0604020202020204"/>
               </a:defRPr>
             </a:lvl8pPr>
             <a:lvl9pPr marR="0" lvl="8" algn="l" rtl="0">
@@ -9694,15 +10486,15 @@
               <a:buClr>
                 <a:srgbClr val="000000"/>
               </a:buClr>
-              <a:buFont typeface="Arial"/>
+              <a:buFont typeface="Arial" panose="020B0604020202020204"/>
               <a:defRPr sz="1400" b="0" i="0" u="none" strike="noStrike" cap="none">
                 <a:solidFill>
                   <a:srgbClr val="000000"/>
                 </a:solidFill>
-                <a:latin typeface="Arial"/>
-                <a:ea typeface="Arial"/>
-                <a:cs typeface="Arial"/>
-                <a:sym typeface="Arial"/>
+                <a:latin typeface="Arial" panose="020B0604020202020204"/>
+                <a:ea typeface="Arial" panose="020B0604020202020204"/>
+                <a:cs typeface="Arial" panose="020B0604020202020204"/>
+                <a:sym typeface="Arial" panose="020B0604020202020204"/>
               </a:defRPr>
             </a:lvl9pPr>
           </a:lstStyle>
@@ -9717,7 +10509,7 @@
               <a:buNone/>
             </a:pPr>
             <a:r>
-              <a:rPr lang="en" sz="1700"/>
+              <a:rPr lang="en-GB" sz="1700"/>
               <a:t>Wishlist APIs</a:t>
             </a:r>
             <a:endParaRPr sz="1700"/>
@@ -9726,13 +10518,7 @@
       </p:sp>
       <p:sp>
         <p:nvSpPr>
-          <p:cNvPr id="7" name="Google Shape;115;p16">
-            <a:extLst>
-              <a:ext uri="{FF2B5EF4-FFF2-40B4-BE49-F238E27FC236}">
-                <a16:creationId xmlns:a16="http://schemas.microsoft.com/office/drawing/2014/main" id="{76ADCA04-FE5E-5727-2972-AA76AB672B30}"/>
-              </a:ext>
-            </a:extLst>
-          </p:cNvPr>
+          <p:cNvPr id="7" name="Google Shape;115;p16"/>
           <p:cNvSpPr/>
           <p:nvPr/>
         </p:nvSpPr>
@@ -9788,15 +10574,15 @@
               <a:buClr>
                 <a:srgbClr val="000000"/>
               </a:buClr>
-              <a:buFont typeface="Arial"/>
+              <a:buFont typeface="Arial" panose="020B0604020202020204"/>
               <a:defRPr sz="1400" b="0" i="0" u="none" strike="noStrike" cap="none">
                 <a:solidFill>
                   <a:srgbClr val="000000"/>
                 </a:solidFill>
-                <a:latin typeface="Arial"/>
-                <a:ea typeface="Arial"/>
-                <a:cs typeface="Arial"/>
-                <a:sym typeface="Arial"/>
+                <a:latin typeface="Arial" panose="020B0604020202020204"/>
+                <a:ea typeface="Arial" panose="020B0604020202020204"/>
+                <a:cs typeface="Arial" panose="020B0604020202020204"/>
+                <a:sym typeface="Arial" panose="020B0604020202020204"/>
               </a:defRPr>
             </a:lvl1pPr>
             <a:lvl2pPr marR="0" lvl="1" algn="l" rtl="0">
@@ -9812,15 +10598,15 @@
               <a:buClr>
                 <a:srgbClr val="000000"/>
               </a:buClr>
-              <a:buFont typeface="Arial"/>
+              <a:buFont typeface="Arial" panose="020B0604020202020204"/>
               <a:defRPr sz="1400" b="0" i="0" u="none" strike="noStrike" cap="none">
                 <a:solidFill>
                   <a:srgbClr val="000000"/>
                 </a:solidFill>
-                <a:latin typeface="Arial"/>
-                <a:ea typeface="Arial"/>
-                <a:cs typeface="Arial"/>
-                <a:sym typeface="Arial"/>
+                <a:latin typeface="Arial" panose="020B0604020202020204"/>
+                <a:ea typeface="Arial" panose="020B0604020202020204"/>
+                <a:cs typeface="Arial" panose="020B0604020202020204"/>
+                <a:sym typeface="Arial" panose="020B0604020202020204"/>
               </a:defRPr>
             </a:lvl2pPr>
             <a:lvl3pPr marR="0" lvl="2" algn="l" rtl="0">
@@ -9836,15 +10622,15 @@
               <a:buClr>
                 <a:srgbClr val="000000"/>
               </a:buClr>
-              <a:buFont typeface="Arial"/>
+              <a:buFont typeface="Arial" panose="020B0604020202020204"/>
               <a:defRPr sz="1400" b="0" i="0" u="none" strike="noStrike" cap="none">
                 <a:solidFill>
                   <a:srgbClr val="000000"/>
                 </a:solidFill>
-                <a:latin typeface="Arial"/>
-                <a:ea typeface="Arial"/>
-                <a:cs typeface="Arial"/>
-                <a:sym typeface="Arial"/>
+                <a:latin typeface="Arial" panose="020B0604020202020204"/>
+                <a:ea typeface="Arial" panose="020B0604020202020204"/>
+                <a:cs typeface="Arial" panose="020B0604020202020204"/>
+                <a:sym typeface="Arial" panose="020B0604020202020204"/>
               </a:defRPr>
             </a:lvl3pPr>
             <a:lvl4pPr marR="0" lvl="3" algn="l" rtl="0">
@@ -9860,15 +10646,15 @@
               <a:buClr>
                 <a:srgbClr val="000000"/>
               </a:buClr>
-              <a:buFont typeface="Arial"/>
+              <a:buFont typeface="Arial" panose="020B0604020202020204"/>
               <a:defRPr sz="1400" b="0" i="0" u="none" strike="noStrike" cap="none">
                 <a:solidFill>
                   <a:srgbClr val="000000"/>
                 </a:solidFill>
-                <a:latin typeface="Arial"/>
-                <a:ea typeface="Arial"/>
-                <a:cs typeface="Arial"/>
-                <a:sym typeface="Arial"/>
+                <a:latin typeface="Arial" panose="020B0604020202020204"/>
+                <a:ea typeface="Arial" panose="020B0604020202020204"/>
+                <a:cs typeface="Arial" panose="020B0604020202020204"/>
+                <a:sym typeface="Arial" panose="020B0604020202020204"/>
               </a:defRPr>
             </a:lvl4pPr>
             <a:lvl5pPr marR="0" lvl="4" algn="l" rtl="0">
@@ -9884,15 +10670,15 @@
               <a:buClr>
                 <a:srgbClr val="000000"/>
               </a:buClr>
-              <a:buFont typeface="Arial"/>
+              <a:buFont typeface="Arial" panose="020B0604020202020204"/>
               <a:defRPr sz="1400" b="0" i="0" u="none" strike="noStrike" cap="none">
                 <a:solidFill>
                   <a:srgbClr val="000000"/>
                 </a:solidFill>
-                <a:latin typeface="Arial"/>
-                <a:ea typeface="Arial"/>
-                <a:cs typeface="Arial"/>
-                <a:sym typeface="Arial"/>
+                <a:latin typeface="Arial" panose="020B0604020202020204"/>
+                <a:ea typeface="Arial" panose="020B0604020202020204"/>
+                <a:cs typeface="Arial" panose="020B0604020202020204"/>
+                <a:sym typeface="Arial" panose="020B0604020202020204"/>
               </a:defRPr>
             </a:lvl5pPr>
             <a:lvl6pPr marR="0" lvl="5" algn="l" rtl="0">
@@ -9908,15 +10694,15 @@
               <a:buClr>
                 <a:srgbClr val="000000"/>
               </a:buClr>
-              <a:buFont typeface="Arial"/>
+              <a:buFont typeface="Arial" panose="020B0604020202020204"/>
               <a:defRPr sz="1400" b="0" i="0" u="none" strike="noStrike" cap="none">
                 <a:solidFill>
                   <a:srgbClr val="000000"/>
                 </a:solidFill>
-                <a:latin typeface="Arial"/>
-                <a:ea typeface="Arial"/>
-                <a:cs typeface="Arial"/>
-                <a:sym typeface="Arial"/>
+                <a:latin typeface="Arial" panose="020B0604020202020204"/>
+                <a:ea typeface="Arial" panose="020B0604020202020204"/>
+                <a:cs typeface="Arial" panose="020B0604020202020204"/>
+                <a:sym typeface="Arial" panose="020B0604020202020204"/>
               </a:defRPr>
             </a:lvl6pPr>
             <a:lvl7pPr marR="0" lvl="6" algn="l" rtl="0">
@@ -9932,15 +10718,15 @@
               <a:buClr>
                 <a:srgbClr val="000000"/>
               </a:buClr>
-              <a:buFont typeface="Arial"/>
+              <a:buFont typeface="Arial" panose="020B0604020202020204"/>
               <a:defRPr sz="1400" b="0" i="0" u="none" strike="noStrike" cap="none">
                 <a:solidFill>
                   <a:srgbClr val="000000"/>
                 </a:solidFill>
-                <a:latin typeface="Arial"/>
-                <a:ea typeface="Arial"/>
-                <a:cs typeface="Arial"/>
-                <a:sym typeface="Arial"/>
+                <a:latin typeface="Arial" panose="020B0604020202020204"/>
+                <a:ea typeface="Arial" panose="020B0604020202020204"/>
+                <a:cs typeface="Arial" panose="020B0604020202020204"/>
+                <a:sym typeface="Arial" panose="020B0604020202020204"/>
               </a:defRPr>
             </a:lvl7pPr>
             <a:lvl8pPr marR="0" lvl="7" algn="l" rtl="0">
@@ -9956,15 +10742,15 @@
               <a:buClr>
                 <a:srgbClr val="000000"/>
               </a:buClr>
-              <a:buFont typeface="Arial"/>
+              <a:buFont typeface="Arial" panose="020B0604020202020204"/>
               <a:defRPr sz="1400" b="0" i="0" u="none" strike="noStrike" cap="none">
                 <a:solidFill>
                   <a:srgbClr val="000000"/>
                 </a:solidFill>
-                <a:latin typeface="Arial"/>
-                <a:ea typeface="Arial"/>
-                <a:cs typeface="Arial"/>
-                <a:sym typeface="Arial"/>
+                <a:latin typeface="Arial" panose="020B0604020202020204"/>
+                <a:ea typeface="Arial" panose="020B0604020202020204"/>
+                <a:cs typeface="Arial" panose="020B0604020202020204"/>
+                <a:sym typeface="Arial" panose="020B0604020202020204"/>
               </a:defRPr>
             </a:lvl8pPr>
             <a:lvl9pPr marR="0" lvl="8" algn="l" rtl="0">
@@ -9980,15 +10766,15 @@
               <a:buClr>
                 <a:srgbClr val="000000"/>
               </a:buClr>
-              <a:buFont typeface="Arial"/>
+              <a:buFont typeface="Arial" panose="020B0604020202020204"/>
               <a:defRPr sz="1400" b="0" i="0" u="none" strike="noStrike" cap="none">
                 <a:solidFill>
                   <a:srgbClr val="000000"/>
                 </a:solidFill>
-                <a:latin typeface="Arial"/>
-                <a:ea typeface="Arial"/>
-                <a:cs typeface="Arial"/>
-                <a:sym typeface="Arial"/>
+                <a:latin typeface="Arial" panose="020B0604020202020204"/>
+                <a:ea typeface="Arial" panose="020B0604020202020204"/>
+                <a:cs typeface="Arial" panose="020B0604020202020204"/>
+                <a:sym typeface="Arial" panose="020B0604020202020204"/>
               </a:defRPr>
             </a:lvl9pPr>
           </a:lstStyle>
@@ -10003,7 +10789,7 @@
               <a:buNone/>
             </a:pPr>
             <a:r>
-              <a:rPr lang="en" sz="1700" dirty="0"/>
+              <a:rPr lang="en-GB" sz="1700" dirty="0"/>
               <a:t>Admin / maintenance APIs</a:t>
             </a:r>
             <a:endParaRPr sz="1700" dirty="0"/>
@@ -10012,13 +10798,7 @@
       </p:sp>
       <p:sp>
         <p:nvSpPr>
-          <p:cNvPr id="8" name="Google Shape;116;p16">
-            <a:extLst>
-              <a:ext uri="{FF2B5EF4-FFF2-40B4-BE49-F238E27FC236}">
-                <a16:creationId xmlns:a16="http://schemas.microsoft.com/office/drawing/2014/main" id="{3C5FCE7B-BC14-34D1-EE89-F8C77A4CFC34}"/>
-              </a:ext>
-            </a:extLst>
-          </p:cNvPr>
+          <p:cNvPr id="8" name="Google Shape;116;p16"/>
           <p:cNvSpPr/>
           <p:nvPr/>
         </p:nvSpPr>
@@ -10074,15 +10854,15 @@
               <a:buClr>
                 <a:srgbClr val="000000"/>
               </a:buClr>
-              <a:buFont typeface="Arial"/>
+              <a:buFont typeface="Arial" panose="020B0604020202020204"/>
               <a:defRPr sz="1400" b="0" i="0" u="none" strike="noStrike" cap="none">
                 <a:solidFill>
                   <a:srgbClr val="000000"/>
                 </a:solidFill>
-                <a:latin typeface="Arial"/>
-                <a:ea typeface="Arial"/>
-                <a:cs typeface="Arial"/>
-                <a:sym typeface="Arial"/>
+                <a:latin typeface="Arial" panose="020B0604020202020204"/>
+                <a:ea typeface="Arial" panose="020B0604020202020204"/>
+                <a:cs typeface="Arial" panose="020B0604020202020204"/>
+                <a:sym typeface="Arial" panose="020B0604020202020204"/>
               </a:defRPr>
             </a:lvl1pPr>
             <a:lvl2pPr marR="0" lvl="1" algn="l" rtl="0">
@@ -10098,15 +10878,15 @@
               <a:buClr>
                 <a:srgbClr val="000000"/>
               </a:buClr>
-              <a:buFont typeface="Arial"/>
+              <a:buFont typeface="Arial" panose="020B0604020202020204"/>
               <a:defRPr sz="1400" b="0" i="0" u="none" strike="noStrike" cap="none">
                 <a:solidFill>
                   <a:srgbClr val="000000"/>
                 </a:solidFill>
-                <a:latin typeface="Arial"/>
-                <a:ea typeface="Arial"/>
-                <a:cs typeface="Arial"/>
-                <a:sym typeface="Arial"/>
+                <a:latin typeface="Arial" panose="020B0604020202020204"/>
+                <a:ea typeface="Arial" panose="020B0604020202020204"/>
+                <a:cs typeface="Arial" panose="020B0604020202020204"/>
+                <a:sym typeface="Arial" panose="020B0604020202020204"/>
               </a:defRPr>
             </a:lvl2pPr>
             <a:lvl3pPr marR="0" lvl="2" algn="l" rtl="0">
@@ -10122,15 +10902,15 @@
               <a:buClr>
                 <a:srgbClr val="000000"/>
               </a:buClr>
-              <a:buFont typeface="Arial"/>
+              <a:buFont typeface="Arial" panose="020B0604020202020204"/>
               <a:defRPr sz="1400" b="0" i="0" u="none" strike="noStrike" cap="none">
                 <a:solidFill>
                   <a:srgbClr val="000000"/>
                 </a:solidFill>
-                <a:latin typeface="Arial"/>
-                <a:ea typeface="Arial"/>
-                <a:cs typeface="Arial"/>
-                <a:sym typeface="Arial"/>
+                <a:latin typeface="Arial" panose="020B0604020202020204"/>
+                <a:ea typeface="Arial" panose="020B0604020202020204"/>
+                <a:cs typeface="Arial" panose="020B0604020202020204"/>
+                <a:sym typeface="Arial" panose="020B0604020202020204"/>
               </a:defRPr>
             </a:lvl3pPr>
             <a:lvl4pPr marR="0" lvl="3" algn="l" rtl="0">
@@ -10146,15 +10926,15 @@
               <a:buClr>
                 <a:srgbClr val="000000"/>
               </a:buClr>
-              <a:buFont typeface="Arial"/>
+              <a:buFont typeface="Arial" panose="020B0604020202020204"/>
               <a:defRPr sz="1400" b="0" i="0" u="none" strike="noStrike" cap="none">
                 <a:solidFill>
                   <a:srgbClr val="000000"/>
                 </a:solidFill>
-                <a:latin typeface="Arial"/>
-                <a:ea typeface="Arial"/>
-                <a:cs typeface="Arial"/>
-                <a:sym typeface="Arial"/>
+                <a:latin typeface="Arial" panose="020B0604020202020204"/>
+                <a:ea typeface="Arial" panose="020B0604020202020204"/>
+                <a:cs typeface="Arial" panose="020B0604020202020204"/>
+                <a:sym typeface="Arial" panose="020B0604020202020204"/>
               </a:defRPr>
             </a:lvl4pPr>
             <a:lvl5pPr marR="0" lvl="4" algn="l" rtl="0">
@@ -10170,15 +10950,15 @@
               <a:buClr>
                 <a:srgbClr val="000000"/>
               </a:buClr>
-              <a:buFont typeface="Arial"/>
+              <a:buFont typeface="Arial" panose="020B0604020202020204"/>
               <a:defRPr sz="1400" b="0" i="0" u="none" strike="noStrike" cap="none">
                 <a:solidFill>
                   <a:srgbClr val="000000"/>
                 </a:solidFill>
-                <a:latin typeface="Arial"/>
-                <a:ea typeface="Arial"/>
-                <a:cs typeface="Arial"/>
-                <a:sym typeface="Arial"/>
+                <a:latin typeface="Arial" panose="020B0604020202020204"/>
+                <a:ea typeface="Arial" panose="020B0604020202020204"/>
+                <a:cs typeface="Arial" panose="020B0604020202020204"/>
+                <a:sym typeface="Arial" panose="020B0604020202020204"/>
               </a:defRPr>
             </a:lvl5pPr>
             <a:lvl6pPr marR="0" lvl="5" algn="l" rtl="0">
@@ -10194,15 +10974,15 @@
               <a:buClr>
                 <a:srgbClr val="000000"/>
               </a:buClr>
-              <a:buFont typeface="Arial"/>
+              <a:buFont typeface="Arial" panose="020B0604020202020204"/>
               <a:defRPr sz="1400" b="0" i="0" u="none" strike="noStrike" cap="none">
                 <a:solidFill>
                   <a:srgbClr val="000000"/>
                 </a:solidFill>
-                <a:latin typeface="Arial"/>
-                <a:ea typeface="Arial"/>
-                <a:cs typeface="Arial"/>
-                <a:sym typeface="Arial"/>
+                <a:latin typeface="Arial" panose="020B0604020202020204"/>
+                <a:ea typeface="Arial" panose="020B0604020202020204"/>
+                <a:cs typeface="Arial" panose="020B0604020202020204"/>
+                <a:sym typeface="Arial" panose="020B0604020202020204"/>
               </a:defRPr>
             </a:lvl6pPr>
             <a:lvl7pPr marR="0" lvl="6" algn="l" rtl="0">
@@ -10218,15 +10998,15 @@
               <a:buClr>
                 <a:srgbClr val="000000"/>
               </a:buClr>
-              <a:buFont typeface="Arial"/>
+              <a:buFont typeface="Arial" panose="020B0604020202020204"/>
               <a:defRPr sz="1400" b="0" i="0" u="none" strike="noStrike" cap="none">
                 <a:solidFill>
                   <a:srgbClr val="000000"/>
                 </a:solidFill>
-                <a:latin typeface="Arial"/>
-                <a:ea typeface="Arial"/>
-                <a:cs typeface="Arial"/>
-                <a:sym typeface="Arial"/>
+                <a:latin typeface="Arial" panose="020B0604020202020204"/>
+                <a:ea typeface="Arial" panose="020B0604020202020204"/>
+                <a:cs typeface="Arial" panose="020B0604020202020204"/>
+                <a:sym typeface="Arial" panose="020B0604020202020204"/>
               </a:defRPr>
             </a:lvl7pPr>
             <a:lvl8pPr marR="0" lvl="7" algn="l" rtl="0">
@@ -10242,15 +11022,15 @@
               <a:buClr>
                 <a:srgbClr val="000000"/>
               </a:buClr>
-              <a:buFont typeface="Arial"/>
+              <a:buFont typeface="Arial" panose="020B0604020202020204"/>
               <a:defRPr sz="1400" b="0" i="0" u="none" strike="noStrike" cap="none">
                 <a:solidFill>
                   <a:srgbClr val="000000"/>
                 </a:solidFill>
-                <a:latin typeface="Arial"/>
-                <a:ea typeface="Arial"/>
-                <a:cs typeface="Arial"/>
-                <a:sym typeface="Arial"/>
+                <a:latin typeface="Arial" panose="020B0604020202020204"/>
+                <a:ea typeface="Arial" panose="020B0604020202020204"/>
+                <a:cs typeface="Arial" panose="020B0604020202020204"/>
+                <a:sym typeface="Arial" panose="020B0604020202020204"/>
               </a:defRPr>
             </a:lvl8pPr>
             <a:lvl9pPr marR="0" lvl="8" algn="l" rtl="0">
@@ -10266,15 +11046,15 @@
               <a:buClr>
                 <a:srgbClr val="000000"/>
               </a:buClr>
-              <a:buFont typeface="Arial"/>
+              <a:buFont typeface="Arial" panose="020B0604020202020204"/>
               <a:defRPr sz="1400" b="0" i="0" u="none" strike="noStrike" cap="none">
                 <a:solidFill>
                   <a:srgbClr val="000000"/>
                 </a:solidFill>
-                <a:latin typeface="Arial"/>
-                <a:ea typeface="Arial"/>
-                <a:cs typeface="Arial"/>
-                <a:sym typeface="Arial"/>
+                <a:latin typeface="Arial" panose="020B0604020202020204"/>
+                <a:ea typeface="Arial" panose="020B0604020202020204"/>
+                <a:cs typeface="Arial" panose="020B0604020202020204"/>
+                <a:sym typeface="Arial" panose="020B0604020202020204"/>
               </a:defRPr>
             </a:lvl9pPr>
           </a:lstStyle>
@@ -10289,7 +11069,7 @@
               <a:buNone/>
             </a:pPr>
             <a:r>
-              <a:rPr lang="en" sz="1700"/>
+              <a:rPr lang="en-GB" sz="1700"/>
               <a:t>Scheduled job</a:t>
             </a:r>
             <a:endParaRPr sz="1700"/>
@@ -10298,13 +11078,7 @@
       </p:sp>
       <p:sp>
         <p:nvSpPr>
-          <p:cNvPr id="9" name="Google Shape;117;p16">
-            <a:extLst>
-              <a:ext uri="{FF2B5EF4-FFF2-40B4-BE49-F238E27FC236}">
-                <a16:creationId xmlns:a16="http://schemas.microsoft.com/office/drawing/2014/main" id="{1602086C-5221-89B8-593C-E136C7543864}"/>
-              </a:ext>
-            </a:extLst>
-          </p:cNvPr>
+          <p:cNvPr id="9" name="Google Shape;117;p16"/>
           <p:cNvSpPr/>
           <p:nvPr/>
         </p:nvSpPr>
@@ -10360,15 +11134,15 @@
               <a:buClr>
                 <a:srgbClr val="000000"/>
               </a:buClr>
-              <a:buFont typeface="Arial"/>
+              <a:buFont typeface="Arial" panose="020B0604020202020204"/>
               <a:defRPr sz="1400" b="0" i="0" u="none" strike="noStrike" cap="none">
                 <a:solidFill>
                   <a:srgbClr val="000000"/>
                 </a:solidFill>
-                <a:latin typeface="Arial"/>
-                <a:ea typeface="Arial"/>
-                <a:cs typeface="Arial"/>
-                <a:sym typeface="Arial"/>
+                <a:latin typeface="Arial" panose="020B0604020202020204"/>
+                <a:ea typeface="Arial" panose="020B0604020202020204"/>
+                <a:cs typeface="Arial" panose="020B0604020202020204"/>
+                <a:sym typeface="Arial" panose="020B0604020202020204"/>
               </a:defRPr>
             </a:lvl1pPr>
             <a:lvl2pPr marR="0" lvl="1" algn="l" rtl="0">
@@ -10384,15 +11158,15 @@
               <a:buClr>
                 <a:srgbClr val="000000"/>
               </a:buClr>
-              <a:buFont typeface="Arial"/>
+              <a:buFont typeface="Arial" panose="020B0604020202020204"/>
               <a:defRPr sz="1400" b="0" i="0" u="none" strike="noStrike" cap="none">
                 <a:solidFill>
                   <a:srgbClr val="000000"/>
                 </a:solidFill>
-                <a:latin typeface="Arial"/>
-                <a:ea typeface="Arial"/>
-                <a:cs typeface="Arial"/>
-                <a:sym typeface="Arial"/>
+                <a:latin typeface="Arial" panose="020B0604020202020204"/>
+                <a:ea typeface="Arial" panose="020B0604020202020204"/>
+                <a:cs typeface="Arial" panose="020B0604020202020204"/>
+                <a:sym typeface="Arial" panose="020B0604020202020204"/>
               </a:defRPr>
             </a:lvl2pPr>
             <a:lvl3pPr marR="0" lvl="2" algn="l" rtl="0">
@@ -10408,15 +11182,15 @@
               <a:buClr>
                 <a:srgbClr val="000000"/>
               </a:buClr>
-              <a:buFont typeface="Arial"/>
+              <a:buFont typeface="Arial" panose="020B0604020202020204"/>
               <a:defRPr sz="1400" b="0" i="0" u="none" strike="noStrike" cap="none">
                 <a:solidFill>
                   <a:srgbClr val="000000"/>
                 </a:solidFill>
-                <a:latin typeface="Arial"/>
-                <a:ea typeface="Arial"/>
-                <a:cs typeface="Arial"/>
-                <a:sym typeface="Arial"/>
+                <a:latin typeface="Arial" panose="020B0604020202020204"/>
+                <a:ea typeface="Arial" panose="020B0604020202020204"/>
+                <a:cs typeface="Arial" panose="020B0604020202020204"/>
+                <a:sym typeface="Arial" panose="020B0604020202020204"/>
               </a:defRPr>
             </a:lvl3pPr>
             <a:lvl4pPr marR="0" lvl="3" algn="l" rtl="0">
@@ -10432,15 +11206,15 @@
               <a:buClr>
                 <a:srgbClr val="000000"/>
               </a:buClr>
-              <a:buFont typeface="Arial"/>
+              <a:buFont typeface="Arial" panose="020B0604020202020204"/>
               <a:defRPr sz="1400" b="0" i="0" u="none" strike="noStrike" cap="none">
                 <a:solidFill>
                   <a:srgbClr val="000000"/>
                 </a:solidFill>
-                <a:latin typeface="Arial"/>
-                <a:ea typeface="Arial"/>
-                <a:cs typeface="Arial"/>
-                <a:sym typeface="Arial"/>
+                <a:latin typeface="Arial" panose="020B0604020202020204"/>
+                <a:ea typeface="Arial" panose="020B0604020202020204"/>
+                <a:cs typeface="Arial" panose="020B0604020202020204"/>
+                <a:sym typeface="Arial" panose="020B0604020202020204"/>
               </a:defRPr>
             </a:lvl4pPr>
             <a:lvl5pPr marR="0" lvl="4" algn="l" rtl="0">
@@ -10456,15 +11230,15 @@
               <a:buClr>
                 <a:srgbClr val="000000"/>
               </a:buClr>
-              <a:buFont typeface="Arial"/>
+              <a:buFont typeface="Arial" panose="020B0604020202020204"/>
               <a:defRPr sz="1400" b="0" i="0" u="none" strike="noStrike" cap="none">
                 <a:solidFill>
                   <a:srgbClr val="000000"/>
                 </a:solidFill>
-                <a:latin typeface="Arial"/>
-                <a:ea typeface="Arial"/>
-                <a:cs typeface="Arial"/>
-                <a:sym typeface="Arial"/>
+                <a:latin typeface="Arial" panose="020B0604020202020204"/>
+                <a:ea typeface="Arial" panose="020B0604020202020204"/>
+                <a:cs typeface="Arial" panose="020B0604020202020204"/>
+                <a:sym typeface="Arial" panose="020B0604020202020204"/>
               </a:defRPr>
             </a:lvl5pPr>
             <a:lvl6pPr marR="0" lvl="5" algn="l" rtl="0">
@@ -10480,15 +11254,15 @@
               <a:buClr>
                 <a:srgbClr val="000000"/>
               </a:buClr>
-              <a:buFont typeface="Arial"/>
+              <a:buFont typeface="Arial" panose="020B0604020202020204"/>
               <a:defRPr sz="1400" b="0" i="0" u="none" strike="noStrike" cap="none">
                 <a:solidFill>
                   <a:srgbClr val="000000"/>
                 </a:solidFill>
-                <a:latin typeface="Arial"/>
-                <a:ea typeface="Arial"/>
-                <a:cs typeface="Arial"/>
-                <a:sym typeface="Arial"/>
+                <a:latin typeface="Arial" panose="020B0604020202020204"/>
+                <a:ea typeface="Arial" panose="020B0604020202020204"/>
+                <a:cs typeface="Arial" panose="020B0604020202020204"/>
+                <a:sym typeface="Arial" panose="020B0604020202020204"/>
               </a:defRPr>
             </a:lvl6pPr>
             <a:lvl7pPr marR="0" lvl="6" algn="l" rtl="0">
@@ -10504,15 +11278,15 @@
               <a:buClr>
                 <a:srgbClr val="000000"/>
               </a:buClr>
-              <a:buFont typeface="Arial"/>
+              <a:buFont typeface="Arial" panose="020B0604020202020204"/>
               <a:defRPr sz="1400" b="0" i="0" u="none" strike="noStrike" cap="none">
                 <a:solidFill>
                   <a:srgbClr val="000000"/>
                 </a:solidFill>
-                <a:latin typeface="Arial"/>
-                <a:ea typeface="Arial"/>
-                <a:cs typeface="Arial"/>
-                <a:sym typeface="Arial"/>
+                <a:latin typeface="Arial" panose="020B0604020202020204"/>
+                <a:ea typeface="Arial" panose="020B0604020202020204"/>
+                <a:cs typeface="Arial" panose="020B0604020202020204"/>
+                <a:sym typeface="Arial" panose="020B0604020202020204"/>
               </a:defRPr>
             </a:lvl7pPr>
             <a:lvl8pPr marR="0" lvl="7" algn="l" rtl="0">
@@ -10528,15 +11302,15 @@
               <a:buClr>
                 <a:srgbClr val="000000"/>
               </a:buClr>
-              <a:buFont typeface="Arial"/>
+              <a:buFont typeface="Arial" panose="020B0604020202020204"/>
               <a:defRPr sz="1400" b="0" i="0" u="none" strike="noStrike" cap="none">
                 <a:solidFill>
                   <a:srgbClr val="000000"/>
                 </a:solidFill>
-                <a:latin typeface="Arial"/>
-                <a:ea typeface="Arial"/>
-                <a:cs typeface="Arial"/>
-                <a:sym typeface="Arial"/>
+                <a:latin typeface="Arial" panose="020B0604020202020204"/>
+                <a:ea typeface="Arial" panose="020B0604020202020204"/>
+                <a:cs typeface="Arial" panose="020B0604020202020204"/>
+                <a:sym typeface="Arial" panose="020B0604020202020204"/>
               </a:defRPr>
             </a:lvl8pPr>
             <a:lvl9pPr marR="0" lvl="8" algn="l" rtl="0">
@@ -10552,15 +11326,15 @@
               <a:buClr>
                 <a:srgbClr val="000000"/>
               </a:buClr>
-              <a:buFont typeface="Arial"/>
+              <a:buFont typeface="Arial" panose="020B0604020202020204"/>
               <a:defRPr sz="1400" b="0" i="0" u="none" strike="noStrike" cap="none">
                 <a:solidFill>
                   <a:srgbClr val="000000"/>
                 </a:solidFill>
-                <a:latin typeface="Arial"/>
-                <a:ea typeface="Arial"/>
-                <a:cs typeface="Arial"/>
-                <a:sym typeface="Arial"/>
+                <a:latin typeface="Arial" panose="020B0604020202020204"/>
+                <a:ea typeface="Arial" panose="020B0604020202020204"/>
+                <a:cs typeface="Arial" panose="020B0604020202020204"/>
+                <a:sym typeface="Arial" panose="020B0604020202020204"/>
               </a:defRPr>
             </a:lvl9pPr>
           </a:lstStyle>
@@ -10575,7 +11349,7 @@
               <a:buNone/>
             </a:pPr>
             <a:r>
-              <a:rPr lang="en" sz="1700"/>
+              <a:rPr lang="en-GB" sz="1700"/>
               <a:t>System / test endpoints</a:t>
             </a:r>
             <a:endParaRPr sz="1700"/>
@@ -10584,13 +11358,7 @@
       </p:sp>
       <p:sp>
         <p:nvSpPr>
-          <p:cNvPr id="10" name="Google Shape;118;p16">
-            <a:extLst>
-              <a:ext uri="{FF2B5EF4-FFF2-40B4-BE49-F238E27FC236}">
-                <a16:creationId xmlns:a16="http://schemas.microsoft.com/office/drawing/2014/main" id="{C96A8185-7093-8593-80C4-94D66D444CAA}"/>
-              </a:ext>
-            </a:extLst>
-          </p:cNvPr>
+          <p:cNvPr id="10" name="Google Shape;118;p16"/>
           <p:cNvSpPr/>
           <p:nvPr/>
         </p:nvSpPr>
@@ -10645,15 +11413,15 @@
               <a:buClr>
                 <a:srgbClr val="000000"/>
               </a:buClr>
-              <a:buFont typeface="Arial"/>
+              <a:buFont typeface="Arial" panose="020B0604020202020204"/>
               <a:defRPr sz="1400" b="0" i="0" u="none" strike="noStrike" cap="none">
                 <a:solidFill>
                   <a:srgbClr val="000000"/>
                 </a:solidFill>
-                <a:latin typeface="Arial"/>
-                <a:ea typeface="Arial"/>
-                <a:cs typeface="Arial"/>
-                <a:sym typeface="Arial"/>
+                <a:latin typeface="Arial" panose="020B0604020202020204"/>
+                <a:ea typeface="Arial" panose="020B0604020202020204"/>
+                <a:cs typeface="Arial" panose="020B0604020202020204"/>
+                <a:sym typeface="Arial" panose="020B0604020202020204"/>
               </a:defRPr>
             </a:lvl1pPr>
             <a:lvl2pPr marR="0" lvl="1" algn="l" rtl="0">
@@ -10669,15 +11437,15 @@
               <a:buClr>
                 <a:srgbClr val="000000"/>
               </a:buClr>
-              <a:buFont typeface="Arial"/>
+              <a:buFont typeface="Arial" panose="020B0604020202020204"/>
               <a:defRPr sz="1400" b="0" i="0" u="none" strike="noStrike" cap="none">
                 <a:solidFill>
                   <a:srgbClr val="000000"/>
                 </a:solidFill>
-                <a:latin typeface="Arial"/>
-                <a:ea typeface="Arial"/>
-                <a:cs typeface="Arial"/>
-                <a:sym typeface="Arial"/>
+                <a:latin typeface="Arial" panose="020B0604020202020204"/>
+                <a:ea typeface="Arial" panose="020B0604020202020204"/>
+                <a:cs typeface="Arial" panose="020B0604020202020204"/>
+                <a:sym typeface="Arial" panose="020B0604020202020204"/>
               </a:defRPr>
             </a:lvl2pPr>
             <a:lvl3pPr marR="0" lvl="2" algn="l" rtl="0">
@@ -10693,15 +11461,15 @@
               <a:buClr>
                 <a:srgbClr val="000000"/>
               </a:buClr>
-              <a:buFont typeface="Arial"/>
+              <a:buFont typeface="Arial" panose="020B0604020202020204"/>
               <a:defRPr sz="1400" b="0" i="0" u="none" strike="noStrike" cap="none">
                 <a:solidFill>
                   <a:srgbClr val="000000"/>
                 </a:solidFill>
-                <a:latin typeface="Arial"/>
-                <a:ea typeface="Arial"/>
-                <a:cs typeface="Arial"/>
-                <a:sym typeface="Arial"/>
+                <a:latin typeface="Arial" panose="020B0604020202020204"/>
+                <a:ea typeface="Arial" panose="020B0604020202020204"/>
+                <a:cs typeface="Arial" panose="020B0604020202020204"/>
+                <a:sym typeface="Arial" panose="020B0604020202020204"/>
               </a:defRPr>
             </a:lvl3pPr>
             <a:lvl4pPr marR="0" lvl="3" algn="l" rtl="0">
@@ -10717,15 +11485,15 @@
               <a:buClr>
                 <a:srgbClr val="000000"/>
               </a:buClr>
-              <a:buFont typeface="Arial"/>
+              <a:buFont typeface="Arial" panose="020B0604020202020204"/>
               <a:defRPr sz="1400" b="0" i="0" u="none" strike="noStrike" cap="none">
                 <a:solidFill>
                   <a:srgbClr val="000000"/>
                 </a:solidFill>
-                <a:latin typeface="Arial"/>
-                <a:ea typeface="Arial"/>
-                <a:cs typeface="Arial"/>
-                <a:sym typeface="Arial"/>
+                <a:latin typeface="Arial" panose="020B0604020202020204"/>
+                <a:ea typeface="Arial" panose="020B0604020202020204"/>
+                <a:cs typeface="Arial" panose="020B0604020202020204"/>
+                <a:sym typeface="Arial" panose="020B0604020202020204"/>
               </a:defRPr>
             </a:lvl4pPr>
             <a:lvl5pPr marR="0" lvl="4" algn="l" rtl="0">
@@ -10741,15 +11509,15 @@
               <a:buClr>
                 <a:srgbClr val="000000"/>
               </a:buClr>
-              <a:buFont typeface="Arial"/>
+              <a:buFont typeface="Arial" panose="020B0604020202020204"/>
               <a:defRPr sz="1400" b="0" i="0" u="none" strike="noStrike" cap="none">
                 <a:solidFill>
                   <a:srgbClr val="000000"/>
                 </a:solidFill>
-                <a:latin typeface="Arial"/>
-                <a:ea typeface="Arial"/>
-                <a:cs typeface="Arial"/>
-                <a:sym typeface="Arial"/>
+                <a:latin typeface="Arial" panose="020B0604020202020204"/>
+                <a:ea typeface="Arial" panose="020B0604020202020204"/>
+                <a:cs typeface="Arial" panose="020B0604020202020204"/>
+                <a:sym typeface="Arial" panose="020B0604020202020204"/>
               </a:defRPr>
             </a:lvl5pPr>
             <a:lvl6pPr marR="0" lvl="5" algn="l" rtl="0">
@@ -10765,15 +11533,15 @@
               <a:buClr>
                 <a:srgbClr val="000000"/>
               </a:buClr>
-              <a:buFont typeface="Arial"/>
+              <a:buFont typeface="Arial" panose="020B0604020202020204"/>
               <a:defRPr sz="1400" b="0" i="0" u="none" strike="noStrike" cap="none">
                 <a:solidFill>
                   <a:srgbClr val="000000"/>
                 </a:solidFill>
-                <a:latin typeface="Arial"/>
-                <a:ea typeface="Arial"/>
-                <a:cs typeface="Arial"/>
-                <a:sym typeface="Arial"/>
+                <a:latin typeface="Arial" panose="020B0604020202020204"/>
+                <a:ea typeface="Arial" panose="020B0604020202020204"/>
+                <a:cs typeface="Arial" panose="020B0604020202020204"/>
+                <a:sym typeface="Arial" panose="020B0604020202020204"/>
               </a:defRPr>
             </a:lvl6pPr>
             <a:lvl7pPr marR="0" lvl="6" algn="l" rtl="0">
@@ -10789,15 +11557,15 @@
               <a:buClr>
                 <a:srgbClr val="000000"/>
               </a:buClr>
-              <a:buFont typeface="Arial"/>
+              <a:buFont typeface="Arial" panose="020B0604020202020204"/>
               <a:defRPr sz="1400" b="0" i="0" u="none" strike="noStrike" cap="none">
                 <a:solidFill>
                   <a:srgbClr val="000000"/>
                 </a:solidFill>
-                <a:latin typeface="Arial"/>
-                <a:ea typeface="Arial"/>
-                <a:cs typeface="Arial"/>
-                <a:sym typeface="Arial"/>
+                <a:latin typeface="Arial" panose="020B0604020202020204"/>
+                <a:ea typeface="Arial" panose="020B0604020202020204"/>
+                <a:cs typeface="Arial" panose="020B0604020202020204"/>
+                <a:sym typeface="Arial" panose="020B0604020202020204"/>
               </a:defRPr>
             </a:lvl7pPr>
             <a:lvl8pPr marR="0" lvl="7" algn="l" rtl="0">
@@ -10813,15 +11581,15 @@
               <a:buClr>
                 <a:srgbClr val="000000"/>
               </a:buClr>
-              <a:buFont typeface="Arial"/>
+              <a:buFont typeface="Arial" panose="020B0604020202020204"/>
               <a:defRPr sz="1400" b="0" i="0" u="none" strike="noStrike" cap="none">
                 <a:solidFill>
                   <a:srgbClr val="000000"/>
                 </a:solidFill>
-                <a:latin typeface="Arial"/>
-                <a:ea typeface="Arial"/>
-                <a:cs typeface="Arial"/>
-                <a:sym typeface="Arial"/>
+                <a:latin typeface="Arial" panose="020B0604020202020204"/>
+                <a:ea typeface="Arial" panose="020B0604020202020204"/>
+                <a:cs typeface="Arial" panose="020B0604020202020204"/>
+                <a:sym typeface="Arial" panose="020B0604020202020204"/>
               </a:defRPr>
             </a:lvl8pPr>
             <a:lvl9pPr marR="0" lvl="8" algn="l" rtl="0">
@@ -10837,15 +11605,15 @@
               <a:buClr>
                 <a:srgbClr val="000000"/>
               </a:buClr>
-              <a:buFont typeface="Arial"/>
+              <a:buFont typeface="Arial" panose="020B0604020202020204"/>
               <a:defRPr sz="1400" b="0" i="0" u="none" strike="noStrike" cap="none">
                 <a:solidFill>
                   <a:srgbClr val="000000"/>
                 </a:solidFill>
-                <a:latin typeface="Arial"/>
-                <a:ea typeface="Arial"/>
-                <a:cs typeface="Arial"/>
-                <a:sym typeface="Arial"/>
+                <a:latin typeface="Arial" panose="020B0604020202020204"/>
+                <a:ea typeface="Arial" panose="020B0604020202020204"/>
+                <a:cs typeface="Arial" panose="020B0604020202020204"/>
+                <a:sym typeface="Arial" panose="020B0604020202020204"/>
               </a:defRPr>
             </a:lvl9pPr>
           </a:lstStyle>
@@ -10865,13 +11633,7 @@
       </p:sp>
       <p:sp>
         <p:nvSpPr>
-          <p:cNvPr id="11" name="Google Shape;119;p16">
-            <a:extLst>
-              <a:ext uri="{FF2B5EF4-FFF2-40B4-BE49-F238E27FC236}">
-                <a16:creationId xmlns:a16="http://schemas.microsoft.com/office/drawing/2014/main" id="{33C598F9-7C4C-BB1B-34BB-59A2D7258AEC}"/>
-              </a:ext>
-            </a:extLst>
-          </p:cNvPr>
+          <p:cNvPr id="11" name="Google Shape;119;p16"/>
           <p:cNvSpPr/>
           <p:nvPr/>
         </p:nvSpPr>
@@ -10927,15 +11689,15 @@
               <a:buClr>
                 <a:srgbClr val="000000"/>
               </a:buClr>
-              <a:buFont typeface="Arial"/>
+              <a:buFont typeface="Arial" panose="020B0604020202020204"/>
               <a:defRPr sz="1400" b="0" i="0" u="none" strike="noStrike" cap="none">
                 <a:solidFill>
                   <a:srgbClr val="000000"/>
                 </a:solidFill>
-                <a:latin typeface="Arial"/>
-                <a:ea typeface="Arial"/>
-                <a:cs typeface="Arial"/>
-                <a:sym typeface="Arial"/>
+                <a:latin typeface="Arial" panose="020B0604020202020204"/>
+                <a:ea typeface="Arial" panose="020B0604020202020204"/>
+                <a:cs typeface="Arial" panose="020B0604020202020204"/>
+                <a:sym typeface="Arial" panose="020B0604020202020204"/>
               </a:defRPr>
             </a:lvl1pPr>
             <a:lvl2pPr marR="0" lvl="1" algn="l" rtl="0">
@@ -10951,15 +11713,15 @@
               <a:buClr>
                 <a:srgbClr val="000000"/>
               </a:buClr>
-              <a:buFont typeface="Arial"/>
+              <a:buFont typeface="Arial" panose="020B0604020202020204"/>
               <a:defRPr sz="1400" b="0" i="0" u="none" strike="noStrike" cap="none">
                 <a:solidFill>
                   <a:srgbClr val="000000"/>
                 </a:solidFill>
-                <a:latin typeface="Arial"/>
-                <a:ea typeface="Arial"/>
-                <a:cs typeface="Arial"/>
-                <a:sym typeface="Arial"/>
+                <a:latin typeface="Arial" panose="020B0604020202020204"/>
+                <a:ea typeface="Arial" panose="020B0604020202020204"/>
+                <a:cs typeface="Arial" panose="020B0604020202020204"/>
+                <a:sym typeface="Arial" panose="020B0604020202020204"/>
               </a:defRPr>
             </a:lvl2pPr>
             <a:lvl3pPr marR="0" lvl="2" algn="l" rtl="0">
@@ -10975,15 +11737,15 @@
               <a:buClr>
                 <a:srgbClr val="000000"/>
               </a:buClr>
-              <a:buFont typeface="Arial"/>
+              <a:buFont typeface="Arial" panose="020B0604020202020204"/>
               <a:defRPr sz="1400" b="0" i="0" u="none" strike="noStrike" cap="none">
                 <a:solidFill>
                   <a:srgbClr val="000000"/>
                 </a:solidFill>
-                <a:latin typeface="Arial"/>
-                <a:ea typeface="Arial"/>
-                <a:cs typeface="Arial"/>
-                <a:sym typeface="Arial"/>
+                <a:latin typeface="Arial" panose="020B0604020202020204"/>
+                <a:ea typeface="Arial" panose="020B0604020202020204"/>
+                <a:cs typeface="Arial" panose="020B0604020202020204"/>
+                <a:sym typeface="Arial" panose="020B0604020202020204"/>
               </a:defRPr>
             </a:lvl3pPr>
             <a:lvl4pPr marR="0" lvl="3" algn="l" rtl="0">
@@ -10999,15 +11761,15 @@
               <a:buClr>
                 <a:srgbClr val="000000"/>
               </a:buClr>
-              <a:buFont typeface="Arial"/>
+              <a:buFont typeface="Arial" panose="020B0604020202020204"/>
               <a:defRPr sz="1400" b="0" i="0" u="none" strike="noStrike" cap="none">
                 <a:solidFill>
                   <a:srgbClr val="000000"/>
                 </a:solidFill>
-                <a:latin typeface="Arial"/>
-                <a:ea typeface="Arial"/>
-                <a:cs typeface="Arial"/>
-                <a:sym typeface="Arial"/>
+                <a:latin typeface="Arial" panose="020B0604020202020204"/>
+                <a:ea typeface="Arial" panose="020B0604020202020204"/>
+                <a:cs typeface="Arial" panose="020B0604020202020204"/>
+                <a:sym typeface="Arial" panose="020B0604020202020204"/>
               </a:defRPr>
             </a:lvl4pPr>
             <a:lvl5pPr marR="0" lvl="4" algn="l" rtl="0">
@@ -11023,15 +11785,15 @@
               <a:buClr>
                 <a:srgbClr val="000000"/>
               </a:buClr>
-              <a:buFont typeface="Arial"/>
+              <a:buFont typeface="Arial" panose="020B0604020202020204"/>
               <a:defRPr sz="1400" b="0" i="0" u="none" strike="noStrike" cap="none">
                 <a:solidFill>
                   <a:srgbClr val="000000"/>
                 </a:solidFill>
-                <a:latin typeface="Arial"/>
-                <a:ea typeface="Arial"/>
-                <a:cs typeface="Arial"/>
-                <a:sym typeface="Arial"/>
+                <a:latin typeface="Arial" panose="020B0604020202020204"/>
+                <a:ea typeface="Arial" panose="020B0604020202020204"/>
+                <a:cs typeface="Arial" panose="020B0604020202020204"/>
+                <a:sym typeface="Arial" panose="020B0604020202020204"/>
               </a:defRPr>
             </a:lvl5pPr>
             <a:lvl6pPr marR="0" lvl="5" algn="l" rtl="0">
@@ -11047,15 +11809,15 @@
               <a:buClr>
                 <a:srgbClr val="000000"/>
               </a:buClr>
-              <a:buFont typeface="Arial"/>
+              <a:buFont typeface="Arial" panose="020B0604020202020204"/>
               <a:defRPr sz="1400" b="0" i="0" u="none" strike="noStrike" cap="none">
                 <a:solidFill>
                   <a:srgbClr val="000000"/>
                 </a:solidFill>
-                <a:latin typeface="Arial"/>
-                <a:ea typeface="Arial"/>
-                <a:cs typeface="Arial"/>
-                <a:sym typeface="Arial"/>
+                <a:latin typeface="Arial" panose="020B0604020202020204"/>
+                <a:ea typeface="Arial" panose="020B0604020202020204"/>
+                <a:cs typeface="Arial" panose="020B0604020202020204"/>
+                <a:sym typeface="Arial" panose="020B0604020202020204"/>
               </a:defRPr>
             </a:lvl6pPr>
             <a:lvl7pPr marR="0" lvl="6" algn="l" rtl="0">
@@ -11071,15 +11833,15 @@
               <a:buClr>
                 <a:srgbClr val="000000"/>
               </a:buClr>
-              <a:buFont typeface="Arial"/>
+              <a:buFont typeface="Arial" panose="020B0604020202020204"/>
               <a:defRPr sz="1400" b="0" i="0" u="none" strike="noStrike" cap="none">
                 <a:solidFill>
                   <a:srgbClr val="000000"/>
                 </a:solidFill>
-                <a:latin typeface="Arial"/>
-                <a:ea typeface="Arial"/>
-                <a:cs typeface="Arial"/>
-                <a:sym typeface="Arial"/>
+                <a:latin typeface="Arial" panose="020B0604020202020204"/>
+                <a:ea typeface="Arial" panose="020B0604020202020204"/>
+                <a:cs typeface="Arial" panose="020B0604020202020204"/>
+                <a:sym typeface="Arial" panose="020B0604020202020204"/>
               </a:defRPr>
             </a:lvl7pPr>
             <a:lvl8pPr marR="0" lvl="7" algn="l" rtl="0">
@@ -11095,15 +11857,15 @@
               <a:buClr>
                 <a:srgbClr val="000000"/>
               </a:buClr>
-              <a:buFont typeface="Arial"/>
+              <a:buFont typeface="Arial" panose="020B0604020202020204"/>
               <a:defRPr sz="1400" b="0" i="0" u="none" strike="noStrike" cap="none">
                 <a:solidFill>
                   <a:srgbClr val="000000"/>
                 </a:solidFill>
-                <a:latin typeface="Arial"/>
-                <a:ea typeface="Arial"/>
-                <a:cs typeface="Arial"/>
-                <a:sym typeface="Arial"/>
+                <a:latin typeface="Arial" panose="020B0604020202020204"/>
+                <a:ea typeface="Arial" panose="020B0604020202020204"/>
+                <a:cs typeface="Arial" panose="020B0604020202020204"/>
+                <a:sym typeface="Arial" panose="020B0604020202020204"/>
               </a:defRPr>
             </a:lvl8pPr>
             <a:lvl9pPr marR="0" lvl="8" algn="l" rtl="0">
@@ -11119,15 +11881,15 @@
               <a:buClr>
                 <a:srgbClr val="000000"/>
               </a:buClr>
-              <a:buFont typeface="Arial"/>
+              <a:buFont typeface="Arial" panose="020B0604020202020204"/>
               <a:defRPr sz="1400" b="0" i="0" u="none" strike="noStrike" cap="none">
                 <a:solidFill>
                   <a:srgbClr val="000000"/>
                 </a:solidFill>
-                <a:latin typeface="Arial"/>
-                <a:ea typeface="Arial"/>
-                <a:cs typeface="Arial"/>
-                <a:sym typeface="Arial"/>
+                <a:latin typeface="Arial" panose="020B0604020202020204"/>
+                <a:ea typeface="Arial" panose="020B0604020202020204"/>
+                <a:cs typeface="Arial" panose="020B0604020202020204"/>
+                <a:sym typeface="Arial" panose="020B0604020202020204"/>
               </a:defRPr>
             </a:lvl9pPr>
           </a:lstStyle>
@@ -11142,7 +11904,7 @@
               <a:buNone/>
             </a:pPr>
             <a:r>
-              <a:rPr lang="en" sz="1600"/>
+              <a:rPr lang="en-GB" sz="1600"/>
               <a:t>import-initial</a:t>
             </a:r>
             <a:endParaRPr sz="1600"/>
@@ -11151,13 +11913,7 @@
       </p:sp>
       <p:sp>
         <p:nvSpPr>
-          <p:cNvPr id="12" name="Google Shape;120;p16">
-            <a:extLst>
-              <a:ext uri="{FF2B5EF4-FFF2-40B4-BE49-F238E27FC236}">
-                <a16:creationId xmlns:a16="http://schemas.microsoft.com/office/drawing/2014/main" id="{2AEFA110-40CE-550E-4F42-D26C4A776E23}"/>
-              </a:ext>
-            </a:extLst>
-          </p:cNvPr>
+          <p:cNvPr id="12" name="Google Shape;120;p16"/>
           <p:cNvSpPr/>
           <p:nvPr/>
         </p:nvSpPr>
@@ -11213,15 +11969,15 @@
               <a:buClr>
                 <a:srgbClr val="000000"/>
               </a:buClr>
-              <a:buFont typeface="Arial"/>
+              <a:buFont typeface="Arial" panose="020B0604020202020204"/>
               <a:defRPr sz="1400" b="0" i="0" u="none" strike="noStrike" cap="none">
                 <a:solidFill>
                   <a:srgbClr val="000000"/>
                 </a:solidFill>
-                <a:latin typeface="Arial"/>
-                <a:ea typeface="Arial"/>
-                <a:cs typeface="Arial"/>
-                <a:sym typeface="Arial"/>
+                <a:latin typeface="Arial" panose="020B0604020202020204"/>
+                <a:ea typeface="Arial" panose="020B0604020202020204"/>
+                <a:cs typeface="Arial" panose="020B0604020202020204"/>
+                <a:sym typeface="Arial" panose="020B0604020202020204"/>
               </a:defRPr>
             </a:lvl1pPr>
             <a:lvl2pPr marR="0" lvl="1" algn="l" rtl="0">
@@ -11237,15 +11993,15 @@
               <a:buClr>
                 <a:srgbClr val="000000"/>
               </a:buClr>
-              <a:buFont typeface="Arial"/>
+              <a:buFont typeface="Arial" panose="020B0604020202020204"/>
               <a:defRPr sz="1400" b="0" i="0" u="none" strike="noStrike" cap="none">
                 <a:solidFill>
                   <a:srgbClr val="000000"/>
                 </a:solidFill>
-                <a:latin typeface="Arial"/>
-                <a:ea typeface="Arial"/>
-                <a:cs typeface="Arial"/>
-                <a:sym typeface="Arial"/>
+                <a:latin typeface="Arial" panose="020B0604020202020204"/>
+                <a:ea typeface="Arial" panose="020B0604020202020204"/>
+                <a:cs typeface="Arial" panose="020B0604020202020204"/>
+                <a:sym typeface="Arial" panose="020B0604020202020204"/>
               </a:defRPr>
             </a:lvl2pPr>
             <a:lvl3pPr marR="0" lvl="2" algn="l" rtl="0">
@@ -11261,15 +12017,15 @@
               <a:buClr>
                 <a:srgbClr val="000000"/>
               </a:buClr>
-              <a:buFont typeface="Arial"/>
+              <a:buFont typeface="Arial" panose="020B0604020202020204"/>
               <a:defRPr sz="1400" b="0" i="0" u="none" strike="noStrike" cap="none">
                 <a:solidFill>
                   <a:srgbClr val="000000"/>
                 </a:solidFill>
-                <a:latin typeface="Arial"/>
-                <a:ea typeface="Arial"/>
-                <a:cs typeface="Arial"/>
-                <a:sym typeface="Arial"/>
+                <a:latin typeface="Arial" panose="020B0604020202020204"/>
+                <a:ea typeface="Arial" panose="020B0604020202020204"/>
+                <a:cs typeface="Arial" panose="020B0604020202020204"/>
+                <a:sym typeface="Arial" panose="020B0604020202020204"/>
               </a:defRPr>
             </a:lvl3pPr>
             <a:lvl4pPr marR="0" lvl="3" algn="l" rtl="0">
@@ -11285,15 +12041,15 @@
               <a:buClr>
                 <a:srgbClr val="000000"/>
               </a:buClr>
-              <a:buFont typeface="Arial"/>
+              <a:buFont typeface="Arial" panose="020B0604020202020204"/>
               <a:defRPr sz="1400" b="0" i="0" u="none" strike="noStrike" cap="none">
                 <a:solidFill>
                   <a:srgbClr val="000000"/>
                 </a:solidFill>
-                <a:latin typeface="Arial"/>
-                <a:ea typeface="Arial"/>
-                <a:cs typeface="Arial"/>
-                <a:sym typeface="Arial"/>
+                <a:latin typeface="Arial" panose="020B0604020202020204"/>
+                <a:ea typeface="Arial" panose="020B0604020202020204"/>
+                <a:cs typeface="Arial" panose="020B0604020202020204"/>
+                <a:sym typeface="Arial" panose="020B0604020202020204"/>
               </a:defRPr>
             </a:lvl4pPr>
             <a:lvl5pPr marR="0" lvl="4" algn="l" rtl="0">
@@ -11309,15 +12065,15 @@
               <a:buClr>
                 <a:srgbClr val="000000"/>
               </a:buClr>
-              <a:buFont typeface="Arial"/>
+              <a:buFont typeface="Arial" panose="020B0604020202020204"/>
               <a:defRPr sz="1400" b="0" i="0" u="none" strike="noStrike" cap="none">
                 <a:solidFill>
                   <a:srgbClr val="000000"/>
                 </a:solidFill>
-                <a:latin typeface="Arial"/>
-                <a:ea typeface="Arial"/>
-                <a:cs typeface="Arial"/>
-                <a:sym typeface="Arial"/>
+                <a:latin typeface="Arial" panose="020B0604020202020204"/>
+                <a:ea typeface="Arial" panose="020B0604020202020204"/>
+                <a:cs typeface="Arial" panose="020B0604020202020204"/>
+                <a:sym typeface="Arial" panose="020B0604020202020204"/>
               </a:defRPr>
             </a:lvl5pPr>
             <a:lvl6pPr marR="0" lvl="5" algn="l" rtl="0">
@@ -11333,15 +12089,15 @@
               <a:buClr>
                 <a:srgbClr val="000000"/>
               </a:buClr>
-              <a:buFont typeface="Arial"/>
+              <a:buFont typeface="Arial" panose="020B0604020202020204"/>
               <a:defRPr sz="1400" b="0" i="0" u="none" strike="noStrike" cap="none">
                 <a:solidFill>
                   <a:srgbClr val="000000"/>
                 </a:solidFill>
-                <a:latin typeface="Arial"/>
-                <a:ea typeface="Arial"/>
-                <a:cs typeface="Arial"/>
-                <a:sym typeface="Arial"/>
+                <a:latin typeface="Arial" panose="020B0604020202020204"/>
+                <a:ea typeface="Arial" panose="020B0604020202020204"/>
+                <a:cs typeface="Arial" panose="020B0604020202020204"/>
+                <a:sym typeface="Arial" panose="020B0604020202020204"/>
               </a:defRPr>
             </a:lvl6pPr>
             <a:lvl7pPr marR="0" lvl="6" algn="l" rtl="0">
@@ -11357,15 +12113,15 @@
               <a:buClr>
                 <a:srgbClr val="000000"/>
               </a:buClr>
-              <a:buFont typeface="Arial"/>
+              <a:buFont typeface="Arial" panose="020B0604020202020204"/>
               <a:defRPr sz="1400" b="0" i="0" u="none" strike="noStrike" cap="none">
                 <a:solidFill>
                   <a:srgbClr val="000000"/>
                 </a:solidFill>
-                <a:latin typeface="Arial"/>
-                <a:ea typeface="Arial"/>
-                <a:cs typeface="Arial"/>
-                <a:sym typeface="Arial"/>
+                <a:latin typeface="Arial" panose="020B0604020202020204"/>
+                <a:ea typeface="Arial" panose="020B0604020202020204"/>
+                <a:cs typeface="Arial" panose="020B0604020202020204"/>
+                <a:sym typeface="Arial" panose="020B0604020202020204"/>
               </a:defRPr>
             </a:lvl7pPr>
             <a:lvl8pPr marR="0" lvl="7" algn="l" rtl="0">
@@ -11381,15 +12137,15 @@
               <a:buClr>
                 <a:srgbClr val="000000"/>
               </a:buClr>
-              <a:buFont typeface="Arial"/>
+              <a:buFont typeface="Arial" panose="020B0604020202020204"/>
               <a:defRPr sz="1400" b="0" i="0" u="none" strike="noStrike" cap="none">
                 <a:solidFill>
                   <a:srgbClr val="000000"/>
                 </a:solidFill>
-                <a:latin typeface="Arial"/>
-                <a:ea typeface="Arial"/>
-                <a:cs typeface="Arial"/>
-                <a:sym typeface="Arial"/>
+                <a:latin typeface="Arial" panose="020B0604020202020204"/>
+                <a:ea typeface="Arial" panose="020B0604020202020204"/>
+                <a:cs typeface="Arial" panose="020B0604020202020204"/>
+                <a:sym typeface="Arial" panose="020B0604020202020204"/>
               </a:defRPr>
             </a:lvl8pPr>
             <a:lvl9pPr marR="0" lvl="8" algn="l" rtl="0">
@@ -11405,15 +12161,15 @@
               <a:buClr>
                 <a:srgbClr val="000000"/>
               </a:buClr>
-              <a:buFont typeface="Arial"/>
+              <a:buFont typeface="Arial" panose="020B0604020202020204"/>
               <a:defRPr sz="1400" b="0" i="0" u="none" strike="noStrike" cap="none">
                 <a:solidFill>
                   <a:srgbClr val="000000"/>
                 </a:solidFill>
-                <a:latin typeface="Arial"/>
-                <a:ea typeface="Arial"/>
-                <a:cs typeface="Arial"/>
-                <a:sym typeface="Arial"/>
+                <a:latin typeface="Arial" panose="020B0604020202020204"/>
+                <a:ea typeface="Arial" panose="020B0604020202020204"/>
+                <a:cs typeface="Arial" panose="020B0604020202020204"/>
+                <a:sym typeface="Arial" panose="020B0604020202020204"/>
               </a:defRPr>
             </a:lvl9pPr>
           </a:lstStyle>
@@ -11428,7 +12184,7 @@
               <a:buNone/>
             </a:pPr>
             <a:r>
-              <a:rPr lang="en" sz="1600"/>
+              <a:rPr lang="en-GB" sz="1600"/>
               <a:t>update-all-prices</a:t>
             </a:r>
             <a:endParaRPr sz="1600"/>
@@ -11437,13 +12193,7 @@
       </p:sp>
       <p:sp>
         <p:nvSpPr>
-          <p:cNvPr id="13" name="Google Shape;121;p16">
-            <a:extLst>
-              <a:ext uri="{FF2B5EF4-FFF2-40B4-BE49-F238E27FC236}">
-                <a16:creationId xmlns:a16="http://schemas.microsoft.com/office/drawing/2014/main" id="{ED5825FA-53FE-3F3A-9EA3-A2DBAD7B38C5}"/>
-              </a:ext>
-            </a:extLst>
-          </p:cNvPr>
+          <p:cNvPr id="13" name="Google Shape;121;p16"/>
           <p:cNvSpPr/>
           <p:nvPr/>
         </p:nvSpPr>
@@ -11499,15 +12249,15 @@
               <a:buClr>
                 <a:srgbClr val="000000"/>
               </a:buClr>
-              <a:buFont typeface="Arial"/>
+              <a:buFont typeface="Arial" panose="020B0604020202020204"/>
               <a:defRPr sz="1400" b="0" i="0" u="none" strike="noStrike" cap="none">
                 <a:solidFill>
                   <a:srgbClr val="000000"/>
                 </a:solidFill>
-                <a:latin typeface="Arial"/>
-                <a:ea typeface="Arial"/>
-                <a:cs typeface="Arial"/>
-                <a:sym typeface="Arial"/>
+                <a:latin typeface="Arial" panose="020B0604020202020204"/>
+                <a:ea typeface="Arial" panose="020B0604020202020204"/>
+                <a:cs typeface="Arial" panose="020B0604020202020204"/>
+                <a:sym typeface="Arial" panose="020B0604020202020204"/>
               </a:defRPr>
             </a:lvl1pPr>
             <a:lvl2pPr marR="0" lvl="1" algn="l" rtl="0">
@@ -11523,15 +12273,15 @@
               <a:buClr>
                 <a:srgbClr val="000000"/>
               </a:buClr>
-              <a:buFont typeface="Arial"/>
+              <a:buFont typeface="Arial" panose="020B0604020202020204"/>
               <a:defRPr sz="1400" b="0" i="0" u="none" strike="noStrike" cap="none">
                 <a:solidFill>
                   <a:srgbClr val="000000"/>
                 </a:solidFill>
-                <a:latin typeface="Arial"/>
-                <a:ea typeface="Arial"/>
-                <a:cs typeface="Arial"/>
-                <a:sym typeface="Arial"/>
+                <a:latin typeface="Arial" panose="020B0604020202020204"/>
+                <a:ea typeface="Arial" panose="020B0604020202020204"/>
+                <a:cs typeface="Arial" panose="020B0604020202020204"/>
+                <a:sym typeface="Arial" panose="020B0604020202020204"/>
               </a:defRPr>
             </a:lvl2pPr>
             <a:lvl3pPr marR="0" lvl="2" algn="l" rtl="0">
@@ -11547,15 +12297,15 @@
               <a:buClr>
                 <a:srgbClr val="000000"/>
               </a:buClr>
-              <a:buFont typeface="Arial"/>
+              <a:buFont typeface="Arial" panose="020B0604020202020204"/>
               <a:defRPr sz="1400" b="0" i="0" u="none" strike="noStrike" cap="none">
                 <a:solidFill>
                   <a:srgbClr val="000000"/>
                 </a:solidFill>
-                <a:latin typeface="Arial"/>
-                <a:ea typeface="Arial"/>
-                <a:cs typeface="Arial"/>
-                <a:sym typeface="Arial"/>
+                <a:latin typeface="Arial" panose="020B0604020202020204"/>
+                <a:ea typeface="Arial" panose="020B0604020202020204"/>
+                <a:cs typeface="Arial" panose="020B0604020202020204"/>
+                <a:sym typeface="Arial" panose="020B0604020202020204"/>
               </a:defRPr>
             </a:lvl3pPr>
             <a:lvl4pPr marR="0" lvl="3" algn="l" rtl="0">
@@ -11571,15 +12321,15 @@
               <a:buClr>
                 <a:srgbClr val="000000"/>
               </a:buClr>
-              <a:buFont typeface="Arial"/>
+              <a:buFont typeface="Arial" panose="020B0604020202020204"/>
               <a:defRPr sz="1400" b="0" i="0" u="none" strike="noStrike" cap="none">
                 <a:solidFill>
                   <a:srgbClr val="000000"/>
                 </a:solidFill>
-                <a:latin typeface="Arial"/>
-                <a:ea typeface="Arial"/>
-                <a:cs typeface="Arial"/>
-                <a:sym typeface="Arial"/>
+                <a:latin typeface="Arial" panose="020B0604020202020204"/>
+                <a:ea typeface="Arial" panose="020B0604020202020204"/>
+                <a:cs typeface="Arial" panose="020B0604020202020204"/>
+                <a:sym typeface="Arial" panose="020B0604020202020204"/>
               </a:defRPr>
             </a:lvl4pPr>
             <a:lvl5pPr marR="0" lvl="4" algn="l" rtl="0">
@@ -11595,15 +12345,15 @@
               <a:buClr>
                 <a:srgbClr val="000000"/>
               </a:buClr>
-              <a:buFont typeface="Arial"/>
+              <a:buFont typeface="Arial" panose="020B0604020202020204"/>
               <a:defRPr sz="1400" b="0" i="0" u="none" strike="noStrike" cap="none">
                 <a:solidFill>
                   <a:srgbClr val="000000"/>
                 </a:solidFill>
-                <a:latin typeface="Arial"/>
-                <a:ea typeface="Arial"/>
-                <a:cs typeface="Arial"/>
-                <a:sym typeface="Arial"/>
+                <a:latin typeface="Arial" panose="020B0604020202020204"/>
+                <a:ea typeface="Arial" panose="020B0604020202020204"/>
+                <a:cs typeface="Arial" panose="020B0604020202020204"/>
+                <a:sym typeface="Arial" panose="020B0604020202020204"/>
               </a:defRPr>
             </a:lvl5pPr>
             <a:lvl6pPr marR="0" lvl="5" algn="l" rtl="0">
@@ -11619,15 +12369,15 @@
               <a:buClr>
                 <a:srgbClr val="000000"/>
               </a:buClr>
-              <a:buFont typeface="Arial"/>
+              <a:buFont typeface="Arial" panose="020B0604020202020204"/>
               <a:defRPr sz="1400" b="0" i="0" u="none" strike="noStrike" cap="none">
                 <a:solidFill>
                   <a:srgbClr val="000000"/>
                 </a:solidFill>
-                <a:latin typeface="Arial"/>
-                <a:ea typeface="Arial"/>
-                <a:cs typeface="Arial"/>
-                <a:sym typeface="Arial"/>
+                <a:latin typeface="Arial" panose="020B0604020202020204"/>
+                <a:ea typeface="Arial" panose="020B0604020202020204"/>
+                <a:cs typeface="Arial" panose="020B0604020202020204"/>
+                <a:sym typeface="Arial" panose="020B0604020202020204"/>
               </a:defRPr>
             </a:lvl6pPr>
             <a:lvl7pPr marR="0" lvl="6" algn="l" rtl="0">
@@ -11643,15 +12393,15 @@
               <a:buClr>
                 <a:srgbClr val="000000"/>
               </a:buClr>
-              <a:buFont typeface="Arial"/>
+              <a:buFont typeface="Arial" panose="020B0604020202020204"/>
               <a:defRPr sz="1400" b="0" i="0" u="none" strike="noStrike" cap="none">
                 <a:solidFill>
                   <a:srgbClr val="000000"/>
                 </a:solidFill>
-                <a:latin typeface="Arial"/>
-                <a:ea typeface="Arial"/>
-                <a:cs typeface="Arial"/>
-                <a:sym typeface="Arial"/>
+                <a:latin typeface="Arial" panose="020B0604020202020204"/>
+                <a:ea typeface="Arial" panose="020B0604020202020204"/>
+                <a:cs typeface="Arial" panose="020B0604020202020204"/>
+                <a:sym typeface="Arial" panose="020B0604020202020204"/>
               </a:defRPr>
             </a:lvl7pPr>
             <a:lvl8pPr marR="0" lvl="7" algn="l" rtl="0">
@@ -11667,15 +12417,15 @@
               <a:buClr>
                 <a:srgbClr val="000000"/>
               </a:buClr>
-              <a:buFont typeface="Arial"/>
+              <a:buFont typeface="Arial" panose="020B0604020202020204"/>
               <a:defRPr sz="1400" b="0" i="0" u="none" strike="noStrike" cap="none">
                 <a:solidFill>
                   <a:srgbClr val="000000"/>
                 </a:solidFill>
-                <a:latin typeface="Arial"/>
-                <a:ea typeface="Arial"/>
-                <a:cs typeface="Arial"/>
-                <a:sym typeface="Arial"/>
+                <a:latin typeface="Arial" panose="020B0604020202020204"/>
+                <a:ea typeface="Arial" panose="020B0604020202020204"/>
+                <a:cs typeface="Arial" panose="020B0604020202020204"/>
+                <a:sym typeface="Arial" panose="020B0604020202020204"/>
               </a:defRPr>
             </a:lvl8pPr>
             <a:lvl9pPr marR="0" lvl="8" algn="l" rtl="0">
@@ -11691,15 +12441,15 @@
               <a:buClr>
                 <a:srgbClr val="000000"/>
               </a:buClr>
-              <a:buFont typeface="Arial"/>
+              <a:buFont typeface="Arial" panose="020B0604020202020204"/>
               <a:defRPr sz="1400" b="0" i="0" u="none" strike="noStrike" cap="none">
                 <a:solidFill>
                   <a:srgbClr val="000000"/>
                 </a:solidFill>
-                <a:latin typeface="Arial"/>
-                <a:ea typeface="Arial"/>
-                <a:cs typeface="Arial"/>
-                <a:sym typeface="Arial"/>
+                <a:latin typeface="Arial" panose="020B0604020202020204"/>
+                <a:ea typeface="Arial" panose="020B0604020202020204"/>
+                <a:cs typeface="Arial" panose="020B0604020202020204"/>
+                <a:sym typeface="Arial" panose="020B0604020202020204"/>
               </a:defRPr>
             </a:lvl9pPr>
           </a:lstStyle>
@@ -11714,7 +12464,7 @@
               <a:buNone/>
             </a:pPr>
             <a:r>
-              <a:rPr lang="en" sz="1600" dirty="0"/>
+              <a:rPr lang="en-GB" sz="1600" dirty="0"/>
               <a:t>sync-lowest-prices</a:t>
             </a:r>
             <a:endParaRPr sz="1600" dirty="0"/>
@@ -11722,11 +12472,6 @@
         </p:txBody>
       </p:sp>
     </p:spTree>
-    <p:extLst>
-      <p:ext uri="{BB962C8B-B14F-4D97-AF65-F5344CB8AC3E}">
-        <p14:creationId xmlns:p14="http://schemas.microsoft.com/office/powerpoint/2010/main" val="3901465913"/>
-      </p:ext>
-    </p:extLst>
   </p:cSld>
   <p:clrMapOvr>
     <a:masterClrMapping/>
@@ -11734,18 +12479,12 @@
 </p:sld>
 </file>
 
-<file path=ppt/slides/slide8.xml><?xml version="1.0" encoding="utf-8"?>
+<file path=ppt/slides/slide9.xml><?xml version="1.0" encoding="utf-8"?>
 <p:sld xmlns:a="http://schemas.openxmlformats.org/drawingml/2006/main" xmlns:r="http://schemas.openxmlformats.org/officeDocument/2006/relationships" xmlns:p="http://schemas.openxmlformats.org/presentationml/2006/main">
   <p:cSld>
     <p:spTree>
       <p:nvGrpSpPr>
-        <p:cNvPr id="1" name="">
-          <a:extLst>
-            <a:ext uri="{FF2B5EF4-FFF2-40B4-BE49-F238E27FC236}">
-              <a16:creationId xmlns:a16="http://schemas.microsoft.com/office/drawing/2014/main" id="{1D652D47-EA51-B687-72B4-0841C92F335D}"/>
-            </a:ext>
-          </a:extLst>
-        </p:cNvPr>
+        <p:cNvPr id="1" name=""/>
         <p:cNvGrpSpPr/>
         <p:nvPr/>
       </p:nvGrpSpPr>
@@ -11759,28 +12498,18 @@
       </p:grpSpPr>
       <p:pic>
         <p:nvPicPr>
-          <p:cNvPr id="30" name="图片 29">
-            <a:extLst>
-              <a:ext uri="{FF2B5EF4-FFF2-40B4-BE49-F238E27FC236}">
-                <a16:creationId xmlns:a16="http://schemas.microsoft.com/office/drawing/2014/main" id="{260F62AB-844F-D5BD-5A2A-CFC00BA46144}"/>
-              </a:ext>
-            </a:extLst>
-          </p:cNvPr>
+          <p:cNvPr id="30" name="图片 29"/>
           <p:cNvPicPr>
             <a:picLocks noChangeAspect="1"/>
           </p:cNvPicPr>
           <p:nvPr/>
         </p:nvPicPr>
         <p:blipFill rotWithShape="1">
-          <a:blip r:embed="rId3" cstate="screen">
-            <a:extLst>
-              <a:ext uri="{28A0092B-C50C-407E-A947-70E740481C1C}">
-                <a14:useLocalDpi xmlns:a14="http://schemas.microsoft.com/office/drawing/2010/main"/>
-              </a:ext>
-            </a:extLst>
-          </a:blip>
+          <a:blip r:embed="rId3" cstate="screen"/>
           <a:srcRect/>
-          <a:stretch/>
+          <a:stretch>
+            <a:fillRect/>
+          </a:stretch>
         </p:blipFill>
         <p:spPr>
           <a:xfrm>
@@ -11794,13 +12523,7 @@
       </p:pic>
       <p:sp>
         <p:nvSpPr>
-          <p:cNvPr id="27" name="文本框 26">
-            <a:extLst>
-              <a:ext uri="{FF2B5EF4-FFF2-40B4-BE49-F238E27FC236}">
-                <a16:creationId xmlns:a16="http://schemas.microsoft.com/office/drawing/2014/main" id="{D8999A44-1193-922C-86E2-297E6DCD9831}"/>
-              </a:ext>
-            </a:extLst>
-          </p:cNvPr>
+          <p:cNvPr id="27" name="文本框 26"/>
           <p:cNvSpPr txBox="1"/>
           <p:nvPr/>
         </p:nvSpPr>
@@ -11829,20 +12552,12 @@
       </p:sp>
       <p:pic>
         <p:nvPicPr>
-          <p:cNvPr id="3" name="Google Shape;158;p22">
-            <a:extLst>
-              <a:ext uri="{FF2B5EF4-FFF2-40B4-BE49-F238E27FC236}">
-                <a16:creationId xmlns:a16="http://schemas.microsoft.com/office/drawing/2014/main" id="{8E077B16-E23F-F07E-CC67-20242FD96384}"/>
-              </a:ext>
-            </a:extLst>
-          </p:cNvPr>
+          <p:cNvPr id="3" name="Google Shape;158;p22"/>
           <p:cNvPicPr preferRelativeResize="0"/>
           <p:nvPr/>
         </p:nvPicPr>
         <p:blipFill>
-          <a:blip r:embed="rId4">
-            <a:alphaModFix/>
-          </a:blip>
+          <a:blip r:embed="rId4"/>
           <a:stretch>
             <a:fillRect/>
           </a:stretch>
@@ -11863,13 +12578,7 @@
       </p:pic>
       <p:sp>
         <p:nvSpPr>
-          <p:cNvPr id="5" name="文本框 4">
-            <a:extLst>
-              <a:ext uri="{FF2B5EF4-FFF2-40B4-BE49-F238E27FC236}">
-                <a16:creationId xmlns:a16="http://schemas.microsoft.com/office/drawing/2014/main" id="{6AA92D84-6742-79B4-BF47-20C7FAF5D78E}"/>
-              </a:ext>
-            </a:extLst>
-          </p:cNvPr>
+          <p:cNvPr id="5" name="文本框 4"/>
           <p:cNvSpPr txBox="1"/>
           <p:nvPr/>
         </p:nvSpPr>
@@ -11905,294 +12614,6 @@
         </p:txBody>
       </p:sp>
     </p:spTree>
-    <p:extLst>
-      <p:ext uri="{BB962C8B-B14F-4D97-AF65-F5344CB8AC3E}">
-        <p14:creationId xmlns:p14="http://schemas.microsoft.com/office/powerpoint/2010/main" val="4003089162"/>
-      </p:ext>
-    </p:extLst>
-  </p:cSld>
-  <p:clrMapOvr>
-    <a:masterClrMapping/>
-  </p:clrMapOvr>
-</p:sld>
-</file>
-
-<file path=ppt/slides/slide9.xml><?xml version="1.0" encoding="utf-8"?>
-<p:sld xmlns:a="http://schemas.openxmlformats.org/drawingml/2006/main" xmlns:r="http://schemas.openxmlformats.org/officeDocument/2006/relationships" xmlns:p="http://schemas.openxmlformats.org/presentationml/2006/main">
-  <p:cSld>
-    <p:spTree>
-      <p:nvGrpSpPr>
-        <p:cNvPr id="1" name="">
-          <a:extLst>
-            <a:ext uri="{FF2B5EF4-FFF2-40B4-BE49-F238E27FC236}">
-              <a16:creationId xmlns:a16="http://schemas.microsoft.com/office/drawing/2014/main" id="{F9EC1F7B-A97F-A0DD-9D8B-3C9882B9FC37}"/>
-            </a:ext>
-          </a:extLst>
-        </p:cNvPr>
-        <p:cNvGrpSpPr/>
-        <p:nvPr/>
-      </p:nvGrpSpPr>
-      <p:grpSpPr>
-        <a:xfrm>
-          <a:off x="0" y="0"/>
-          <a:ext cx="0" cy="0"/>
-          <a:chOff x="0" y="0"/>
-          <a:chExt cx="0" cy="0"/>
-        </a:xfrm>
-      </p:grpSpPr>
-      <p:pic>
-        <p:nvPicPr>
-          <p:cNvPr id="30" name="图片 29">
-            <a:extLst>
-              <a:ext uri="{FF2B5EF4-FFF2-40B4-BE49-F238E27FC236}">
-                <a16:creationId xmlns:a16="http://schemas.microsoft.com/office/drawing/2014/main" id="{16DCF9D3-8AC4-C3FD-8780-629ADAD90436}"/>
-              </a:ext>
-            </a:extLst>
-          </p:cNvPr>
-          <p:cNvPicPr>
-            <a:picLocks noChangeAspect="1"/>
-          </p:cNvPicPr>
-          <p:nvPr/>
-        </p:nvPicPr>
-        <p:blipFill rotWithShape="1">
-          <a:blip r:embed="rId3" cstate="screen">
-            <a:extLst>
-              <a:ext uri="{28A0092B-C50C-407E-A947-70E740481C1C}">
-                <a14:useLocalDpi xmlns:a14="http://schemas.microsoft.com/office/drawing/2010/main"/>
-              </a:ext>
-            </a:extLst>
-          </a:blip>
-          <a:srcRect/>
-          <a:stretch/>
-        </p:blipFill>
-        <p:spPr>
-          <a:xfrm>
-            <a:off x="0" y="0"/>
-            <a:ext cx="12192000" cy="6858000"/>
-          </a:xfrm>
-          <a:prstGeom prst="rect">
-            <a:avLst/>
-          </a:prstGeom>
-        </p:spPr>
-      </p:pic>
-      <p:sp>
-        <p:nvSpPr>
-          <p:cNvPr id="27" name="文本框 26">
-            <a:extLst>
-              <a:ext uri="{FF2B5EF4-FFF2-40B4-BE49-F238E27FC236}">
-                <a16:creationId xmlns:a16="http://schemas.microsoft.com/office/drawing/2014/main" id="{395D1830-438D-1F21-2ED1-7E0F59F12FF1}"/>
-              </a:ext>
-            </a:extLst>
-          </p:cNvPr>
-          <p:cNvSpPr txBox="1"/>
-          <p:nvPr/>
-        </p:nvSpPr>
-        <p:spPr>
-          <a:xfrm>
-            <a:off x="716089" y="397243"/>
-            <a:ext cx="9932861" cy="523220"/>
-          </a:xfrm>
-          <a:prstGeom prst="rect">
-            <a:avLst/>
-          </a:prstGeom>
-          <a:noFill/>
-        </p:spPr>
-        <p:txBody>
-          <a:bodyPr wrap="square" rtlCol="0">
-            <a:spAutoFit/>
-          </a:bodyPr>
-          <a:lstStyle/>
-          <a:p>
-            <a:r>
-              <a:rPr lang="en-US" altLang="zh-CN" sz="2800" b="1" dirty="0"/>
-              <a:t>Testing &amp; debugging</a:t>
-            </a:r>
-          </a:p>
-        </p:txBody>
-      </p:sp>
-      <p:sp>
-        <p:nvSpPr>
-          <p:cNvPr id="5" name="文本框 4">
-            <a:extLst>
-              <a:ext uri="{FF2B5EF4-FFF2-40B4-BE49-F238E27FC236}">
-                <a16:creationId xmlns:a16="http://schemas.microsoft.com/office/drawing/2014/main" id="{32C3603D-3211-757A-58D6-FF768221CF03}"/>
-              </a:ext>
-            </a:extLst>
-          </p:cNvPr>
-          <p:cNvSpPr txBox="1"/>
-          <p:nvPr/>
-        </p:nvSpPr>
-        <p:spPr>
-          <a:xfrm>
-            <a:off x="6511193" y="1270533"/>
-            <a:ext cx="5604029" cy="4205126"/>
-          </a:xfrm>
-          <a:prstGeom prst="rect">
-            <a:avLst/>
-          </a:prstGeom>
-          <a:noFill/>
-        </p:spPr>
-        <p:txBody>
-          <a:bodyPr wrap="square">
-            <a:spAutoFit/>
-          </a:bodyPr>
-          <a:lstStyle/>
-          <a:p>
-            <a:pPr marL="285750" indent="-285750">
-              <a:lnSpc>
-                <a:spcPct val="150000"/>
-              </a:lnSpc>
-              <a:buFont typeface="Arial" panose="020B0604020202020204" pitchFamily="34" charset="0"/>
-              <a:buChar char="•"/>
-            </a:pPr>
-            <a:r>
-              <a:rPr lang="en-US" altLang="zh-CN" sz="1800" dirty="0">
-                <a:solidFill>
-                  <a:schemeClr val="dk2"/>
-                </a:solidFill>
-              </a:rPr>
-              <a:t>Then I used the </a:t>
-            </a:r>
-            <a:r>
-              <a:rPr lang="en-US" altLang="zh-CN" sz="1800" dirty="0" err="1">
-                <a:solidFill>
-                  <a:schemeClr val="dk2"/>
-                </a:solidFill>
-              </a:rPr>
-              <a:t>RapidAPI</a:t>
-            </a:r>
-            <a:r>
-              <a:rPr lang="en-US" altLang="zh-CN" sz="1800" dirty="0">
-                <a:solidFill>
-                  <a:schemeClr val="dk2"/>
-                </a:solidFill>
-              </a:rPr>
-              <a:t> console and Postman to manually test each endpoint to confirm that the backend was parsing and returning fields correctly.</a:t>
-            </a:r>
-          </a:p>
-          <a:p>
-            <a:pPr marL="285750" indent="-285750">
-              <a:lnSpc>
-                <a:spcPct val="150000"/>
-              </a:lnSpc>
-              <a:buFont typeface="Arial" panose="020B0604020202020204" pitchFamily="34" charset="0"/>
-              <a:buChar char="•"/>
-            </a:pPr>
-            <a:endParaRPr lang="en-US" altLang="zh-CN" dirty="0">
-              <a:solidFill>
-                <a:schemeClr val="dk2"/>
-              </a:solidFill>
-            </a:endParaRPr>
-          </a:p>
-          <a:p>
-            <a:pPr>
-              <a:lnSpc>
-                <a:spcPct val="150000"/>
-              </a:lnSpc>
-            </a:pPr>
-            <a:endParaRPr lang="en-US" altLang="zh-CN" sz="1800" dirty="0">
-              <a:solidFill>
-                <a:schemeClr val="dk2"/>
-              </a:solidFill>
-            </a:endParaRPr>
-          </a:p>
-          <a:p>
-            <a:pPr>
-              <a:lnSpc>
-                <a:spcPct val="150000"/>
-              </a:lnSpc>
-            </a:pPr>
-            <a:r>
-              <a:rPr lang="en-US" altLang="zh-CN" sz="1800" b="1" dirty="0">
-                <a:solidFill>
-                  <a:schemeClr val="dk2"/>
-                </a:solidFill>
-              </a:rPr>
-              <a:t>Conclusion: </a:t>
-            </a:r>
-          </a:p>
-          <a:p>
-            <a:pPr marL="342900" indent="-342900">
-              <a:lnSpc>
-                <a:spcPct val="150000"/>
-              </a:lnSpc>
-              <a:buAutoNum type="arabicPeriod"/>
-            </a:pPr>
-            <a:r>
-              <a:rPr lang="en-US" altLang="zh-CN" sz="1800" dirty="0">
-                <a:solidFill>
-                  <a:schemeClr val="dk2"/>
-                </a:solidFill>
-              </a:rPr>
-              <a:t>API has reached the free request limit and the service stops responding; </a:t>
-            </a:r>
-          </a:p>
-          <a:p>
-            <a:pPr marL="342900" indent="-342900">
-              <a:lnSpc>
-                <a:spcPct val="150000"/>
-              </a:lnSpc>
-              <a:buAutoNum type="arabicPeriod"/>
-            </a:pPr>
-            <a:r>
-              <a:rPr lang="en-US" altLang="zh-CN" dirty="0">
-                <a:solidFill>
-                  <a:schemeClr val="dk2"/>
-                </a:solidFill>
-              </a:rPr>
-              <a:t>T</a:t>
-            </a:r>
-            <a:r>
-              <a:rPr lang="en-US" altLang="zh-CN" sz="1800" dirty="0">
-                <a:solidFill>
-                  <a:schemeClr val="dk2"/>
-                </a:solidFill>
-              </a:rPr>
-              <a:t>he API is too slow, in which case we should consider removing the timeout limit.</a:t>
-            </a:r>
-          </a:p>
-        </p:txBody>
-      </p:sp>
-      <p:pic>
-        <p:nvPicPr>
-          <p:cNvPr id="2" name="Google Shape;135;p18">
-            <a:extLst>
-              <a:ext uri="{FF2B5EF4-FFF2-40B4-BE49-F238E27FC236}">
-                <a16:creationId xmlns:a16="http://schemas.microsoft.com/office/drawing/2014/main" id="{5FFFCBD0-FC9E-456D-251A-CDEE926AC7AB}"/>
-              </a:ext>
-            </a:extLst>
-          </p:cNvPr>
-          <p:cNvPicPr preferRelativeResize="0"/>
-          <p:nvPr/>
-        </p:nvPicPr>
-        <p:blipFill>
-          <a:blip r:embed="rId4">
-            <a:alphaModFix/>
-          </a:blip>
-          <a:stretch>
-            <a:fillRect/>
-          </a:stretch>
-        </p:blipFill>
-        <p:spPr>
-          <a:xfrm>
-            <a:off x="410701" y="1442263"/>
-            <a:ext cx="5604029" cy="3553319"/>
-          </a:xfrm>
-          <a:prstGeom prst="rect">
-            <a:avLst/>
-          </a:prstGeom>
-          <a:noFill/>
-          <a:ln>
-            <a:noFill/>
-          </a:ln>
-        </p:spPr>
-      </p:pic>
-    </p:spTree>
-    <p:extLst>
-      <p:ext uri="{BB962C8B-B14F-4D97-AF65-F5344CB8AC3E}">
-        <p14:creationId xmlns:p14="http://schemas.microsoft.com/office/powerpoint/2010/main" val="2970464412"/>
-      </p:ext>
-    </p:extLst>
   </p:cSld>
   <p:clrMapOvr>
     <a:masterClrMapping/>
@@ -12243,7 +12664,7 @@
     </a:clrScheme>
     <a:fontScheme name="Office">
       <a:majorFont>
-        <a:latin typeface="等线 Light" panose="02110004020202020204"/>
+        <a:latin typeface="等线 Light"/>
         <a:ea typeface=""/>
         <a:cs typeface=""/>
         <a:font script="Jpan" typeface="游ゴシック Light"/>
@@ -12276,26 +12697,9 @@
         <a:font script="Viet" typeface="Times New Roman"/>
         <a:font script="Uigh" typeface="Microsoft Uighur"/>
         <a:font script="Geor" typeface="Sylfaen"/>
-        <a:font script="Armn" typeface="Arial"/>
-        <a:font script="Bugi" typeface="Leelawadee UI"/>
-        <a:font script="Bopo" typeface="Microsoft JhengHei"/>
-        <a:font script="Java" typeface="Javanese Text"/>
-        <a:font script="Lisu" typeface="Segoe UI"/>
-        <a:font script="Mymr" typeface="Myanmar Text"/>
-        <a:font script="Nkoo" typeface="Ebrima"/>
-        <a:font script="Olck" typeface="Nirmala UI"/>
-        <a:font script="Osma" typeface="Ebrima"/>
-        <a:font script="Phag" typeface="Phagspa"/>
-        <a:font script="Syrn" typeface="Estrangelo Edessa"/>
-        <a:font script="Syrj" typeface="Estrangelo Edessa"/>
-        <a:font script="Syre" typeface="Estrangelo Edessa"/>
-        <a:font script="Sora" typeface="Nirmala UI"/>
-        <a:font script="Tale" typeface="Microsoft Tai Le"/>
-        <a:font script="Talu" typeface="Microsoft New Tai Lue"/>
-        <a:font script="Tfng" typeface="Ebrima"/>
       </a:majorFont>
       <a:minorFont>
-        <a:latin typeface="等线" panose="02110004020202020204"/>
+        <a:latin typeface="等线"/>
         <a:ea typeface=""/>
         <a:cs typeface=""/>
         <a:font script="Jpan" typeface="游ゴシック"/>
@@ -12328,23 +12732,6 @@
         <a:font script="Viet" typeface="Arial"/>
         <a:font script="Uigh" typeface="Microsoft Uighur"/>
         <a:font script="Geor" typeface="Sylfaen"/>
-        <a:font script="Armn" typeface="Arial"/>
-        <a:font script="Bugi" typeface="Leelawadee UI"/>
-        <a:font script="Bopo" typeface="Microsoft JhengHei"/>
-        <a:font script="Java" typeface="Javanese Text"/>
-        <a:font script="Lisu" typeface="Segoe UI"/>
-        <a:font script="Mymr" typeface="Myanmar Text"/>
-        <a:font script="Nkoo" typeface="Ebrima"/>
-        <a:font script="Olck" typeface="Nirmala UI"/>
-        <a:font script="Osma" typeface="Ebrima"/>
-        <a:font script="Phag" typeface="Phagspa"/>
-        <a:font script="Syrn" typeface="Estrangelo Edessa"/>
-        <a:font script="Syrj" typeface="Estrangelo Edessa"/>
-        <a:font script="Syre" typeface="Estrangelo Edessa"/>
-        <a:font script="Sora" typeface="Nirmala UI"/>
-        <a:font script="Tale" typeface="Microsoft Tai Le"/>
-        <a:font script="Talu" typeface="Microsoft New Tai Lue"/>
-        <a:font script="Tfng" typeface="Ebrima"/>
       </a:minorFont>
     </a:fontScheme>
     <a:fmtScheme name="Office">
@@ -12509,7 +12896,7 @@
   <a:extraClrSchemeLst/>
   <a:extLst>
     <a:ext uri="{05A4C25C-085E-4340-85A3-A5531E510DB2}">
-      <thm15:themeFamily xmlns:thm15="http://schemas.microsoft.com/office/thememl/2012/main" name="Office Theme" id="{2E142A2C-CD16-42D6-873A-C26D2A0506FA}" vid="{1BDDFF52-6CD6-40A5-AB3C-68EB2F1E4D0A}"/>
+      <thm15:themeFamily xmlns:thm15="http://schemas.microsoft.com/office/thememl/2012/main" name="Office Theme" id="{62F939B6-93AF-4DB8-9C6B-D6C7DFDC589F}" vid="{4A3C46E8-61CC-4603-A589-7422A47A8E4A}"/>
     </a:ext>
   </a:extLst>
 </a:theme>
@@ -12558,7 +12945,7 @@
     </a:clrScheme>
     <a:fontScheme name="Office">
       <a:majorFont>
-        <a:latin typeface="等线 Light" panose="02110004020202020204"/>
+        <a:latin typeface="等线 Light"/>
         <a:ea typeface=""/>
         <a:cs typeface=""/>
         <a:font script="Jpan" typeface="游ゴシック Light"/>
@@ -12591,26 +12978,9 @@
         <a:font script="Viet" typeface="Times New Roman"/>
         <a:font script="Uigh" typeface="Microsoft Uighur"/>
         <a:font script="Geor" typeface="Sylfaen"/>
-        <a:font script="Armn" typeface="Arial"/>
-        <a:font script="Bugi" typeface="Leelawadee UI"/>
-        <a:font script="Bopo" typeface="Microsoft JhengHei"/>
-        <a:font script="Java" typeface="Javanese Text"/>
-        <a:font script="Lisu" typeface="Segoe UI"/>
-        <a:font script="Mymr" typeface="Myanmar Text"/>
-        <a:font script="Nkoo" typeface="Ebrima"/>
-        <a:font script="Olck" typeface="Nirmala UI"/>
-        <a:font script="Osma" typeface="Ebrima"/>
-        <a:font script="Phag" typeface="Phagspa"/>
-        <a:font script="Syrn" typeface="Estrangelo Edessa"/>
-        <a:font script="Syrj" typeface="Estrangelo Edessa"/>
-        <a:font script="Syre" typeface="Estrangelo Edessa"/>
-        <a:font script="Sora" typeface="Nirmala UI"/>
-        <a:font script="Tale" typeface="Microsoft Tai Le"/>
-        <a:font script="Talu" typeface="Microsoft New Tai Lue"/>
-        <a:font script="Tfng" typeface="Ebrima"/>
       </a:majorFont>
       <a:minorFont>
-        <a:latin typeface="等线" panose="02110004020202020204"/>
+        <a:latin typeface="等线"/>
         <a:ea typeface=""/>
         <a:cs typeface=""/>
         <a:font script="Jpan" typeface="游ゴシック"/>
@@ -12643,23 +13013,6 @@
         <a:font script="Viet" typeface="Arial"/>
         <a:font script="Uigh" typeface="Microsoft Uighur"/>
         <a:font script="Geor" typeface="Sylfaen"/>
-        <a:font script="Armn" typeface="Arial"/>
-        <a:font script="Bugi" typeface="Leelawadee UI"/>
-        <a:font script="Bopo" typeface="Microsoft JhengHei"/>
-        <a:font script="Java" typeface="Javanese Text"/>
-        <a:font script="Lisu" typeface="Segoe UI"/>
-        <a:font script="Mymr" typeface="Myanmar Text"/>
-        <a:font script="Nkoo" typeface="Ebrima"/>
-        <a:font script="Olck" typeface="Nirmala UI"/>
-        <a:font script="Osma" typeface="Ebrima"/>
-        <a:font script="Phag" typeface="Phagspa"/>
-        <a:font script="Syrn" typeface="Estrangelo Edessa"/>
-        <a:font script="Syrj" typeface="Estrangelo Edessa"/>
-        <a:font script="Syre" typeface="Estrangelo Edessa"/>
-        <a:font script="Sora" typeface="Nirmala UI"/>
-        <a:font script="Tale" typeface="Microsoft Tai Le"/>
-        <a:font script="Talu" typeface="Microsoft New Tai Lue"/>
-        <a:font script="Tfng" typeface="Ebrima"/>
       </a:minorFont>
     </a:fontScheme>
     <a:fmtScheme name="Office">
@@ -12824,7 +13177,7 @@
   <a:extraClrSchemeLst/>
   <a:extLst>
     <a:ext uri="{05A4C25C-085E-4340-85A3-A5531E510DB2}">
-      <thm15:themeFamily xmlns:thm15="http://schemas.microsoft.com/office/thememl/2012/main" name="Office Theme" id="{2E142A2C-CD16-42D6-873A-C26D2A0506FA}" vid="{1BDDFF52-6CD6-40A5-AB3C-68EB2F1E4D0A}"/>
+      <thm15:themeFamily xmlns:thm15="http://schemas.microsoft.com/office/thememl/2012/main" name="Office Theme" id="{62F939B6-93AF-4DB8-9C6B-D6C7DFDC589F}" vid="{4A3C46E8-61CC-4603-A589-7422A47A8E4A}"/>
     </a:ext>
   </a:extLst>
 </a:theme>

--- a/cs501 Demo2.pptx
+++ b/cs501 Demo2.pptx
@@ -11,7 +11,7 @@
     <p:sldId id="288" r:id="rId2"/>
     <p:sldId id="298" r:id="rId3"/>
     <p:sldId id="292" r:id="rId4"/>
-    <p:sldId id="311" r:id="rId5"/>
+    <p:sldId id="313" r:id="rId5"/>
     <p:sldId id="309" r:id="rId6"/>
     <p:sldId id="258" r:id="rId7"/>
     <p:sldId id="301" r:id="rId8"/>
@@ -552,85 +552,6 @@
 </file>
 
 <file path=ppt/notesSlides/notesSlide10.xml><?xml version="1.0" encoding="utf-8"?>
-<p:notes xmlns:a="http://schemas.openxmlformats.org/drawingml/2006/main" xmlns:r="http://schemas.openxmlformats.org/officeDocument/2006/relationships" xmlns:p="http://schemas.openxmlformats.org/presentationml/2006/main">
-  <p:cSld>
-    <p:spTree>
-      <p:nvGrpSpPr>
-        <p:cNvPr id="1" name=""/>
-        <p:cNvGrpSpPr/>
-        <p:nvPr/>
-      </p:nvGrpSpPr>
-      <p:grpSpPr>
-        <a:xfrm>
-          <a:off x="0" y="0"/>
-          <a:ext cx="0" cy="0"/>
-          <a:chOff x="0" y="0"/>
-          <a:chExt cx="0" cy="0"/>
-        </a:xfrm>
-      </p:grpSpPr>
-      <p:sp>
-        <p:nvSpPr>
-          <p:cNvPr id="2" name="幻灯片图像占位符 1"/>
-          <p:cNvSpPr>
-            <a:spLocks noGrp="1" noRot="1" noChangeAspect="1"/>
-          </p:cNvSpPr>
-          <p:nvPr>
-            <p:ph type="sldImg"/>
-          </p:nvPr>
-        </p:nvSpPr>
-        <p:spPr/>
-      </p:sp>
-      <p:sp>
-        <p:nvSpPr>
-          <p:cNvPr id="3" name="备注占位符 2"/>
-          <p:cNvSpPr>
-            <a:spLocks noGrp="1"/>
-          </p:cNvSpPr>
-          <p:nvPr>
-            <p:ph type="body" idx="1"/>
-          </p:nvPr>
-        </p:nvSpPr>
-        <p:spPr/>
-        <p:txBody>
-          <a:bodyPr/>
-          <a:lstStyle/>
-          <a:p>
-            <a:endParaRPr lang="zh-CN" altLang="en-US" dirty="0"/>
-          </a:p>
-        </p:txBody>
-      </p:sp>
-      <p:sp>
-        <p:nvSpPr>
-          <p:cNvPr id="4" name="灯片编号占位符 3"/>
-          <p:cNvSpPr>
-            <a:spLocks noGrp="1"/>
-          </p:cNvSpPr>
-          <p:nvPr>
-            <p:ph type="sldNum" sz="quarter" idx="5"/>
-          </p:nvPr>
-        </p:nvSpPr>
-        <p:spPr/>
-        <p:txBody>
-          <a:bodyPr/>
-          <a:lstStyle/>
-          <a:p>
-            <a:fld id="{6BB39CB8-6A4D-410E-AE32-A931C305A9B5}" type="slidenum">
-              <a:rPr lang="zh-CN" altLang="en-US" smtClean="0"/>
-              <a:t>10</a:t>
-            </a:fld>
-            <a:endParaRPr lang="zh-CN" altLang="en-US"/>
-          </a:p>
-        </p:txBody>
-      </p:sp>
-    </p:spTree>
-  </p:cSld>
-  <p:clrMapOvr>
-    <a:masterClrMapping/>
-  </p:clrMapOvr>
-</p:notes>
-</file>
-
-<file path=ppt/notesSlides/notesSlide11.xml><?xml version="1.0" encoding="utf-8"?>
 <p:notes xmlns:a="http://schemas.openxmlformats.org/drawingml/2006/main" xmlns:r="http://schemas.openxmlformats.org/officeDocument/2006/relationships" xmlns:p="http://schemas.openxmlformats.org/presentationml/2006/main" showMasterSp="0" showMasterPhAnim="0">
   <p:cSld>
     <p:spTree>
@@ -723,6 +644,85 @@
               <a:buNone/>
             </a:pPr>
             <a:endParaRPr/>
+          </a:p>
+        </p:txBody>
+      </p:sp>
+    </p:spTree>
+  </p:cSld>
+  <p:clrMapOvr>
+    <a:masterClrMapping/>
+  </p:clrMapOvr>
+</p:notes>
+</file>
+
+<file path=ppt/notesSlides/notesSlide11.xml><?xml version="1.0" encoding="utf-8"?>
+<p:notes xmlns:a="http://schemas.openxmlformats.org/drawingml/2006/main" xmlns:r="http://schemas.openxmlformats.org/officeDocument/2006/relationships" xmlns:p="http://schemas.openxmlformats.org/presentationml/2006/main">
+  <p:cSld>
+    <p:spTree>
+      <p:nvGrpSpPr>
+        <p:cNvPr id="1" name=""/>
+        <p:cNvGrpSpPr/>
+        <p:nvPr/>
+      </p:nvGrpSpPr>
+      <p:grpSpPr>
+        <a:xfrm>
+          <a:off x="0" y="0"/>
+          <a:ext cx="0" cy="0"/>
+          <a:chOff x="0" y="0"/>
+          <a:chExt cx="0" cy="0"/>
+        </a:xfrm>
+      </p:grpSpPr>
+      <p:sp>
+        <p:nvSpPr>
+          <p:cNvPr id="2" name="幻灯片图像占位符 1"/>
+          <p:cNvSpPr>
+            <a:spLocks noGrp="1" noRot="1" noChangeAspect="1"/>
+          </p:cNvSpPr>
+          <p:nvPr>
+            <p:ph type="sldImg"/>
+          </p:nvPr>
+        </p:nvSpPr>
+        <p:spPr/>
+      </p:sp>
+      <p:sp>
+        <p:nvSpPr>
+          <p:cNvPr id="3" name="备注占位符 2"/>
+          <p:cNvSpPr>
+            <a:spLocks noGrp="1"/>
+          </p:cNvSpPr>
+          <p:nvPr>
+            <p:ph type="body" idx="1"/>
+          </p:nvPr>
+        </p:nvSpPr>
+        <p:spPr/>
+        <p:txBody>
+          <a:bodyPr/>
+          <a:lstStyle/>
+          <a:p>
+            <a:endParaRPr lang="zh-CN" altLang="en-US" dirty="0"/>
+          </a:p>
+        </p:txBody>
+      </p:sp>
+      <p:sp>
+        <p:nvSpPr>
+          <p:cNvPr id="4" name="灯片编号占位符 3"/>
+          <p:cNvSpPr>
+            <a:spLocks noGrp="1"/>
+          </p:cNvSpPr>
+          <p:nvPr>
+            <p:ph type="sldNum" sz="quarter" idx="5"/>
+          </p:nvPr>
+        </p:nvSpPr>
+        <p:spPr/>
+        <p:txBody>
+          <a:bodyPr/>
+          <a:lstStyle/>
+          <a:p>
+            <a:fld id="{6BB39CB8-6A4D-410E-AE32-A931C305A9B5}" type="slidenum">
+              <a:rPr lang="zh-CN" altLang="en-US" smtClean="0"/>
+              <a:t>12</a:t>
+            </a:fld>
+            <a:endParaRPr lang="zh-CN" altLang="en-US"/>
           </a:p>
         </p:txBody>
       </p:sp>
@@ -799,85 +799,6 @@
           <a:p>
             <a:fld id="{6BB39CB8-6A4D-410E-AE32-A931C305A9B5}" type="slidenum">
               <a:rPr lang="zh-CN" altLang="en-US" smtClean="0"/>
-              <a:t>12</a:t>
-            </a:fld>
-            <a:endParaRPr lang="zh-CN" altLang="en-US"/>
-          </a:p>
-        </p:txBody>
-      </p:sp>
-    </p:spTree>
-  </p:cSld>
-  <p:clrMapOvr>
-    <a:masterClrMapping/>
-  </p:clrMapOvr>
-</p:notes>
-</file>
-
-<file path=ppt/notesSlides/notesSlide13.xml><?xml version="1.0" encoding="utf-8"?>
-<p:notes xmlns:a="http://schemas.openxmlformats.org/drawingml/2006/main" xmlns:r="http://schemas.openxmlformats.org/officeDocument/2006/relationships" xmlns:p="http://schemas.openxmlformats.org/presentationml/2006/main">
-  <p:cSld>
-    <p:spTree>
-      <p:nvGrpSpPr>
-        <p:cNvPr id="1" name=""/>
-        <p:cNvGrpSpPr/>
-        <p:nvPr/>
-      </p:nvGrpSpPr>
-      <p:grpSpPr>
-        <a:xfrm>
-          <a:off x="0" y="0"/>
-          <a:ext cx="0" cy="0"/>
-          <a:chOff x="0" y="0"/>
-          <a:chExt cx="0" cy="0"/>
-        </a:xfrm>
-      </p:grpSpPr>
-      <p:sp>
-        <p:nvSpPr>
-          <p:cNvPr id="2" name="幻灯片图像占位符 1"/>
-          <p:cNvSpPr>
-            <a:spLocks noGrp="1" noRot="1" noChangeAspect="1"/>
-          </p:cNvSpPr>
-          <p:nvPr>
-            <p:ph type="sldImg"/>
-          </p:nvPr>
-        </p:nvSpPr>
-        <p:spPr/>
-      </p:sp>
-      <p:sp>
-        <p:nvSpPr>
-          <p:cNvPr id="3" name="备注占位符 2"/>
-          <p:cNvSpPr>
-            <a:spLocks noGrp="1"/>
-          </p:cNvSpPr>
-          <p:nvPr>
-            <p:ph type="body" idx="1"/>
-          </p:nvPr>
-        </p:nvSpPr>
-        <p:spPr/>
-        <p:txBody>
-          <a:bodyPr/>
-          <a:lstStyle/>
-          <a:p>
-            <a:endParaRPr lang="zh-CN" altLang="en-US" dirty="0"/>
-          </a:p>
-        </p:txBody>
-      </p:sp>
-      <p:sp>
-        <p:nvSpPr>
-          <p:cNvPr id="4" name="灯片编号占位符 3"/>
-          <p:cNvSpPr>
-            <a:spLocks noGrp="1"/>
-          </p:cNvSpPr>
-          <p:nvPr>
-            <p:ph type="sldNum" sz="quarter" idx="5"/>
-          </p:nvPr>
-        </p:nvSpPr>
-        <p:spPr/>
-        <p:txBody>
-          <a:bodyPr/>
-          <a:lstStyle/>
-          <a:p>
-            <a:fld id="{6BB39CB8-6A4D-410E-AE32-A931C305A9B5}" type="slidenum">
-              <a:rPr lang="zh-CN" altLang="en-US" smtClean="0"/>
               <a:t>13</a:t>
             </a:fld>
             <a:endParaRPr lang="zh-CN" altLang="en-US"/>
@@ -1115,7 +1036,7 @@
           <a:p>
             <a:fld id="{6BB39CB8-6A4D-410E-AE32-A931C305A9B5}" type="slidenum">
               <a:rPr lang="zh-CN" altLang="en-US" smtClean="0"/>
-              <a:t>4</a:t>
+              <a:t>5</a:t>
             </a:fld>
             <a:endParaRPr lang="zh-CN" altLang="en-US"/>
           </a:p>
@@ -1130,85 +1051,6 @@
 </file>
 
 <file path=ppt/notesSlides/notesSlide5.xml><?xml version="1.0" encoding="utf-8"?>
-<p:notes xmlns:a="http://schemas.openxmlformats.org/drawingml/2006/main" xmlns:r="http://schemas.openxmlformats.org/officeDocument/2006/relationships" xmlns:p="http://schemas.openxmlformats.org/presentationml/2006/main">
-  <p:cSld>
-    <p:spTree>
-      <p:nvGrpSpPr>
-        <p:cNvPr id="1" name=""/>
-        <p:cNvGrpSpPr/>
-        <p:nvPr/>
-      </p:nvGrpSpPr>
-      <p:grpSpPr>
-        <a:xfrm>
-          <a:off x="0" y="0"/>
-          <a:ext cx="0" cy="0"/>
-          <a:chOff x="0" y="0"/>
-          <a:chExt cx="0" cy="0"/>
-        </a:xfrm>
-      </p:grpSpPr>
-      <p:sp>
-        <p:nvSpPr>
-          <p:cNvPr id="2" name="幻灯片图像占位符 1"/>
-          <p:cNvSpPr>
-            <a:spLocks noGrp="1" noRot="1" noChangeAspect="1"/>
-          </p:cNvSpPr>
-          <p:nvPr>
-            <p:ph type="sldImg"/>
-          </p:nvPr>
-        </p:nvSpPr>
-        <p:spPr/>
-      </p:sp>
-      <p:sp>
-        <p:nvSpPr>
-          <p:cNvPr id="3" name="备注占位符 2"/>
-          <p:cNvSpPr>
-            <a:spLocks noGrp="1"/>
-          </p:cNvSpPr>
-          <p:nvPr>
-            <p:ph type="body" idx="1"/>
-          </p:nvPr>
-        </p:nvSpPr>
-        <p:spPr/>
-        <p:txBody>
-          <a:bodyPr/>
-          <a:lstStyle/>
-          <a:p>
-            <a:endParaRPr lang="zh-CN" altLang="en-US" dirty="0"/>
-          </a:p>
-        </p:txBody>
-      </p:sp>
-      <p:sp>
-        <p:nvSpPr>
-          <p:cNvPr id="4" name="灯片编号占位符 3"/>
-          <p:cNvSpPr>
-            <a:spLocks noGrp="1"/>
-          </p:cNvSpPr>
-          <p:nvPr>
-            <p:ph type="sldNum" sz="quarter" idx="5"/>
-          </p:nvPr>
-        </p:nvSpPr>
-        <p:spPr/>
-        <p:txBody>
-          <a:bodyPr/>
-          <a:lstStyle/>
-          <a:p>
-            <a:fld id="{6BB39CB8-6A4D-410E-AE32-A931C305A9B5}" type="slidenum">
-              <a:rPr lang="zh-CN" altLang="en-US" smtClean="0"/>
-              <a:t>5</a:t>
-            </a:fld>
-            <a:endParaRPr lang="zh-CN" altLang="en-US"/>
-          </a:p>
-        </p:txBody>
-      </p:sp>
-    </p:spTree>
-  </p:cSld>
-  <p:clrMapOvr>
-    <a:masterClrMapping/>
-  </p:clrMapOvr>
-</p:notes>
-</file>
-
-<file path=ppt/notesSlides/notesSlide6.xml><?xml version="1.0" encoding="utf-8"?>
 <p:notes xmlns:a="http://schemas.openxmlformats.org/drawingml/2006/main" xmlns:r="http://schemas.openxmlformats.org/officeDocument/2006/relationships" xmlns:p="http://schemas.openxmlformats.org/presentationml/2006/main" showMasterSp="0" showMasterPhAnim="0">
   <p:cSld>
     <p:spTree>
@@ -1301,6 +1143,85 @@
               <a:buNone/>
             </a:pPr>
             <a:endParaRPr/>
+          </a:p>
+        </p:txBody>
+      </p:sp>
+    </p:spTree>
+  </p:cSld>
+  <p:clrMapOvr>
+    <a:masterClrMapping/>
+  </p:clrMapOvr>
+</p:notes>
+</file>
+
+<file path=ppt/notesSlides/notesSlide6.xml><?xml version="1.0" encoding="utf-8"?>
+<p:notes xmlns:a="http://schemas.openxmlformats.org/drawingml/2006/main" xmlns:r="http://schemas.openxmlformats.org/officeDocument/2006/relationships" xmlns:p="http://schemas.openxmlformats.org/presentationml/2006/main">
+  <p:cSld>
+    <p:spTree>
+      <p:nvGrpSpPr>
+        <p:cNvPr id="1" name=""/>
+        <p:cNvGrpSpPr/>
+        <p:nvPr/>
+      </p:nvGrpSpPr>
+      <p:grpSpPr>
+        <a:xfrm>
+          <a:off x="0" y="0"/>
+          <a:ext cx="0" cy="0"/>
+          <a:chOff x="0" y="0"/>
+          <a:chExt cx="0" cy="0"/>
+        </a:xfrm>
+      </p:grpSpPr>
+      <p:sp>
+        <p:nvSpPr>
+          <p:cNvPr id="2" name="幻灯片图像占位符 1"/>
+          <p:cNvSpPr>
+            <a:spLocks noGrp="1" noRot="1" noChangeAspect="1"/>
+          </p:cNvSpPr>
+          <p:nvPr>
+            <p:ph type="sldImg"/>
+          </p:nvPr>
+        </p:nvSpPr>
+        <p:spPr/>
+      </p:sp>
+      <p:sp>
+        <p:nvSpPr>
+          <p:cNvPr id="3" name="备注占位符 2"/>
+          <p:cNvSpPr>
+            <a:spLocks noGrp="1"/>
+          </p:cNvSpPr>
+          <p:nvPr>
+            <p:ph type="body" idx="1"/>
+          </p:nvPr>
+        </p:nvSpPr>
+        <p:spPr/>
+        <p:txBody>
+          <a:bodyPr/>
+          <a:lstStyle/>
+          <a:p>
+            <a:endParaRPr lang="zh-CN" altLang="en-US" dirty="0"/>
+          </a:p>
+        </p:txBody>
+      </p:sp>
+      <p:sp>
+        <p:nvSpPr>
+          <p:cNvPr id="4" name="灯片编号占位符 3"/>
+          <p:cNvSpPr>
+            <a:spLocks noGrp="1"/>
+          </p:cNvSpPr>
+          <p:nvPr>
+            <p:ph type="sldNum" sz="quarter" idx="5"/>
+          </p:nvPr>
+        </p:nvSpPr>
+        <p:spPr/>
+        <p:txBody>
+          <a:bodyPr/>
+          <a:lstStyle/>
+          <a:p>
+            <a:fld id="{6BB39CB8-6A4D-410E-AE32-A931C305A9B5}" type="slidenum">
+              <a:rPr lang="zh-CN" altLang="en-US" smtClean="0"/>
+              <a:t>7</a:t>
+            </a:fld>
+            <a:endParaRPr lang="zh-CN" altLang="en-US"/>
           </a:p>
         </p:txBody>
       </p:sp>
@@ -1377,7 +1298,7 @@
           <a:p>
             <a:fld id="{6BB39CB8-6A4D-410E-AE32-A931C305A9B5}" type="slidenum">
               <a:rPr lang="zh-CN" altLang="en-US" smtClean="0"/>
-              <a:t>7</a:t>
+              <a:t>8</a:t>
             </a:fld>
             <a:endParaRPr lang="zh-CN" altLang="en-US"/>
           </a:p>
@@ -1456,7 +1377,7 @@
           <a:p>
             <a:fld id="{6BB39CB8-6A4D-410E-AE32-A931C305A9B5}" type="slidenum">
               <a:rPr lang="zh-CN" altLang="en-US" smtClean="0"/>
-              <a:t>8</a:t>
+              <a:t>9</a:t>
             </a:fld>
             <a:endParaRPr lang="zh-CN" altLang="en-US"/>
           </a:p>
@@ -1535,7 +1456,7 @@
           <a:p>
             <a:fld id="{6BB39CB8-6A4D-410E-AE32-A931C305A9B5}" type="slidenum">
               <a:rPr lang="zh-CN" altLang="en-US" smtClean="0"/>
-              <a:t>9</a:t>
+              <a:t>10</a:t>
             </a:fld>
             <a:endParaRPr lang="zh-CN" altLang="en-US"/>
           </a:p>
@@ -5983,7 +5904,7 @@
               <a:t>Richer admin workflows</a:t>
             </a:r>
             <a:r>
-              <a:rPr lang="en-US" altLang="zh-CN" sz="1600">
+              <a:rPr lang="en-US" altLang="zh-CN" sz="1600" dirty="0">
                 <a:latin typeface="+mn-ea"/>
                 <a:sym typeface="+mn-ea"/>
               </a:rPr>
@@ -6009,7 +5930,7 @@
               <a:t>Wishlist support for our app</a:t>
             </a:r>
             <a:r>
-              <a:rPr lang="en-US" altLang="zh-CN" sz="1600">
+              <a:rPr lang="en-US" altLang="zh-CN" sz="1600" dirty="0">
                 <a:latin typeface="+mn-ea"/>
                 <a:sym typeface="+mn-ea"/>
               </a:rPr>
@@ -6509,10 +6430,10 @@
           <a:p>
             <a:pPr algn="ctr"/>
             <a:r>
-              <a:rPr lang="en-GB" sz="2400"/>
+              <a:rPr lang="en-GB" sz="2400" dirty="0"/>
               <a:t>Sensor</a:t>
             </a:r>
-            <a:endParaRPr sz="2400"/>
+            <a:endParaRPr sz="2400" dirty="0"/>
           </a:p>
         </p:txBody>
       </p:sp>
@@ -6801,14 +6722,20 @@
       </p:grpSpPr>
       <p:pic>
         <p:nvPicPr>
-          <p:cNvPr id="30" name="图片 29"/>
+          <p:cNvPr id="6" name="图片 5">
+            <a:extLst>
+              <a:ext uri="{FF2B5EF4-FFF2-40B4-BE49-F238E27FC236}">
+                <a16:creationId xmlns:a16="http://schemas.microsoft.com/office/drawing/2014/main" id="{BF58560B-CB9C-152D-79FD-ED338AC6D717}"/>
+              </a:ext>
+            </a:extLst>
+          </p:cNvPr>
           <p:cNvPicPr>
             <a:picLocks noChangeAspect="1"/>
           </p:cNvPicPr>
           <p:nvPr/>
         </p:nvPicPr>
         <p:blipFill rotWithShape="1">
-          <a:blip r:embed="rId3" cstate="screen"/>
+          <a:blip r:embed="rId2" cstate="screen"/>
           <a:srcRect/>
           <a:stretch>
             <a:fillRect/>
@@ -6826,14 +6753,65 @@
       </p:pic>
       <p:sp>
         <p:nvSpPr>
-          <p:cNvPr id="27" name="文本框 26"/>
+          <p:cNvPr id="14" name="矩形 13">
+            <a:extLst>
+              <a:ext uri="{FF2B5EF4-FFF2-40B4-BE49-F238E27FC236}">
+                <a16:creationId xmlns:a16="http://schemas.microsoft.com/office/drawing/2014/main" id="{E45F58C4-6C5C-37DD-A99D-563ACE3E9ECF}"/>
+              </a:ext>
+            </a:extLst>
+          </p:cNvPr>
+          <p:cNvSpPr/>
+          <p:nvPr/>
+        </p:nvSpPr>
+        <p:spPr>
+          <a:xfrm>
+            <a:off x="387350" y="920463"/>
+            <a:ext cx="11220450" cy="5747037"/>
+          </a:xfrm>
+          <a:prstGeom prst="rect">
+            <a:avLst/>
+          </a:prstGeom>
+          <a:ln/>
+        </p:spPr>
+        <p:style>
+          <a:lnRef idx="2">
+            <a:schemeClr val="dk1"/>
+          </a:lnRef>
+          <a:fillRef idx="1">
+            <a:schemeClr val="lt1"/>
+          </a:fillRef>
+          <a:effectRef idx="0">
+            <a:schemeClr val="dk1"/>
+          </a:effectRef>
+          <a:fontRef idx="minor">
+            <a:schemeClr val="dk1"/>
+          </a:fontRef>
+        </p:style>
+        <p:txBody>
+          <a:bodyPr rtlCol="0" anchor="ctr"/>
+          <a:lstStyle/>
+          <a:p>
+            <a:pPr algn="ctr"/>
+            <a:endParaRPr lang="zh-CN" altLang="en-US" dirty="0"/>
+          </a:p>
+        </p:txBody>
+      </p:sp>
+      <p:sp>
+        <p:nvSpPr>
+          <p:cNvPr id="15" name="文本框 14">
+            <a:extLst>
+              <a:ext uri="{FF2B5EF4-FFF2-40B4-BE49-F238E27FC236}">
+                <a16:creationId xmlns:a16="http://schemas.microsoft.com/office/drawing/2014/main" id="{83DDF74C-639E-7B89-2E5A-7CDE77E7C1FA}"/>
+              </a:ext>
+            </a:extLst>
+          </p:cNvPr>
           <p:cNvSpPr txBox="1"/>
           <p:nvPr/>
         </p:nvSpPr>
         <p:spPr>
           <a:xfrm>
-            <a:off x="716089" y="397243"/>
-            <a:ext cx="5858882" cy="523220"/>
+            <a:off x="4114800" y="1067174"/>
+            <a:ext cx="3498850" cy="317523"/>
           </a:xfrm>
           <a:prstGeom prst="rect">
             <a:avLst/>
@@ -6841,21 +6819,68 @@
           <a:noFill/>
         </p:spPr>
         <p:txBody>
-          <a:bodyPr wrap="square" rtlCol="0">
+          <a:bodyPr wrap="square">
             <a:spAutoFit/>
           </a:bodyPr>
           <a:lstStyle/>
           <a:p>
-            <a:r>
-              <a:rPr lang="en-US" altLang="zh-CN" sz="2800" b="1" dirty="0"/>
-              <a:t>MVVM Architecture Diagram</a:t>
+            <a:pPr algn="l" latinLnBrk="1">
+              <a:lnSpc>
+                <a:spcPts val="1650"/>
+              </a:lnSpc>
+              <a:buNone/>
+            </a:pPr>
+            <a:r>
+              <a:rPr lang="en-US" altLang="zh-CN" b="0" dirty="0">
+                <a:solidFill>
+                  <a:srgbClr val="0F1115"/>
+                </a:solidFill>
+                <a:effectLst/>
+              </a:rPr>
+              <a:t>Android APP (Jetpack Compose) </a:t>
             </a:r>
           </a:p>
         </p:txBody>
       </p:sp>
       <p:pic>
         <p:nvPicPr>
-          <p:cNvPr id="5" name="图片 4"/>
+          <p:cNvPr id="3" name="图片 2">
+            <a:extLst>
+              <a:ext uri="{FF2B5EF4-FFF2-40B4-BE49-F238E27FC236}">
+                <a16:creationId xmlns:a16="http://schemas.microsoft.com/office/drawing/2014/main" id="{CB49752B-D011-94EA-BF19-E1FE5AB96E77}"/>
+              </a:ext>
+            </a:extLst>
+          </p:cNvPr>
+          <p:cNvPicPr>
+            <a:picLocks noChangeAspect="1"/>
+          </p:cNvPicPr>
+          <p:nvPr/>
+        </p:nvPicPr>
+        <p:blipFill>
+          <a:blip r:embed="rId3"/>
+          <a:stretch>
+            <a:fillRect/>
+          </a:stretch>
+        </p:blipFill>
+        <p:spPr>
+          <a:xfrm>
+            <a:off x="1049000" y="1384697"/>
+            <a:ext cx="5047000" cy="1182440"/>
+          </a:xfrm>
+          <a:prstGeom prst="rect">
+            <a:avLst/>
+          </a:prstGeom>
+        </p:spPr>
+      </p:pic>
+      <p:pic>
+        <p:nvPicPr>
+          <p:cNvPr id="5" name="图片 4">
+            <a:extLst>
+              <a:ext uri="{FF2B5EF4-FFF2-40B4-BE49-F238E27FC236}">
+                <a16:creationId xmlns:a16="http://schemas.microsoft.com/office/drawing/2014/main" id="{B8058796-ECCC-E098-CF6B-C02E162E81BF}"/>
+              </a:ext>
+            </a:extLst>
+          </p:cNvPr>
           <p:cNvPicPr>
             <a:picLocks noChangeAspect="1"/>
           </p:cNvPicPr>
@@ -6869,17 +6894,58 @@
         </p:blipFill>
         <p:spPr>
           <a:xfrm>
-            <a:off x="1179104" y="1493266"/>
-            <a:ext cx="3477534" cy="4051655"/>
+            <a:off x="1387475" y="2667868"/>
+            <a:ext cx="3679645" cy="1572691"/>
           </a:xfrm>
           <a:prstGeom prst="rect">
             <a:avLst/>
           </a:prstGeom>
         </p:spPr>
       </p:pic>
+      <p:sp>
+        <p:nvSpPr>
+          <p:cNvPr id="7" name="文本框 6">
+            <a:extLst>
+              <a:ext uri="{FF2B5EF4-FFF2-40B4-BE49-F238E27FC236}">
+                <a16:creationId xmlns:a16="http://schemas.microsoft.com/office/drawing/2014/main" id="{568CE9A3-ADD7-8EB3-FE97-B34528691E2F}"/>
+              </a:ext>
+            </a:extLst>
+          </p:cNvPr>
+          <p:cNvSpPr txBox="1"/>
+          <p:nvPr/>
+        </p:nvSpPr>
+        <p:spPr>
+          <a:xfrm>
+            <a:off x="468439" y="251353"/>
+            <a:ext cx="5858882" cy="523220"/>
+          </a:xfrm>
+          <a:prstGeom prst="rect">
+            <a:avLst/>
+          </a:prstGeom>
+          <a:noFill/>
+        </p:spPr>
+        <p:txBody>
+          <a:bodyPr wrap="square" rtlCol="0">
+            <a:spAutoFit/>
+          </a:bodyPr>
+          <a:lstStyle/>
+          <a:p>
+            <a:r>
+              <a:rPr lang="en-US" altLang="zh-CN" sz="2800" b="1" dirty="0"/>
+              <a:t>MVVM Architecture Diagram</a:t>
+            </a:r>
+          </a:p>
+        </p:txBody>
+      </p:sp>
       <p:pic>
         <p:nvPicPr>
-          <p:cNvPr id="7" name="图片 6"/>
+          <p:cNvPr id="11" name="图片 10">
+            <a:extLst>
+              <a:ext uri="{FF2B5EF4-FFF2-40B4-BE49-F238E27FC236}">
+                <a16:creationId xmlns:a16="http://schemas.microsoft.com/office/drawing/2014/main" id="{E3C313BA-9495-A9B1-D6F0-B4066F038ACD}"/>
+              </a:ext>
+            </a:extLst>
+          </p:cNvPr>
           <p:cNvPicPr>
             <a:picLocks noChangeAspect="1"/>
           </p:cNvPicPr>
@@ -6887,15 +6953,14 @@
         </p:nvPicPr>
         <p:blipFill>
           <a:blip r:embed="rId5"/>
-          <a:srcRect b="20002"/>
           <a:stretch>
             <a:fillRect/>
           </a:stretch>
         </p:blipFill>
         <p:spPr>
           <a:xfrm>
-            <a:off x="5082521" y="1265810"/>
-            <a:ext cx="2320460" cy="5046879"/>
+            <a:off x="1431745" y="4373404"/>
+            <a:ext cx="3396913" cy="1965264"/>
           </a:xfrm>
           <a:prstGeom prst="rect">
             <a:avLst/>
@@ -6904,7 +6969,13 @@
       </p:pic>
       <p:pic>
         <p:nvPicPr>
-          <p:cNvPr id="10" name="图片 9"/>
+          <p:cNvPr id="13" name="图片 12">
+            <a:extLst>
+              <a:ext uri="{FF2B5EF4-FFF2-40B4-BE49-F238E27FC236}">
+                <a16:creationId xmlns:a16="http://schemas.microsoft.com/office/drawing/2014/main" id="{4DD67AF3-437E-DDB2-7F50-2D63948851B7}"/>
+              </a:ext>
+            </a:extLst>
+          </p:cNvPr>
           <p:cNvPicPr>
             <a:picLocks noChangeAspect="1"/>
           </p:cNvPicPr>
@@ -6912,22 +6983,145 @@
         </p:nvPicPr>
         <p:blipFill>
           <a:blip r:embed="rId6"/>
-          <a:srcRect t="6205"/>
           <a:stretch>
             <a:fillRect/>
           </a:stretch>
         </p:blipFill>
         <p:spPr>
           <a:xfrm>
-            <a:off x="8268728" y="2611525"/>
-            <a:ext cx="3057525" cy="2179885"/>
+            <a:off x="6327321" y="3454213"/>
+            <a:ext cx="3396913" cy="2722563"/>
           </a:xfrm>
           <a:prstGeom prst="rect">
             <a:avLst/>
           </a:prstGeom>
         </p:spPr>
       </p:pic>
+      <p:cxnSp>
+        <p:nvCxnSpPr>
+          <p:cNvPr id="17" name="直接箭头连接符 16">
+            <a:extLst>
+              <a:ext uri="{FF2B5EF4-FFF2-40B4-BE49-F238E27FC236}">
+                <a16:creationId xmlns:a16="http://schemas.microsoft.com/office/drawing/2014/main" id="{18F59C24-5146-970D-68EC-A6650FA39BDE}"/>
+              </a:ext>
+            </a:extLst>
+          </p:cNvPr>
+          <p:cNvCxnSpPr/>
+          <p:nvPr/>
+        </p:nvCxnSpPr>
+        <p:spPr>
+          <a:xfrm>
+            <a:off x="3227297" y="2520950"/>
+            <a:ext cx="0" cy="260350"/>
+          </a:xfrm>
+          <a:prstGeom prst="straightConnector1">
+            <a:avLst/>
+          </a:prstGeom>
+          <a:ln>
+            <a:tailEnd type="triangle"/>
+          </a:ln>
+        </p:spPr>
+        <p:style>
+          <a:lnRef idx="2">
+            <a:schemeClr val="dk1"/>
+          </a:lnRef>
+          <a:fillRef idx="0">
+            <a:schemeClr val="dk1"/>
+          </a:fillRef>
+          <a:effectRef idx="1">
+            <a:schemeClr val="dk1"/>
+          </a:effectRef>
+          <a:fontRef idx="minor">
+            <a:schemeClr val="tx1"/>
+          </a:fontRef>
+        </p:style>
+      </p:cxnSp>
+      <p:cxnSp>
+        <p:nvCxnSpPr>
+          <p:cNvPr id="18" name="直接箭头连接符 17">
+            <a:extLst>
+              <a:ext uri="{FF2B5EF4-FFF2-40B4-BE49-F238E27FC236}">
+                <a16:creationId xmlns:a16="http://schemas.microsoft.com/office/drawing/2014/main" id="{B72048EA-3636-3DFA-C1B8-03E17FB767D7}"/>
+              </a:ext>
+            </a:extLst>
+          </p:cNvPr>
+          <p:cNvCxnSpPr/>
+          <p:nvPr/>
+        </p:nvCxnSpPr>
+        <p:spPr>
+          <a:xfrm>
+            <a:off x="3043147" y="4214654"/>
+            <a:ext cx="0" cy="260350"/>
+          </a:xfrm>
+          <a:prstGeom prst="straightConnector1">
+            <a:avLst/>
+          </a:prstGeom>
+          <a:ln>
+            <a:tailEnd type="triangle"/>
+          </a:ln>
+        </p:spPr>
+        <p:style>
+          <a:lnRef idx="2">
+            <a:schemeClr val="dk1"/>
+          </a:lnRef>
+          <a:fillRef idx="0">
+            <a:schemeClr val="dk1"/>
+          </a:fillRef>
+          <a:effectRef idx="1">
+            <a:schemeClr val="dk1"/>
+          </a:effectRef>
+          <a:fontRef idx="minor">
+            <a:schemeClr val="tx1"/>
+          </a:fontRef>
+        </p:style>
+      </p:cxnSp>
+      <p:cxnSp>
+        <p:nvCxnSpPr>
+          <p:cNvPr id="20" name="直接箭头连接符 19">
+            <a:extLst>
+              <a:ext uri="{FF2B5EF4-FFF2-40B4-BE49-F238E27FC236}">
+                <a16:creationId xmlns:a16="http://schemas.microsoft.com/office/drawing/2014/main" id="{573F3C0D-767C-1E29-D9FC-22DA5E673913}"/>
+              </a:ext>
+            </a:extLst>
+          </p:cNvPr>
+          <p:cNvCxnSpPr>
+            <a:cxnSpLocks/>
+          </p:cNvCxnSpPr>
+          <p:nvPr/>
+        </p:nvCxnSpPr>
+        <p:spPr>
+          <a:xfrm>
+            <a:off x="4828658" y="5181600"/>
+            <a:ext cx="1498663" cy="0"/>
+          </a:xfrm>
+          <a:prstGeom prst="straightConnector1">
+            <a:avLst/>
+          </a:prstGeom>
+          <a:ln>
+            <a:tailEnd type="triangle"/>
+          </a:ln>
+        </p:spPr>
+        <p:style>
+          <a:lnRef idx="2">
+            <a:schemeClr val="dk1"/>
+          </a:lnRef>
+          <a:fillRef idx="0">
+            <a:schemeClr val="dk1"/>
+          </a:fillRef>
+          <a:effectRef idx="1">
+            <a:schemeClr val="dk1"/>
+          </a:effectRef>
+          <a:fontRef idx="minor">
+            <a:schemeClr val="tx1"/>
+          </a:fontRef>
+        </p:style>
+      </p:cxnSp>
     </p:spTree>
+    <p:extLst>
+      <p:ext uri="{BB962C8B-B14F-4D97-AF65-F5344CB8AC3E}">
+        <p14:creationId xmlns:p14="http://schemas.microsoft.com/office/powerpoint/2010/main" val="4058112585"/>
+      </p:ext>
+    </p:extLst>
   </p:cSld>
   <p:clrMapOvr>
     <a:masterClrMapping/>
@@ -8952,81 +9146,6 @@
   <p:clrMapOvr>
     <a:masterClrMapping/>
   </p:clrMapOvr>
-  <p:timing>
-    <p:tnLst>
-      <p:par>
-        <p:cTn id="1" dur="indefinite" restart="never" nodeType="tmRoot">
-          <p:childTnLst>
-            <p:seq concurrent="1" nextAc="seek">
-              <p:cTn id="2" dur="indefinite" nodeType="mainSeq">
-                <p:childTnLst>
-                  <p:par>
-                    <p:cTn id="3" fill="hold">
-                      <p:stCondLst>
-                        <p:cond delay="indefinite"/>
-                      </p:stCondLst>
-                      <p:childTnLst>
-                        <p:par>
-                          <p:cTn id="4" fill="hold">
-                            <p:stCondLst>
-                              <p:cond delay="0"/>
-                            </p:stCondLst>
-                            <p:childTnLst>
-                              <p:par>
-                                <p:cTn id="5" presetID="1" presetClass="entr" presetSubtype="0" fill="hold" nodeType="clickEffect">
-                                  <p:stCondLst>
-                                    <p:cond delay="0"/>
-                                  </p:stCondLst>
-                                  <p:childTnLst>
-                                    <p:set>
-                                      <p:cBhvr>
-                                        <p:cTn id="6" dur="1" fill="hold">
-                                          <p:stCondLst>
-                                            <p:cond delay="0"/>
-                                          </p:stCondLst>
-                                        </p:cTn>
-                                        <p:tgtEl>
-                                          <p:spTgt spid="74"/>
-                                        </p:tgtEl>
-                                        <p:attrNameLst>
-                                          <p:attrName>style.visibility</p:attrName>
-                                        </p:attrNameLst>
-                                      </p:cBhvr>
-                                      <p:to>
-                                        <p:strVal val="visible"/>
-                                      </p:to>
-                                    </p:set>
-                                  </p:childTnLst>
-                                </p:cTn>
-                              </p:par>
-                            </p:childTnLst>
-                          </p:cTn>
-                        </p:par>
-                      </p:childTnLst>
-                    </p:cTn>
-                  </p:par>
-                </p:childTnLst>
-              </p:cTn>
-              <p:prevCondLst>
-                <p:cond evt="onPrev" delay="0">
-                  <p:tgtEl>
-                    <p:sldTgt/>
-                  </p:tgtEl>
-                </p:cond>
-              </p:prevCondLst>
-              <p:nextCondLst>
-                <p:cond evt="onNext" delay="0">
-                  <p:tgtEl>
-                    <p:sldTgt/>
-                  </p:tgtEl>
-                </p:cond>
-              </p:nextCondLst>
-            </p:seq>
-          </p:childTnLst>
-        </p:cTn>
-      </p:par>
-    </p:tnLst>
-  </p:timing>
 </p:sld>
 </file>
 
